--- a/presentation.pptx
+++ b/presentation.pptx
@@ -24,6 +24,9 @@
     <p:sldId id="271" r:id="rId19"/>
     <p:sldId id="272" r:id="rId20"/>
     <p:sldId id="273" r:id="rId21"/>
+    <p:sldId id="274" r:id="rId22"/>
+    <p:sldId id="275" r:id="rId23"/>
+    <p:sldId id="276" r:id="rId24"/>
   </p:sldIdLst>
   <p:sldSz cx="12192000" cy="6858000"/>
   <p:notesSz cx="7559675" cy="10691812"/>
@@ -2382,8 +2385,8 @@
         </p:nvSpPr>
         <p:spPr>
           <a:xfrm>
-            <a:off x="838080" y="365040"/>
-            <a:ext cx="10514880" cy="1325160"/>
+            <a:off x="609480" y="273600"/>
+            <a:ext cx="10972080" cy="1144800"/>
           </a:xfrm>
           <a:prstGeom prst="rect">
             <a:avLst/>
@@ -2415,7 +2418,7 @@
         <p:spPr>
           <a:xfrm>
             <a:off x="609480" y="1604520"/>
-            <a:ext cx="10972440" cy="3977280"/>
+            <a:ext cx="10972080" cy="3976920"/>
           </a:xfrm>
           <a:prstGeom prst="rect">
             <a:avLst/>
@@ -2430,7 +2433,7 @@
               <a:buChar char=""/>
             </a:pPr>
             <a:r>
-              <a:rPr lang="en-US" sz="3200">
+              <a:rPr lang="en-US">
                 <a:latin typeface="Arial"/>
               </a:rPr>
               <a:t>Click to edit the outline text format</a:t>
@@ -2444,7 +2447,7 @@
               <a:buChar char=""/>
             </a:pPr>
             <a:r>
-              <a:rPr lang="en-US" sz="2800">
+              <a:rPr lang="en-US">
                 <a:latin typeface="Arial"/>
               </a:rPr>
               <a:t>Second Outline Level</a:t>
@@ -2458,7 +2461,7 @@
               <a:buChar char=""/>
             </a:pPr>
             <a:r>
-              <a:rPr lang="en-US" sz="2400">
+              <a:rPr lang="en-US">
                 <a:latin typeface="Arial"/>
               </a:rPr>
               <a:t>Third Outline Level</a:t>
@@ -2472,7 +2475,7 @@
               <a:buChar char=""/>
             </a:pPr>
             <a:r>
-              <a:rPr lang="en-US" sz="2000">
+              <a:rPr lang="en-US">
                 <a:latin typeface="Arial"/>
               </a:rPr>
               <a:t>Fourth Outline Level</a:t>
@@ -2486,7 +2489,7 @@
               <a:buChar char=""/>
             </a:pPr>
             <a:r>
-              <a:rPr lang="en-US" sz="2000">
+              <a:rPr lang="en-US">
                 <a:latin typeface="Arial"/>
               </a:rPr>
               <a:t>Fifth Outline Level</a:t>
@@ -2500,7 +2503,7 @@
               <a:buChar char=""/>
             </a:pPr>
             <a:r>
-              <a:rPr lang="en-US" sz="2000">
+              <a:rPr lang="en-US">
                 <a:latin typeface="Arial"/>
               </a:rPr>
               <a:t>Sixth Outline Level</a:t>
@@ -2514,7 +2517,7 @@
               <a:buChar char=""/>
             </a:pPr>
             <a:r>
-              <a:rPr lang="en-US" sz="2000">
+              <a:rPr lang="en-US">
                 <a:latin typeface="Arial"/>
               </a:rPr>
               <a:t>Seventh Outline Level</a:t>
@@ -2767,7 +2770,7 @@
         <p:spPr>
           <a:xfrm>
             <a:off x="1523880" y="1122480"/>
-            <a:ext cx="9143280" cy="2386800"/>
+            <a:ext cx="9142920" cy="2386440"/>
           </a:xfrm>
           <a:prstGeom prst="rect">
             <a:avLst/>
@@ -2856,7 +2859,7 @@
         <p:spPr>
           <a:xfrm>
             <a:off x="838080" y="365040"/>
-            <a:ext cx="10514880" cy="1324800"/>
+            <a:ext cx="10514520" cy="1324440"/>
           </a:xfrm>
           <a:prstGeom prst="rect">
             <a:avLst/>
@@ -2896,7 +2899,7 @@
         <p:spPr>
           <a:xfrm>
             <a:off x="838080" y="1825560"/>
-            <a:ext cx="10514880" cy="4350600"/>
+            <a:ext cx="10514520" cy="4350240"/>
           </a:xfrm>
           <a:prstGeom prst="rect">
             <a:avLst/>
@@ -3058,7 +3061,7 @@
         <p:spPr>
           <a:xfrm>
             <a:off x="838080" y="365040"/>
-            <a:ext cx="10514880" cy="1324800"/>
+            <a:ext cx="10514520" cy="1324440"/>
           </a:xfrm>
           <a:prstGeom prst="rect">
             <a:avLst/>
@@ -3098,7 +3101,7 @@
         <p:spPr>
           <a:xfrm>
             <a:off x="838080" y="1825560"/>
-            <a:ext cx="10514880" cy="4350600"/>
+            <a:ext cx="10514520" cy="4350240"/>
           </a:xfrm>
           <a:prstGeom prst="rect">
             <a:avLst/>
@@ -3246,7 +3249,7 @@
         <p:spPr>
           <a:xfrm>
             <a:off x="838080" y="365040"/>
-            <a:ext cx="10514880" cy="1324800"/>
+            <a:ext cx="10514520" cy="1324440"/>
           </a:xfrm>
           <a:prstGeom prst="rect">
             <a:avLst/>
@@ -3286,7 +3289,7 @@
         <p:spPr>
           <a:xfrm>
             <a:off x="838080" y="1825560"/>
-            <a:ext cx="10514880" cy="4350600"/>
+            <a:ext cx="10514520" cy="4350240"/>
           </a:xfrm>
           <a:prstGeom prst="rect">
             <a:avLst/>
@@ -3474,7 +3477,7 @@
         <p:spPr>
           <a:xfrm>
             <a:off x="838080" y="365040"/>
-            <a:ext cx="10514880" cy="1324800"/>
+            <a:ext cx="10514520" cy="1324440"/>
           </a:xfrm>
           <a:prstGeom prst="rect">
             <a:avLst/>
@@ -3514,7 +3517,7 @@
         <p:spPr>
           <a:xfrm>
             <a:off x="838080" y="1825560"/>
-            <a:ext cx="10514880" cy="4350600"/>
+            <a:ext cx="10514520" cy="4350240"/>
           </a:xfrm>
           <a:prstGeom prst="rect">
             <a:avLst/>
@@ -3653,7 +3656,7 @@
         <p:spPr>
           <a:xfrm>
             <a:off x="838080" y="365040"/>
-            <a:ext cx="10514880" cy="1324800"/>
+            <a:ext cx="10514520" cy="1324440"/>
           </a:xfrm>
           <a:prstGeom prst="rect">
             <a:avLst/>
@@ -3693,7 +3696,7 @@
         <p:spPr>
           <a:xfrm>
             <a:off x="838080" y="1825560"/>
-            <a:ext cx="10514880" cy="4350600"/>
+            <a:ext cx="10514520" cy="4350240"/>
           </a:xfrm>
           <a:prstGeom prst="rect">
             <a:avLst/>
@@ -3795,16 +3798,14 @@
                 <a:spcPct val="100000"/>
               </a:lnSpc>
             </a:pPr>
-            <a:r>
-              <a:rPr lang="en-US" sz="2800">
-                <a:solidFill>
-                  <a:srgbClr val="000000"/>
-                </a:solidFill>
-                <a:latin typeface="Calibri light"/>
-              </a:rPr>
-              <a:t>
-</a:t>
-            </a:r>
+            <a:endParaRPr/>
+          </a:p>
+          <a:p>
+            <a:pPr>
+              <a:lnSpc>
+                <a:spcPct val="100000"/>
+              </a:lnSpc>
+            </a:pPr>
             <a:endParaRPr/>
           </a:p>
           <a:p>
@@ -3883,7 +3884,7 @@
         <p:spPr>
           <a:xfrm>
             <a:off x="838080" y="365040"/>
-            <a:ext cx="10514880" cy="1324800"/>
+            <a:ext cx="10514520" cy="1324440"/>
           </a:xfrm>
           <a:prstGeom prst="rect">
             <a:avLst/>
@@ -3923,7 +3924,7 @@
         <p:spPr>
           <a:xfrm>
             <a:off x="838080" y="1825560"/>
-            <a:ext cx="10514880" cy="4350600"/>
+            <a:ext cx="10514520" cy="4350240"/>
           </a:xfrm>
           <a:prstGeom prst="rect">
             <a:avLst/>
@@ -4085,16 +4086,14 @@
                 <a:spcPct val="100000"/>
               </a:lnSpc>
             </a:pPr>
-            <a:r>
-              <a:rPr lang="en-US" sz="2800">
-                <a:solidFill>
-                  <a:srgbClr val="000000"/>
-                </a:solidFill>
-                <a:latin typeface="Calibri light"/>
-              </a:rPr>
-              <a:t>
-</a:t>
-            </a:r>
+            <a:endParaRPr/>
+          </a:p>
+          <a:p>
+            <a:pPr>
+              <a:lnSpc>
+                <a:spcPct val="100000"/>
+              </a:lnSpc>
+            </a:pPr>
             <a:endParaRPr/>
           </a:p>
           <a:p>
@@ -4173,7 +4172,7 @@
         <p:spPr>
           <a:xfrm>
             <a:off x="838080" y="365040"/>
-            <a:ext cx="10514880" cy="1324800"/>
+            <a:ext cx="10514520" cy="1324440"/>
           </a:xfrm>
           <a:prstGeom prst="rect">
             <a:avLst/>
@@ -4213,7 +4212,7 @@
         <p:spPr>
           <a:xfrm>
             <a:off x="838080" y="1825560"/>
-            <a:ext cx="10514880" cy="4350600"/>
+            <a:ext cx="10514520" cy="4350240"/>
           </a:xfrm>
           <a:prstGeom prst="rect">
             <a:avLst/>
@@ -4281,16 +4280,14 @@
                 <a:spcPct val="100000"/>
               </a:lnSpc>
             </a:pPr>
-            <a:r>
-              <a:rPr lang="en-US" sz="2800">
-                <a:solidFill>
-                  <a:srgbClr val="000000"/>
-                </a:solidFill>
-                <a:latin typeface="Calibri light"/>
-              </a:rPr>
-              <a:t>
-</a:t>
-            </a:r>
+            <a:endParaRPr/>
+          </a:p>
+          <a:p>
+            <a:pPr>
+              <a:lnSpc>
+                <a:spcPct val="100000"/>
+              </a:lnSpc>
+            </a:pPr>
             <a:endParaRPr/>
           </a:p>
           <a:p>
@@ -4369,7 +4366,7 @@
         <p:spPr>
           <a:xfrm>
             <a:off x="838080" y="365040"/>
-            <a:ext cx="10514880" cy="1324800"/>
+            <a:ext cx="10514520" cy="1324440"/>
           </a:xfrm>
           <a:prstGeom prst="rect">
             <a:avLst/>
@@ -4409,7 +4406,7 @@
         <p:spPr>
           <a:xfrm>
             <a:off x="838080" y="1825560"/>
-            <a:ext cx="10514880" cy="4350600"/>
+            <a:ext cx="10514520" cy="4350240"/>
           </a:xfrm>
           <a:prstGeom prst="rect">
             <a:avLst/>
@@ -4477,16 +4474,14 @@
                 <a:spcPct val="100000"/>
               </a:lnSpc>
             </a:pPr>
-            <a:r>
-              <a:rPr lang="en-US" sz="2800">
-                <a:solidFill>
-                  <a:srgbClr val="000000"/>
-                </a:solidFill>
-                <a:latin typeface="Calibri light"/>
-              </a:rPr>
-              <a:t>
-</a:t>
-            </a:r>
+            <a:endParaRPr/>
+          </a:p>
+          <a:p>
+            <a:pPr>
+              <a:lnSpc>
+                <a:spcPct val="100000"/>
+              </a:lnSpc>
+            </a:pPr>
             <a:endParaRPr/>
           </a:p>
           <a:p>
@@ -4565,7 +4560,7 @@
         <p:spPr>
           <a:xfrm>
             <a:off x="838080" y="365040"/>
-            <a:ext cx="10514880" cy="1324800"/>
+            <a:ext cx="10514520" cy="1324440"/>
           </a:xfrm>
           <a:prstGeom prst="rect">
             <a:avLst/>
@@ -4605,7 +4600,7 @@
         <p:spPr>
           <a:xfrm>
             <a:off x="838080" y="1825560"/>
-            <a:ext cx="10514880" cy="4350600"/>
+            <a:ext cx="10514520" cy="4350240"/>
           </a:xfrm>
           <a:prstGeom prst="rect">
             <a:avLst/>
@@ -4655,7 +4650,7 @@
                 </a:solidFill>
                 <a:latin typeface="Lucida Console"/>
               </a:rPr>
-              <a:t>A função stats.mode() </a:t>
+              <a:t>Para obter a moda, podemos utilizar o método stats.mode(), fornecido pelo pacote SciPy</a:t>
             </a:r>
             <a:endParaRPr/>
           </a:p>
@@ -4670,6 +4665,202 @@
           <p:childTnLst>
             <p:seq>
               <p:cTn id="36" nodeType="mainSeq"/>
+              <p:prevCondLst>
+                <p:cond delay="0" evt="onPrev">
+                  <p:tgtEl>
+                    <p:sldTgt/>
+                  </p:tgtEl>
+                </p:cond>
+              </p:prevCondLst>
+              <p:nextCondLst>
+                <p:cond delay="0" evt="onNext">
+                  <p:tgtEl>
+                    <p:sldTgt/>
+                  </p:tgtEl>
+                </p:cond>
+              </p:nextCondLst>
+            </p:seq>
+          </p:childTnLst>
+        </p:cTn>
+      </p:par>
+    </p:tnLst>
+  </p:timing>
+</p:sld>
+</file>
+
+<file path=ppt/slides/slide19.xml><?xml version="1.0" encoding="utf-8"?>
+<p:sld xmlns:a="http://schemas.openxmlformats.org/drawingml/2006/main" xmlns:p="http://schemas.openxmlformats.org/presentationml/2006/main" xmlns:r="http://schemas.openxmlformats.org/officeDocument/2006/relationships">
+  <p:cSld>
+    <p:spTree>
+      <p:nvGrpSpPr>
+        <p:cNvPr id="1" name=""/>
+        <p:cNvGrpSpPr/>
+        <p:nvPr/>
+      </p:nvGrpSpPr>
+      <p:grpSpPr>
+        <a:xfrm>
+          <a:off x="0" y="0"/>
+          <a:ext cx="0" cy="0"/>
+          <a:chOff x="0" y="0"/>
+          <a:chExt cx="0" cy="0"/>
+        </a:xfrm>
+      </p:grpSpPr>
+      <p:sp>
+        <p:nvSpPr>
+          <p:cNvPr id="108" name="CustomShape 1"/>
+          <p:cNvSpPr/>
+          <p:nvPr/>
+        </p:nvSpPr>
+        <p:spPr>
+          <a:xfrm>
+            <a:off x="838080" y="365040"/>
+            <a:ext cx="10514520" cy="1324440"/>
+          </a:xfrm>
+          <a:prstGeom prst="rect">
+            <a:avLst/>
+          </a:prstGeom>
+          <a:noFill/>
+          <a:ln>
+            <a:noFill/>
+          </a:ln>
+        </p:spPr>
+        <p:txBody>
+          <a:bodyPr lIns="90000" rIns="90000" tIns="45000" bIns="45000" anchor="ctr"/>
+          <a:p>
+            <a:pPr>
+              <a:lnSpc>
+                <a:spcPct val="90000"/>
+              </a:lnSpc>
+            </a:pPr>
+            <a:r>
+              <a:rPr lang="en-US" sz="4400">
+                <a:solidFill>
+                  <a:srgbClr val="000000"/>
+                </a:solidFill>
+                <a:latin typeface="Calibri Light"/>
+              </a:rPr>
+              <a:t>Moda</a:t>
+            </a:r>
+            <a:endParaRPr/>
+          </a:p>
+        </p:txBody>
+      </p:sp>
+      <p:sp>
+        <p:nvSpPr>
+          <p:cNvPr id="109" name="CustomShape 2"/>
+          <p:cNvSpPr/>
+          <p:nvPr/>
+        </p:nvSpPr>
+        <p:spPr>
+          <a:xfrm>
+            <a:off x="838080" y="1825560"/>
+            <a:ext cx="10514520" cy="4350240"/>
+          </a:xfrm>
+          <a:prstGeom prst="rect">
+            <a:avLst/>
+          </a:prstGeom>
+          <a:noFill/>
+          <a:ln>
+            <a:noFill/>
+          </a:ln>
+        </p:spPr>
+        <p:txBody>
+          <a:bodyPr lIns="90000" rIns="90000" tIns="45000" bIns="45000"/>
+          <a:p>
+            <a:pPr>
+              <a:lnSpc>
+                <a:spcPct val="100000"/>
+              </a:lnSpc>
+            </a:pPr>
+            <a:r>
+              <a:rPr lang="en-US" sz="2800">
+                <a:solidFill>
+                  <a:srgbClr val="385623"/>
+                </a:solidFill>
+                <a:latin typeface="Lucida Console"/>
+              </a:rPr>
+              <a:t>from scipy import stats</a:t>
+            </a:r>
+            <a:endParaRPr/>
+          </a:p>
+          <a:p>
+            <a:pPr>
+              <a:lnSpc>
+                <a:spcPct val="100000"/>
+              </a:lnSpc>
+            </a:pPr>
+            <a:endParaRPr/>
+          </a:p>
+          <a:p>
+            <a:pPr>
+              <a:lnSpc>
+                <a:spcPct val="100000"/>
+              </a:lnSpc>
+            </a:pPr>
+            <a:r>
+              <a:rPr lang="en-US" sz="2800">
+                <a:solidFill>
+                  <a:srgbClr val="385623"/>
+                </a:solidFill>
+                <a:latin typeface="Lucida Console"/>
+              </a:rPr>
+              <a:t>numeros = [20, 20, 1000, 50, 20, 1000]</a:t>
+            </a:r>
+            <a:endParaRPr/>
+          </a:p>
+          <a:p>
+            <a:pPr>
+              <a:lnSpc>
+                <a:spcPct val="100000"/>
+              </a:lnSpc>
+            </a:pPr>
+            <a:r>
+              <a:rPr lang="en-US" sz="2800">
+                <a:solidFill>
+                  <a:srgbClr val="385623"/>
+                </a:solidFill>
+                <a:latin typeface="Lucida Console"/>
+              </a:rPr>
+              <a:t>stats.mode(numeros)</a:t>
+            </a:r>
+            <a:endParaRPr/>
+          </a:p>
+          <a:p>
+            <a:pPr>
+              <a:lnSpc>
+                <a:spcPct val="100000"/>
+              </a:lnSpc>
+            </a:pPr>
+            <a:endParaRPr/>
+          </a:p>
+          <a:p>
+            <a:pPr>
+              <a:lnSpc>
+                <a:spcPct val="100000"/>
+              </a:lnSpc>
+            </a:pPr>
+            <a:r>
+              <a:rPr lang="en-US" sz="2800">
+                <a:solidFill>
+                  <a:srgbClr val="385623"/>
+                </a:solidFill>
+                <a:latin typeface="Lucida Console"/>
+              </a:rPr>
+              <a:t>ModeResult(mode=array([20]), count=array([3]))</a:t>
+            </a:r>
+            <a:endParaRPr/>
+          </a:p>
+        </p:txBody>
+      </p:sp>
+    </p:spTree>
+  </p:cSld>
+  <p:timing>
+    <p:tnLst>
+      <p:par>
+        <p:cTn id="37" dur="indefinite" restart="never" nodeType="tmRoot">
+          <p:childTnLst>
+            <p:seq>
+              <p:cTn id="38" nodeType="mainSeq"/>
               <p:prevCondLst>
                 <p:cond delay="0" evt="onPrev">
                   <p:tgtEl>
@@ -4719,7 +4910,7 @@
         <p:spPr>
           <a:xfrm>
             <a:off x="838080" y="365040"/>
-            <a:ext cx="10514880" cy="1324800"/>
+            <a:ext cx="10514520" cy="1324440"/>
           </a:xfrm>
           <a:prstGeom prst="rect">
             <a:avLst/>
@@ -4759,7 +4950,7 @@
         <p:spPr>
           <a:xfrm>
             <a:off x="838080" y="1825560"/>
-            <a:ext cx="10514880" cy="2473920"/>
+            <a:ext cx="10514520" cy="2473560"/>
           </a:xfrm>
           <a:prstGeom prst="rect">
             <a:avLst/>
@@ -4871,7 +5062,7 @@
         <p:spPr>
           <a:xfrm>
             <a:off x="1270800" y="4628160"/>
-            <a:ext cx="9649800" cy="1407960"/>
+            <a:ext cx="9649440" cy="1407600"/>
           </a:xfrm>
           <a:prstGeom prst="roundRect">
             <a:avLst>
@@ -4989,6 +5180,347 @@
           <p:childTnLst>
             <p:seq>
               <p:cTn id="4" nodeType="mainSeq"/>
+              <p:prevCondLst>
+                <p:cond delay="0" evt="onPrev">
+                  <p:tgtEl>
+                    <p:sldTgt/>
+                  </p:tgtEl>
+                </p:cond>
+              </p:prevCondLst>
+              <p:nextCondLst>
+                <p:cond delay="0" evt="onNext">
+                  <p:tgtEl>
+                    <p:sldTgt/>
+                  </p:tgtEl>
+                </p:cond>
+              </p:nextCondLst>
+            </p:seq>
+          </p:childTnLst>
+        </p:cTn>
+      </p:par>
+    </p:tnLst>
+  </p:timing>
+</p:sld>
+</file>
+
+<file path=ppt/slides/slide20.xml><?xml version="1.0" encoding="utf-8"?>
+<p:sld xmlns:a="http://schemas.openxmlformats.org/drawingml/2006/main" xmlns:p="http://schemas.openxmlformats.org/presentationml/2006/main" xmlns:r="http://schemas.openxmlformats.org/officeDocument/2006/relationships">
+  <p:cSld>
+    <p:spTree>
+      <p:nvGrpSpPr>
+        <p:cNvPr id="1" name=""/>
+        <p:cNvGrpSpPr/>
+        <p:nvPr/>
+      </p:nvGrpSpPr>
+      <p:grpSpPr>
+        <a:xfrm>
+          <a:off x="0" y="0"/>
+          <a:ext cx="0" cy="0"/>
+          <a:chOff x="0" y="0"/>
+          <a:chExt cx="0" cy="0"/>
+        </a:xfrm>
+      </p:grpSpPr>
+      <p:sp>
+        <p:nvSpPr>
+          <p:cNvPr id="110" name="CustomShape 1"/>
+          <p:cNvSpPr/>
+          <p:nvPr/>
+        </p:nvSpPr>
+        <p:spPr>
+          <a:xfrm>
+            <a:off x="838080" y="365040"/>
+            <a:ext cx="10514520" cy="1324440"/>
+          </a:xfrm>
+          <a:prstGeom prst="rect">
+            <a:avLst/>
+          </a:prstGeom>
+          <a:noFill/>
+          <a:ln>
+            <a:noFill/>
+          </a:ln>
+        </p:spPr>
+        <p:txBody>
+          <a:bodyPr lIns="90000" rIns="90000" tIns="45000" bIns="45000" anchor="ctr"/>
+          <a:p>
+            <a:pPr>
+              <a:lnSpc>
+                <a:spcPct val="90000"/>
+              </a:lnSpc>
+            </a:pPr>
+            <a:r>
+              <a:rPr lang="en-US" sz="4400">
+                <a:solidFill>
+                  <a:srgbClr val="000000"/>
+                </a:solidFill>
+                <a:latin typeface="Calibri Light"/>
+              </a:rPr>
+              <a:t>Moda</a:t>
+            </a:r>
+            <a:endParaRPr/>
+          </a:p>
+        </p:txBody>
+      </p:sp>
+      <p:sp>
+        <p:nvSpPr>
+          <p:cNvPr id="111" name="CustomShape 2"/>
+          <p:cNvSpPr/>
+          <p:nvPr/>
+        </p:nvSpPr>
+        <p:spPr>
+          <a:xfrm>
+            <a:off x="838080" y="1825560"/>
+            <a:ext cx="10514520" cy="4350240"/>
+          </a:xfrm>
+          <a:prstGeom prst="rect">
+            <a:avLst/>
+          </a:prstGeom>
+          <a:noFill/>
+          <a:ln>
+            <a:noFill/>
+          </a:ln>
+        </p:spPr>
+        <p:txBody>
+          <a:bodyPr lIns="90000" rIns="90000" tIns="45000" bIns="45000"/>
+          <a:p>
+            <a:pPr>
+              <a:lnSpc>
+                <a:spcPct val="100000"/>
+              </a:lnSpc>
+            </a:pPr>
+            <a:endParaRPr/>
+          </a:p>
+          <a:p>
+            <a:pPr>
+              <a:lnSpc>
+                <a:spcPct val="100000"/>
+              </a:lnSpc>
+            </a:pPr>
+            <a:r>
+              <a:rPr lang="en-US" sz="2800">
+                <a:solidFill>
+                  <a:srgbClr val="385623"/>
+                </a:solidFill>
+                <a:latin typeface="Lucida Console"/>
+              </a:rPr>
+              <a:t>stats.mode(numeros)[0]</a:t>
+            </a:r>
+            <a:endParaRPr/>
+          </a:p>
+          <a:p>
+            <a:pPr>
+              <a:lnSpc>
+                <a:spcPct val="100000"/>
+              </a:lnSpc>
+            </a:pPr>
+            <a:endParaRPr/>
+          </a:p>
+          <a:p>
+            <a:pPr>
+              <a:lnSpc>
+                <a:spcPct val="100000"/>
+              </a:lnSpc>
+            </a:pPr>
+            <a:r>
+              <a:rPr lang="en-US" sz="2800">
+                <a:solidFill>
+                  <a:srgbClr val="385623"/>
+                </a:solidFill>
+                <a:latin typeface="Lucida Console"/>
+              </a:rPr>
+              <a:t>array([20])</a:t>
+            </a:r>
+            <a:endParaRPr/>
+          </a:p>
+          <a:p>
+            <a:pPr>
+              <a:lnSpc>
+                <a:spcPct val="100000"/>
+              </a:lnSpc>
+            </a:pPr>
+            <a:endParaRPr/>
+          </a:p>
+          <a:p>
+            <a:pPr>
+              <a:lnSpc>
+                <a:spcPct val="100000"/>
+              </a:lnSpc>
+            </a:pPr>
+            <a:r>
+              <a:rPr lang="en-US" sz="2800">
+                <a:solidFill>
+                  <a:srgbClr val="385623"/>
+                </a:solidFill>
+                <a:latin typeface="Lucida Console"/>
+              </a:rPr>
+              <a:t>stats.mode(numeros)[0][0]</a:t>
+            </a:r>
+            <a:endParaRPr/>
+          </a:p>
+          <a:p>
+            <a:pPr>
+              <a:lnSpc>
+                <a:spcPct val="100000"/>
+              </a:lnSpc>
+            </a:pPr>
+            <a:r>
+              <a:rPr lang="en-US" sz="2800">
+                <a:solidFill>
+                  <a:srgbClr val="385623"/>
+                </a:solidFill>
+                <a:latin typeface="Lucida Console"/>
+              </a:rPr>
+              <a:t>20</a:t>
+            </a:r>
+            <a:endParaRPr/>
+          </a:p>
+        </p:txBody>
+      </p:sp>
+    </p:spTree>
+  </p:cSld>
+  <p:timing>
+    <p:tnLst>
+      <p:par>
+        <p:cTn id="39" dur="indefinite" restart="never" nodeType="tmRoot">
+          <p:childTnLst>
+            <p:seq>
+              <p:cTn id="40" nodeType="mainSeq"/>
+              <p:prevCondLst>
+                <p:cond delay="0" evt="onPrev">
+                  <p:tgtEl>
+                    <p:sldTgt/>
+                  </p:tgtEl>
+                </p:cond>
+              </p:prevCondLst>
+              <p:nextCondLst>
+                <p:cond delay="0" evt="onNext">
+                  <p:tgtEl>
+                    <p:sldTgt/>
+                  </p:tgtEl>
+                </p:cond>
+              </p:nextCondLst>
+            </p:seq>
+          </p:childTnLst>
+        </p:cTn>
+      </p:par>
+    </p:tnLst>
+  </p:timing>
+</p:sld>
+</file>
+
+<file path=ppt/slides/slide21.xml><?xml version="1.0" encoding="utf-8"?>
+<p:sld xmlns:a="http://schemas.openxmlformats.org/drawingml/2006/main" xmlns:p="http://schemas.openxmlformats.org/presentationml/2006/main" xmlns:r="http://schemas.openxmlformats.org/officeDocument/2006/relationships">
+  <p:cSld>
+    <p:spTree>
+      <p:nvGrpSpPr>
+        <p:cNvPr id="1" name=""/>
+        <p:cNvGrpSpPr/>
+        <p:nvPr/>
+      </p:nvGrpSpPr>
+      <p:grpSpPr>
+        <a:xfrm>
+          <a:off x="0" y="0"/>
+          <a:ext cx="0" cy="0"/>
+          <a:chOff x="0" y="0"/>
+          <a:chExt cx="0" cy="0"/>
+        </a:xfrm>
+      </p:grpSpPr>
+      <p:sp>
+        <p:nvSpPr>
+          <p:cNvPr id="112" name="CustomShape 1"/>
+          <p:cNvSpPr/>
+          <p:nvPr/>
+        </p:nvSpPr>
+        <p:spPr>
+          <a:xfrm>
+            <a:off x="838080" y="365040"/>
+            <a:ext cx="10514520" cy="1324440"/>
+          </a:xfrm>
+          <a:prstGeom prst="rect">
+            <a:avLst/>
+          </a:prstGeom>
+          <a:noFill/>
+          <a:ln>
+            <a:noFill/>
+          </a:ln>
+        </p:spPr>
+        <p:txBody>
+          <a:bodyPr lIns="90000" rIns="90000" tIns="45000" bIns="45000" anchor="ctr"/>
+          <a:p>
+            <a:pPr>
+              <a:lnSpc>
+                <a:spcPct val="90000"/>
+              </a:lnSpc>
+            </a:pPr>
+            <a:r>
+              <a:rPr lang="en-US" sz="4400">
+                <a:solidFill>
+                  <a:srgbClr val="000000"/>
+                </a:solidFill>
+                <a:latin typeface="Calibri Light"/>
+              </a:rPr>
+              <a:t>Moda</a:t>
+            </a:r>
+            <a:endParaRPr/>
+          </a:p>
+        </p:txBody>
+      </p:sp>
+      <p:sp>
+        <p:nvSpPr>
+          <p:cNvPr id="113" name="CustomShape 2"/>
+          <p:cNvSpPr/>
+          <p:nvPr/>
+        </p:nvSpPr>
+        <p:spPr>
+          <a:xfrm>
+            <a:off x="838080" y="1825560"/>
+            <a:ext cx="10514520" cy="4350240"/>
+          </a:xfrm>
+          <a:prstGeom prst="rect">
+            <a:avLst/>
+          </a:prstGeom>
+          <a:noFill/>
+          <a:ln>
+            <a:noFill/>
+          </a:ln>
+        </p:spPr>
+        <p:txBody>
+          <a:bodyPr lIns="90000" rIns="90000" tIns="45000" bIns="45000"/>
+          <a:p>
+            <a:pPr>
+              <a:lnSpc>
+                <a:spcPct val="100000"/>
+              </a:lnSpc>
+            </a:pPr>
+            <a:endParaRPr/>
+          </a:p>
+          <a:p>
+            <a:pPr>
+              <a:lnSpc>
+                <a:spcPct val="100000"/>
+              </a:lnSpc>
+            </a:pPr>
+            <a:r>
+              <a:rPr lang="en-US" sz="2800">
+                <a:solidFill>
+                  <a:srgbClr val="385623"/>
+                </a:solidFill>
+                <a:latin typeface="Lucida Console"/>
+              </a:rPr>
+              <a:t>Qual pokémon da nossa lista corresponde à moda? Isto é, qual o pokémon mais comum do nosso conjunto de dados?</a:t>
+            </a:r>
+            <a:endParaRPr/>
+          </a:p>
+        </p:txBody>
+      </p:sp>
+    </p:spTree>
+  </p:cSld>
+  <p:timing>
+    <p:tnLst>
+      <p:par>
+        <p:cTn id="41" dur="indefinite" restart="never" nodeType="tmRoot">
+          <p:childTnLst>
+            <p:seq>
+              <p:cTn id="42" nodeType="mainSeq"/>
               <p:prevCondLst>
                 <p:cond delay="0" evt="onPrev">
                   <p:tgtEl>
@@ -5038,7 +5570,7 @@
         <p:spPr>
           <a:xfrm>
             <a:off x="838080" y="365040"/>
-            <a:ext cx="10514880" cy="1324800"/>
+            <a:ext cx="10514520" cy="1324440"/>
           </a:xfrm>
           <a:prstGeom prst="rect">
             <a:avLst/>
@@ -5078,7 +5610,7 @@
         <p:spPr>
           <a:xfrm>
             <a:off x="838080" y="1825560"/>
-            <a:ext cx="10514880" cy="4350600"/>
+            <a:ext cx="10514520" cy="4350240"/>
           </a:xfrm>
           <a:prstGeom prst="rect">
             <a:avLst/>
@@ -5250,7 +5782,7 @@
         <p:spPr>
           <a:xfrm>
             <a:off x="838080" y="365040"/>
-            <a:ext cx="10514880" cy="1324800"/>
+            <a:ext cx="10514520" cy="1324440"/>
           </a:xfrm>
           <a:prstGeom prst="rect">
             <a:avLst/>
@@ -5290,7 +5822,7 @@
         <p:spPr>
           <a:xfrm>
             <a:off x="838080" y="1825560"/>
-            <a:ext cx="10514880" cy="4350600"/>
+            <a:ext cx="10514520" cy="4350240"/>
           </a:xfrm>
           <a:prstGeom prst="rect">
             <a:avLst/>
@@ -5353,8 +5885,6 @@
               <a:lnSpc>
                 <a:spcPct val="90000"/>
               </a:lnSpc>
-              <a:buFont typeface="Arial"/>
-              <a:buChar char="•"/>
             </a:pPr>
             <a:endParaRPr/>
           </a:p>
@@ -5437,7 +5967,7 @@
         <p:spPr>
           <a:xfrm>
             <a:off x="838080" y="365040"/>
-            <a:ext cx="10514880" cy="1324800"/>
+            <a:ext cx="10514520" cy="1324440"/>
           </a:xfrm>
           <a:prstGeom prst="rect">
             <a:avLst/>
@@ -5483,7 +6013,7 @@
         <p:spPr>
           <a:xfrm>
             <a:off x="3945960" y="1427760"/>
-            <a:ext cx="3826080" cy="4916520"/>
+            <a:ext cx="3825720" cy="4916160"/>
           </a:xfrm>
           <a:prstGeom prst="rect">
             <a:avLst/>
@@ -5551,7 +6081,7 @@
         <p:spPr>
           <a:xfrm>
             <a:off x="838080" y="365040"/>
-            <a:ext cx="10514880" cy="1324800"/>
+            <a:ext cx="10514520" cy="1324440"/>
           </a:xfrm>
           <a:prstGeom prst="rect">
             <a:avLst/>
@@ -5591,7 +6121,7 @@
         <p:spPr>
           <a:xfrm>
             <a:off x="838080" y="1825560"/>
-            <a:ext cx="10514880" cy="4350600"/>
+            <a:ext cx="10514520" cy="4350240"/>
           </a:xfrm>
           <a:prstGeom prst="rect">
             <a:avLst/>
@@ -5807,7 +6337,7 @@
         <p:spPr>
           <a:xfrm>
             <a:off x="838080" y="365040"/>
-            <a:ext cx="10514880" cy="1324800"/>
+            <a:ext cx="10514520" cy="1324440"/>
           </a:xfrm>
           <a:prstGeom prst="rect">
             <a:avLst/>
@@ -5847,7 +6377,7 @@
         <p:spPr>
           <a:xfrm>
             <a:off x="838080" y="1825560"/>
-            <a:ext cx="10514880" cy="4350600"/>
+            <a:ext cx="10514520" cy="4350240"/>
           </a:xfrm>
           <a:prstGeom prst="rect">
             <a:avLst/>
@@ -5948,7 +6478,7 @@
                 </a:solidFill>
                 <a:latin typeface="Lucida Console"/>
               </a:rPr>
-              <a:t>Blábláblá </a:t>
+              <a:t>Blá blá blá </a:t>
             </a:r>
             <a:endParaRPr/>
           </a:p>
@@ -6020,7 +6550,7 @@
         <p:spPr>
           <a:xfrm>
             <a:off x="838080" y="365040"/>
-            <a:ext cx="10514880" cy="1324800"/>
+            <a:ext cx="10514520" cy="1324440"/>
           </a:xfrm>
           <a:prstGeom prst="rect">
             <a:avLst/>
@@ -6060,7 +6590,7 @@
         <p:spPr>
           <a:xfrm>
             <a:off x="838080" y="1825560"/>
-            <a:ext cx="10514880" cy="4350600"/>
+            <a:ext cx="10514520" cy="4350240"/>
           </a:xfrm>
           <a:prstGeom prst="rect">
             <a:avLst/>
@@ -6208,7 +6738,7 @@
         <p:spPr>
           <a:xfrm>
             <a:off x="838080" y="365040"/>
-            <a:ext cx="10514880" cy="1324800"/>
+            <a:ext cx="10514520" cy="1324440"/>
           </a:xfrm>
           <a:prstGeom prst="rect">
             <a:avLst/>
@@ -6248,7 +6778,7 @@
         <p:spPr>
           <a:xfrm>
             <a:off x="838080" y="1825560"/>
-            <a:ext cx="10514880" cy="4350600"/>
+            <a:ext cx="10514520" cy="4350240"/>
           </a:xfrm>
           <a:prstGeom prst="rect">
             <a:avLst/>

--- a/presentation.pptx
+++ b/presentation.pptx
@@ -27,6 +27,12 @@
     <p:sldId id="274" r:id="rId22"/>
     <p:sldId id="275" r:id="rId23"/>
     <p:sldId id="276" r:id="rId24"/>
+    <p:sldId id="277" r:id="rId25"/>
+    <p:sldId id="278" r:id="rId26"/>
+    <p:sldId id="279" r:id="rId27"/>
+    <p:sldId id="280" r:id="rId28"/>
+    <p:sldId id="281" r:id="rId29"/>
+    <p:sldId id="282" r:id="rId30"/>
   </p:sldIdLst>
   <p:sldSz cx="12192000" cy="6858000"/>
   <p:notesSz cx="7559675" cy="10691812"/>
@@ -2386,7 +2392,7 @@
         <p:spPr>
           <a:xfrm>
             <a:off x="609480" y="273600"/>
-            <a:ext cx="10972080" cy="1144800"/>
+            <a:ext cx="10972440" cy="1144800"/>
           </a:xfrm>
           <a:prstGeom prst="rect">
             <a:avLst/>
@@ -2395,8 +2401,9 @@
         <p:txBody>
           <a:bodyPr lIns="0" rIns="0" tIns="0" bIns="0" anchor="ctr"/>
           <a:p>
-            <a:r>
-              <a:rPr lang="en-US">
+            <a:pPr algn="ctr"/>
+            <a:r>
+              <a:rPr lang="en-US" sz="4400">
                 <a:latin typeface="Arial"/>
               </a:rPr>
               <a:t>Click to edit the title text format</a:t>
@@ -2418,7 +2425,7 @@
         <p:spPr>
           <a:xfrm>
             <a:off x="609480" y="1604520"/>
-            <a:ext cx="10972080" cy="3976920"/>
+            <a:ext cx="10972440" cy="3977280"/>
           </a:xfrm>
           <a:prstGeom prst="rect">
             <a:avLst/>
@@ -2433,7 +2440,7 @@
               <a:buChar char=""/>
             </a:pPr>
             <a:r>
-              <a:rPr lang="en-US">
+              <a:rPr lang="en-US" sz="3200">
                 <a:latin typeface="Arial"/>
               </a:rPr>
               <a:t>Click to edit the outline text format</a:t>
@@ -2447,7 +2454,7 @@
               <a:buChar char=""/>
             </a:pPr>
             <a:r>
-              <a:rPr lang="en-US">
+              <a:rPr lang="en-US" sz="2800">
                 <a:latin typeface="Arial"/>
               </a:rPr>
               <a:t>Second Outline Level</a:t>
@@ -2461,7 +2468,7 @@
               <a:buChar char=""/>
             </a:pPr>
             <a:r>
-              <a:rPr lang="en-US">
+              <a:rPr lang="en-US" sz="2400">
                 <a:latin typeface="Arial"/>
               </a:rPr>
               <a:t>Third Outline Level</a:t>
@@ -2475,7 +2482,7 @@
               <a:buChar char=""/>
             </a:pPr>
             <a:r>
-              <a:rPr lang="en-US">
+              <a:rPr lang="en-US" sz="2000">
                 <a:latin typeface="Arial"/>
               </a:rPr>
               <a:t>Fourth Outline Level</a:t>
@@ -2489,7 +2496,7 @@
               <a:buChar char=""/>
             </a:pPr>
             <a:r>
-              <a:rPr lang="en-US">
+              <a:rPr lang="en-US" sz="2000">
                 <a:latin typeface="Arial"/>
               </a:rPr>
               <a:t>Fifth Outline Level</a:t>
@@ -2503,7 +2510,7 @@
               <a:buChar char=""/>
             </a:pPr>
             <a:r>
-              <a:rPr lang="en-US">
+              <a:rPr lang="en-US" sz="2000">
                 <a:latin typeface="Arial"/>
               </a:rPr>
               <a:t>Sixth Outline Level</a:t>
@@ -2517,7 +2524,7 @@
               <a:buChar char=""/>
             </a:pPr>
             <a:r>
-              <a:rPr lang="en-US">
+              <a:rPr lang="en-US" sz="2000">
                 <a:latin typeface="Arial"/>
               </a:rPr>
               <a:t>Seventh Outline Level</a:t>
@@ -2770,7 +2777,7 @@
         <p:spPr>
           <a:xfrm>
             <a:off x="1523880" y="1122480"/>
-            <a:ext cx="9142920" cy="2386440"/>
+            <a:ext cx="9142200" cy="2385720"/>
           </a:xfrm>
           <a:prstGeom prst="rect">
             <a:avLst/>
@@ -2859,7 +2866,7 @@
         <p:spPr>
           <a:xfrm>
             <a:off x="838080" y="365040"/>
-            <a:ext cx="10514520" cy="1324440"/>
+            <a:ext cx="10513800" cy="1323720"/>
           </a:xfrm>
           <a:prstGeom prst="rect">
             <a:avLst/>
@@ -2899,7 +2906,7 @@
         <p:spPr>
           <a:xfrm>
             <a:off x="838080" y="1825560"/>
-            <a:ext cx="10514520" cy="4350240"/>
+            <a:ext cx="10513800" cy="4349520"/>
           </a:xfrm>
           <a:prstGeom prst="rect">
             <a:avLst/>
@@ -3061,7 +3068,7 @@
         <p:spPr>
           <a:xfrm>
             <a:off x="838080" y="365040"/>
-            <a:ext cx="10514520" cy="1324440"/>
+            <a:ext cx="10513800" cy="1323720"/>
           </a:xfrm>
           <a:prstGeom prst="rect">
             <a:avLst/>
@@ -3101,7 +3108,7 @@
         <p:spPr>
           <a:xfrm>
             <a:off x="838080" y="1825560"/>
-            <a:ext cx="10514520" cy="4350240"/>
+            <a:ext cx="10513800" cy="4349520"/>
           </a:xfrm>
           <a:prstGeom prst="rect">
             <a:avLst/>
@@ -3249,7 +3256,7 @@
         <p:spPr>
           <a:xfrm>
             <a:off x="838080" y="365040"/>
-            <a:ext cx="10514520" cy="1324440"/>
+            <a:ext cx="10513800" cy="1323720"/>
           </a:xfrm>
           <a:prstGeom prst="rect">
             <a:avLst/>
@@ -3289,7 +3296,7 @@
         <p:spPr>
           <a:xfrm>
             <a:off x="838080" y="1825560"/>
-            <a:ext cx="10514520" cy="4350240"/>
+            <a:ext cx="10513800" cy="4349520"/>
           </a:xfrm>
           <a:prstGeom prst="rect">
             <a:avLst/>
@@ -3477,7 +3484,7 @@
         <p:spPr>
           <a:xfrm>
             <a:off x="838080" y="365040"/>
-            <a:ext cx="10514520" cy="1324440"/>
+            <a:ext cx="10513800" cy="1323720"/>
           </a:xfrm>
           <a:prstGeom prst="rect">
             <a:avLst/>
@@ -3517,7 +3524,7 @@
         <p:spPr>
           <a:xfrm>
             <a:off x="838080" y="1825560"/>
-            <a:ext cx="10514520" cy="4350240"/>
+            <a:ext cx="10513800" cy="4349520"/>
           </a:xfrm>
           <a:prstGeom prst="rect">
             <a:avLst/>
@@ -3656,7 +3663,7 @@
         <p:spPr>
           <a:xfrm>
             <a:off x="838080" y="365040"/>
-            <a:ext cx="10514520" cy="1324440"/>
+            <a:ext cx="10513800" cy="1323720"/>
           </a:xfrm>
           <a:prstGeom prst="rect">
             <a:avLst/>
@@ -3696,7 +3703,7 @@
         <p:spPr>
           <a:xfrm>
             <a:off x="838080" y="1825560"/>
-            <a:ext cx="10514520" cy="4350240"/>
+            <a:ext cx="10513800" cy="4349520"/>
           </a:xfrm>
           <a:prstGeom prst="rect">
             <a:avLst/>
@@ -3884,7 +3891,7 @@
         <p:spPr>
           <a:xfrm>
             <a:off x="838080" y="365040"/>
-            <a:ext cx="10514520" cy="1324440"/>
+            <a:ext cx="10513800" cy="1323720"/>
           </a:xfrm>
           <a:prstGeom prst="rect">
             <a:avLst/>
@@ -3924,7 +3931,7 @@
         <p:spPr>
           <a:xfrm>
             <a:off x="838080" y="1825560"/>
-            <a:ext cx="10514520" cy="4350240"/>
+            <a:ext cx="10513800" cy="4349520"/>
           </a:xfrm>
           <a:prstGeom prst="rect">
             <a:avLst/>
@@ -4172,7 +4179,7 @@
         <p:spPr>
           <a:xfrm>
             <a:off x="838080" y="365040"/>
-            <a:ext cx="10514520" cy="1324440"/>
+            <a:ext cx="10513800" cy="1323720"/>
           </a:xfrm>
           <a:prstGeom prst="rect">
             <a:avLst/>
@@ -4212,7 +4219,7 @@
         <p:spPr>
           <a:xfrm>
             <a:off x="838080" y="1825560"/>
-            <a:ext cx="10514520" cy="4350240"/>
+            <a:ext cx="10513800" cy="4349520"/>
           </a:xfrm>
           <a:prstGeom prst="rect">
             <a:avLst/>
@@ -4366,7 +4373,7 @@
         <p:spPr>
           <a:xfrm>
             <a:off x="838080" y="365040"/>
-            <a:ext cx="10514520" cy="1324440"/>
+            <a:ext cx="10513800" cy="1323720"/>
           </a:xfrm>
           <a:prstGeom prst="rect">
             <a:avLst/>
@@ -4406,7 +4413,7 @@
         <p:spPr>
           <a:xfrm>
             <a:off x="838080" y="1825560"/>
-            <a:ext cx="10514520" cy="4350240"/>
+            <a:ext cx="10513800" cy="4349520"/>
           </a:xfrm>
           <a:prstGeom prst="rect">
             <a:avLst/>
@@ -4560,7 +4567,7 @@
         <p:spPr>
           <a:xfrm>
             <a:off x="838080" y="365040"/>
-            <a:ext cx="10514520" cy="1324440"/>
+            <a:ext cx="10513800" cy="1323720"/>
           </a:xfrm>
           <a:prstGeom prst="rect">
             <a:avLst/>
@@ -4600,7 +4607,7 @@
         <p:spPr>
           <a:xfrm>
             <a:off x="838080" y="1825560"/>
-            <a:ext cx="10514520" cy="4350240"/>
+            <a:ext cx="10513800" cy="4349520"/>
           </a:xfrm>
           <a:prstGeom prst="rect">
             <a:avLst/>
@@ -4714,7 +4721,7 @@
         <p:spPr>
           <a:xfrm>
             <a:off x="838080" y="365040"/>
-            <a:ext cx="10514520" cy="1324440"/>
+            <a:ext cx="10513800" cy="1323720"/>
           </a:xfrm>
           <a:prstGeom prst="rect">
             <a:avLst/>
@@ -4754,7 +4761,7 @@
         <p:spPr>
           <a:xfrm>
             <a:off x="838080" y="1825560"/>
-            <a:ext cx="10514520" cy="4350240"/>
+            <a:ext cx="10513800" cy="4349520"/>
           </a:xfrm>
           <a:prstGeom prst="rect">
             <a:avLst/>
@@ -4910,7 +4917,7 @@
         <p:spPr>
           <a:xfrm>
             <a:off x="838080" y="365040"/>
-            <a:ext cx="10514520" cy="1324440"/>
+            <a:ext cx="10513800" cy="1323720"/>
           </a:xfrm>
           <a:prstGeom prst="rect">
             <a:avLst/>
@@ -4950,7 +4957,7 @@
         <p:spPr>
           <a:xfrm>
             <a:off x="838080" y="1825560"/>
-            <a:ext cx="10514520" cy="2473560"/>
+            <a:ext cx="10513800" cy="2472840"/>
           </a:xfrm>
           <a:prstGeom prst="rect">
             <a:avLst/>
@@ -5062,7 +5069,7 @@
         <p:spPr>
           <a:xfrm>
             <a:off x="1270800" y="4628160"/>
-            <a:ext cx="9649440" cy="1407600"/>
+            <a:ext cx="9648720" cy="1406880"/>
           </a:xfrm>
           <a:prstGeom prst="roundRect">
             <a:avLst>
@@ -5229,7 +5236,7 @@
         <p:spPr>
           <a:xfrm>
             <a:off x="838080" y="365040"/>
-            <a:ext cx="10514520" cy="1324440"/>
+            <a:ext cx="10513800" cy="1323720"/>
           </a:xfrm>
           <a:prstGeom prst="rect">
             <a:avLst/>
@@ -5269,7 +5276,7 @@
         <p:spPr>
           <a:xfrm>
             <a:off x="838080" y="1825560"/>
-            <a:ext cx="10514520" cy="4350240"/>
+            <a:ext cx="10513800" cy="4349520"/>
           </a:xfrm>
           <a:prstGeom prst="rect">
             <a:avLst/>
@@ -5433,7 +5440,7 @@
         <p:spPr>
           <a:xfrm>
             <a:off x="838080" y="365040"/>
-            <a:ext cx="10514520" cy="1324440"/>
+            <a:ext cx="10513800" cy="1323720"/>
           </a:xfrm>
           <a:prstGeom prst="rect">
             <a:avLst/>
@@ -5473,7 +5480,7 @@
         <p:spPr>
           <a:xfrm>
             <a:off x="838080" y="1825560"/>
-            <a:ext cx="10514520" cy="4350240"/>
+            <a:ext cx="10513800" cy="4349520"/>
           </a:xfrm>
           <a:prstGeom prst="rect">
             <a:avLst/>
@@ -5504,7 +5511,7 @@
                 <a:solidFill>
                   <a:srgbClr val="385623"/>
                 </a:solidFill>
-                <a:latin typeface="Lucida Console"/>
+                <a:latin typeface="Calibri light"/>
               </a:rPr>
               <a:t>Qual pokémon da nossa lista corresponde à moda? Isto é, qual o pokémon mais comum do nosso conjunto de dados?</a:t>
             </a:r>
@@ -5521,6 +5528,1260 @@
           <p:childTnLst>
             <p:seq>
               <p:cTn id="42" nodeType="mainSeq"/>
+              <p:prevCondLst>
+                <p:cond delay="0" evt="onPrev">
+                  <p:tgtEl>
+                    <p:sldTgt/>
+                  </p:tgtEl>
+                </p:cond>
+              </p:prevCondLst>
+              <p:nextCondLst>
+                <p:cond delay="0" evt="onNext">
+                  <p:tgtEl>
+                    <p:sldTgt/>
+                  </p:tgtEl>
+                </p:cond>
+              </p:nextCondLst>
+            </p:seq>
+          </p:childTnLst>
+        </p:cTn>
+      </p:par>
+    </p:tnLst>
+  </p:timing>
+</p:sld>
+</file>
+
+<file path=ppt/slides/slide22.xml><?xml version="1.0" encoding="utf-8"?>
+<p:sld xmlns:a="http://schemas.openxmlformats.org/drawingml/2006/main" xmlns:p="http://schemas.openxmlformats.org/presentationml/2006/main" xmlns:r="http://schemas.openxmlformats.org/officeDocument/2006/relationships">
+  <p:cSld>
+    <p:spTree>
+      <p:nvGrpSpPr>
+        <p:cNvPr id="1" name=""/>
+        <p:cNvGrpSpPr/>
+        <p:nvPr/>
+      </p:nvGrpSpPr>
+      <p:grpSpPr>
+        <a:xfrm>
+          <a:off x="0" y="0"/>
+          <a:ext cx="0" cy="0"/>
+          <a:chOff x="0" y="0"/>
+          <a:chExt cx="0" cy="0"/>
+        </a:xfrm>
+      </p:grpSpPr>
+      <p:sp>
+        <p:nvSpPr>
+          <p:cNvPr id="114" name="CustomShape 1"/>
+          <p:cNvSpPr/>
+          <p:nvPr/>
+        </p:nvSpPr>
+        <p:spPr>
+          <a:xfrm>
+            <a:off x="838080" y="365040"/>
+            <a:ext cx="10513800" cy="1323720"/>
+          </a:xfrm>
+          <a:prstGeom prst="rect">
+            <a:avLst/>
+          </a:prstGeom>
+          <a:noFill/>
+          <a:ln>
+            <a:noFill/>
+          </a:ln>
+        </p:spPr>
+        <p:txBody>
+          <a:bodyPr lIns="90000" rIns="90000" tIns="45000" bIns="45000" anchor="ctr"/>
+          <a:p>
+            <a:pPr>
+              <a:lnSpc>
+                <a:spcPct val="90000"/>
+              </a:lnSpc>
+            </a:pPr>
+            <a:r>
+              <a:rPr lang="en-US" sz="4400">
+                <a:solidFill>
+                  <a:srgbClr val="000000"/>
+                </a:solidFill>
+                <a:latin typeface="Calibri Light"/>
+              </a:rPr>
+              <a:t>Distribuição de Frequências</a:t>
+            </a:r>
+            <a:endParaRPr/>
+          </a:p>
+        </p:txBody>
+      </p:sp>
+      <p:sp>
+        <p:nvSpPr>
+          <p:cNvPr id="115" name="CustomShape 2"/>
+          <p:cNvSpPr/>
+          <p:nvPr/>
+        </p:nvSpPr>
+        <p:spPr>
+          <a:xfrm>
+            <a:off x="838080" y="1825560"/>
+            <a:ext cx="10513800" cy="4349520"/>
+          </a:xfrm>
+          <a:prstGeom prst="rect">
+            <a:avLst/>
+          </a:prstGeom>
+          <a:noFill/>
+          <a:ln>
+            <a:noFill/>
+          </a:ln>
+        </p:spPr>
+        <p:txBody>
+          <a:bodyPr lIns="90000" rIns="90000" tIns="45000" bIns="45000"/>
+          <a:p>
+            <a:pPr>
+              <a:lnSpc>
+                <a:spcPct val="100000"/>
+              </a:lnSpc>
+            </a:pPr>
+            <a:endParaRPr/>
+          </a:p>
+          <a:p>
+            <a:pPr>
+              <a:lnSpc>
+                <a:spcPct val="90000"/>
+              </a:lnSpc>
+            </a:pPr>
+            <a:r>
+              <a:rPr lang="en-US" sz="2800">
+                <a:solidFill>
+                  <a:srgbClr val="000000"/>
+                </a:solidFill>
+                <a:latin typeface="Calibri"/>
+              </a:rPr>
+              <a:t>Frequência absoluta: número de vezes que um determinado evento ocorreu em um experimento</a:t>
+            </a:r>
+            <a:endParaRPr/>
+          </a:p>
+          <a:p>
+            <a:pPr>
+              <a:lnSpc>
+                <a:spcPct val="100000"/>
+              </a:lnSpc>
+            </a:pPr>
+            <a:endParaRPr/>
+          </a:p>
+          <a:p>
+            <a:pPr>
+              <a:lnSpc>
+                <a:spcPct val="100000"/>
+              </a:lnSpc>
+            </a:pPr>
+            <a:r>
+              <a:rPr lang="en-US" sz="2800">
+                <a:solidFill>
+                  <a:srgbClr val="385623"/>
+                </a:solidFill>
+                <a:latin typeface="Lucida Console"/>
+              </a:rPr>
+              <a:t>Para esta finalidade, o módulo stats do pacote SciPy nos fornece o método itemfreq()</a:t>
+            </a:r>
+            <a:endParaRPr/>
+          </a:p>
+          <a:p>
+            <a:pPr>
+              <a:lnSpc>
+                <a:spcPct val="100000"/>
+              </a:lnSpc>
+            </a:pPr>
+            <a:endParaRPr/>
+          </a:p>
+        </p:txBody>
+      </p:sp>
+    </p:spTree>
+  </p:cSld>
+  <p:timing>
+    <p:tnLst>
+      <p:par>
+        <p:cTn id="43" dur="indefinite" restart="never" nodeType="tmRoot">
+          <p:childTnLst>
+            <p:seq>
+              <p:cTn id="44" nodeType="mainSeq"/>
+              <p:prevCondLst>
+                <p:cond delay="0" evt="onPrev">
+                  <p:tgtEl>
+                    <p:sldTgt/>
+                  </p:tgtEl>
+                </p:cond>
+              </p:prevCondLst>
+              <p:nextCondLst>
+                <p:cond delay="0" evt="onNext">
+                  <p:tgtEl>
+                    <p:sldTgt/>
+                  </p:tgtEl>
+                </p:cond>
+              </p:nextCondLst>
+            </p:seq>
+          </p:childTnLst>
+        </p:cTn>
+      </p:par>
+    </p:tnLst>
+  </p:timing>
+</p:sld>
+</file>
+
+<file path=ppt/slides/slide23.xml><?xml version="1.0" encoding="utf-8"?>
+<p:sld xmlns:a="http://schemas.openxmlformats.org/drawingml/2006/main" xmlns:p="http://schemas.openxmlformats.org/presentationml/2006/main" xmlns:r="http://schemas.openxmlformats.org/officeDocument/2006/relationships">
+  <p:cSld>
+    <p:spTree>
+      <p:nvGrpSpPr>
+        <p:cNvPr id="1" name=""/>
+        <p:cNvGrpSpPr/>
+        <p:nvPr/>
+      </p:nvGrpSpPr>
+      <p:grpSpPr>
+        <a:xfrm>
+          <a:off x="0" y="0"/>
+          <a:ext cx="0" cy="0"/>
+          <a:chOff x="0" y="0"/>
+          <a:chExt cx="0" cy="0"/>
+        </a:xfrm>
+      </p:grpSpPr>
+      <p:sp>
+        <p:nvSpPr>
+          <p:cNvPr id="116" name="CustomShape 1"/>
+          <p:cNvSpPr/>
+          <p:nvPr/>
+        </p:nvSpPr>
+        <p:spPr>
+          <a:xfrm>
+            <a:off x="838080" y="365040"/>
+            <a:ext cx="10513800" cy="1323720"/>
+          </a:xfrm>
+          <a:prstGeom prst="rect">
+            <a:avLst/>
+          </a:prstGeom>
+          <a:noFill/>
+          <a:ln>
+            <a:noFill/>
+          </a:ln>
+        </p:spPr>
+        <p:txBody>
+          <a:bodyPr lIns="90000" rIns="90000" tIns="45000" bIns="45000" anchor="ctr"/>
+          <a:p>
+            <a:pPr>
+              <a:lnSpc>
+                <a:spcPct val="90000"/>
+              </a:lnSpc>
+            </a:pPr>
+            <a:r>
+              <a:rPr lang="en-US" sz="4400">
+                <a:solidFill>
+                  <a:srgbClr val="000000"/>
+                </a:solidFill>
+                <a:latin typeface="Calibri Light"/>
+              </a:rPr>
+              <a:t>Distribuição de Frequências</a:t>
+            </a:r>
+            <a:endParaRPr/>
+          </a:p>
+        </p:txBody>
+      </p:sp>
+      <p:sp>
+        <p:nvSpPr>
+          <p:cNvPr id="117" name="CustomShape 2"/>
+          <p:cNvSpPr/>
+          <p:nvPr/>
+        </p:nvSpPr>
+        <p:spPr>
+          <a:xfrm>
+            <a:off x="838080" y="1825560"/>
+            <a:ext cx="10513800" cy="4349520"/>
+          </a:xfrm>
+          <a:prstGeom prst="rect">
+            <a:avLst/>
+          </a:prstGeom>
+          <a:noFill/>
+          <a:ln>
+            <a:noFill/>
+          </a:ln>
+        </p:spPr>
+        <p:txBody>
+          <a:bodyPr lIns="90000" rIns="90000" tIns="45000" bIns="45000"/>
+          <a:p>
+            <a:pPr>
+              <a:lnSpc>
+                <a:spcPct val="100000"/>
+              </a:lnSpc>
+            </a:pPr>
+            <a:endParaRPr/>
+          </a:p>
+          <a:p>
+            <a:pPr>
+              <a:lnSpc>
+                <a:spcPct val="90000"/>
+              </a:lnSpc>
+            </a:pPr>
+            <a:r>
+              <a:rPr lang="en-US" sz="2800">
+                <a:solidFill>
+                  <a:srgbClr val="000000"/>
+                </a:solidFill>
+                <a:latin typeface="Lucida console"/>
+              </a:rPr>
+              <a:t>from scipy import stats</a:t>
+            </a:r>
+            <a:endParaRPr/>
+          </a:p>
+          <a:p>
+            <a:pPr>
+              <a:lnSpc>
+                <a:spcPct val="100000"/>
+              </a:lnSpc>
+            </a:pPr>
+            <a:endParaRPr/>
+          </a:p>
+          <a:p>
+            <a:pPr>
+              <a:lnSpc>
+                <a:spcPct val="100000"/>
+              </a:lnSpc>
+            </a:pPr>
+            <a:r>
+              <a:rPr lang="en-US" sz="2800">
+                <a:solidFill>
+                  <a:srgbClr val="385623"/>
+                </a:solidFill>
+                <a:latin typeface="Lucida console"/>
+              </a:rPr>
+              <a:t>numeros = [10, 50, 20, 20, 10]</a:t>
+            </a:r>
+            <a:endParaRPr/>
+          </a:p>
+          <a:p>
+            <a:pPr>
+              <a:lnSpc>
+                <a:spcPct val="100000"/>
+              </a:lnSpc>
+            </a:pPr>
+            <a:r>
+              <a:rPr lang="en-US" sz="2800">
+                <a:solidFill>
+                  <a:srgbClr val="385623"/>
+                </a:solidFill>
+                <a:latin typeface="Lucida console"/>
+              </a:rPr>
+              <a:t>stats.itemfreq(numeros)</a:t>
+            </a:r>
+            <a:endParaRPr/>
+          </a:p>
+          <a:p>
+            <a:pPr>
+              <a:lnSpc>
+                <a:spcPct val="100000"/>
+              </a:lnSpc>
+            </a:pPr>
+            <a:endParaRPr/>
+          </a:p>
+          <a:p>
+            <a:pPr>
+              <a:lnSpc>
+                <a:spcPct val="100000"/>
+              </a:lnSpc>
+            </a:pPr>
+            <a:r>
+              <a:rPr lang="en-US" sz="2800">
+                <a:solidFill>
+                  <a:srgbClr val="385623"/>
+                </a:solidFill>
+                <a:latin typeface="Lucida Console"/>
+              </a:rPr>
+              <a:t>array([[10,  2],</a:t>
+            </a:r>
+            <a:endParaRPr/>
+          </a:p>
+          <a:p>
+            <a:pPr>
+              <a:lnSpc>
+                <a:spcPct val="100000"/>
+              </a:lnSpc>
+            </a:pPr>
+            <a:r>
+              <a:rPr lang="en-US" sz="2800">
+                <a:solidFill>
+                  <a:srgbClr val="385623"/>
+                </a:solidFill>
+                <a:latin typeface="Lucida Console"/>
+              </a:rPr>
+              <a:t>       </a:t>
+            </a:r>
+            <a:r>
+              <a:rPr lang="en-US" sz="2800">
+                <a:solidFill>
+                  <a:srgbClr val="385623"/>
+                </a:solidFill>
+                <a:latin typeface="Lucida Console"/>
+              </a:rPr>
+              <a:t>[20,  2],</a:t>
+            </a:r>
+            <a:endParaRPr/>
+          </a:p>
+          <a:p>
+            <a:pPr>
+              <a:lnSpc>
+                <a:spcPct val="100000"/>
+              </a:lnSpc>
+            </a:pPr>
+            <a:r>
+              <a:rPr lang="en-US" sz="2800">
+                <a:solidFill>
+                  <a:srgbClr val="385623"/>
+                </a:solidFill>
+                <a:latin typeface="Lucida Console"/>
+              </a:rPr>
+              <a:t>       </a:t>
+            </a:r>
+            <a:r>
+              <a:rPr lang="en-US" sz="2800">
+                <a:solidFill>
+                  <a:srgbClr val="385623"/>
+                </a:solidFill>
+                <a:latin typeface="Lucida Console"/>
+              </a:rPr>
+              <a:t>[50,  1]])</a:t>
+            </a:r>
+            <a:endParaRPr/>
+          </a:p>
+        </p:txBody>
+      </p:sp>
+    </p:spTree>
+  </p:cSld>
+  <p:timing>
+    <p:tnLst>
+      <p:par>
+        <p:cTn id="45" dur="indefinite" restart="never" nodeType="tmRoot">
+          <p:childTnLst>
+            <p:seq>
+              <p:cTn id="46" nodeType="mainSeq"/>
+              <p:prevCondLst>
+                <p:cond delay="0" evt="onPrev">
+                  <p:tgtEl>
+                    <p:sldTgt/>
+                  </p:tgtEl>
+                </p:cond>
+              </p:prevCondLst>
+              <p:nextCondLst>
+                <p:cond delay="0" evt="onNext">
+                  <p:tgtEl>
+                    <p:sldTgt/>
+                  </p:tgtEl>
+                </p:cond>
+              </p:nextCondLst>
+            </p:seq>
+          </p:childTnLst>
+        </p:cTn>
+      </p:par>
+    </p:tnLst>
+  </p:timing>
+</p:sld>
+</file>
+
+<file path=ppt/slides/slide24.xml><?xml version="1.0" encoding="utf-8"?>
+<p:sld xmlns:a="http://schemas.openxmlformats.org/drawingml/2006/main" xmlns:p="http://schemas.openxmlformats.org/presentationml/2006/main" xmlns:r="http://schemas.openxmlformats.org/officeDocument/2006/relationships">
+  <p:cSld>
+    <p:spTree>
+      <p:nvGrpSpPr>
+        <p:cNvPr id="1" name=""/>
+        <p:cNvGrpSpPr/>
+        <p:nvPr/>
+      </p:nvGrpSpPr>
+      <p:grpSpPr>
+        <a:xfrm>
+          <a:off x="0" y="0"/>
+          <a:ext cx="0" cy="0"/>
+          <a:chOff x="0" y="0"/>
+          <a:chExt cx="0" cy="0"/>
+        </a:xfrm>
+      </p:grpSpPr>
+      <p:sp>
+        <p:nvSpPr>
+          <p:cNvPr id="118" name="CustomShape 1"/>
+          <p:cNvSpPr/>
+          <p:nvPr/>
+        </p:nvSpPr>
+        <p:spPr>
+          <a:xfrm>
+            <a:off x="838080" y="365040"/>
+            <a:ext cx="10513800" cy="1323720"/>
+          </a:xfrm>
+          <a:prstGeom prst="rect">
+            <a:avLst/>
+          </a:prstGeom>
+          <a:noFill/>
+          <a:ln>
+            <a:noFill/>
+          </a:ln>
+        </p:spPr>
+        <p:txBody>
+          <a:bodyPr lIns="90000" rIns="90000" tIns="45000" bIns="45000" anchor="ctr"/>
+          <a:p>
+            <a:pPr>
+              <a:lnSpc>
+                <a:spcPct val="90000"/>
+              </a:lnSpc>
+            </a:pPr>
+            <a:r>
+              <a:rPr lang="en-US" sz="4400">
+                <a:solidFill>
+                  <a:srgbClr val="000000"/>
+                </a:solidFill>
+                <a:latin typeface="Calibri Light"/>
+              </a:rPr>
+              <a:t>Distribuição de Frequências</a:t>
+            </a:r>
+            <a:endParaRPr/>
+          </a:p>
+        </p:txBody>
+      </p:sp>
+      <p:sp>
+        <p:nvSpPr>
+          <p:cNvPr id="119" name="CustomShape 2"/>
+          <p:cNvSpPr/>
+          <p:nvPr/>
+        </p:nvSpPr>
+        <p:spPr>
+          <a:xfrm>
+            <a:off x="838080" y="1825560"/>
+            <a:ext cx="10513800" cy="4349520"/>
+          </a:xfrm>
+          <a:prstGeom prst="rect">
+            <a:avLst/>
+          </a:prstGeom>
+          <a:noFill/>
+          <a:ln>
+            <a:noFill/>
+          </a:ln>
+        </p:spPr>
+        <p:txBody>
+          <a:bodyPr lIns="90000" rIns="90000" tIns="45000" bIns="45000"/>
+          <a:p>
+            <a:pPr>
+              <a:lnSpc>
+                <a:spcPct val="100000"/>
+              </a:lnSpc>
+            </a:pPr>
+            <a:endParaRPr/>
+          </a:p>
+          <a:p>
+            <a:pPr>
+              <a:lnSpc>
+                <a:spcPct val="90000"/>
+              </a:lnSpc>
+            </a:pPr>
+            <a:r>
+              <a:rPr lang="en-US" sz="2800">
+                <a:latin typeface="Lucida Console"/>
+              </a:rPr>
+              <a:t>Calcule as frequências da nossa lista de pokémons. Armazene o resultado em uma variável chamada frequencias.</a:t>
+            </a:r>
+            <a:endParaRPr/>
+          </a:p>
+        </p:txBody>
+      </p:sp>
+    </p:spTree>
+  </p:cSld>
+  <p:timing>
+    <p:tnLst>
+      <p:par>
+        <p:cTn id="47" dur="indefinite" restart="never" nodeType="tmRoot">
+          <p:childTnLst>
+            <p:seq>
+              <p:cTn id="48" nodeType="mainSeq"/>
+              <p:prevCondLst>
+                <p:cond delay="0" evt="onPrev">
+                  <p:tgtEl>
+                    <p:sldTgt/>
+                  </p:tgtEl>
+                </p:cond>
+              </p:prevCondLst>
+              <p:nextCondLst>
+                <p:cond delay="0" evt="onNext">
+                  <p:tgtEl>
+                    <p:sldTgt/>
+                  </p:tgtEl>
+                </p:cond>
+              </p:nextCondLst>
+            </p:seq>
+          </p:childTnLst>
+        </p:cTn>
+      </p:par>
+    </p:tnLst>
+  </p:timing>
+</p:sld>
+</file>
+
+<file path=ppt/slides/slide25.xml><?xml version="1.0" encoding="utf-8"?>
+<p:sld xmlns:a="http://schemas.openxmlformats.org/drawingml/2006/main" xmlns:p="http://schemas.openxmlformats.org/presentationml/2006/main" xmlns:r="http://schemas.openxmlformats.org/officeDocument/2006/relationships">
+  <p:cSld>
+    <p:spTree>
+      <p:nvGrpSpPr>
+        <p:cNvPr id="1" name=""/>
+        <p:cNvGrpSpPr/>
+        <p:nvPr/>
+      </p:nvGrpSpPr>
+      <p:grpSpPr>
+        <a:xfrm>
+          <a:off x="0" y="0"/>
+          <a:ext cx="0" cy="0"/>
+          <a:chOff x="0" y="0"/>
+          <a:chExt cx="0" cy="0"/>
+        </a:xfrm>
+      </p:grpSpPr>
+      <p:sp>
+        <p:nvSpPr>
+          <p:cNvPr id="120" name="CustomShape 1"/>
+          <p:cNvSpPr/>
+          <p:nvPr/>
+        </p:nvSpPr>
+        <p:spPr>
+          <a:xfrm>
+            <a:off x="838080" y="365040"/>
+            <a:ext cx="10513800" cy="1323720"/>
+          </a:xfrm>
+          <a:prstGeom prst="rect">
+            <a:avLst/>
+          </a:prstGeom>
+          <a:noFill/>
+          <a:ln>
+            <a:noFill/>
+          </a:ln>
+        </p:spPr>
+        <p:txBody>
+          <a:bodyPr lIns="90000" rIns="90000" tIns="45000" bIns="45000" anchor="ctr"/>
+          <a:p>
+            <a:pPr>
+              <a:lnSpc>
+                <a:spcPct val="90000"/>
+              </a:lnSpc>
+            </a:pPr>
+            <a:r>
+              <a:rPr lang="en-US" sz="4400">
+                <a:solidFill>
+                  <a:srgbClr val="000000"/>
+                </a:solidFill>
+                <a:latin typeface="Calibri Light"/>
+              </a:rPr>
+              <a:t>Distribuição de Frequências</a:t>
+            </a:r>
+            <a:endParaRPr/>
+          </a:p>
+        </p:txBody>
+      </p:sp>
+      <p:sp>
+        <p:nvSpPr>
+          <p:cNvPr id="121" name="CustomShape 2"/>
+          <p:cNvSpPr/>
+          <p:nvPr/>
+        </p:nvSpPr>
+        <p:spPr>
+          <a:xfrm>
+            <a:off x="838080" y="1825560"/>
+            <a:ext cx="10513800" cy="4349520"/>
+          </a:xfrm>
+          <a:prstGeom prst="rect">
+            <a:avLst/>
+          </a:prstGeom>
+          <a:noFill/>
+          <a:ln>
+            <a:noFill/>
+          </a:ln>
+        </p:spPr>
+        <p:txBody>
+          <a:bodyPr lIns="90000" rIns="90000" tIns="45000" bIns="45000"/>
+          <a:p>
+            <a:pPr>
+              <a:lnSpc>
+                <a:spcPct val="100000"/>
+              </a:lnSpc>
+            </a:pPr>
+            <a:endParaRPr/>
+          </a:p>
+          <a:p>
+            <a:pPr>
+              <a:lnSpc>
+                <a:spcPct val="90000"/>
+              </a:lnSpc>
+            </a:pPr>
+            <a:r>
+              <a:rPr lang="en-US" sz="2800">
+                <a:latin typeface="Lucida Console"/>
+              </a:rPr>
+              <a:t>print(frequencias)</a:t>
+            </a:r>
+            <a:endParaRPr/>
+          </a:p>
+          <a:p>
+            <a:pPr>
+              <a:lnSpc>
+                <a:spcPct val="90000"/>
+              </a:lnSpc>
+            </a:pPr>
+            <a:r>
+              <a:rPr lang="en-US" sz="2800">
+                <a:latin typeface="Lucida Console"/>
+              </a:rPr>
+              <a:t>[['Pidgeotto' '1']</a:t>
+            </a:r>
+            <a:endParaRPr/>
+          </a:p>
+          <a:p>
+            <a:pPr>
+              <a:lnSpc>
+                <a:spcPct val="90000"/>
+              </a:lnSpc>
+            </a:pPr>
+            <a:r>
+              <a:rPr lang="en-US" sz="2800">
+                <a:solidFill>
+                  <a:srgbClr val="000000"/>
+                </a:solidFill>
+                <a:latin typeface="Lucida console"/>
+              </a:rPr>
+              <a:t> </a:t>
+            </a:r>
+            <a:r>
+              <a:rPr lang="en-US" sz="2800">
+                <a:solidFill>
+                  <a:srgbClr val="000000"/>
+                </a:solidFill>
+                <a:latin typeface="Lucida console"/>
+              </a:rPr>
+              <a:t>['Pidgey' '5']</a:t>
+            </a:r>
+            <a:endParaRPr/>
+          </a:p>
+          <a:p>
+            <a:pPr>
+              <a:lnSpc>
+                <a:spcPct val="90000"/>
+              </a:lnSpc>
+            </a:pPr>
+            <a:r>
+              <a:rPr lang="en-US" sz="2800">
+                <a:solidFill>
+                  <a:srgbClr val="000000"/>
+                </a:solidFill>
+                <a:latin typeface="Lucida console"/>
+              </a:rPr>
+              <a:t> </a:t>
+            </a:r>
+            <a:r>
+              <a:rPr lang="en-US" sz="2800">
+                <a:solidFill>
+                  <a:srgbClr val="000000"/>
+                </a:solidFill>
+                <a:latin typeface="Lucida console"/>
+              </a:rPr>
+              <a:t>['Poliwag' '1']</a:t>
+            </a:r>
+            <a:endParaRPr/>
+          </a:p>
+          <a:p>
+            <a:pPr>
+              <a:lnSpc>
+                <a:spcPct val="90000"/>
+              </a:lnSpc>
+            </a:pPr>
+            <a:r>
+              <a:rPr lang="en-US" sz="2800">
+                <a:solidFill>
+                  <a:srgbClr val="000000"/>
+                </a:solidFill>
+                <a:latin typeface="Lucida console"/>
+              </a:rPr>
+              <a:t> </a:t>
+            </a:r>
+            <a:r>
+              <a:rPr lang="en-US" sz="2800">
+                <a:solidFill>
+                  <a:srgbClr val="000000"/>
+                </a:solidFill>
+                <a:latin typeface="Lucida console"/>
+              </a:rPr>
+              <a:t>['Rapidash' '1']</a:t>
+            </a:r>
+            <a:endParaRPr/>
+          </a:p>
+          <a:p>
+            <a:pPr>
+              <a:lnSpc>
+                <a:spcPct val="90000"/>
+              </a:lnSpc>
+            </a:pPr>
+            <a:r>
+              <a:rPr lang="en-US" sz="2800">
+                <a:solidFill>
+                  <a:srgbClr val="000000"/>
+                </a:solidFill>
+                <a:latin typeface="Lucida console"/>
+              </a:rPr>
+              <a:t> </a:t>
+            </a:r>
+            <a:r>
+              <a:rPr lang="en-US" sz="2800">
+                <a:solidFill>
+                  <a:srgbClr val="000000"/>
+                </a:solidFill>
+                <a:latin typeface="Lucida console"/>
+              </a:rPr>
+              <a:t>['Rattata' '2']</a:t>
+            </a:r>
+            <a:endParaRPr/>
+          </a:p>
+          <a:p>
+            <a:pPr>
+              <a:lnSpc>
+                <a:spcPct val="90000"/>
+              </a:lnSpc>
+            </a:pPr>
+            <a:r>
+              <a:rPr lang="en-US" sz="2800">
+                <a:solidFill>
+                  <a:srgbClr val="000000"/>
+                </a:solidFill>
+                <a:latin typeface="Lucida console"/>
+              </a:rPr>
+              <a:t> </a:t>
+            </a:r>
+            <a:r>
+              <a:rPr lang="en-US" sz="2800">
+                <a:solidFill>
+                  <a:srgbClr val="000000"/>
+                </a:solidFill>
+                <a:latin typeface="Lucida console"/>
+              </a:rPr>
+              <a:t>['Sandshrew' '2']]</a:t>
+            </a:r>
+            <a:endParaRPr/>
+          </a:p>
+          <a:p>
+            <a:pPr>
+              <a:lnSpc>
+                <a:spcPct val="90000"/>
+              </a:lnSpc>
+            </a:pPr>
+            <a:endParaRPr/>
+          </a:p>
+        </p:txBody>
+      </p:sp>
+    </p:spTree>
+  </p:cSld>
+  <p:timing>
+    <p:tnLst>
+      <p:par>
+        <p:cTn id="49" dur="indefinite" restart="never" nodeType="tmRoot">
+          <p:childTnLst>
+            <p:seq>
+              <p:cTn id="50" nodeType="mainSeq"/>
+              <p:prevCondLst>
+                <p:cond delay="0" evt="onPrev">
+                  <p:tgtEl>
+                    <p:sldTgt/>
+                  </p:tgtEl>
+                </p:cond>
+              </p:prevCondLst>
+              <p:nextCondLst>
+                <p:cond delay="0" evt="onNext">
+                  <p:tgtEl>
+                    <p:sldTgt/>
+                  </p:tgtEl>
+                </p:cond>
+              </p:nextCondLst>
+            </p:seq>
+          </p:childTnLst>
+        </p:cTn>
+      </p:par>
+    </p:tnLst>
+  </p:timing>
+</p:sld>
+</file>
+
+<file path=ppt/slides/slide26.xml><?xml version="1.0" encoding="utf-8"?>
+<p:sld xmlns:a="http://schemas.openxmlformats.org/drawingml/2006/main" xmlns:p="http://schemas.openxmlformats.org/presentationml/2006/main" xmlns:r="http://schemas.openxmlformats.org/officeDocument/2006/relationships">
+  <p:cSld>
+    <p:spTree>
+      <p:nvGrpSpPr>
+        <p:cNvPr id="1" name=""/>
+        <p:cNvGrpSpPr/>
+        <p:nvPr/>
+      </p:nvGrpSpPr>
+      <p:grpSpPr>
+        <a:xfrm>
+          <a:off x="0" y="0"/>
+          <a:ext cx="0" cy="0"/>
+          <a:chOff x="0" y="0"/>
+          <a:chExt cx="0" cy="0"/>
+        </a:xfrm>
+      </p:grpSpPr>
+      <p:sp>
+        <p:nvSpPr>
+          <p:cNvPr id="122" name="CustomShape 1"/>
+          <p:cNvSpPr/>
+          <p:nvPr/>
+        </p:nvSpPr>
+        <p:spPr>
+          <a:xfrm>
+            <a:off x="838080" y="365040"/>
+            <a:ext cx="10513800" cy="1323720"/>
+          </a:xfrm>
+          <a:prstGeom prst="rect">
+            <a:avLst/>
+          </a:prstGeom>
+          <a:noFill/>
+          <a:ln>
+            <a:noFill/>
+          </a:ln>
+        </p:spPr>
+        <p:txBody>
+          <a:bodyPr lIns="90000" rIns="90000" tIns="45000" bIns="45000" anchor="ctr"/>
+          <a:p>
+            <a:pPr>
+              <a:lnSpc>
+                <a:spcPct val="90000"/>
+              </a:lnSpc>
+            </a:pPr>
+            <a:r>
+              <a:rPr lang="en-US" sz="4400">
+                <a:solidFill>
+                  <a:srgbClr val="000000"/>
+                </a:solidFill>
+                <a:latin typeface="Calibri Light"/>
+              </a:rPr>
+              <a:t>Distribuição de Frequências</a:t>
+            </a:r>
+            <a:endParaRPr/>
+          </a:p>
+        </p:txBody>
+      </p:sp>
+      <p:sp>
+        <p:nvSpPr>
+          <p:cNvPr id="123" name="CustomShape 2"/>
+          <p:cNvSpPr/>
+          <p:nvPr/>
+        </p:nvSpPr>
+        <p:spPr>
+          <a:xfrm>
+            <a:off x="838080" y="1825560"/>
+            <a:ext cx="10513800" cy="4349520"/>
+          </a:xfrm>
+          <a:prstGeom prst="rect">
+            <a:avLst/>
+          </a:prstGeom>
+          <a:noFill/>
+          <a:ln>
+            <a:noFill/>
+          </a:ln>
+        </p:spPr>
+        <p:txBody>
+          <a:bodyPr lIns="90000" rIns="90000" tIns="45000" bIns="45000"/>
+          <a:p>
+            <a:pPr>
+              <a:lnSpc>
+                <a:spcPct val="100000"/>
+              </a:lnSpc>
+            </a:pPr>
+            <a:endParaRPr/>
+          </a:p>
+          <a:p>
+            <a:pPr>
+              <a:lnSpc>
+                <a:spcPct val="90000"/>
+              </a:lnSpc>
+            </a:pPr>
+            <a:r>
+              <a:rPr lang="en-US" sz="2800">
+                <a:solidFill>
+                  <a:srgbClr val="000000"/>
+                </a:solidFill>
+                <a:latin typeface="Lucida console"/>
+              </a:rPr>
+              <a:t>xi = frequencias[:, 0]</a:t>
+            </a:r>
+            <a:endParaRPr/>
+          </a:p>
+          <a:p>
+            <a:pPr>
+              <a:lnSpc>
+                <a:spcPct val="90000"/>
+              </a:lnSpc>
+            </a:pPr>
+            <a:r>
+              <a:rPr lang="en-US" sz="2800">
+                <a:solidFill>
+                  <a:srgbClr val="000000"/>
+                </a:solidFill>
+                <a:latin typeface="Lucida console"/>
+              </a:rPr>
+              <a:t>print(xi)</a:t>
+            </a:r>
+            <a:endParaRPr/>
+          </a:p>
+          <a:p>
+            <a:pPr>
+              <a:lnSpc>
+                <a:spcPct val="90000"/>
+              </a:lnSpc>
+            </a:pPr>
+            <a:r>
+              <a:rPr lang="en-US" sz="2800">
+                <a:solidFill>
+                  <a:srgbClr val="000000"/>
+                </a:solidFill>
+                <a:latin typeface="Lucida console"/>
+              </a:rPr>
+              <a:t>['Pidgeotto' 'Pidgey' 'Poliwag' 'Rapidash' 'Rattata' 'Sandshrew']</a:t>
+            </a:r>
+            <a:endParaRPr/>
+          </a:p>
+          <a:p>
+            <a:pPr>
+              <a:lnSpc>
+                <a:spcPct val="90000"/>
+              </a:lnSpc>
+            </a:pPr>
+            <a:endParaRPr/>
+          </a:p>
+          <a:p>
+            <a:pPr>
+              <a:lnSpc>
+                <a:spcPct val="90000"/>
+              </a:lnSpc>
+            </a:pPr>
+            <a:r>
+              <a:rPr lang="en-US" sz="2800">
+                <a:solidFill>
+                  <a:srgbClr val="000000"/>
+                </a:solidFill>
+                <a:latin typeface="Lucida console"/>
+              </a:rPr>
+              <a:t>fi = frequencias[:, 1]</a:t>
+            </a:r>
+            <a:endParaRPr/>
+          </a:p>
+          <a:p>
+            <a:pPr>
+              <a:lnSpc>
+                <a:spcPct val="90000"/>
+              </a:lnSpc>
+            </a:pPr>
+            <a:r>
+              <a:rPr lang="en-US" sz="2800">
+                <a:solidFill>
+                  <a:srgbClr val="000000"/>
+                </a:solidFill>
+                <a:latin typeface="Lucida console"/>
+              </a:rPr>
+              <a:t>print(fi)</a:t>
+            </a:r>
+            <a:endParaRPr/>
+          </a:p>
+          <a:p>
+            <a:pPr>
+              <a:lnSpc>
+                <a:spcPct val="90000"/>
+              </a:lnSpc>
+            </a:pPr>
+            <a:r>
+              <a:rPr lang="en-US" sz="2800">
+                <a:solidFill>
+                  <a:srgbClr val="000000"/>
+                </a:solidFill>
+                <a:latin typeface="Lucida console"/>
+              </a:rPr>
+              <a:t>[1 5 1 1 2 2]</a:t>
+            </a:r>
+            <a:endParaRPr/>
+          </a:p>
+          <a:p>
+            <a:pPr>
+              <a:lnSpc>
+                <a:spcPct val="90000"/>
+              </a:lnSpc>
+            </a:pPr>
+            <a:endParaRPr/>
+          </a:p>
+          <a:p>
+            <a:pPr>
+              <a:lnSpc>
+                <a:spcPct val="90000"/>
+              </a:lnSpc>
+            </a:pPr>
+            <a:r>
+              <a:rPr lang="en-US" sz="2800">
+                <a:solidFill>
+                  <a:srgbClr val="000000"/>
+                </a:solidFill>
+                <a:latin typeface="Lucida console"/>
+              </a:rPr>
+              <a:t># TODO explicação sobre fatiamento</a:t>
+            </a:r>
+            <a:endParaRPr/>
+          </a:p>
+        </p:txBody>
+      </p:sp>
+    </p:spTree>
+  </p:cSld>
+  <p:timing>
+    <p:tnLst>
+      <p:par>
+        <p:cTn id="51" dur="indefinite" restart="never" nodeType="tmRoot">
+          <p:childTnLst>
+            <p:seq>
+              <p:cTn id="52" nodeType="mainSeq"/>
+              <p:prevCondLst>
+                <p:cond delay="0" evt="onPrev">
+                  <p:tgtEl>
+                    <p:sldTgt/>
+                  </p:tgtEl>
+                </p:cond>
+              </p:prevCondLst>
+              <p:nextCondLst>
+                <p:cond delay="0" evt="onNext">
+                  <p:tgtEl>
+                    <p:sldTgt/>
+                  </p:tgtEl>
+                </p:cond>
+              </p:nextCondLst>
+            </p:seq>
+          </p:childTnLst>
+        </p:cTn>
+      </p:par>
+    </p:tnLst>
+  </p:timing>
+</p:sld>
+</file>
+
+<file path=ppt/slides/slide27.xml><?xml version="1.0" encoding="utf-8"?>
+<p:sld xmlns:a="http://schemas.openxmlformats.org/drawingml/2006/main" xmlns:p="http://schemas.openxmlformats.org/presentationml/2006/main" xmlns:r="http://schemas.openxmlformats.org/officeDocument/2006/relationships">
+  <p:cSld>
+    <p:spTree>
+      <p:nvGrpSpPr>
+        <p:cNvPr id="1" name=""/>
+        <p:cNvGrpSpPr/>
+        <p:nvPr/>
+      </p:nvGrpSpPr>
+      <p:grpSpPr>
+        <a:xfrm>
+          <a:off x="0" y="0"/>
+          <a:ext cx="0" cy="0"/>
+          <a:chOff x="0" y="0"/>
+          <a:chExt cx="0" cy="0"/>
+        </a:xfrm>
+      </p:grpSpPr>
+      <p:sp>
+        <p:nvSpPr>
+          <p:cNvPr id="124" name="CustomShape 1"/>
+          <p:cNvSpPr/>
+          <p:nvPr/>
+        </p:nvSpPr>
+        <p:spPr>
+          <a:xfrm>
+            <a:off x="838080" y="365040"/>
+            <a:ext cx="10513800" cy="1323720"/>
+          </a:xfrm>
+          <a:prstGeom prst="rect">
+            <a:avLst/>
+          </a:prstGeom>
+          <a:noFill/>
+          <a:ln>
+            <a:noFill/>
+          </a:ln>
+        </p:spPr>
+        <p:txBody>
+          <a:bodyPr lIns="90000" rIns="90000" tIns="45000" bIns="45000" anchor="ctr"/>
+          <a:p>
+            <a:pPr>
+              <a:lnSpc>
+                <a:spcPct val="90000"/>
+              </a:lnSpc>
+            </a:pPr>
+            <a:r>
+              <a:rPr lang="en-US" sz="4400">
+                <a:solidFill>
+                  <a:srgbClr val="000000"/>
+                </a:solidFill>
+                <a:latin typeface="Calibri Light"/>
+              </a:rPr>
+              <a:t>Visualização de dados</a:t>
+            </a:r>
+            <a:endParaRPr/>
+          </a:p>
+        </p:txBody>
+      </p:sp>
+      <p:sp>
+        <p:nvSpPr>
+          <p:cNvPr id="125" name="CustomShape 2"/>
+          <p:cNvSpPr/>
+          <p:nvPr/>
+        </p:nvSpPr>
+        <p:spPr>
+          <a:xfrm>
+            <a:off x="838080" y="1825560"/>
+            <a:ext cx="10513800" cy="4349520"/>
+          </a:xfrm>
+          <a:prstGeom prst="rect">
+            <a:avLst/>
+          </a:prstGeom>
+          <a:noFill/>
+          <a:ln>
+            <a:noFill/>
+          </a:ln>
+        </p:spPr>
+        <p:txBody>
+          <a:bodyPr lIns="90000" rIns="90000" tIns="45000" bIns="45000"/>
+          <a:p>
+            <a:pPr>
+              <a:lnSpc>
+                <a:spcPct val="100000"/>
+              </a:lnSpc>
+            </a:pPr>
+            <a:endParaRPr/>
+          </a:p>
+          <a:p>
+            <a:pPr>
+              <a:lnSpc>
+                <a:spcPct val="90000"/>
+              </a:lnSpc>
+            </a:pPr>
+            <a:r>
+              <a:rPr lang="en-US" sz="2800">
+                <a:solidFill>
+                  <a:srgbClr val="000000"/>
+                </a:solidFill>
+                <a:latin typeface="Lucida console"/>
+              </a:rPr>
+              <a:t>matplotlib</a:t>
+            </a:r>
+            <a:endParaRPr/>
+          </a:p>
+          <a:p>
+            <a:pPr>
+              <a:lnSpc>
+                <a:spcPct val="90000"/>
+              </a:lnSpc>
+            </a:pPr>
+            <a:endParaRPr/>
+          </a:p>
+          <a:p>
+            <a:pPr>
+              <a:lnSpc>
+                <a:spcPct val="90000"/>
+              </a:lnSpc>
+            </a:pPr>
+            <a:endParaRPr/>
+          </a:p>
+        </p:txBody>
+      </p:sp>
+    </p:spTree>
+  </p:cSld>
+  <p:timing>
+    <p:tnLst>
+      <p:par>
+        <p:cTn id="53" dur="indefinite" restart="never" nodeType="tmRoot">
+          <p:childTnLst>
+            <p:seq>
+              <p:cTn id="54" nodeType="mainSeq"/>
               <p:prevCondLst>
                 <p:cond delay="0" evt="onPrev">
                   <p:tgtEl>
@@ -5570,7 +6831,7 @@
         <p:spPr>
           <a:xfrm>
             <a:off x="838080" y="365040"/>
-            <a:ext cx="10514520" cy="1324440"/>
+            <a:ext cx="10513800" cy="1323720"/>
           </a:xfrm>
           <a:prstGeom prst="rect">
             <a:avLst/>
@@ -5610,7 +6871,7 @@
         <p:spPr>
           <a:xfrm>
             <a:off x="838080" y="1825560"/>
-            <a:ext cx="10514520" cy="4350240"/>
+            <a:ext cx="10513800" cy="4349520"/>
           </a:xfrm>
           <a:prstGeom prst="rect">
             <a:avLst/>
@@ -5782,7 +7043,7 @@
         <p:spPr>
           <a:xfrm>
             <a:off x="838080" y="365040"/>
-            <a:ext cx="10514520" cy="1324440"/>
+            <a:ext cx="10513800" cy="1323720"/>
           </a:xfrm>
           <a:prstGeom prst="rect">
             <a:avLst/>
@@ -5822,7 +7083,7 @@
         <p:spPr>
           <a:xfrm>
             <a:off x="838080" y="1825560"/>
-            <a:ext cx="10514520" cy="4350240"/>
+            <a:ext cx="10513800" cy="4349520"/>
           </a:xfrm>
           <a:prstGeom prst="rect">
             <a:avLst/>
@@ -5967,7 +7228,7 @@
         <p:spPr>
           <a:xfrm>
             <a:off x="838080" y="365040"/>
-            <a:ext cx="10514520" cy="1324440"/>
+            <a:ext cx="10513800" cy="1323720"/>
           </a:xfrm>
           <a:prstGeom prst="rect">
             <a:avLst/>
@@ -6013,7 +7274,7 @@
         <p:spPr>
           <a:xfrm>
             <a:off x="3945960" y="1427760"/>
-            <a:ext cx="3825720" cy="4916160"/>
+            <a:ext cx="3825000" cy="4915440"/>
           </a:xfrm>
           <a:prstGeom prst="rect">
             <a:avLst/>
@@ -6081,7 +7342,7 @@
         <p:spPr>
           <a:xfrm>
             <a:off x="838080" y="365040"/>
-            <a:ext cx="10514520" cy="1324440"/>
+            <a:ext cx="10513800" cy="1323720"/>
           </a:xfrm>
           <a:prstGeom prst="rect">
             <a:avLst/>
@@ -6121,7 +7382,7 @@
         <p:spPr>
           <a:xfrm>
             <a:off x="838080" y="1825560"/>
-            <a:ext cx="10514520" cy="4350240"/>
+            <a:ext cx="10513800" cy="4349520"/>
           </a:xfrm>
           <a:prstGeom prst="rect">
             <a:avLst/>
@@ -6337,7 +7598,7 @@
         <p:spPr>
           <a:xfrm>
             <a:off x="838080" y="365040"/>
-            <a:ext cx="10514520" cy="1324440"/>
+            <a:ext cx="10513800" cy="1323720"/>
           </a:xfrm>
           <a:prstGeom prst="rect">
             <a:avLst/>
@@ -6377,7 +7638,7 @@
         <p:spPr>
           <a:xfrm>
             <a:off x="838080" y="1825560"/>
-            <a:ext cx="10514520" cy="4350240"/>
+            <a:ext cx="10513800" cy="4349520"/>
           </a:xfrm>
           <a:prstGeom prst="rect">
             <a:avLst/>
@@ -6550,7 +7811,7 @@
         <p:spPr>
           <a:xfrm>
             <a:off x="838080" y="365040"/>
-            <a:ext cx="10514520" cy="1324440"/>
+            <a:ext cx="10513800" cy="1323720"/>
           </a:xfrm>
           <a:prstGeom prst="rect">
             <a:avLst/>
@@ -6590,7 +7851,7 @@
         <p:spPr>
           <a:xfrm>
             <a:off x="838080" y="1825560"/>
-            <a:ext cx="10514520" cy="4350240"/>
+            <a:ext cx="10513800" cy="4349520"/>
           </a:xfrm>
           <a:prstGeom prst="rect">
             <a:avLst/>
@@ -6738,7 +7999,7 @@
         <p:spPr>
           <a:xfrm>
             <a:off x="838080" y="365040"/>
-            <a:ext cx="10514520" cy="1324440"/>
+            <a:ext cx="10513800" cy="1323720"/>
           </a:xfrm>
           <a:prstGeom prst="rect">
             <a:avLst/>
@@ -6778,7 +8039,7 @@
         <p:spPr>
           <a:xfrm>
             <a:off x="838080" y="1825560"/>
-            <a:ext cx="10514520" cy="4350240"/>
+            <a:ext cx="10513800" cy="4349520"/>
           </a:xfrm>
           <a:prstGeom prst="rect">
             <a:avLst/>

--- a/presentation.pptx
+++ b/presentation.pptx
@@ -1,37 +1,132 @@
 
 <file path=ppt/presentation.xml><?xml version="1.0" encoding="utf-8"?>
-<p:presentation xmlns:a="http://schemas.openxmlformats.org/drawingml/2006/main" xmlns:p="http://schemas.openxmlformats.org/presentationml/2006/main" xmlns:r="http://schemas.openxmlformats.org/officeDocument/2006/relationships">
+<p:presentation xmlns:a="http://schemas.openxmlformats.org/drawingml/2006/main" xmlns:r="http://schemas.openxmlformats.org/officeDocument/2006/relationships" xmlns:p="http://schemas.openxmlformats.org/presentationml/2006/main">
   <p:sldMasterIdLst>
-    <p:sldMasterId id="2147483648" r:id="rId2"/>
-    <p:sldMasterId id="2147483661" r:id="rId3"/>
+    <p:sldMasterId id="2147483648" r:id="rId1"/>
+    <p:sldMasterId id="2147483661" r:id="rId2"/>
   </p:sldMasterIdLst>
   <p:sldIdLst>
-    <p:sldId id="256" r:id="rId4"/>
-    <p:sldId id="257" r:id="rId5"/>
-    <p:sldId id="258" r:id="rId6"/>
-    <p:sldId id="259" r:id="rId7"/>
-    <p:sldId id="260" r:id="rId8"/>
-    <p:sldId id="261" r:id="rId9"/>
-    <p:sldId id="262" r:id="rId10"/>
-    <p:sldId id="263" r:id="rId11"/>
-    <p:sldId id="264" r:id="rId12"/>
-    <p:sldId id="265" r:id="rId13"/>
-    <p:sldId id="266" r:id="rId14"/>
-    <p:sldId id="267" r:id="rId15"/>
-    <p:sldId id="268" r:id="rId16"/>
-    <p:sldId id="269" r:id="rId17"/>
-    <p:sldId id="270" r:id="rId18"/>
-    <p:sldId id="271" r:id="rId19"/>
-    <p:sldId id="272" r:id="rId20"/>
-    <p:sldId id="273" r:id="rId21"/>
+    <p:sldId id="256" r:id="rId3"/>
+    <p:sldId id="257" r:id="rId4"/>
+    <p:sldId id="258" r:id="rId5"/>
+    <p:sldId id="259" r:id="rId6"/>
+    <p:sldId id="260" r:id="rId7"/>
+    <p:sldId id="261" r:id="rId8"/>
+    <p:sldId id="262" r:id="rId9"/>
+    <p:sldId id="263" r:id="rId10"/>
+    <p:sldId id="264" r:id="rId11"/>
+    <p:sldId id="265" r:id="rId12"/>
+    <p:sldId id="266" r:id="rId13"/>
+    <p:sldId id="267" r:id="rId14"/>
+    <p:sldId id="268" r:id="rId15"/>
+    <p:sldId id="269" r:id="rId16"/>
+    <p:sldId id="270" r:id="rId17"/>
+    <p:sldId id="271" r:id="rId18"/>
+    <p:sldId id="272" r:id="rId19"/>
+    <p:sldId id="273" r:id="rId20"/>
   </p:sldIdLst>
   <p:sldSz cx="12192000" cy="6858000"/>
-  <p:notesSz cx="7559675" cy="10691812"/>
+  <p:notesSz cx="7559675" cy="10691813"/>
+  <p:defaultTextStyle>
+    <a:defPPr>
+      <a:defRPr lang="pt-BR"/>
+    </a:defPPr>
+    <a:lvl1pPr marL="0" algn="l" defTabSz="914400" rtl="0" eaLnBrk="1" latinLnBrk="0" hangingPunct="1">
+      <a:defRPr sz="1800" kern="1200">
+        <a:solidFill>
+          <a:schemeClr val="tx1"/>
+        </a:solidFill>
+        <a:latin typeface="+mn-lt"/>
+        <a:ea typeface="+mn-ea"/>
+        <a:cs typeface="+mn-cs"/>
+      </a:defRPr>
+    </a:lvl1pPr>
+    <a:lvl2pPr marL="457200" algn="l" defTabSz="914400" rtl="0" eaLnBrk="1" latinLnBrk="0" hangingPunct="1">
+      <a:defRPr sz="1800" kern="1200">
+        <a:solidFill>
+          <a:schemeClr val="tx1"/>
+        </a:solidFill>
+        <a:latin typeface="+mn-lt"/>
+        <a:ea typeface="+mn-ea"/>
+        <a:cs typeface="+mn-cs"/>
+      </a:defRPr>
+    </a:lvl2pPr>
+    <a:lvl3pPr marL="914400" algn="l" defTabSz="914400" rtl="0" eaLnBrk="1" latinLnBrk="0" hangingPunct="1">
+      <a:defRPr sz="1800" kern="1200">
+        <a:solidFill>
+          <a:schemeClr val="tx1"/>
+        </a:solidFill>
+        <a:latin typeface="+mn-lt"/>
+        <a:ea typeface="+mn-ea"/>
+        <a:cs typeface="+mn-cs"/>
+      </a:defRPr>
+    </a:lvl3pPr>
+    <a:lvl4pPr marL="1371600" algn="l" defTabSz="914400" rtl="0" eaLnBrk="1" latinLnBrk="0" hangingPunct="1">
+      <a:defRPr sz="1800" kern="1200">
+        <a:solidFill>
+          <a:schemeClr val="tx1"/>
+        </a:solidFill>
+        <a:latin typeface="+mn-lt"/>
+        <a:ea typeface="+mn-ea"/>
+        <a:cs typeface="+mn-cs"/>
+      </a:defRPr>
+    </a:lvl4pPr>
+    <a:lvl5pPr marL="1828800" algn="l" defTabSz="914400" rtl="0" eaLnBrk="1" latinLnBrk="0" hangingPunct="1">
+      <a:defRPr sz="1800" kern="1200">
+        <a:solidFill>
+          <a:schemeClr val="tx1"/>
+        </a:solidFill>
+        <a:latin typeface="+mn-lt"/>
+        <a:ea typeface="+mn-ea"/>
+        <a:cs typeface="+mn-cs"/>
+      </a:defRPr>
+    </a:lvl5pPr>
+    <a:lvl6pPr marL="2286000" algn="l" defTabSz="914400" rtl="0" eaLnBrk="1" latinLnBrk="0" hangingPunct="1">
+      <a:defRPr sz="1800" kern="1200">
+        <a:solidFill>
+          <a:schemeClr val="tx1"/>
+        </a:solidFill>
+        <a:latin typeface="+mn-lt"/>
+        <a:ea typeface="+mn-ea"/>
+        <a:cs typeface="+mn-cs"/>
+      </a:defRPr>
+    </a:lvl6pPr>
+    <a:lvl7pPr marL="2743200" algn="l" defTabSz="914400" rtl="0" eaLnBrk="1" latinLnBrk="0" hangingPunct="1">
+      <a:defRPr sz="1800" kern="1200">
+        <a:solidFill>
+          <a:schemeClr val="tx1"/>
+        </a:solidFill>
+        <a:latin typeface="+mn-lt"/>
+        <a:ea typeface="+mn-ea"/>
+        <a:cs typeface="+mn-cs"/>
+      </a:defRPr>
+    </a:lvl7pPr>
+    <a:lvl8pPr marL="3200400" algn="l" defTabSz="914400" rtl="0" eaLnBrk="1" latinLnBrk="0" hangingPunct="1">
+      <a:defRPr sz="1800" kern="1200">
+        <a:solidFill>
+          <a:schemeClr val="tx1"/>
+        </a:solidFill>
+        <a:latin typeface="+mn-lt"/>
+        <a:ea typeface="+mn-ea"/>
+        <a:cs typeface="+mn-cs"/>
+      </a:defRPr>
+    </a:lvl8pPr>
+    <a:lvl9pPr marL="3657600" algn="l" defTabSz="914400" rtl="0" eaLnBrk="1" latinLnBrk="0" hangingPunct="1">
+      <a:defRPr sz="1800" kern="1200">
+        <a:solidFill>
+          <a:schemeClr val="tx1"/>
+        </a:solidFill>
+        <a:latin typeface="+mn-lt"/>
+        <a:ea typeface="+mn-ea"/>
+        <a:cs typeface="+mn-cs"/>
+      </a:defRPr>
+    </a:lvl9pPr>
+  </p:defaultTextStyle>
 </p:presentation>
 </file>
 
 <file path=ppt/slideLayouts/slideLayout1.xml><?xml version="1.0" encoding="utf-8"?>
-<p:sldLayout xmlns:a="http://schemas.openxmlformats.org/drawingml/2006/main" xmlns:p="http://schemas.openxmlformats.org/presentationml/2006/main" xmlns:r="http://schemas.openxmlformats.org/officeDocument/2006/relationships" type="blank" preserve="1">
+<p:sldLayout xmlns:a="http://schemas.openxmlformats.org/drawingml/2006/main" xmlns:r="http://schemas.openxmlformats.org/officeDocument/2006/relationships" xmlns:p="http://schemas.openxmlformats.org/presentationml/2006/main" type="blank" preserve="1">
   <p:cSld name="Blank Slide">
     <p:spTree>
       <p:nvGrpSpPr>
@@ -49,11 +144,14 @@
       </p:grpSpPr>
     </p:spTree>
   </p:cSld>
+  <p:clrMapOvr>
+    <a:masterClrMapping/>
+  </p:clrMapOvr>
 </p:sldLayout>
 </file>
 
 <file path=ppt/slideLayouts/slideLayout10.xml><?xml version="1.0" encoding="utf-8"?>
-<p:sldLayout xmlns:a="http://schemas.openxmlformats.org/drawingml/2006/main" xmlns:p="http://schemas.openxmlformats.org/presentationml/2006/main" xmlns:r="http://schemas.openxmlformats.org/officeDocument/2006/relationships" type="objOverTx" preserve="1">
+<p:sldLayout xmlns:a="http://schemas.openxmlformats.org/drawingml/2006/main" xmlns:r="http://schemas.openxmlformats.org/officeDocument/2006/relationships" xmlns:p="http://schemas.openxmlformats.org/presentationml/2006/main" type="objOverTx" preserve="1">
   <p:cSld name="Title, Content over Content">
     <p:spTree>
       <p:nvGrpSpPr>
@@ -89,7 +187,8 @@
           </a:prstGeom>
         </p:spPr>
         <p:txBody>
-          <a:bodyPr lIns="0" rIns="0" tIns="0" bIns="0" anchor="ctr"/>
+          <a:bodyPr lIns="0" tIns="0" rIns="0" bIns="0" anchor="ctr"/>
+          <a:lstStyle/>
           <a:p>
             <a:pPr algn="ctr"/>
             <a:endParaRPr/>
@@ -116,7 +215,8 @@
           </a:prstGeom>
         </p:spPr>
         <p:txBody>
-          <a:bodyPr lIns="0" rIns="0" tIns="0" bIns="0"/>
+          <a:bodyPr lIns="0" tIns="0" rIns="0" bIns="0"/>
+          <a:lstStyle/>
           <a:p>
             <a:endParaRPr/>
           </a:p>
@@ -142,7 +242,8 @@
           </a:prstGeom>
         </p:spPr>
         <p:txBody>
-          <a:bodyPr lIns="0" rIns="0" tIns="0" bIns="0"/>
+          <a:bodyPr lIns="0" tIns="0" rIns="0" bIns="0"/>
+          <a:lstStyle/>
           <a:p>
             <a:endParaRPr/>
           </a:p>
@@ -150,11 +251,14 @@
       </p:sp>
     </p:spTree>
   </p:cSld>
+  <p:clrMapOvr>
+    <a:masterClrMapping/>
+  </p:clrMapOvr>
 </p:sldLayout>
 </file>
 
 <file path=ppt/slideLayouts/slideLayout11.xml><?xml version="1.0" encoding="utf-8"?>
-<p:sldLayout xmlns:a="http://schemas.openxmlformats.org/drawingml/2006/main" xmlns:p="http://schemas.openxmlformats.org/presentationml/2006/main" xmlns:r="http://schemas.openxmlformats.org/officeDocument/2006/relationships" type="fourObj" preserve="1">
+<p:sldLayout xmlns:a="http://schemas.openxmlformats.org/drawingml/2006/main" xmlns:r="http://schemas.openxmlformats.org/officeDocument/2006/relationships" xmlns:p="http://schemas.openxmlformats.org/presentationml/2006/main" type="fourObj" preserve="1">
   <p:cSld name="Title, 4 Content">
     <p:spTree>
       <p:nvGrpSpPr>
@@ -190,7 +294,8 @@
           </a:prstGeom>
         </p:spPr>
         <p:txBody>
-          <a:bodyPr lIns="0" rIns="0" tIns="0" bIns="0" anchor="ctr"/>
+          <a:bodyPr lIns="0" tIns="0" rIns="0" bIns="0" anchor="ctr"/>
+          <a:lstStyle/>
           <a:p>
             <a:pPr algn="ctr"/>
             <a:endParaRPr/>
@@ -217,7 +322,8 @@
           </a:prstGeom>
         </p:spPr>
         <p:txBody>
-          <a:bodyPr lIns="0" rIns="0" tIns="0" bIns="0"/>
+          <a:bodyPr lIns="0" tIns="0" rIns="0" bIns="0"/>
+          <a:lstStyle/>
           <a:p>
             <a:endParaRPr/>
           </a:p>
@@ -243,7 +349,8 @@
           </a:prstGeom>
         </p:spPr>
         <p:txBody>
-          <a:bodyPr lIns="0" rIns="0" tIns="0" bIns="0"/>
+          <a:bodyPr lIns="0" tIns="0" rIns="0" bIns="0"/>
+          <a:lstStyle/>
           <a:p>
             <a:endParaRPr/>
           </a:p>
@@ -269,7 +376,8 @@
           </a:prstGeom>
         </p:spPr>
         <p:txBody>
-          <a:bodyPr lIns="0" rIns="0" tIns="0" bIns="0"/>
+          <a:bodyPr lIns="0" tIns="0" rIns="0" bIns="0"/>
+          <a:lstStyle/>
           <a:p>
             <a:endParaRPr/>
           </a:p>
@@ -295,7 +403,8 @@
           </a:prstGeom>
         </p:spPr>
         <p:txBody>
-          <a:bodyPr lIns="0" rIns="0" tIns="0" bIns="0"/>
+          <a:bodyPr lIns="0" tIns="0" rIns="0" bIns="0"/>
+          <a:lstStyle/>
           <a:p>
             <a:endParaRPr/>
           </a:p>
@@ -303,11 +412,14 @@
       </p:sp>
     </p:spTree>
   </p:cSld>
+  <p:clrMapOvr>
+    <a:masterClrMapping/>
+  </p:clrMapOvr>
 </p:sldLayout>
 </file>
 
 <file path=ppt/slideLayouts/slideLayout12.xml><?xml version="1.0" encoding="utf-8"?>
-<p:sldLayout xmlns:a="http://schemas.openxmlformats.org/drawingml/2006/main" xmlns:p="http://schemas.openxmlformats.org/presentationml/2006/main" xmlns:r="http://schemas.openxmlformats.org/officeDocument/2006/relationships" type="blank" preserve="1">
+<p:sldLayout xmlns:a="http://schemas.openxmlformats.org/drawingml/2006/main" xmlns:r="http://schemas.openxmlformats.org/officeDocument/2006/relationships" xmlns:p="http://schemas.openxmlformats.org/presentationml/2006/main" type="blank" preserve="1">
   <p:cSld name="Title, 6 Content">
     <p:spTree>
       <p:nvGrpSpPr>
@@ -343,7 +455,8 @@
           </a:prstGeom>
         </p:spPr>
         <p:txBody>
-          <a:bodyPr lIns="0" rIns="0" tIns="0" bIns="0" anchor="ctr"/>
+          <a:bodyPr lIns="0" tIns="0" rIns="0" bIns="0" anchor="ctr"/>
+          <a:lstStyle/>
           <a:p>
             <a:pPr algn="ctr"/>
             <a:endParaRPr/>
@@ -370,7 +483,8 @@
           </a:prstGeom>
         </p:spPr>
         <p:txBody>
-          <a:bodyPr lIns="0" rIns="0" tIns="0" bIns="0"/>
+          <a:bodyPr lIns="0" tIns="0" rIns="0" bIns="0"/>
+          <a:lstStyle/>
           <a:p>
             <a:endParaRPr/>
           </a:p>
@@ -396,7 +510,8 @@
           </a:prstGeom>
         </p:spPr>
         <p:txBody>
-          <a:bodyPr lIns="0" rIns="0" tIns="0" bIns="0"/>
+          <a:bodyPr lIns="0" tIns="0" rIns="0" bIns="0"/>
+          <a:lstStyle/>
           <a:p>
             <a:endParaRPr/>
           </a:p>
@@ -404,7 +519,7 @@
       </p:sp>
       <p:pic>
         <p:nvPicPr>
-          <p:cNvPr id="34" name="" descr=""/>
+          <p:cNvPr id="34" name="Imagem 33"/>
           <p:cNvPicPr/>
           <p:nvPr/>
         </p:nvPicPr>
@@ -429,12 +544,12 @@
       </p:pic>
       <p:pic>
         <p:nvPicPr>
-          <p:cNvPr id="35" name="" descr=""/>
+          <p:cNvPr id="35" name="Imagem 34"/>
           <p:cNvPicPr/>
           <p:nvPr/>
         </p:nvPicPr>
         <p:blipFill>
-          <a:blip r:embed="rId3"/>
+          <a:blip r:embed="rId2"/>
           <a:stretch>
             <a:fillRect/>
           </a:stretch>
@@ -454,11 +569,14 @@
       </p:pic>
     </p:spTree>
   </p:cSld>
+  <p:clrMapOvr>
+    <a:masterClrMapping/>
+  </p:clrMapOvr>
 </p:sldLayout>
 </file>
 
 <file path=ppt/slideLayouts/slideLayout13.xml><?xml version="1.0" encoding="utf-8"?>
-<p:sldLayout xmlns:a="http://schemas.openxmlformats.org/drawingml/2006/main" xmlns:p="http://schemas.openxmlformats.org/presentationml/2006/main" xmlns:r="http://schemas.openxmlformats.org/officeDocument/2006/relationships" type="blank" preserve="1">
+<p:sldLayout xmlns:a="http://schemas.openxmlformats.org/drawingml/2006/main" xmlns:r="http://schemas.openxmlformats.org/officeDocument/2006/relationships" xmlns:p="http://schemas.openxmlformats.org/presentationml/2006/main" type="blank" preserve="1">
   <p:cSld name="Blank Slide">
     <p:spTree>
       <p:nvGrpSpPr>
@@ -476,11 +594,14 @@
       </p:grpSpPr>
     </p:spTree>
   </p:cSld>
+  <p:clrMapOvr>
+    <a:masterClrMapping/>
+  </p:clrMapOvr>
 </p:sldLayout>
 </file>
 
 <file path=ppt/slideLayouts/slideLayout14.xml><?xml version="1.0" encoding="utf-8"?>
-<p:sldLayout xmlns:a="http://schemas.openxmlformats.org/drawingml/2006/main" xmlns:p="http://schemas.openxmlformats.org/presentationml/2006/main" xmlns:r="http://schemas.openxmlformats.org/officeDocument/2006/relationships" type="tx" preserve="1">
+<p:sldLayout xmlns:a="http://schemas.openxmlformats.org/drawingml/2006/main" xmlns:r="http://schemas.openxmlformats.org/officeDocument/2006/relationships" xmlns:p="http://schemas.openxmlformats.org/presentationml/2006/main" type="tx" preserve="1">
   <p:cSld name="Title Slide">
     <p:spTree>
       <p:nvGrpSpPr>
@@ -516,7 +637,8 @@
           </a:prstGeom>
         </p:spPr>
         <p:txBody>
-          <a:bodyPr lIns="0" rIns="0" tIns="0" bIns="0" anchor="ctr"/>
+          <a:bodyPr lIns="0" tIns="0" rIns="0" bIns="0" anchor="ctr"/>
+          <a:lstStyle/>
           <a:p>
             <a:pPr algn="ctr"/>
             <a:endParaRPr/>
@@ -543,7 +665,8 @@
           </a:prstGeom>
         </p:spPr>
         <p:txBody>
-          <a:bodyPr lIns="0" rIns="0" tIns="0" bIns="0" anchor="ctr"/>
+          <a:bodyPr lIns="0" tIns="0" rIns="0" bIns="0" anchor="ctr"/>
+          <a:lstStyle/>
           <a:p>
             <a:pPr algn="ctr"/>
             <a:endParaRPr/>
@@ -552,11 +675,14 @@
       </p:sp>
     </p:spTree>
   </p:cSld>
+  <p:clrMapOvr>
+    <a:masterClrMapping/>
+  </p:clrMapOvr>
 </p:sldLayout>
 </file>
 
 <file path=ppt/slideLayouts/slideLayout15.xml><?xml version="1.0" encoding="utf-8"?>
-<p:sldLayout xmlns:a="http://schemas.openxmlformats.org/drawingml/2006/main" xmlns:p="http://schemas.openxmlformats.org/presentationml/2006/main" xmlns:r="http://schemas.openxmlformats.org/officeDocument/2006/relationships" type="obj" preserve="1">
+<p:sldLayout xmlns:a="http://schemas.openxmlformats.org/drawingml/2006/main" xmlns:r="http://schemas.openxmlformats.org/officeDocument/2006/relationships" xmlns:p="http://schemas.openxmlformats.org/presentationml/2006/main" type="obj" preserve="1">
   <p:cSld name="Title, Content">
     <p:spTree>
       <p:nvGrpSpPr>
@@ -592,7 +718,8 @@
           </a:prstGeom>
         </p:spPr>
         <p:txBody>
-          <a:bodyPr lIns="0" rIns="0" tIns="0" bIns="0" anchor="ctr"/>
+          <a:bodyPr lIns="0" tIns="0" rIns="0" bIns="0" anchor="ctr"/>
+          <a:lstStyle/>
           <a:p>
             <a:pPr algn="ctr"/>
             <a:endParaRPr/>
@@ -619,7 +746,8 @@
           </a:prstGeom>
         </p:spPr>
         <p:txBody>
-          <a:bodyPr lIns="0" rIns="0" tIns="0" bIns="0"/>
+          <a:bodyPr lIns="0" tIns="0" rIns="0" bIns="0"/>
+          <a:lstStyle/>
           <a:p>
             <a:endParaRPr/>
           </a:p>
@@ -627,11 +755,14 @@
       </p:sp>
     </p:spTree>
   </p:cSld>
+  <p:clrMapOvr>
+    <a:masterClrMapping/>
+  </p:clrMapOvr>
 </p:sldLayout>
 </file>
 
 <file path=ppt/slideLayouts/slideLayout16.xml><?xml version="1.0" encoding="utf-8"?>
-<p:sldLayout xmlns:a="http://schemas.openxmlformats.org/drawingml/2006/main" xmlns:p="http://schemas.openxmlformats.org/presentationml/2006/main" xmlns:r="http://schemas.openxmlformats.org/officeDocument/2006/relationships" type="twoObj" preserve="1">
+<p:sldLayout xmlns:a="http://schemas.openxmlformats.org/drawingml/2006/main" xmlns:r="http://schemas.openxmlformats.org/officeDocument/2006/relationships" xmlns:p="http://schemas.openxmlformats.org/presentationml/2006/main" type="twoObj" preserve="1">
   <p:cSld name="Title, 2 Content">
     <p:spTree>
       <p:nvGrpSpPr>
@@ -667,7 +798,8 @@
           </a:prstGeom>
         </p:spPr>
         <p:txBody>
-          <a:bodyPr lIns="0" rIns="0" tIns="0" bIns="0" anchor="ctr"/>
+          <a:bodyPr lIns="0" tIns="0" rIns="0" bIns="0" anchor="ctr"/>
+          <a:lstStyle/>
           <a:p>
             <a:pPr algn="ctr"/>
             <a:endParaRPr/>
@@ -694,7 +826,8 @@
           </a:prstGeom>
         </p:spPr>
         <p:txBody>
-          <a:bodyPr lIns="0" rIns="0" tIns="0" bIns="0"/>
+          <a:bodyPr lIns="0" tIns="0" rIns="0" bIns="0"/>
+          <a:lstStyle/>
           <a:p>
             <a:endParaRPr/>
           </a:p>
@@ -720,7 +853,8 @@
           </a:prstGeom>
         </p:spPr>
         <p:txBody>
-          <a:bodyPr lIns="0" rIns="0" tIns="0" bIns="0"/>
+          <a:bodyPr lIns="0" tIns="0" rIns="0" bIns="0"/>
+          <a:lstStyle/>
           <a:p>
             <a:endParaRPr/>
           </a:p>
@@ -728,11 +862,14 @@
       </p:sp>
     </p:spTree>
   </p:cSld>
+  <p:clrMapOvr>
+    <a:masterClrMapping/>
+  </p:clrMapOvr>
 </p:sldLayout>
 </file>
 
 <file path=ppt/slideLayouts/slideLayout17.xml><?xml version="1.0" encoding="utf-8"?>
-<p:sldLayout xmlns:a="http://schemas.openxmlformats.org/drawingml/2006/main" xmlns:p="http://schemas.openxmlformats.org/presentationml/2006/main" xmlns:r="http://schemas.openxmlformats.org/officeDocument/2006/relationships" type="titleOnly" preserve="1">
+<p:sldLayout xmlns:a="http://schemas.openxmlformats.org/drawingml/2006/main" xmlns:r="http://schemas.openxmlformats.org/officeDocument/2006/relationships" xmlns:p="http://schemas.openxmlformats.org/presentationml/2006/main" type="titleOnly" preserve="1">
   <p:cSld name="Title Only">
     <p:spTree>
       <p:nvGrpSpPr>
@@ -768,7 +905,8 @@
           </a:prstGeom>
         </p:spPr>
         <p:txBody>
-          <a:bodyPr lIns="0" rIns="0" tIns="0" bIns="0" anchor="ctr"/>
+          <a:bodyPr lIns="0" tIns="0" rIns="0" bIns="0" anchor="ctr"/>
+          <a:lstStyle/>
           <a:p>
             <a:pPr algn="ctr"/>
             <a:endParaRPr/>
@@ -777,11 +915,14 @@
       </p:sp>
     </p:spTree>
   </p:cSld>
+  <p:clrMapOvr>
+    <a:masterClrMapping/>
+  </p:clrMapOvr>
 </p:sldLayout>
 </file>
 
 <file path=ppt/slideLayouts/slideLayout18.xml><?xml version="1.0" encoding="utf-8"?>
-<p:sldLayout xmlns:a="http://schemas.openxmlformats.org/drawingml/2006/main" xmlns:p="http://schemas.openxmlformats.org/presentationml/2006/main" xmlns:r="http://schemas.openxmlformats.org/officeDocument/2006/relationships" type="objOnly" preserve="1">
+<p:sldLayout xmlns:a="http://schemas.openxmlformats.org/drawingml/2006/main" xmlns:r="http://schemas.openxmlformats.org/officeDocument/2006/relationships" xmlns:p="http://schemas.openxmlformats.org/presentationml/2006/main" type="objOnly" preserve="1">
   <p:cSld name="Centered Text">
     <p:spTree>
       <p:nvGrpSpPr>
@@ -817,7 +958,8 @@
           </a:prstGeom>
         </p:spPr>
         <p:txBody>
-          <a:bodyPr lIns="0" rIns="0" tIns="0" bIns="0" anchor="ctr"/>
+          <a:bodyPr lIns="0" tIns="0" rIns="0" bIns="0" anchor="ctr"/>
+          <a:lstStyle/>
           <a:p>
             <a:pPr algn="ctr"/>
             <a:endParaRPr/>
@@ -826,11 +968,14 @@
       </p:sp>
     </p:spTree>
   </p:cSld>
+  <p:clrMapOvr>
+    <a:masterClrMapping/>
+  </p:clrMapOvr>
 </p:sldLayout>
 </file>
 
 <file path=ppt/slideLayouts/slideLayout19.xml><?xml version="1.0" encoding="utf-8"?>
-<p:sldLayout xmlns:a="http://schemas.openxmlformats.org/drawingml/2006/main" xmlns:p="http://schemas.openxmlformats.org/presentationml/2006/main" xmlns:r="http://schemas.openxmlformats.org/officeDocument/2006/relationships" type="twoObjAndObj" preserve="1">
+<p:sldLayout xmlns:a="http://schemas.openxmlformats.org/drawingml/2006/main" xmlns:r="http://schemas.openxmlformats.org/officeDocument/2006/relationships" xmlns:p="http://schemas.openxmlformats.org/presentationml/2006/main" type="twoObjAndObj" preserve="1">
   <p:cSld name="Title, 2 Content and Content">
     <p:spTree>
       <p:nvGrpSpPr>
@@ -866,7 +1011,8 @@
           </a:prstGeom>
         </p:spPr>
         <p:txBody>
-          <a:bodyPr lIns="0" rIns="0" tIns="0" bIns="0" anchor="ctr"/>
+          <a:bodyPr lIns="0" tIns="0" rIns="0" bIns="0" anchor="ctr"/>
+          <a:lstStyle/>
           <a:p>
             <a:pPr algn="ctr"/>
             <a:endParaRPr/>
@@ -893,7 +1039,8 @@
           </a:prstGeom>
         </p:spPr>
         <p:txBody>
-          <a:bodyPr lIns="0" rIns="0" tIns="0" bIns="0"/>
+          <a:bodyPr lIns="0" tIns="0" rIns="0" bIns="0"/>
+          <a:lstStyle/>
           <a:p>
             <a:endParaRPr/>
           </a:p>
@@ -919,7 +1066,8 @@
           </a:prstGeom>
         </p:spPr>
         <p:txBody>
-          <a:bodyPr lIns="0" rIns="0" tIns="0" bIns="0"/>
+          <a:bodyPr lIns="0" tIns="0" rIns="0" bIns="0"/>
+          <a:lstStyle/>
           <a:p>
             <a:endParaRPr/>
           </a:p>
@@ -945,7 +1093,8 @@
           </a:prstGeom>
         </p:spPr>
         <p:txBody>
-          <a:bodyPr lIns="0" rIns="0" tIns="0" bIns="0"/>
+          <a:bodyPr lIns="0" tIns="0" rIns="0" bIns="0"/>
+          <a:lstStyle/>
           <a:p>
             <a:endParaRPr/>
           </a:p>
@@ -953,11 +1102,14 @@
       </p:sp>
     </p:spTree>
   </p:cSld>
+  <p:clrMapOvr>
+    <a:masterClrMapping/>
+  </p:clrMapOvr>
 </p:sldLayout>
 </file>
 
 <file path=ppt/slideLayouts/slideLayout2.xml><?xml version="1.0" encoding="utf-8"?>
-<p:sldLayout xmlns:a="http://schemas.openxmlformats.org/drawingml/2006/main" xmlns:p="http://schemas.openxmlformats.org/presentationml/2006/main" xmlns:r="http://schemas.openxmlformats.org/officeDocument/2006/relationships" type="tx" preserve="1">
+<p:sldLayout xmlns:a="http://schemas.openxmlformats.org/drawingml/2006/main" xmlns:r="http://schemas.openxmlformats.org/officeDocument/2006/relationships" xmlns:p="http://schemas.openxmlformats.org/presentationml/2006/main" type="tx" preserve="1">
   <p:cSld name="Title Slide">
     <p:spTree>
       <p:nvGrpSpPr>
@@ -993,7 +1145,8 @@
           </a:prstGeom>
         </p:spPr>
         <p:txBody>
-          <a:bodyPr lIns="0" rIns="0" tIns="0" bIns="0" anchor="ctr"/>
+          <a:bodyPr lIns="0" tIns="0" rIns="0" bIns="0" anchor="ctr"/>
+          <a:lstStyle/>
           <a:p>
             <a:pPr algn="ctr"/>
             <a:endParaRPr/>
@@ -1020,7 +1173,8 @@
           </a:prstGeom>
         </p:spPr>
         <p:txBody>
-          <a:bodyPr lIns="0" rIns="0" tIns="0" bIns="0" anchor="ctr"/>
+          <a:bodyPr lIns="0" tIns="0" rIns="0" bIns="0" anchor="ctr"/>
+          <a:lstStyle/>
           <a:p>
             <a:pPr algn="ctr"/>
             <a:endParaRPr/>
@@ -1029,11 +1183,14 @@
       </p:sp>
     </p:spTree>
   </p:cSld>
+  <p:clrMapOvr>
+    <a:masterClrMapping/>
+  </p:clrMapOvr>
 </p:sldLayout>
 </file>
 
 <file path=ppt/slideLayouts/slideLayout20.xml><?xml version="1.0" encoding="utf-8"?>
-<p:sldLayout xmlns:a="http://schemas.openxmlformats.org/drawingml/2006/main" xmlns:p="http://schemas.openxmlformats.org/presentationml/2006/main" xmlns:r="http://schemas.openxmlformats.org/officeDocument/2006/relationships" type="objAndTwoObj" preserve="1">
+<p:sldLayout xmlns:a="http://schemas.openxmlformats.org/drawingml/2006/main" xmlns:r="http://schemas.openxmlformats.org/officeDocument/2006/relationships" xmlns:p="http://schemas.openxmlformats.org/presentationml/2006/main" type="objAndTwoObj" preserve="1">
   <p:cSld name="Title Content and 2 Content">
     <p:spTree>
       <p:nvGrpSpPr>
@@ -1069,7 +1226,8 @@
           </a:prstGeom>
         </p:spPr>
         <p:txBody>
-          <a:bodyPr lIns="0" rIns="0" tIns="0" bIns="0" anchor="ctr"/>
+          <a:bodyPr lIns="0" tIns="0" rIns="0" bIns="0" anchor="ctr"/>
+          <a:lstStyle/>
           <a:p>
             <a:pPr algn="ctr"/>
             <a:endParaRPr/>
@@ -1096,7 +1254,8 @@
           </a:prstGeom>
         </p:spPr>
         <p:txBody>
-          <a:bodyPr lIns="0" rIns="0" tIns="0" bIns="0"/>
+          <a:bodyPr lIns="0" tIns="0" rIns="0" bIns="0"/>
+          <a:lstStyle/>
           <a:p>
             <a:endParaRPr/>
           </a:p>
@@ -1122,7 +1281,8 @@
           </a:prstGeom>
         </p:spPr>
         <p:txBody>
-          <a:bodyPr lIns="0" rIns="0" tIns="0" bIns="0"/>
+          <a:bodyPr lIns="0" tIns="0" rIns="0" bIns="0"/>
+          <a:lstStyle/>
           <a:p>
             <a:endParaRPr/>
           </a:p>
@@ -1148,7 +1308,8 @@
           </a:prstGeom>
         </p:spPr>
         <p:txBody>
-          <a:bodyPr lIns="0" rIns="0" tIns="0" bIns="0"/>
+          <a:bodyPr lIns="0" tIns="0" rIns="0" bIns="0"/>
+          <a:lstStyle/>
           <a:p>
             <a:endParaRPr/>
           </a:p>
@@ -1156,11 +1317,14 @@
       </p:sp>
     </p:spTree>
   </p:cSld>
+  <p:clrMapOvr>
+    <a:masterClrMapping/>
+  </p:clrMapOvr>
 </p:sldLayout>
 </file>
 
 <file path=ppt/slideLayouts/slideLayout21.xml><?xml version="1.0" encoding="utf-8"?>
-<p:sldLayout xmlns:a="http://schemas.openxmlformats.org/drawingml/2006/main" xmlns:p="http://schemas.openxmlformats.org/presentationml/2006/main" xmlns:r="http://schemas.openxmlformats.org/officeDocument/2006/relationships" type="twoObjOverTx" preserve="1">
+<p:sldLayout xmlns:a="http://schemas.openxmlformats.org/drawingml/2006/main" xmlns:r="http://schemas.openxmlformats.org/officeDocument/2006/relationships" xmlns:p="http://schemas.openxmlformats.org/presentationml/2006/main" type="twoObjOverTx" preserve="1">
   <p:cSld name="Title, 2 Content over Content">
     <p:spTree>
       <p:nvGrpSpPr>
@@ -1196,7 +1360,8 @@
           </a:prstGeom>
         </p:spPr>
         <p:txBody>
-          <a:bodyPr lIns="0" rIns="0" tIns="0" bIns="0" anchor="ctr"/>
+          <a:bodyPr lIns="0" tIns="0" rIns="0" bIns="0" anchor="ctr"/>
+          <a:lstStyle/>
           <a:p>
             <a:pPr algn="ctr"/>
             <a:endParaRPr/>
@@ -1223,7 +1388,8 @@
           </a:prstGeom>
         </p:spPr>
         <p:txBody>
-          <a:bodyPr lIns="0" rIns="0" tIns="0" bIns="0"/>
+          <a:bodyPr lIns="0" tIns="0" rIns="0" bIns="0"/>
+          <a:lstStyle/>
           <a:p>
             <a:endParaRPr/>
           </a:p>
@@ -1249,7 +1415,8 @@
           </a:prstGeom>
         </p:spPr>
         <p:txBody>
-          <a:bodyPr lIns="0" rIns="0" tIns="0" bIns="0"/>
+          <a:bodyPr lIns="0" tIns="0" rIns="0" bIns="0"/>
+          <a:lstStyle/>
           <a:p>
             <a:endParaRPr/>
           </a:p>
@@ -1275,7 +1442,8 @@
           </a:prstGeom>
         </p:spPr>
         <p:txBody>
-          <a:bodyPr lIns="0" rIns="0" tIns="0" bIns="0"/>
+          <a:bodyPr lIns="0" tIns="0" rIns="0" bIns="0"/>
+          <a:lstStyle/>
           <a:p>
             <a:endParaRPr/>
           </a:p>
@@ -1283,11 +1451,14 @@
       </p:sp>
     </p:spTree>
   </p:cSld>
+  <p:clrMapOvr>
+    <a:masterClrMapping/>
+  </p:clrMapOvr>
 </p:sldLayout>
 </file>
 
 <file path=ppt/slideLayouts/slideLayout22.xml><?xml version="1.0" encoding="utf-8"?>
-<p:sldLayout xmlns:a="http://schemas.openxmlformats.org/drawingml/2006/main" xmlns:p="http://schemas.openxmlformats.org/presentationml/2006/main" xmlns:r="http://schemas.openxmlformats.org/officeDocument/2006/relationships" type="objOverTx" preserve="1">
+<p:sldLayout xmlns:a="http://schemas.openxmlformats.org/drawingml/2006/main" xmlns:r="http://schemas.openxmlformats.org/officeDocument/2006/relationships" xmlns:p="http://schemas.openxmlformats.org/presentationml/2006/main" type="objOverTx" preserve="1">
   <p:cSld name="Title, Content over Content">
     <p:spTree>
       <p:nvGrpSpPr>
@@ -1323,7 +1494,8 @@
           </a:prstGeom>
         </p:spPr>
         <p:txBody>
-          <a:bodyPr lIns="0" rIns="0" tIns="0" bIns="0" anchor="ctr"/>
+          <a:bodyPr lIns="0" tIns="0" rIns="0" bIns="0" anchor="ctr"/>
+          <a:lstStyle/>
           <a:p>
             <a:pPr algn="ctr"/>
             <a:endParaRPr/>
@@ -1350,7 +1522,8 @@
           </a:prstGeom>
         </p:spPr>
         <p:txBody>
-          <a:bodyPr lIns="0" rIns="0" tIns="0" bIns="0"/>
+          <a:bodyPr lIns="0" tIns="0" rIns="0" bIns="0"/>
+          <a:lstStyle/>
           <a:p>
             <a:endParaRPr/>
           </a:p>
@@ -1376,7 +1549,8 @@
           </a:prstGeom>
         </p:spPr>
         <p:txBody>
-          <a:bodyPr lIns="0" rIns="0" tIns="0" bIns="0"/>
+          <a:bodyPr lIns="0" tIns="0" rIns="0" bIns="0"/>
+          <a:lstStyle/>
           <a:p>
             <a:endParaRPr/>
           </a:p>
@@ -1384,11 +1558,14 @@
       </p:sp>
     </p:spTree>
   </p:cSld>
+  <p:clrMapOvr>
+    <a:masterClrMapping/>
+  </p:clrMapOvr>
 </p:sldLayout>
 </file>
 
 <file path=ppt/slideLayouts/slideLayout23.xml><?xml version="1.0" encoding="utf-8"?>
-<p:sldLayout xmlns:a="http://schemas.openxmlformats.org/drawingml/2006/main" xmlns:p="http://schemas.openxmlformats.org/presentationml/2006/main" xmlns:r="http://schemas.openxmlformats.org/officeDocument/2006/relationships" type="fourObj" preserve="1">
+<p:sldLayout xmlns:a="http://schemas.openxmlformats.org/drawingml/2006/main" xmlns:r="http://schemas.openxmlformats.org/officeDocument/2006/relationships" xmlns:p="http://schemas.openxmlformats.org/presentationml/2006/main" type="fourObj" preserve="1">
   <p:cSld name="Title, 4 Content">
     <p:spTree>
       <p:nvGrpSpPr>
@@ -1424,7 +1601,8 @@
           </a:prstGeom>
         </p:spPr>
         <p:txBody>
-          <a:bodyPr lIns="0" rIns="0" tIns="0" bIns="0" anchor="ctr"/>
+          <a:bodyPr lIns="0" tIns="0" rIns="0" bIns="0" anchor="ctr"/>
+          <a:lstStyle/>
           <a:p>
             <a:pPr algn="ctr"/>
             <a:endParaRPr/>
@@ -1451,7 +1629,8 @@
           </a:prstGeom>
         </p:spPr>
         <p:txBody>
-          <a:bodyPr lIns="0" rIns="0" tIns="0" bIns="0"/>
+          <a:bodyPr lIns="0" tIns="0" rIns="0" bIns="0"/>
+          <a:lstStyle/>
           <a:p>
             <a:endParaRPr/>
           </a:p>
@@ -1477,7 +1656,8 @@
           </a:prstGeom>
         </p:spPr>
         <p:txBody>
-          <a:bodyPr lIns="0" rIns="0" tIns="0" bIns="0"/>
+          <a:bodyPr lIns="0" tIns="0" rIns="0" bIns="0"/>
+          <a:lstStyle/>
           <a:p>
             <a:endParaRPr/>
           </a:p>
@@ -1503,7 +1683,8 @@
           </a:prstGeom>
         </p:spPr>
         <p:txBody>
-          <a:bodyPr lIns="0" rIns="0" tIns="0" bIns="0"/>
+          <a:bodyPr lIns="0" tIns="0" rIns="0" bIns="0"/>
+          <a:lstStyle/>
           <a:p>
             <a:endParaRPr/>
           </a:p>
@@ -1529,7 +1710,8 @@
           </a:prstGeom>
         </p:spPr>
         <p:txBody>
-          <a:bodyPr lIns="0" rIns="0" tIns="0" bIns="0"/>
+          <a:bodyPr lIns="0" tIns="0" rIns="0" bIns="0"/>
+          <a:lstStyle/>
           <a:p>
             <a:endParaRPr/>
           </a:p>
@@ -1537,11 +1719,14 @@
       </p:sp>
     </p:spTree>
   </p:cSld>
+  <p:clrMapOvr>
+    <a:masterClrMapping/>
+  </p:clrMapOvr>
 </p:sldLayout>
 </file>
 
 <file path=ppt/slideLayouts/slideLayout24.xml><?xml version="1.0" encoding="utf-8"?>
-<p:sldLayout xmlns:a="http://schemas.openxmlformats.org/drawingml/2006/main" xmlns:p="http://schemas.openxmlformats.org/presentationml/2006/main" xmlns:r="http://schemas.openxmlformats.org/officeDocument/2006/relationships" type="blank" preserve="1">
+<p:sldLayout xmlns:a="http://schemas.openxmlformats.org/drawingml/2006/main" xmlns:r="http://schemas.openxmlformats.org/officeDocument/2006/relationships" xmlns:p="http://schemas.openxmlformats.org/presentationml/2006/main" type="blank" preserve="1">
   <p:cSld name="Title, 6 Content">
     <p:spTree>
       <p:nvGrpSpPr>
@@ -1577,7 +1762,8 @@
           </a:prstGeom>
         </p:spPr>
         <p:txBody>
-          <a:bodyPr lIns="0" rIns="0" tIns="0" bIns="0" anchor="ctr"/>
+          <a:bodyPr lIns="0" tIns="0" rIns="0" bIns="0" anchor="ctr"/>
+          <a:lstStyle/>
           <a:p>
             <a:pPr algn="ctr"/>
             <a:endParaRPr/>
@@ -1604,7 +1790,8 @@
           </a:prstGeom>
         </p:spPr>
         <p:txBody>
-          <a:bodyPr lIns="0" rIns="0" tIns="0" bIns="0"/>
+          <a:bodyPr lIns="0" tIns="0" rIns="0" bIns="0"/>
+          <a:lstStyle/>
           <a:p>
             <a:endParaRPr/>
           </a:p>
@@ -1630,7 +1817,8 @@
           </a:prstGeom>
         </p:spPr>
         <p:txBody>
-          <a:bodyPr lIns="0" rIns="0" tIns="0" bIns="0"/>
+          <a:bodyPr lIns="0" tIns="0" rIns="0" bIns="0"/>
+          <a:lstStyle/>
           <a:p>
             <a:endParaRPr/>
           </a:p>
@@ -1638,7 +1826,7 @@
       </p:sp>
       <p:pic>
         <p:nvPicPr>
-          <p:cNvPr id="70" name="" descr=""/>
+          <p:cNvPr id="70" name="Imagem 69"/>
           <p:cNvPicPr/>
           <p:nvPr/>
         </p:nvPicPr>
@@ -1663,12 +1851,12 @@
       </p:pic>
       <p:pic>
         <p:nvPicPr>
-          <p:cNvPr id="71" name="" descr=""/>
+          <p:cNvPr id="71" name="Imagem 70"/>
           <p:cNvPicPr/>
           <p:nvPr/>
         </p:nvPicPr>
         <p:blipFill>
-          <a:blip r:embed="rId3"/>
+          <a:blip r:embed="rId2"/>
           <a:stretch>
             <a:fillRect/>
           </a:stretch>
@@ -1688,11 +1876,14 @@
       </p:pic>
     </p:spTree>
   </p:cSld>
+  <p:clrMapOvr>
+    <a:masterClrMapping/>
+  </p:clrMapOvr>
 </p:sldLayout>
 </file>
 
 <file path=ppt/slideLayouts/slideLayout3.xml><?xml version="1.0" encoding="utf-8"?>
-<p:sldLayout xmlns:a="http://schemas.openxmlformats.org/drawingml/2006/main" xmlns:p="http://schemas.openxmlformats.org/presentationml/2006/main" xmlns:r="http://schemas.openxmlformats.org/officeDocument/2006/relationships" type="obj" preserve="1">
+<p:sldLayout xmlns:a="http://schemas.openxmlformats.org/drawingml/2006/main" xmlns:r="http://schemas.openxmlformats.org/officeDocument/2006/relationships" xmlns:p="http://schemas.openxmlformats.org/presentationml/2006/main" type="obj" preserve="1">
   <p:cSld name="Title, Content">
     <p:spTree>
       <p:nvGrpSpPr>
@@ -1728,7 +1919,8 @@
           </a:prstGeom>
         </p:spPr>
         <p:txBody>
-          <a:bodyPr lIns="0" rIns="0" tIns="0" bIns="0" anchor="ctr"/>
+          <a:bodyPr lIns="0" tIns="0" rIns="0" bIns="0" anchor="ctr"/>
+          <a:lstStyle/>
           <a:p>
             <a:pPr algn="ctr"/>
             <a:endParaRPr/>
@@ -1755,7 +1947,8 @@
           </a:prstGeom>
         </p:spPr>
         <p:txBody>
-          <a:bodyPr lIns="0" rIns="0" tIns="0" bIns="0"/>
+          <a:bodyPr lIns="0" tIns="0" rIns="0" bIns="0"/>
+          <a:lstStyle/>
           <a:p>
             <a:endParaRPr/>
           </a:p>
@@ -1763,11 +1956,14 @@
       </p:sp>
     </p:spTree>
   </p:cSld>
+  <p:clrMapOvr>
+    <a:masterClrMapping/>
+  </p:clrMapOvr>
 </p:sldLayout>
 </file>
 
 <file path=ppt/slideLayouts/slideLayout4.xml><?xml version="1.0" encoding="utf-8"?>
-<p:sldLayout xmlns:a="http://schemas.openxmlformats.org/drawingml/2006/main" xmlns:p="http://schemas.openxmlformats.org/presentationml/2006/main" xmlns:r="http://schemas.openxmlformats.org/officeDocument/2006/relationships" type="twoObj" preserve="1">
+<p:sldLayout xmlns:a="http://schemas.openxmlformats.org/drawingml/2006/main" xmlns:r="http://schemas.openxmlformats.org/officeDocument/2006/relationships" xmlns:p="http://schemas.openxmlformats.org/presentationml/2006/main" type="twoObj" preserve="1">
   <p:cSld name="Title, 2 Content">
     <p:spTree>
       <p:nvGrpSpPr>
@@ -1803,7 +1999,8 @@
           </a:prstGeom>
         </p:spPr>
         <p:txBody>
-          <a:bodyPr lIns="0" rIns="0" tIns="0" bIns="0" anchor="ctr"/>
+          <a:bodyPr lIns="0" tIns="0" rIns="0" bIns="0" anchor="ctr"/>
+          <a:lstStyle/>
           <a:p>
             <a:pPr algn="ctr"/>
             <a:endParaRPr/>
@@ -1830,7 +2027,8 @@
           </a:prstGeom>
         </p:spPr>
         <p:txBody>
-          <a:bodyPr lIns="0" rIns="0" tIns="0" bIns="0"/>
+          <a:bodyPr lIns="0" tIns="0" rIns="0" bIns="0"/>
+          <a:lstStyle/>
           <a:p>
             <a:endParaRPr/>
           </a:p>
@@ -1856,7 +2054,8 @@
           </a:prstGeom>
         </p:spPr>
         <p:txBody>
-          <a:bodyPr lIns="0" rIns="0" tIns="0" bIns="0"/>
+          <a:bodyPr lIns="0" tIns="0" rIns="0" bIns="0"/>
+          <a:lstStyle/>
           <a:p>
             <a:endParaRPr/>
           </a:p>
@@ -1864,11 +2063,14 @@
       </p:sp>
     </p:spTree>
   </p:cSld>
+  <p:clrMapOvr>
+    <a:masterClrMapping/>
+  </p:clrMapOvr>
 </p:sldLayout>
 </file>
 
 <file path=ppt/slideLayouts/slideLayout5.xml><?xml version="1.0" encoding="utf-8"?>
-<p:sldLayout xmlns:a="http://schemas.openxmlformats.org/drawingml/2006/main" xmlns:p="http://schemas.openxmlformats.org/presentationml/2006/main" xmlns:r="http://schemas.openxmlformats.org/officeDocument/2006/relationships" type="titleOnly" preserve="1">
+<p:sldLayout xmlns:a="http://schemas.openxmlformats.org/drawingml/2006/main" xmlns:r="http://schemas.openxmlformats.org/officeDocument/2006/relationships" xmlns:p="http://schemas.openxmlformats.org/presentationml/2006/main" type="titleOnly" preserve="1">
   <p:cSld name="Title Only">
     <p:spTree>
       <p:nvGrpSpPr>
@@ -1904,7 +2106,8 @@
           </a:prstGeom>
         </p:spPr>
         <p:txBody>
-          <a:bodyPr lIns="0" rIns="0" tIns="0" bIns="0" anchor="ctr"/>
+          <a:bodyPr lIns="0" tIns="0" rIns="0" bIns="0" anchor="ctr"/>
+          <a:lstStyle/>
           <a:p>
             <a:pPr algn="ctr"/>
             <a:endParaRPr/>
@@ -1913,11 +2116,14 @@
       </p:sp>
     </p:spTree>
   </p:cSld>
+  <p:clrMapOvr>
+    <a:masterClrMapping/>
+  </p:clrMapOvr>
 </p:sldLayout>
 </file>
 
 <file path=ppt/slideLayouts/slideLayout6.xml><?xml version="1.0" encoding="utf-8"?>
-<p:sldLayout xmlns:a="http://schemas.openxmlformats.org/drawingml/2006/main" xmlns:p="http://schemas.openxmlformats.org/presentationml/2006/main" xmlns:r="http://schemas.openxmlformats.org/officeDocument/2006/relationships" type="objOnly" preserve="1">
+<p:sldLayout xmlns:a="http://schemas.openxmlformats.org/drawingml/2006/main" xmlns:r="http://schemas.openxmlformats.org/officeDocument/2006/relationships" xmlns:p="http://schemas.openxmlformats.org/presentationml/2006/main" type="objOnly" preserve="1">
   <p:cSld name="Centered Text">
     <p:spTree>
       <p:nvGrpSpPr>
@@ -1953,7 +2159,8 @@
           </a:prstGeom>
         </p:spPr>
         <p:txBody>
-          <a:bodyPr lIns="0" rIns="0" tIns="0" bIns="0" anchor="ctr"/>
+          <a:bodyPr lIns="0" tIns="0" rIns="0" bIns="0" anchor="ctr"/>
+          <a:lstStyle/>
           <a:p>
             <a:pPr algn="ctr"/>
             <a:endParaRPr/>
@@ -1962,11 +2169,14 @@
       </p:sp>
     </p:spTree>
   </p:cSld>
+  <p:clrMapOvr>
+    <a:masterClrMapping/>
+  </p:clrMapOvr>
 </p:sldLayout>
 </file>
 
 <file path=ppt/slideLayouts/slideLayout7.xml><?xml version="1.0" encoding="utf-8"?>
-<p:sldLayout xmlns:a="http://schemas.openxmlformats.org/drawingml/2006/main" xmlns:p="http://schemas.openxmlformats.org/presentationml/2006/main" xmlns:r="http://schemas.openxmlformats.org/officeDocument/2006/relationships" type="twoObjAndObj" preserve="1">
+<p:sldLayout xmlns:a="http://schemas.openxmlformats.org/drawingml/2006/main" xmlns:r="http://schemas.openxmlformats.org/officeDocument/2006/relationships" xmlns:p="http://schemas.openxmlformats.org/presentationml/2006/main" type="twoObjAndObj" preserve="1">
   <p:cSld name="Title, 2 Content and Content">
     <p:spTree>
       <p:nvGrpSpPr>
@@ -2002,7 +2212,8 @@
           </a:prstGeom>
         </p:spPr>
         <p:txBody>
-          <a:bodyPr lIns="0" rIns="0" tIns="0" bIns="0" anchor="ctr"/>
+          <a:bodyPr lIns="0" tIns="0" rIns="0" bIns="0" anchor="ctr"/>
+          <a:lstStyle/>
           <a:p>
             <a:pPr algn="ctr"/>
             <a:endParaRPr/>
@@ -2029,7 +2240,8 @@
           </a:prstGeom>
         </p:spPr>
         <p:txBody>
-          <a:bodyPr lIns="0" rIns="0" tIns="0" bIns="0"/>
+          <a:bodyPr lIns="0" tIns="0" rIns="0" bIns="0"/>
+          <a:lstStyle/>
           <a:p>
             <a:endParaRPr/>
           </a:p>
@@ -2055,7 +2267,8 @@
           </a:prstGeom>
         </p:spPr>
         <p:txBody>
-          <a:bodyPr lIns="0" rIns="0" tIns="0" bIns="0"/>
+          <a:bodyPr lIns="0" tIns="0" rIns="0" bIns="0"/>
+          <a:lstStyle/>
           <a:p>
             <a:endParaRPr/>
           </a:p>
@@ -2081,7 +2294,8 @@
           </a:prstGeom>
         </p:spPr>
         <p:txBody>
-          <a:bodyPr lIns="0" rIns="0" tIns="0" bIns="0"/>
+          <a:bodyPr lIns="0" tIns="0" rIns="0" bIns="0"/>
+          <a:lstStyle/>
           <a:p>
             <a:endParaRPr/>
           </a:p>
@@ -2089,11 +2303,14 @@
       </p:sp>
     </p:spTree>
   </p:cSld>
+  <p:clrMapOvr>
+    <a:masterClrMapping/>
+  </p:clrMapOvr>
 </p:sldLayout>
 </file>
 
 <file path=ppt/slideLayouts/slideLayout8.xml><?xml version="1.0" encoding="utf-8"?>
-<p:sldLayout xmlns:a="http://schemas.openxmlformats.org/drawingml/2006/main" xmlns:p="http://schemas.openxmlformats.org/presentationml/2006/main" xmlns:r="http://schemas.openxmlformats.org/officeDocument/2006/relationships" type="objAndTwoObj" preserve="1">
+<p:sldLayout xmlns:a="http://schemas.openxmlformats.org/drawingml/2006/main" xmlns:r="http://schemas.openxmlformats.org/officeDocument/2006/relationships" xmlns:p="http://schemas.openxmlformats.org/presentationml/2006/main" type="objAndTwoObj" preserve="1">
   <p:cSld name="Title Content and 2 Content">
     <p:spTree>
       <p:nvGrpSpPr>
@@ -2129,7 +2346,8 @@
           </a:prstGeom>
         </p:spPr>
         <p:txBody>
-          <a:bodyPr lIns="0" rIns="0" tIns="0" bIns="0" anchor="ctr"/>
+          <a:bodyPr lIns="0" tIns="0" rIns="0" bIns="0" anchor="ctr"/>
+          <a:lstStyle/>
           <a:p>
             <a:pPr algn="ctr"/>
             <a:endParaRPr/>
@@ -2156,7 +2374,8 @@
           </a:prstGeom>
         </p:spPr>
         <p:txBody>
-          <a:bodyPr lIns="0" rIns="0" tIns="0" bIns="0"/>
+          <a:bodyPr lIns="0" tIns="0" rIns="0" bIns="0"/>
+          <a:lstStyle/>
           <a:p>
             <a:endParaRPr/>
           </a:p>
@@ -2182,7 +2401,8 @@
           </a:prstGeom>
         </p:spPr>
         <p:txBody>
-          <a:bodyPr lIns="0" rIns="0" tIns="0" bIns="0"/>
+          <a:bodyPr lIns="0" tIns="0" rIns="0" bIns="0"/>
+          <a:lstStyle/>
           <a:p>
             <a:endParaRPr/>
           </a:p>
@@ -2208,7 +2428,8 @@
           </a:prstGeom>
         </p:spPr>
         <p:txBody>
-          <a:bodyPr lIns="0" rIns="0" tIns="0" bIns="0"/>
+          <a:bodyPr lIns="0" tIns="0" rIns="0" bIns="0"/>
+          <a:lstStyle/>
           <a:p>
             <a:endParaRPr/>
           </a:p>
@@ -2216,11 +2437,14 @@
       </p:sp>
     </p:spTree>
   </p:cSld>
+  <p:clrMapOvr>
+    <a:masterClrMapping/>
+  </p:clrMapOvr>
 </p:sldLayout>
 </file>
 
 <file path=ppt/slideLayouts/slideLayout9.xml><?xml version="1.0" encoding="utf-8"?>
-<p:sldLayout xmlns:a="http://schemas.openxmlformats.org/drawingml/2006/main" xmlns:p="http://schemas.openxmlformats.org/presentationml/2006/main" xmlns:r="http://schemas.openxmlformats.org/officeDocument/2006/relationships" type="twoObjOverTx" preserve="1">
+<p:sldLayout xmlns:a="http://schemas.openxmlformats.org/drawingml/2006/main" xmlns:r="http://schemas.openxmlformats.org/officeDocument/2006/relationships" xmlns:p="http://schemas.openxmlformats.org/presentationml/2006/main" type="twoObjOverTx" preserve="1">
   <p:cSld name="Title, 2 Content over Content">
     <p:spTree>
       <p:nvGrpSpPr>
@@ -2256,7 +2480,8 @@
           </a:prstGeom>
         </p:spPr>
         <p:txBody>
-          <a:bodyPr lIns="0" rIns="0" tIns="0" bIns="0" anchor="ctr"/>
+          <a:bodyPr lIns="0" tIns="0" rIns="0" bIns="0" anchor="ctr"/>
+          <a:lstStyle/>
           <a:p>
             <a:pPr algn="ctr"/>
             <a:endParaRPr/>
@@ -2283,7 +2508,8 @@
           </a:prstGeom>
         </p:spPr>
         <p:txBody>
-          <a:bodyPr lIns="0" rIns="0" tIns="0" bIns="0"/>
+          <a:bodyPr lIns="0" tIns="0" rIns="0" bIns="0"/>
+          <a:lstStyle/>
           <a:p>
             <a:endParaRPr/>
           </a:p>
@@ -2309,7 +2535,8 @@
           </a:prstGeom>
         </p:spPr>
         <p:txBody>
-          <a:bodyPr lIns="0" rIns="0" tIns="0" bIns="0"/>
+          <a:bodyPr lIns="0" tIns="0" rIns="0" bIns="0"/>
+          <a:lstStyle/>
           <a:p>
             <a:endParaRPr/>
           </a:p>
@@ -2335,7 +2562,8 @@
           </a:prstGeom>
         </p:spPr>
         <p:txBody>
-          <a:bodyPr lIns="0" rIns="0" tIns="0" bIns="0"/>
+          <a:bodyPr lIns="0" tIns="0" rIns="0" bIns="0"/>
+          <a:lstStyle/>
           <a:p>
             <a:endParaRPr/>
           </a:p>
@@ -2343,17 +2571,21 @@
       </p:sp>
     </p:spTree>
   </p:cSld>
+  <p:clrMapOvr>
+    <a:masterClrMapping/>
+  </p:clrMapOvr>
 </p:sldLayout>
 </file>
 
 <file path=ppt/slideMasters/slideMaster1.xml><?xml version="1.0" encoding="utf-8"?>
-<p:sldMaster xmlns:a="http://schemas.openxmlformats.org/drawingml/2006/main" xmlns:p="http://schemas.openxmlformats.org/presentationml/2006/main" xmlns:r="http://schemas.openxmlformats.org/officeDocument/2006/relationships">
+<p:sldMaster xmlns:a="http://schemas.openxmlformats.org/drawingml/2006/main" xmlns:r="http://schemas.openxmlformats.org/officeDocument/2006/relationships" xmlns:p="http://schemas.openxmlformats.org/presentationml/2006/main">
   <p:cSld>
     <p:bg>
       <p:bgPr>
         <a:solidFill>
-          <a:srgbClr val="ffffff"/>
+          <a:srgbClr val="FFFFFF"/>
         </a:solidFill>
+        <a:effectLst/>
       </p:bgPr>
     </p:bg>
     <p:spTree>
@@ -2372,7 +2604,7 @@
       </p:grpSpPr>
       <p:sp>
         <p:nvSpPr>
-          <p:cNvPr id="0" name="PlaceHolder 1"/>
+          <p:cNvPr id="2" name="PlaceHolder 1"/>
           <p:cNvSpPr>
             <a:spLocks noGrp="1"/>
           </p:cNvSpPr>
@@ -2390,7 +2622,8 @@
           </a:prstGeom>
         </p:spPr>
         <p:txBody>
-          <a:bodyPr lIns="0" rIns="0" tIns="0" bIns="0" anchor="ctr"/>
+          <a:bodyPr lIns="0" tIns="0" rIns="0" bIns="0" anchor="ctr"/>
+          <a:lstStyle/>
           <a:p>
             <a:r>
               <a:rPr lang="en-US">
@@ -2404,7 +2637,7 @@
       </p:sp>
       <p:sp>
         <p:nvSpPr>
-          <p:cNvPr id="1" name="PlaceHolder 2"/>
+          <p:cNvPr id="3" name="PlaceHolder 2"/>
           <p:cNvSpPr>
             <a:spLocks noGrp="1"/>
           </p:cNvSpPr>
@@ -2422,7 +2655,8 @@
           </a:prstGeom>
         </p:spPr>
         <p:txBody>
-          <a:bodyPr lIns="0" rIns="0" tIns="0" bIns="0"/>
+          <a:bodyPr lIns="0" tIns="0" rIns="0" bIns="0"/>
+          <a:lstStyle/>
           <a:p>
             <a:pPr>
               <a:buSzPct val="45000"/>
@@ -2525,32 +2759,313 @@
       </p:sp>
     </p:spTree>
   </p:cSld>
-  <p:clrMap bg1="lt1" bg2="lt2" tx1="dk1" tx2="dk2" accent1="accent1" accent2="accent2" accent3="accent3" accent4="accent4" accent5="accent5" accent6="accent6" hlink="hlink" folHlink="folHlink"/>
+  <p:clrMap bg1="lt1" tx1="dk1" bg2="lt2" tx2="dk2" accent1="accent1" accent2="accent2" accent3="accent3" accent4="accent4" accent5="accent5" accent6="accent6" hlink="hlink" folHlink="folHlink"/>
   <p:sldLayoutIdLst>
-    <p:sldLayoutId id="2147483649" r:id="rId2"/>
-    <p:sldLayoutId id="2147483650" r:id="rId3"/>
-    <p:sldLayoutId id="2147483651" r:id="rId4"/>
-    <p:sldLayoutId id="2147483652" r:id="rId5"/>
-    <p:sldLayoutId id="2147483653" r:id="rId6"/>
-    <p:sldLayoutId id="2147483654" r:id="rId7"/>
-    <p:sldLayoutId id="2147483655" r:id="rId8"/>
-    <p:sldLayoutId id="2147483656" r:id="rId9"/>
-    <p:sldLayoutId id="2147483657" r:id="rId10"/>
-    <p:sldLayoutId id="2147483658" r:id="rId11"/>
-    <p:sldLayoutId id="2147483659" r:id="rId12"/>
-    <p:sldLayoutId id="2147483660" r:id="rId13"/>
+    <p:sldLayoutId id="2147483649" r:id="rId1"/>
+    <p:sldLayoutId id="2147483650" r:id="rId2"/>
+    <p:sldLayoutId id="2147483651" r:id="rId3"/>
+    <p:sldLayoutId id="2147483652" r:id="rId4"/>
+    <p:sldLayoutId id="2147483653" r:id="rId5"/>
+    <p:sldLayoutId id="2147483654" r:id="rId6"/>
+    <p:sldLayoutId id="2147483655" r:id="rId7"/>
+    <p:sldLayoutId id="2147483656" r:id="rId8"/>
+    <p:sldLayoutId id="2147483657" r:id="rId9"/>
+    <p:sldLayoutId id="2147483658" r:id="rId10"/>
+    <p:sldLayoutId id="2147483659" r:id="rId11"/>
+    <p:sldLayoutId id="2147483660" r:id="rId12"/>
   </p:sldLayoutIdLst>
+  <p:txStyles>
+    <p:titleStyle>
+      <a:lvl1pPr algn="l" defTabSz="914400" rtl="0" eaLnBrk="1" latinLnBrk="0" hangingPunct="1">
+        <a:lnSpc>
+          <a:spcPct val="90000"/>
+        </a:lnSpc>
+        <a:spcBef>
+          <a:spcPct val="0"/>
+        </a:spcBef>
+        <a:buNone/>
+        <a:defRPr sz="4400" kern="1200">
+          <a:solidFill>
+            <a:schemeClr val="tx1"/>
+          </a:solidFill>
+          <a:latin typeface="+mj-lt"/>
+          <a:ea typeface="+mj-ea"/>
+          <a:cs typeface="+mj-cs"/>
+        </a:defRPr>
+      </a:lvl1pPr>
+    </p:titleStyle>
+    <p:bodyStyle>
+      <a:lvl1pPr marL="228600" indent="-228600" algn="l" defTabSz="914400" rtl="0" eaLnBrk="1" latinLnBrk="0" hangingPunct="1">
+        <a:lnSpc>
+          <a:spcPct val="90000"/>
+        </a:lnSpc>
+        <a:spcBef>
+          <a:spcPts val="1000"/>
+        </a:spcBef>
+        <a:buFont typeface="Arial" panose="020B0604020202020204" pitchFamily="34" charset="0"/>
+        <a:buChar char="•"/>
+        <a:defRPr sz="2800" kern="1200">
+          <a:solidFill>
+            <a:schemeClr val="tx1"/>
+          </a:solidFill>
+          <a:latin typeface="+mn-lt"/>
+          <a:ea typeface="+mn-ea"/>
+          <a:cs typeface="+mn-cs"/>
+        </a:defRPr>
+      </a:lvl1pPr>
+      <a:lvl2pPr marL="685800" indent="-228600" algn="l" defTabSz="914400" rtl="0" eaLnBrk="1" latinLnBrk="0" hangingPunct="1">
+        <a:lnSpc>
+          <a:spcPct val="90000"/>
+        </a:lnSpc>
+        <a:spcBef>
+          <a:spcPts val="500"/>
+        </a:spcBef>
+        <a:buFont typeface="Arial" panose="020B0604020202020204" pitchFamily="34" charset="0"/>
+        <a:buChar char="•"/>
+        <a:defRPr sz="2400" kern="1200">
+          <a:solidFill>
+            <a:schemeClr val="tx1"/>
+          </a:solidFill>
+          <a:latin typeface="+mn-lt"/>
+          <a:ea typeface="+mn-ea"/>
+          <a:cs typeface="+mn-cs"/>
+        </a:defRPr>
+      </a:lvl2pPr>
+      <a:lvl3pPr marL="1143000" indent="-228600" algn="l" defTabSz="914400" rtl="0" eaLnBrk="1" latinLnBrk="0" hangingPunct="1">
+        <a:lnSpc>
+          <a:spcPct val="90000"/>
+        </a:lnSpc>
+        <a:spcBef>
+          <a:spcPts val="500"/>
+        </a:spcBef>
+        <a:buFont typeface="Arial" panose="020B0604020202020204" pitchFamily="34" charset="0"/>
+        <a:buChar char="•"/>
+        <a:defRPr sz="2000" kern="1200">
+          <a:solidFill>
+            <a:schemeClr val="tx1"/>
+          </a:solidFill>
+          <a:latin typeface="+mn-lt"/>
+          <a:ea typeface="+mn-ea"/>
+          <a:cs typeface="+mn-cs"/>
+        </a:defRPr>
+      </a:lvl3pPr>
+      <a:lvl4pPr marL="1600200" indent="-228600" algn="l" defTabSz="914400" rtl="0" eaLnBrk="1" latinLnBrk="0" hangingPunct="1">
+        <a:lnSpc>
+          <a:spcPct val="90000"/>
+        </a:lnSpc>
+        <a:spcBef>
+          <a:spcPts val="500"/>
+        </a:spcBef>
+        <a:buFont typeface="Arial" panose="020B0604020202020204" pitchFamily="34" charset="0"/>
+        <a:buChar char="•"/>
+        <a:defRPr sz="1800" kern="1200">
+          <a:solidFill>
+            <a:schemeClr val="tx1"/>
+          </a:solidFill>
+          <a:latin typeface="+mn-lt"/>
+          <a:ea typeface="+mn-ea"/>
+          <a:cs typeface="+mn-cs"/>
+        </a:defRPr>
+      </a:lvl4pPr>
+      <a:lvl5pPr marL="2057400" indent="-228600" algn="l" defTabSz="914400" rtl="0" eaLnBrk="1" latinLnBrk="0" hangingPunct="1">
+        <a:lnSpc>
+          <a:spcPct val="90000"/>
+        </a:lnSpc>
+        <a:spcBef>
+          <a:spcPts val="500"/>
+        </a:spcBef>
+        <a:buFont typeface="Arial" panose="020B0604020202020204" pitchFamily="34" charset="0"/>
+        <a:buChar char="•"/>
+        <a:defRPr sz="1800" kern="1200">
+          <a:solidFill>
+            <a:schemeClr val="tx1"/>
+          </a:solidFill>
+          <a:latin typeface="+mn-lt"/>
+          <a:ea typeface="+mn-ea"/>
+          <a:cs typeface="+mn-cs"/>
+        </a:defRPr>
+      </a:lvl5pPr>
+      <a:lvl6pPr marL="2514600" indent="-228600" algn="l" defTabSz="914400" rtl="0" eaLnBrk="1" latinLnBrk="0" hangingPunct="1">
+        <a:lnSpc>
+          <a:spcPct val="90000"/>
+        </a:lnSpc>
+        <a:spcBef>
+          <a:spcPts val="500"/>
+        </a:spcBef>
+        <a:buFont typeface="Arial" panose="020B0604020202020204" pitchFamily="34" charset="0"/>
+        <a:buChar char="•"/>
+        <a:defRPr sz="1800" kern="1200">
+          <a:solidFill>
+            <a:schemeClr val="tx1"/>
+          </a:solidFill>
+          <a:latin typeface="+mn-lt"/>
+          <a:ea typeface="+mn-ea"/>
+          <a:cs typeface="+mn-cs"/>
+        </a:defRPr>
+      </a:lvl6pPr>
+      <a:lvl7pPr marL="2971800" indent="-228600" algn="l" defTabSz="914400" rtl="0" eaLnBrk="1" latinLnBrk="0" hangingPunct="1">
+        <a:lnSpc>
+          <a:spcPct val="90000"/>
+        </a:lnSpc>
+        <a:spcBef>
+          <a:spcPts val="500"/>
+        </a:spcBef>
+        <a:buFont typeface="Arial" panose="020B0604020202020204" pitchFamily="34" charset="0"/>
+        <a:buChar char="•"/>
+        <a:defRPr sz="1800" kern="1200">
+          <a:solidFill>
+            <a:schemeClr val="tx1"/>
+          </a:solidFill>
+          <a:latin typeface="+mn-lt"/>
+          <a:ea typeface="+mn-ea"/>
+          <a:cs typeface="+mn-cs"/>
+        </a:defRPr>
+      </a:lvl7pPr>
+      <a:lvl8pPr marL="3429000" indent="-228600" algn="l" defTabSz="914400" rtl="0" eaLnBrk="1" latinLnBrk="0" hangingPunct="1">
+        <a:lnSpc>
+          <a:spcPct val="90000"/>
+        </a:lnSpc>
+        <a:spcBef>
+          <a:spcPts val="500"/>
+        </a:spcBef>
+        <a:buFont typeface="Arial" panose="020B0604020202020204" pitchFamily="34" charset="0"/>
+        <a:buChar char="•"/>
+        <a:defRPr sz="1800" kern="1200">
+          <a:solidFill>
+            <a:schemeClr val="tx1"/>
+          </a:solidFill>
+          <a:latin typeface="+mn-lt"/>
+          <a:ea typeface="+mn-ea"/>
+          <a:cs typeface="+mn-cs"/>
+        </a:defRPr>
+      </a:lvl8pPr>
+      <a:lvl9pPr marL="3886200" indent="-228600" algn="l" defTabSz="914400" rtl="0" eaLnBrk="1" latinLnBrk="0" hangingPunct="1">
+        <a:lnSpc>
+          <a:spcPct val="90000"/>
+        </a:lnSpc>
+        <a:spcBef>
+          <a:spcPts val="500"/>
+        </a:spcBef>
+        <a:buFont typeface="Arial" panose="020B0604020202020204" pitchFamily="34" charset="0"/>
+        <a:buChar char="•"/>
+        <a:defRPr sz="1800" kern="1200">
+          <a:solidFill>
+            <a:schemeClr val="tx1"/>
+          </a:solidFill>
+          <a:latin typeface="+mn-lt"/>
+          <a:ea typeface="+mn-ea"/>
+          <a:cs typeface="+mn-cs"/>
+        </a:defRPr>
+      </a:lvl9pPr>
+    </p:bodyStyle>
+    <p:otherStyle>
+      <a:defPPr>
+        <a:defRPr lang="pt-BR"/>
+      </a:defPPr>
+      <a:lvl1pPr marL="0" algn="l" defTabSz="914400" rtl="0" eaLnBrk="1" latinLnBrk="0" hangingPunct="1">
+        <a:defRPr sz="1800" kern="1200">
+          <a:solidFill>
+            <a:schemeClr val="tx1"/>
+          </a:solidFill>
+          <a:latin typeface="+mn-lt"/>
+          <a:ea typeface="+mn-ea"/>
+          <a:cs typeface="+mn-cs"/>
+        </a:defRPr>
+      </a:lvl1pPr>
+      <a:lvl2pPr marL="457200" algn="l" defTabSz="914400" rtl="0" eaLnBrk="1" latinLnBrk="0" hangingPunct="1">
+        <a:defRPr sz="1800" kern="1200">
+          <a:solidFill>
+            <a:schemeClr val="tx1"/>
+          </a:solidFill>
+          <a:latin typeface="+mn-lt"/>
+          <a:ea typeface="+mn-ea"/>
+          <a:cs typeface="+mn-cs"/>
+        </a:defRPr>
+      </a:lvl2pPr>
+      <a:lvl3pPr marL="914400" algn="l" defTabSz="914400" rtl="0" eaLnBrk="1" latinLnBrk="0" hangingPunct="1">
+        <a:defRPr sz="1800" kern="1200">
+          <a:solidFill>
+            <a:schemeClr val="tx1"/>
+          </a:solidFill>
+          <a:latin typeface="+mn-lt"/>
+          <a:ea typeface="+mn-ea"/>
+          <a:cs typeface="+mn-cs"/>
+        </a:defRPr>
+      </a:lvl3pPr>
+      <a:lvl4pPr marL="1371600" algn="l" defTabSz="914400" rtl="0" eaLnBrk="1" latinLnBrk="0" hangingPunct="1">
+        <a:defRPr sz="1800" kern="1200">
+          <a:solidFill>
+            <a:schemeClr val="tx1"/>
+          </a:solidFill>
+          <a:latin typeface="+mn-lt"/>
+          <a:ea typeface="+mn-ea"/>
+          <a:cs typeface="+mn-cs"/>
+        </a:defRPr>
+      </a:lvl4pPr>
+      <a:lvl5pPr marL="1828800" algn="l" defTabSz="914400" rtl="0" eaLnBrk="1" latinLnBrk="0" hangingPunct="1">
+        <a:defRPr sz="1800" kern="1200">
+          <a:solidFill>
+            <a:schemeClr val="tx1"/>
+          </a:solidFill>
+          <a:latin typeface="+mn-lt"/>
+          <a:ea typeface="+mn-ea"/>
+          <a:cs typeface="+mn-cs"/>
+        </a:defRPr>
+      </a:lvl5pPr>
+      <a:lvl6pPr marL="2286000" algn="l" defTabSz="914400" rtl="0" eaLnBrk="1" latinLnBrk="0" hangingPunct="1">
+        <a:defRPr sz="1800" kern="1200">
+          <a:solidFill>
+            <a:schemeClr val="tx1"/>
+          </a:solidFill>
+          <a:latin typeface="+mn-lt"/>
+          <a:ea typeface="+mn-ea"/>
+          <a:cs typeface="+mn-cs"/>
+        </a:defRPr>
+      </a:lvl6pPr>
+      <a:lvl7pPr marL="2743200" algn="l" defTabSz="914400" rtl="0" eaLnBrk="1" latinLnBrk="0" hangingPunct="1">
+        <a:defRPr sz="1800" kern="1200">
+          <a:solidFill>
+            <a:schemeClr val="tx1"/>
+          </a:solidFill>
+          <a:latin typeface="+mn-lt"/>
+          <a:ea typeface="+mn-ea"/>
+          <a:cs typeface="+mn-cs"/>
+        </a:defRPr>
+      </a:lvl7pPr>
+      <a:lvl8pPr marL="3200400" algn="l" defTabSz="914400" rtl="0" eaLnBrk="1" latinLnBrk="0" hangingPunct="1">
+        <a:defRPr sz="1800" kern="1200">
+          <a:solidFill>
+            <a:schemeClr val="tx1"/>
+          </a:solidFill>
+          <a:latin typeface="+mn-lt"/>
+          <a:ea typeface="+mn-ea"/>
+          <a:cs typeface="+mn-cs"/>
+        </a:defRPr>
+      </a:lvl8pPr>
+      <a:lvl9pPr marL="3657600" algn="l" defTabSz="914400" rtl="0" eaLnBrk="1" latinLnBrk="0" hangingPunct="1">
+        <a:defRPr sz="1800" kern="1200">
+          <a:solidFill>
+            <a:schemeClr val="tx1"/>
+          </a:solidFill>
+          <a:latin typeface="+mn-lt"/>
+          <a:ea typeface="+mn-ea"/>
+          <a:cs typeface="+mn-cs"/>
+        </a:defRPr>
+      </a:lvl9pPr>
+    </p:otherStyle>
+  </p:txStyles>
 </p:sldMaster>
 </file>
 
 <file path=ppt/slideMasters/slideMaster2.xml><?xml version="1.0" encoding="utf-8"?>
-<p:sldMaster xmlns:a="http://schemas.openxmlformats.org/drawingml/2006/main" xmlns:p="http://schemas.openxmlformats.org/presentationml/2006/main" xmlns:r="http://schemas.openxmlformats.org/officeDocument/2006/relationships">
+<p:sldMaster xmlns:a="http://schemas.openxmlformats.org/drawingml/2006/main" xmlns:r="http://schemas.openxmlformats.org/officeDocument/2006/relationships" xmlns:p="http://schemas.openxmlformats.org/presentationml/2006/main">
   <p:cSld>
     <p:bg>
       <p:bgPr>
         <a:solidFill>
-          <a:srgbClr val="ffffff"/>
+          <a:srgbClr val="FFFFFF"/>
         </a:solidFill>
+        <a:effectLst/>
       </p:bgPr>
     </p:bg>
     <p:spTree>
@@ -2587,7 +3102,8 @@
           </a:prstGeom>
         </p:spPr>
         <p:txBody>
-          <a:bodyPr lIns="0" rIns="0" tIns="0" bIns="0" anchor="ctr"/>
+          <a:bodyPr lIns="0" tIns="0" rIns="0" bIns="0" anchor="ctr"/>
+          <a:lstStyle/>
           <a:p>
             <a:pPr algn="ctr"/>
             <a:r>
@@ -2620,7 +3136,8 @@
           </a:prstGeom>
         </p:spPr>
         <p:txBody>
-          <a:bodyPr lIns="0" rIns="0" tIns="0" bIns="0"/>
+          <a:bodyPr lIns="0" tIns="0" rIns="0" bIns="0"/>
+          <a:lstStyle/>
           <a:p>
             <a:pPr>
               <a:buSzPct val="45000"/>
@@ -2723,26 +3240,306 @@
       </p:sp>
     </p:spTree>
   </p:cSld>
-  <p:clrMap bg1="lt1" bg2="lt2" tx1="dk1" tx2="dk2" accent1="accent1" accent2="accent2" accent3="accent3" accent4="accent4" accent5="accent5" accent6="accent6" hlink="hlink" folHlink="folHlink"/>
+  <p:clrMap bg1="lt1" tx1="dk1" bg2="lt2" tx2="dk2" accent1="accent1" accent2="accent2" accent3="accent3" accent4="accent4" accent5="accent5" accent6="accent6" hlink="hlink" folHlink="folHlink"/>
   <p:sldLayoutIdLst>
-    <p:sldLayoutId id="2147483662" r:id="rId2"/>
-    <p:sldLayoutId id="2147483663" r:id="rId3"/>
-    <p:sldLayoutId id="2147483664" r:id="rId4"/>
-    <p:sldLayoutId id="2147483665" r:id="rId5"/>
-    <p:sldLayoutId id="2147483666" r:id="rId6"/>
-    <p:sldLayoutId id="2147483667" r:id="rId7"/>
-    <p:sldLayoutId id="2147483668" r:id="rId8"/>
-    <p:sldLayoutId id="2147483669" r:id="rId9"/>
-    <p:sldLayoutId id="2147483670" r:id="rId10"/>
-    <p:sldLayoutId id="2147483671" r:id="rId11"/>
-    <p:sldLayoutId id="2147483672" r:id="rId12"/>
-    <p:sldLayoutId id="2147483673" r:id="rId13"/>
+    <p:sldLayoutId id="2147483662" r:id="rId1"/>
+    <p:sldLayoutId id="2147483663" r:id="rId2"/>
+    <p:sldLayoutId id="2147483664" r:id="rId3"/>
+    <p:sldLayoutId id="2147483665" r:id="rId4"/>
+    <p:sldLayoutId id="2147483666" r:id="rId5"/>
+    <p:sldLayoutId id="2147483667" r:id="rId6"/>
+    <p:sldLayoutId id="2147483668" r:id="rId7"/>
+    <p:sldLayoutId id="2147483669" r:id="rId8"/>
+    <p:sldLayoutId id="2147483670" r:id="rId9"/>
+    <p:sldLayoutId id="2147483671" r:id="rId10"/>
+    <p:sldLayoutId id="2147483672" r:id="rId11"/>
+    <p:sldLayoutId id="2147483673" r:id="rId12"/>
   </p:sldLayoutIdLst>
+  <p:txStyles>
+    <p:titleStyle>
+      <a:lvl1pPr algn="l" defTabSz="914400" rtl="0" eaLnBrk="1" latinLnBrk="0" hangingPunct="1">
+        <a:lnSpc>
+          <a:spcPct val="90000"/>
+        </a:lnSpc>
+        <a:spcBef>
+          <a:spcPct val="0"/>
+        </a:spcBef>
+        <a:buNone/>
+        <a:defRPr sz="4400" kern="1200">
+          <a:solidFill>
+            <a:schemeClr val="tx1"/>
+          </a:solidFill>
+          <a:latin typeface="+mj-lt"/>
+          <a:ea typeface="+mj-ea"/>
+          <a:cs typeface="+mj-cs"/>
+        </a:defRPr>
+      </a:lvl1pPr>
+    </p:titleStyle>
+    <p:bodyStyle>
+      <a:lvl1pPr marL="228600" indent="-228600" algn="l" defTabSz="914400" rtl="0" eaLnBrk="1" latinLnBrk="0" hangingPunct="1">
+        <a:lnSpc>
+          <a:spcPct val="90000"/>
+        </a:lnSpc>
+        <a:spcBef>
+          <a:spcPts val="1000"/>
+        </a:spcBef>
+        <a:buFont typeface="Arial" panose="020B0604020202020204" pitchFamily="34" charset="0"/>
+        <a:buChar char="•"/>
+        <a:defRPr sz="2800" kern="1200">
+          <a:solidFill>
+            <a:schemeClr val="tx1"/>
+          </a:solidFill>
+          <a:latin typeface="+mn-lt"/>
+          <a:ea typeface="+mn-ea"/>
+          <a:cs typeface="+mn-cs"/>
+        </a:defRPr>
+      </a:lvl1pPr>
+      <a:lvl2pPr marL="685800" indent="-228600" algn="l" defTabSz="914400" rtl="0" eaLnBrk="1" latinLnBrk="0" hangingPunct="1">
+        <a:lnSpc>
+          <a:spcPct val="90000"/>
+        </a:lnSpc>
+        <a:spcBef>
+          <a:spcPts val="500"/>
+        </a:spcBef>
+        <a:buFont typeface="Arial" panose="020B0604020202020204" pitchFamily="34" charset="0"/>
+        <a:buChar char="•"/>
+        <a:defRPr sz="2400" kern="1200">
+          <a:solidFill>
+            <a:schemeClr val="tx1"/>
+          </a:solidFill>
+          <a:latin typeface="+mn-lt"/>
+          <a:ea typeface="+mn-ea"/>
+          <a:cs typeface="+mn-cs"/>
+        </a:defRPr>
+      </a:lvl2pPr>
+      <a:lvl3pPr marL="1143000" indent="-228600" algn="l" defTabSz="914400" rtl="0" eaLnBrk="1" latinLnBrk="0" hangingPunct="1">
+        <a:lnSpc>
+          <a:spcPct val="90000"/>
+        </a:lnSpc>
+        <a:spcBef>
+          <a:spcPts val="500"/>
+        </a:spcBef>
+        <a:buFont typeface="Arial" panose="020B0604020202020204" pitchFamily="34" charset="0"/>
+        <a:buChar char="•"/>
+        <a:defRPr sz="2000" kern="1200">
+          <a:solidFill>
+            <a:schemeClr val="tx1"/>
+          </a:solidFill>
+          <a:latin typeface="+mn-lt"/>
+          <a:ea typeface="+mn-ea"/>
+          <a:cs typeface="+mn-cs"/>
+        </a:defRPr>
+      </a:lvl3pPr>
+      <a:lvl4pPr marL="1600200" indent="-228600" algn="l" defTabSz="914400" rtl="0" eaLnBrk="1" latinLnBrk="0" hangingPunct="1">
+        <a:lnSpc>
+          <a:spcPct val="90000"/>
+        </a:lnSpc>
+        <a:spcBef>
+          <a:spcPts val="500"/>
+        </a:spcBef>
+        <a:buFont typeface="Arial" panose="020B0604020202020204" pitchFamily="34" charset="0"/>
+        <a:buChar char="•"/>
+        <a:defRPr sz="1800" kern="1200">
+          <a:solidFill>
+            <a:schemeClr val="tx1"/>
+          </a:solidFill>
+          <a:latin typeface="+mn-lt"/>
+          <a:ea typeface="+mn-ea"/>
+          <a:cs typeface="+mn-cs"/>
+        </a:defRPr>
+      </a:lvl4pPr>
+      <a:lvl5pPr marL="2057400" indent="-228600" algn="l" defTabSz="914400" rtl="0" eaLnBrk="1" latinLnBrk="0" hangingPunct="1">
+        <a:lnSpc>
+          <a:spcPct val="90000"/>
+        </a:lnSpc>
+        <a:spcBef>
+          <a:spcPts val="500"/>
+        </a:spcBef>
+        <a:buFont typeface="Arial" panose="020B0604020202020204" pitchFamily="34" charset="0"/>
+        <a:buChar char="•"/>
+        <a:defRPr sz="1800" kern="1200">
+          <a:solidFill>
+            <a:schemeClr val="tx1"/>
+          </a:solidFill>
+          <a:latin typeface="+mn-lt"/>
+          <a:ea typeface="+mn-ea"/>
+          <a:cs typeface="+mn-cs"/>
+        </a:defRPr>
+      </a:lvl5pPr>
+      <a:lvl6pPr marL="2514600" indent="-228600" algn="l" defTabSz="914400" rtl="0" eaLnBrk="1" latinLnBrk="0" hangingPunct="1">
+        <a:lnSpc>
+          <a:spcPct val="90000"/>
+        </a:lnSpc>
+        <a:spcBef>
+          <a:spcPts val="500"/>
+        </a:spcBef>
+        <a:buFont typeface="Arial" panose="020B0604020202020204" pitchFamily="34" charset="0"/>
+        <a:buChar char="•"/>
+        <a:defRPr sz="1800" kern="1200">
+          <a:solidFill>
+            <a:schemeClr val="tx1"/>
+          </a:solidFill>
+          <a:latin typeface="+mn-lt"/>
+          <a:ea typeface="+mn-ea"/>
+          <a:cs typeface="+mn-cs"/>
+        </a:defRPr>
+      </a:lvl6pPr>
+      <a:lvl7pPr marL="2971800" indent="-228600" algn="l" defTabSz="914400" rtl="0" eaLnBrk="1" latinLnBrk="0" hangingPunct="1">
+        <a:lnSpc>
+          <a:spcPct val="90000"/>
+        </a:lnSpc>
+        <a:spcBef>
+          <a:spcPts val="500"/>
+        </a:spcBef>
+        <a:buFont typeface="Arial" panose="020B0604020202020204" pitchFamily="34" charset="0"/>
+        <a:buChar char="•"/>
+        <a:defRPr sz="1800" kern="1200">
+          <a:solidFill>
+            <a:schemeClr val="tx1"/>
+          </a:solidFill>
+          <a:latin typeface="+mn-lt"/>
+          <a:ea typeface="+mn-ea"/>
+          <a:cs typeface="+mn-cs"/>
+        </a:defRPr>
+      </a:lvl7pPr>
+      <a:lvl8pPr marL="3429000" indent="-228600" algn="l" defTabSz="914400" rtl="0" eaLnBrk="1" latinLnBrk="0" hangingPunct="1">
+        <a:lnSpc>
+          <a:spcPct val="90000"/>
+        </a:lnSpc>
+        <a:spcBef>
+          <a:spcPts val="500"/>
+        </a:spcBef>
+        <a:buFont typeface="Arial" panose="020B0604020202020204" pitchFamily="34" charset="0"/>
+        <a:buChar char="•"/>
+        <a:defRPr sz="1800" kern="1200">
+          <a:solidFill>
+            <a:schemeClr val="tx1"/>
+          </a:solidFill>
+          <a:latin typeface="+mn-lt"/>
+          <a:ea typeface="+mn-ea"/>
+          <a:cs typeface="+mn-cs"/>
+        </a:defRPr>
+      </a:lvl8pPr>
+      <a:lvl9pPr marL="3886200" indent="-228600" algn="l" defTabSz="914400" rtl="0" eaLnBrk="1" latinLnBrk="0" hangingPunct="1">
+        <a:lnSpc>
+          <a:spcPct val="90000"/>
+        </a:lnSpc>
+        <a:spcBef>
+          <a:spcPts val="500"/>
+        </a:spcBef>
+        <a:buFont typeface="Arial" panose="020B0604020202020204" pitchFamily="34" charset="0"/>
+        <a:buChar char="•"/>
+        <a:defRPr sz="1800" kern="1200">
+          <a:solidFill>
+            <a:schemeClr val="tx1"/>
+          </a:solidFill>
+          <a:latin typeface="+mn-lt"/>
+          <a:ea typeface="+mn-ea"/>
+          <a:cs typeface="+mn-cs"/>
+        </a:defRPr>
+      </a:lvl9pPr>
+    </p:bodyStyle>
+    <p:otherStyle>
+      <a:defPPr>
+        <a:defRPr lang="pt-BR"/>
+      </a:defPPr>
+      <a:lvl1pPr marL="0" algn="l" defTabSz="914400" rtl="0" eaLnBrk="1" latinLnBrk="0" hangingPunct="1">
+        <a:defRPr sz="1800" kern="1200">
+          <a:solidFill>
+            <a:schemeClr val="tx1"/>
+          </a:solidFill>
+          <a:latin typeface="+mn-lt"/>
+          <a:ea typeface="+mn-ea"/>
+          <a:cs typeface="+mn-cs"/>
+        </a:defRPr>
+      </a:lvl1pPr>
+      <a:lvl2pPr marL="457200" algn="l" defTabSz="914400" rtl="0" eaLnBrk="1" latinLnBrk="0" hangingPunct="1">
+        <a:defRPr sz="1800" kern="1200">
+          <a:solidFill>
+            <a:schemeClr val="tx1"/>
+          </a:solidFill>
+          <a:latin typeface="+mn-lt"/>
+          <a:ea typeface="+mn-ea"/>
+          <a:cs typeface="+mn-cs"/>
+        </a:defRPr>
+      </a:lvl2pPr>
+      <a:lvl3pPr marL="914400" algn="l" defTabSz="914400" rtl="0" eaLnBrk="1" latinLnBrk="0" hangingPunct="1">
+        <a:defRPr sz="1800" kern="1200">
+          <a:solidFill>
+            <a:schemeClr val="tx1"/>
+          </a:solidFill>
+          <a:latin typeface="+mn-lt"/>
+          <a:ea typeface="+mn-ea"/>
+          <a:cs typeface="+mn-cs"/>
+        </a:defRPr>
+      </a:lvl3pPr>
+      <a:lvl4pPr marL="1371600" algn="l" defTabSz="914400" rtl="0" eaLnBrk="1" latinLnBrk="0" hangingPunct="1">
+        <a:defRPr sz="1800" kern="1200">
+          <a:solidFill>
+            <a:schemeClr val="tx1"/>
+          </a:solidFill>
+          <a:latin typeface="+mn-lt"/>
+          <a:ea typeface="+mn-ea"/>
+          <a:cs typeface="+mn-cs"/>
+        </a:defRPr>
+      </a:lvl4pPr>
+      <a:lvl5pPr marL="1828800" algn="l" defTabSz="914400" rtl="0" eaLnBrk="1" latinLnBrk="0" hangingPunct="1">
+        <a:defRPr sz="1800" kern="1200">
+          <a:solidFill>
+            <a:schemeClr val="tx1"/>
+          </a:solidFill>
+          <a:latin typeface="+mn-lt"/>
+          <a:ea typeface="+mn-ea"/>
+          <a:cs typeface="+mn-cs"/>
+        </a:defRPr>
+      </a:lvl5pPr>
+      <a:lvl6pPr marL="2286000" algn="l" defTabSz="914400" rtl="0" eaLnBrk="1" latinLnBrk="0" hangingPunct="1">
+        <a:defRPr sz="1800" kern="1200">
+          <a:solidFill>
+            <a:schemeClr val="tx1"/>
+          </a:solidFill>
+          <a:latin typeface="+mn-lt"/>
+          <a:ea typeface="+mn-ea"/>
+          <a:cs typeface="+mn-cs"/>
+        </a:defRPr>
+      </a:lvl6pPr>
+      <a:lvl7pPr marL="2743200" algn="l" defTabSz="914400" rtl="0" eaLnBrk="1" latinLnBrk="0" hangingPunct="1">
+        <a:defRPr sz="1800" kern="1200">
+          <a:solidFill>
+            <a:schemeClr val="tx1"/>
+          </a:solidFill>
+          <a:latin typeface="+mn-lt"/>
+          <a:ea typeface="+mn-ea"/>
+          <a:cs typeface="+mn-cs"/>
+        </a:defRPr>
+      </a:lvl7pPr>
+      <a:lvl8pPr marL="3200400" algn="l" defTabSz="914400" rtl="0" eaLnBrk="1" latinLnBrk="0" hangingPunct="1">
+        <a:defRPr sz="1800" kern="1200">
+          <a:solidFill>
+            <a:schemeClr val="tx1"/>
+          </a:solidFill>
+          <a:latin typeface="+mn-lt"/>
+          <a:ea typeface="+mn-ea"/>
+          <a:cs typeface="+mn-cs"/>
+        </a:defRPr>
+      </a:lvl8pPr>
+      <a:lvl9pPr marL="3657600" algn="l" defTabSz="914400" rtl="0" eaLnBrk="1" latinLnBrk="0" hangingPunct="1">
+        <a:defRPr sz="1800" kern="1200">
+          <a:solidFill>
+            <a:schemeClr val="tx1"/>
+          </a:solidFill>
+          <a:latin typeface="+mn-lt"/>
+          <a:ea typeface="+mn-ea"/>
+          <a:cs typeface="+mn-cs"/>
+        </a:defRPr>
+      </a:lvl9pPr>
+    </p:otherStyle>
+  </p:txStyles>
 </p:sldMaster>
 </file>
 
 <file path=ppt/slides/slide1.xml><?xml version="1.0" encoding="utf-8"?>
-<p:sld xmlns:a="http://schemas.openxmlformats.org/drawingml/2006/main" xmlns:p="http://schemas.openxmlformats.org/presentationml/2006/main" xmlns:r="http://schemas.openxmlformats.org/officeDocument/2006/relationships">
+<p:sld xmlns:a="http://schemas.openxmlformats.org/drawingml/2006/main" xmlns:r="http://schemas.openxmlformats.org/officeDocument/2006/relationships" xmlns:p="http://schemas.openxmlformats.org/presentationml/2006/main">
   <p:cSld>
     <p:spTree>
       <p:nvGrpSpPr>
@@ -2778,7 +3575,8 @@
           </a:ln>
         </p:spPr>
         <p:txBody>
-          <a:bodyPr lIns="90000" rIns="90000" tIns="45000" bIns="45000" anchor="b"/>
+          <a:bodyPr lIns="90000" tIns="45000" rIns="90000" bIns="45000" anchor="b"/>
+          <a:lstStyle/>
           <a:p>
             <a:pPr algn="ctr">
               <a:lnSpc>
@@ -2800,6 +3598,9 @@
       </p:sp>
     </p:spTree>
   </p:cSld>
+  <p:clrMapOvr>
+    <a:masterClrMapping/>
+  </p:clrMapOvr>
   <p:timing>
     <p:tnLst>
       <p:par>
@@ -2808,14 +3609,14 @@
             <p:seq>
               <p:cTn id="2" nodeType="mainSeq"/>
               <p:prevCondLst>
-                <p:cond delay="0" evt="onPrev">
+                <p:cond evt="onPrev" delay="0">
                   <p:tgtEl>
                     <p:sldTgt/>
                   </p:tgtEl>
                 </p:cond>
               </p:prevCondLst>
               <p:nextCondLst>
-                <p:cond delay="0" evt="onNext">
+                <p:cond evt="onNext" delay="0">
                   <p:tgtEl>
                     <p:sldTgt/>
                   </p:tgtEl>
@@ -2831,7 +3632,7 @@
 </file>
 
 <file path=ppt/slides/slide10.xml><?xml version="1.0" encoding="utf-8"?>
-<p:sld xmlns:a="http://schemas.openxmlformats.org/drawingml/2006/main" xmlns:p="http://schemas.openxmlformats.org/presentationml/2006/main" xmlns:r="http://schemas.openxmlformats.org/officeDocument/2006/relationships">
+<p:sld xmlns:a="http://schemas.openxmlformats.org/drawingml/2006/main" xmlns:r="http://schemas.openxmlformats.org/officeDocument/2006/relationships" xmlns:p="http://schemas.openxmlformats.org/presentationml/2006/main">
   <p:cSld>
     <p:spTree>
       <p:nvGrpSpPr>
@@ -2867,7 +3668,8 @@
           </a:ln>
         </p:spPr>
         <p:txBody>
-          <a:bodyPr lIns="90000" rIns="90000" tIns="45000" bIns="45000" anchor="ctr"/>
+          <a:bodyPr lIns="90000" tIns="45000" rIns="90000" bIns="45000" anchor="ctr"/>
+          <a:lstStyle/>
           <a:p>
             <a:pPr>
               <a:lnSpc>
@@ -2875,15 +3677,60 @@
               </a:lnSpc>
             </a:pPr>
             <a:r>
-              <a:rPr lang="en-US" sz="4400">
+              <a:rPr lang="en-US" sz="4400" dirty="0" err="1">
                 <a:solidFill>
                   <a:srgbClr val="000000"/>
                 </a:solidFill>
                 <a:latin typeface="Calibri Light"/>
               </a:rPr>
-              <a:t>Leitura de arquivos em URLs</a:t>
-            </a:r>
-            <a:endParaRPr/>
+              <a:t>Leitura</a:t>
+            </a:r>
+            <a:r>
+              <a:rPr lang="en-US" sz="4400" dirty="0">
+                <a:solidFill>
+                  <a:srgbClr val="000000"/>
+                </a:solidFill>
+                <a:latin typeface="Calibri Light"/>
+              </a:rPr>
+              <a:t> de </a:t>
+            </a:r>
+            <a:r>
+              <a:rPr lang="en-US" sz="4400" dirty="0" err="1">
+                <a:solidFill>
+                  <a:srgbClr val="000000"/>
+                </a:solidFill>
+                <a:latin typeface="Calibri Light"/>
+              </a:rPr>
+              <a:t>arquivos</a:t>
+            </a:r>
+            <a:r>
+              <a:rPr lang="en-US" sz="4400" dirty="0">
+                <a:solidFill>
+                  <a:srgbClr val="000000"/>
+                </a:solidFill>
+                <a:latin typeface="Calibri Light"/>
+              </a:rPr>
+              <a:t> </a:t>
+            </a:r>
+            <a:r>
+              <a:rPr lang="en-US" sz="4400" dirty="0" err="1">
+                <a:solidFill>
+                  <a:srgbClr val="000000"/>
+                </a:solidFill>
+                <a:latin typeface="Calibri Light"/>
+              </a:rPr>
+              <a:t>em</a:t>
+            </a:r>
+            <a:r>
+              <a:rPr lang="en-US" sz="4400" dirty="0">
+                <a:solidFill>
+                  <a:srgbClr val="000000"/>
+                </a:solidFill>
+                <a:latin typeface="Calibri Light"/>
+              </a:rPr>
+              <a:t> URLs</a:t>
+            </a:r>
+            <a:endParaRPr dirty="0"/>
           </a:p>
         </p:txBody>
       </p:sp>
@@ -2907,7 +3754,8 @@
           </a:ln>
         </p:spPr>
         <p:txBody>
-          <a:bodyPr lIns="90000" rIns="90000" tIns="45000" bIns="45000"/>
+          <a:bodyPr lIns="90000" tIns="45000" rIns="90000" bIns="45000"/>
+          <a:lstStyle/>
           <a:p>
             <a:pPr>
               <a:lnSpc>
@@ -2915,12 +3763,162 @@
               </a:lnSpc>
             </a:pPr>
             <a:r>
-              <a:rPr lang="en-US" sz="2800">
-                <a:latin typeface="Calibri light"/>
-              </a:rPr>
-              <a:t>Há algumas pequenas diferenças ao ler um arquivo de uma url. Para isto, precisaremos utilizar o pacote urllib.</a:t>
-            </a:r>
-            <a:endParaRPr/>
+              <a:rPr lang="en-US" sz="2800" dirty="0" err="1">
+                <a:latin typeface="Calibri light"/>
+              </a:rPr>
+              <a:t>Há</a:t>
+            </a:r>
+            <a:r>
+              <a:rPr lang="en-US" sz="2800" dirty="0">
+                <a:latin typeface="Calibri light"/>
+              </a:rPr>
+              <a:t> </a:t>
+            </a:r>
+            <a:r>
+              <a:rPr lang="en-US" sz="2800" dirty="0" err="1">
+                <a:latin typeface="Calibri light"/>
+              </a:rPr>
+              <a:t>algumas</a:t>
+            </a:r>
+            <a:r>
+              <a:rPr lang="en-US" sz="2800" dirty="0">
+                <a:latin typeface="Calibri light"/>
+              </a:rPr>
+              <a:t> </a:t>
+            </a:r>
+            <a:r>
+              <a:rPr lang="en-US" sz="2800" dirty="0" err="1">
+                <a:latin typeface="Calibri light"/>
+              </a:rPr>
+              <a:t>pequenas</a:t>
+            </a:r>
+            <a:r>
+              <a:rPr lang="en-US" sz="2800" dirty="0">
+                <a:latin typeface="Calibri light"/>
+              </a:rPr>
+              <a:t> </a:t>
+            </a:r>
+            <a:r>
+              <a:rPr lang="en-US" sz="2800" dirty="0" err="1">
+                <a:latin typeface="Calibri light"/>
+              </a:rPr>
+              <a:t>diferenças</a:t>
+            </a:r>
+            <a:r>
+              <a:rPr lang="en-US" sz="2800" dirty="0">
+                <a:latin typeface="Calibri light"/>
+              </a:rPr>
+              <a:t> </a:t>
+            </a:r>
+            <a:r>
+              <a:rPr lang="en-US" sz="2800" dirty="0" err="1">
+                <a:latin typeface="Calibri light"/>
+              </a:rPr>
+              <a:t>ao</a:t>
+            </a:r>
+            <a:r>
+              <a:rPr lang="en-US" sz="2800" dirty="0">
+                <a:latin typeface="Calibri light"/>
+              </a:rPr>
+              <a:t> </a:t>
+            </a:r>
+            <a:r>
+              <a:rPr lang="en-US" sz="2800" dirty="0" err="1">
+                <a:latin typeface="Calibri light"/>
+              </a:rPr>
+              <a:t>ler</a:t>
+            </a:r>
+            <a:r>
+              <a:rPr lang="en-US" sz="2800" dirty="0">
+                <a:latin typeface="Calibri light"/>
+              </a:rPr>
+              <a:t> um </a:t>
+            </a:r>
+            <a:r>
+              <a:rPr lang="en-US" sz="2800" dirty="0" err="1">
+                <a:latin typeface="Calibri light"/>
+              </a:rPr>
+              <a:t>arquivo</a:t>
+            </a:r>
+            <a:r>
+              <a:rPr lang="en-US" sz="2800" dirty="0">
+                <a:latin typeface="Calibri light"/>
+              </a:rPr>
+              <a:t> de uma </a:t>
+            </a:r>
+            <a:r>
+              <a:rPr lang="en-US" sz="2800" dirty="0" err="1">
+                <a:latin typeface="Calibri light"/>
+              </a:rPr>
+              <a:t>url</a:t>
+            </a:r>
+            <a:r>
+              <a:rPr lang="en-US" sz="2800" dirty="0">
+                <a:latin typeface="Calibri light"/>
+              </a:rPr>
+              <a:t>. Para </a:t>
+            </a:r>
+            <a:r>
+              <a:rPr lang="en-US" sz="2800" dirty="0" err="1">
+                <a:latin typeface="Calibri light"/>
+              </a:rPr>
+              <a:t>isto</a:t>
+            </a:r>
+            <a:r>
+              <a:rPr lang="en-US" sz="2800" dirty="0">
+                <a:latin typeface="Calibri light"/>
+              </a:rPr>
+              <a:t>, </a:t>
+            </a:r>
+            <a:r>
+              <a:rPr lang="en-US" sz="2800" dirty="0" err="1">
+                <a:latin typeface="Calibri light"/>
+              </a:rPr>
+              <a:t>precisaremos</a:t>
+            </a:r>
+            <a:r>
+              <a:rPr lang="en-US" sz="2800" dirty="0">
+                <a:latin typeface="Calibri light"/>
+              </a:rPr>
+              <a:t> </a:t>
+            </a:r>
+            <a:r>
+              <a:rPr lang="en-US" sz="2800" dirty="0" err="1">
+                <a:latin typeface="Calibri light"/>
+              </a:rPr>
+              <a:t>utilizar</a:t>
+            </a:r>
+            <a:r>
+              <a:rPr lang="en-US" sz="2800" dirty="0">
+                <a:latin typeface="Calibri light"/>
+              </a:rPr>
+              <a:t> o </a:t>
+            </a:r>
+            <a:r>
+              <a:rPr lang="en-US" sz="2800" dirty="0" err="1">
+                <a:latin typeface="Calibri light"/>
+              </a:rPr>
+              <a:t>pacote</a:t>
+            </a:r>
+            <a:r>
+              <a:rPr lang="en-US" sz="2800" dirty="0">
+                <a:latin typeface="Calibri light"/>
+              </a:rPr>
+              <a:t> </a:t>
+            </a:r>
+            <a:r>
+              <a:rPr lang="en-US" sz="2800" dirty="0" err="1">
+                <a:latin typeface="Calibri light"/>
+              </a:rPr>
+              <a:t>urllib</a:t>
+            </a:r>
+            <a:r>
+              <a:rPr lang="en-US" sz="2800" dirty="0">
+                <a:latin typeface="Calibri light"/>
+              </a:rPr>
+              <a:t>.</a:t>
+            </a:r>
+            <a:endParaRPr dirty="0"/>
           </a:p>
           <a:p>
             <a:pPr>
@@ -2928,7 +3926,7 @@
                 <a:spcPct val="100000"/>
               </a:lnSpc>
             </a:pPr>
-            <a:endParaRPr/>
+            <a:endParaRPr dirty="0"/>
           </a:p>
           <a:p>
             <a:pPr>
@@ -2937,12 +3935,26 @@
               </a:lnSpc>
             </a:pPr>
             <a:r>
-              <a:rPr lang="en-US" sz="2800">
-                <a:latin typeface="Calibri light"/>
-              </a:rPr>
-              <a:t>import urllib.request as request</a:t>
-            </a:r>
-            <a:endParaRPr/>
+              <a:rPr lang="en-US" sz="2800" dirty="0">
+                <a:latin typeface="Lucida Console" panose="020B0609040504020204" pitchFamily="49" charset="0"/>
+              </a:rPr>
+              <a:t>&gt;&gt; import </a:t>
+            </a:r>
+            <a:r>
+              <a:rPr lang="en-US" sz="2800" dirty="0" err="1">
+                <a:latin typeface="Lucida Console" panose="020B0609040504020204" pitchFamily="49" charset="0"/>
+              </a:rPr>
+              <a:t>urllib.request</a:t>
+            </a:r>
+            <a:r>
+              <a:rPr lang="en-US" sz="2800" dirty="0">
+                <a:latin typeface="Lucida Console" panose="020B0609040504020204" pitchFamily="49" charset="0"/>
+              </a:rPr>
+              <a:t> as request</a:t>
+            </a:r>
+            <a:endParaRPr dirty="0">
+              <a:latin typeface="Lucida Console" panose="020B0609040504020204" pitchFamily="49" charset="0"/>
+            </a:endParaRPr>
           </a:p>
           <a:p>
             <a:pPr>
@@ -2951,18 +3963,116 @@
               </a:lnSpc>
             </a:pPr>
             <a:r>
-              <a:rPr lang="en-US" sz="2800">
-                <a:latin typeface="Calibri light"/>
-              </a:rPr>
-              <a:t>url = '</a:t>
-            </a:r>
-            <a:r>
-              <a:rPr lang="en-US" sz="2800">
+              <a:rPr lang="en-US" sz="2800" dirty="0">
+                <a:latin typeface="Lucida Console" panose="020B0609040504020204" pitchFamily="49" charset="0"/>
+              </a:rPr>
+              <a:t>&gt;&gt; </a:t>
+            </a:r>
+            <a:r>
+              <a:rPr lang="en-US" sz="2800" dirty="0" err="1">
+                <a:latin typeface="Lucida Console" panose="020B0609040504020204" pitchFamily="49" charset="0"/>
+              </a:rPr>
+              <a:t>url</a:t>
+            </a:r>
+            <a:r>
+              <a:rPr lang="en-US" sz="2800" dirty="0">
+                <a:latin typeface="Lucida Console" panose="020B0609040504020204" pitchFamily="49" charset="0"/>
+              </a:rPr>
+              <a:t> = 'https://raw.githubusercontent.com/</a:t>
+            </a:r>
+            <a:r>
+              <a:rPr lang="en-US" sz="2800" dirty="0" err="1">
+                <a:latin typeface="Lucida Console" panose="020B0609040504020204" pitchFamily="49" charset="0"/>
+              </a:rPr>
+              <a:t>lidimayra</a:t>
+            </a:r>
+            <a:r>
+              <a:rPr lang="en-US" sz="2800" dirty="0">
+                <a:latin typeface="Lucida Console" panose="020B0609040504020204" pitchFamily="49" charset="0"/>
+              </a:rPr>
+              <a:t>/basic-stats/master/frequencies/pokemons.txt‘</a:t>
+            </a:r>
+          </a:p>
+          <a:p>
+            <a:pPr>
+              <a:lnSpc>
+                <a:spcPct val="100000"/>
+              </a:lnSpc>
+            </a:pPr>
+            <a:endParaRPr dirty="0">
+              <a:latin typeface="Lucida Console" panose="020B0609040504020204" pitchFamily="49" charset="0"/>
+            </a:endParaRPr>
+          </a:p>
+          <a:p>
+            <a:pPr>
+              <a:lnSpc>
+                <a:spcPct val="100000"/>
+              </a:lnSpc>
+            </a:pPr>
+            <a:r>
+              <a:rPr lang="en-US" sz="2800" dirty="0">
+                <a:solidFill>
+                  <a:srgbClr val="000000"/>
+                </a:solidFill>
                 <a:latin typeface="Lucida Console"/>
               </a:rPr>
-              <a:t>https://raw.githubusercontent.com/lidimayra/basic-stats/master/frequencies/pokemons.txt'</a:t>
-            </a:r>
-            <a:endParaRPr/>
+              <a:t>&gt;&gt; </a:t>
+            </a:r>
+            <a:r>
+              <a:rPr lang="en-US" sz="2800" dirty="0" err="1">
+                <a:solidFill>
+                  <a:srgbClr val="000000"/>
+                </a:solidFill>
+                <a:latin typeface="Lucida Console"/>
+              </a:rPr>
+              <a:t>arquivo</a:t>
+            </a:r>
+            <a:r>
+              <a:rPr lang="en-US" sz="2800" dirty="0">
+                <a:solidFill>
+                  <a:srgbClr val="000000"/>
+                </a:solidFill>
+                <a:latin typeface="Lucida Console"/>
+              </a:rPr>
+              <a:t> = </a:t>
+            </a:r>
+            <a:r>
+              <a:rPr lang="en-US" sz="2800" dirty="0" err="1">
+                <a:solidFill>
+                  <a:srgbClr val="000000"/>
+                </a:solidFill>
+                <a:latin typeface="Lucida Console"/>
+              </a:rPr>
+              <a:t>request.urlopen</a:t>
+            </a:r>
+            <a:r>
+              <a:rPr lang="en-US" sz="2800" dirty="0">
+                <a:solidFill>
+                  <a:srgbClr val="000000"/>
+                </a:solidFill>
+                <a:latin typeface="Lucida Console"/>
+              </a:rPr>
+              <a:t>(</a:t>
+            </a:r>
+            <a:r>
+              <a:rPr lang="en-US" sz="2800" dirty="0" err="1">
+                <a:solidFill>
+                  <a:srgbClr val="000000"/>
+                </a:solidFill>
+                <a:latin typeface="Lucida Console"/>
+              </a:rPr>
+              <a:t>url</a:t>
+            </a:r>
+            <a:r>
+              <a:rPr lang="en-US" sz="2800" dirty="0">
+                <a:solidFill>
+                  <a:srgbClr val="000000"/>
+                </a:solidFill>
+                <a:latin typeface="Lucida Console"/>
+              </a:rPr>
+              <a:t>)</a:t>
+            </a:r>
+            <a:endParaRPr dirty="0"/>
           </a:p>
           <a:p>
             <a:pPr>
@@ -2971,53 +4081,75 @@
               </a:lnSpc>
             </a:pPr>
             <a:r>
-              <a:rPr lang="en-US" sz="2800">
+              <a:rPr lang="en-US" sz="2800" dirty="0">
                 <a:solidFill>
                   <a:srgbClr val="000000"/>
                 </a:solidFill>
                 <a:latin typeface="Lucida Console"/>
               </a:rPr>
-              <a:t>arquivo = request.urlopen(url)</a:t>
-            </a:r>
-            <a:endParaRPr/>
-          </a:p>
-          <a:p>
-            <a:pPr>
-              <a:lnSpc>
-                <a:spcPct val="100000"/>
-              </a:lnSpc>
-            </a:pPr>
-            <a:r>
-              <a:rPr lang="en-US" sz="2800">
+              <a:t>&gt;&gt; </a:t>
+            </a:r>
+            <a:r>
+              <a:rPr lang="en-US" sz="2800" dirty="0" err="1">
                 <a:solidFill>
                   <a:srgbClr val="000000"/>
                 </a:solidFill>
                 <a:latin typeface="Lucida Console"/>
               </a:rPr>
-              <a:t>pokemons = arquivo.read()</a:t>
-            </a:r>
-            <a:endParaRPr/>
+              <a:t>pokemons</a:t>
+            </a:r>
+            <a:r>
+              <a:rPr lang="en-US" sz="2800" dirty="0">
+                <a:solidFill>
+                  <a:srgbClr val="000000"/>
+                </a:solidFill>
+                <a:latin typeface="Lucida Console"/>
+              </a:rPr>
+              <a:t> = </a:t>
+            </a:r>
+            <a:r>
+              <a:rPr lang="en-US" sz="2800" dirty="0" err="1">
+                <a:solidFill>
+                  <a:srgbClr val="000000"/>
+                </a:solidFill>
+                <a:latin typeface="Lucida Console"/>
+              </a:rPr>
+              <a:t>arquivo.read</a:t>
+            </a:r>
+            <a:r>
+              <a:rPr lang="en-US" sz="2800" dirty="0">
+                <a:solidFill>
+                  <a:srgbClr val="000000"/>
+                </a:solidFill>
+                <a:latin typeface="Lucida Console"/>
+              </a:rPr>
+              <a:t>()</a:t>
+            </a:r>
+            <a:endParaRPr dirty="0"/>
           </a:p>
         </p:txBody>
       </p:sp>
     </p:spTree>
   </p:cSld>
+  <p:clrMapOvr>
+    <a:masterClrMapping/>
+  </p:clrMapOvr>
   <p:timing>
     <p:tnLst>
       <p:par>
-        <p:cTn id="19" dur="indefinite" restart="never" nodeType="tmRoot">
+        <p:cTn id="1" dur="indefinite" restart="never" nodeType="tmRoot">
           <p:childTnLst>
             <p:seq>
-              <p:cTn id="20" nodeType="mainSeq"/>
+              <p:cTn id="2" nodeType="mainSeq"/>
               <p:prevCondLst>
-                <p:cond delay="0" evt="onPrev">
+                <p:cond evt="onPrev" delay="0">
                   <p:tgtEl>
                     <p:sldTgt/>
                   </p:tgtEl>
                 </p:cond>
               </p:prevCondLst>
               <p:nextCondLst>
-                <p:cond delay="0" evt="onNext">
+                <p:cond evt="onNext" delay="0">
                   <p:tgtEl>
                     <p:sldTgt/>
                   </p:tgtEl>
@@ -3033,7 +4165,7 @@
 </file>
 
 <file path=ppt/slides/slide11.xml><?xml version="1.0" encoding="utf-8"?>
-<p:sld xmlns:a="http://schemas.openxmlformats.org/drawingml/2006/main" xmlns:p="http://schemas.openxmlformats.org/presentationml/2006/main" xmlns:r="http://schemas.openxmlformats.org/officeDocument/2006/relationships">
+<p:sld xmlns:a="http://schemas.openxmlformats.org/drawingml/2006/main" xmlns:r="http://schemas.openxmlformats.org/officeDocument/2006/relationships" xmlns:p="http://schemas.openxmlformats.org/presentationml/2006/main">
   <p:cSld>
     <p:spTree>
       <p:nvGrpSpPr>
@@ -3069,7 +4201,8 @@
           </a:ln>
         </p:spPr>
         <p:txBody>
-          <a:bodyPr lIns="90000" rIns="90000" tIns="45000" bIns="45000" anchor="ctr"/>
+          <a:bodyPr lIns="90000" tIns="45000" rIns="90000" bIns="45000" anchor="ctr"/>
+          <a:lstStyle/>
           <a:p>
             <a:pPr>
               <a:lnSpc>
@@ -3077,15 +4210,60 @@
               </a:lnSpc>
             </a:pPr>
             <a:r>
-              <a:rPr lang="en-US" sz="4400">
+              <a:rPr lang="en-US" sz="4400" dirty="0" err="1">
                 <a:solidFill>
                   <a:srgbClr val="000000"/>
                 </a:solidFill>
                 <a:latin typeface="Calibri Light"/>
               </a:rPr>
-              <a:t>Leitura de arquivos em URLs</a:t>
-            </a:r>
-            <a:endParaRPr/>
+              <a:t>Leitura</a:t>
+            </a:r>
+            <a:r>
+              <a:rPr lang="en-US" sz="4400" dirty="0">
+                <a:solidFill>
+                  <a:srgbClr val="000000"/>
+                </a:solidFill>
+                <a:latin typeface="Calibri Light"/>
+              </a:rPr>
+              <a:t> de </a:t>
+            </a:r>
+            <a:r>
+              <a:rPr lang="en-US" sz="4400" dirty="0" err="1">
+                <a:solidFill>
+                  <a:srgbClr val="000000"/>
+                </a:solidFill>
+                <a:latin typeface="Calibri Light"/>
+              </a:rPr>
+              <a:t>arquivos</a:t>
+            </a:r>
+            <a:r>
+              <a:rPr lang="en-US" sz="4400" dirty="0">
+                <a:solidFill>
+                  <a:srgbClr val="000000"/>
+                </a:solidFill>
+                <a:latin typeface="Calibri Light"/>
+              </a:rPr>
+              <a:t> </a:t>
+            </a:r>
+            <a:r>
+              <a:rPr lang="en-US" sz="4400" dirty="0" err="1">
+                <a:solidFill>
+                  <a:srgbClr val="000000"/>
+                </a:solidFill>
+                <a:latin typeface="Calibri Light"/>
+              </a:rPr>
+              <a:t>em</a:t>
+            </a:r>
+            <a:r>
+              <a:rPr lang="en-US" sz="4400" dirty="0">
+                <a:solidFill>
+                  <a:srgbClr val="000000"/>
+                </a:solidFill>
+                <a:latin typeface="Calibri Light"/>
+              </a:rPr>
+              <a:t> URLs</a:t>
+            </a:r>
+            <a:endParaRPr dirty="0"/>
           </a:p>
         </p:txBody>
       </p:sp>
@@ -3109,7 +4287,8 @@
           </a:ln>
         </p:spPr>
         <p:txBody>
-          <a:bodyPr lIns="90000" rIns="90000" tIns="45000" bIns="45000"/>
+          <a:bodyPr lIns="90000" tIns="45000" rIns="90000" bIns="45000"/>
+          <a:lstStyle/>
           <a:p>
             <a:pPr>
               <a:lnSpc>
@@ -3117,24 +4296,259 @@
               </a:lnSpc>
             </a:pPr>
             <a:r>
-              <a:rPr lang="en-US" sz="2800">
-                <a:solidFill>
-                  <a:srgbClr val="000000"/>
-                </a:solidFill>
-                <a:latin typeface="Calibri light"/>
-              </a:rPr>
-              <a:t>print(</a:t>
-            </a:r>
-            <a:r>
-              <a:rPr lang="en-US" sz="2800">
+              <a:rPr lang="en-US" sz="2800" dirty="0">
+                <a:solidFill>
+                  <a:srgbClr val="000000"/>
+                </a:solidFill>
+                <a:latin typeface="Lucida Console" panose="020B0609040504020204" pitchFamily="49" charset="0"/>
+              </a:rPr>
+              <a:t>&gt;&gt; print(</a:t>
+            </a:r>
+            <a:r>
+              <a:rPr lang="en-US" sz="2800" dirty="0" err="1">
+                <a:solidFill>
+                  <a:srgbClr val="000000"/>
+                </a:solidFill>
+                <a:latin typeface="Lucida Console" panose="020B0609040504020204" pitchFamily="49" charset="0"/>
+              </a:rPr>
+              <a:t>pokemons</a:t>
+            </a:r>
+            <a:r>
+              <a:rPr lang="en-US" sz="2800" dirty="0">
+                <a:solidFill>
+                  <a:srgbClr val="000000"/>
+                </a:solidFill>
+                <a:latin typeface="Lucida Console" panose="020B0609040504020204" pitchFamily="49" charset="0"/>
+              </a:rPr>
+              <a:t>)</a:t>
+            </a:r>
+            <a:endParaRPr dirty="0">
+              <a:latin typeface="Lucida Console" panose="020B0609040504020204" pitchFamily="49" charset="0"/>
+            </a:endParaRPr>
+          </a:p>
+          <a:p>
+            <a:pPr>
+              <a:lnSpc>
+                <a:spcPct val="100000"/>
+              </a:lnSpc>
+            </a:pPr>
+            <a:r>
+              <a:rPr lang="en-US" sz="2800" dirty="0" err="1">
                 <a:solidFill>
                   <a:srgbClr val="000000"/>
                 </a:solidFill>
                 <a:latin typeface="Lucida Console"/>
               </a:rPr>
-              <a:t>pokemons)</a:t>
-            </a:r>
-            <a:endParaRPr/>
+              <a:t>b'Pidgeotto</a:t>
+            </a:r>
+            <a:r>
+              <a:rPr lang="en-US" sz="2800" dirty="0">
+                <a:solidFill>
+                  <a:srgbClr val="000000"/>
+                </a:solidFill>
+                <a:latin typeface="Lucida Console"/>
+              </a:rPr>
+              <a:t>\r\</a:t>
+            </a:r>
+            <a:r>
+              <a:rPr lang="en-US" sz="2800" dirty="0" err="1">
+                <a:solidFill>
+                  <a:srgbClr val="000000"/>
+                </a:solidFill>
+                <a:latin typeface="Lucida Console"/>
+              </a:rPr>
+              <a:t>nPidgey</a:t>
+            </a:r>
+            <a:r>
+              <a:rPr lang="en-US" sz="2800" dirty="0">
+                <a:solidFill>
+                  <a:srgbClr val="000000"/>
+                </a:solidFill>
+                <a:latin typeface="Lucida Console"/>
+              </a:rPr>
+              <a:t>\r\</a:t>
+            </a:r>
+            <a:r>
+              <a:rPr lang="en-US" sz="2800" dirty="0" err="1">
+                <a:solidFill>
+                  <a:srgbClr val="000000"/>
+                </a:solidFill>
+                <a:latin typeface="Lucida Console"/>
+              </a:rPr>
+              <a:t>nPidgey</a:t>
+            </a:r>
+            <a:r>
+              <a:rPr lang="en-US" sz="2800" dirty="0">
+                <a:solidFill>
+                  <a:srgbClr val="000000"/>
+                </a:solidFill>
+                <a:latin typeface="Lucida Console"/>
+              </a:rPr>
+              <a:t>\r\</a:t>
+            </a:r>
+            <a:r>
+              <a:rPr lang="en-US" sz="2800" dirty="0" err="1">
+                <a:solidFill>
+                  <a:srgbClr val="000000"/>
+                </a:solidFill>
+                <a:latin typeface="Lucida Console"/>
+              </a:rPr>
+              <a:t>nPidgey</a:t>
+            </a:r>
+            <a:r>
+              <a:rPr lang="en-US" sz="2800" dirty="0">
+                <a:solidFill>
+                  <a:srgbClr val="000000"/>
+                </a:solidFill>
+                <a:latin typeface="Lucida Console"/>
+              </a:rPr>
+              <a:t>\r\</a:t>
+            </a:r>
+            <a:r>
+              <a:rPr lang="en-US" sz="2800" dirty="0" err="1">
+                <a:solidFill>
+                  <a:srgbClr val="000000"/>
+                </a:solidFill>
+                <a:latin typeface="Lucida Console"/>
+              </a:rPr>
+              <a:t>nPidgey</a:t>
+            </a:r>
+            <a:r>
+              <a:rPr lang="en-US" sz="2800" dirty="0">
+                <a:solidFill>
+                  <a:srgbClr val="000000"/>
+                </a:solidFill>
+                <a:latin typeface="Lucida Console"/>
+              </a:rPr>
+              <a:t>\r\</a:t>
+            </a:r>
+            <a:r>
+              <a:rPr lang="en-US" sz="2800" dirty="0" err="1">
+                <a:solidFill>
+                  <a:srgbClr val="000000"/>
+                </a:solidFill>
+                <a:latin typeface="Lucida Console"/>
+              </a:rPr>
+              <a:t>nPidgey</a:t>
+            </a:r>
+            <a:r>
+              <a:rPr lang="en-US" sz="2800" dirty="0">
+                <a:solidFill>
+                  <a:srgbClr val="000000"/>
+                </a:solidFill>
+                <a:latin typeface="Lucida Console"/>
+              </a:rPr>
+              <a:t>\r\</a:t>
+            </a:r>
+            <a:r>
+              <a:rPr lang="en-US" sz="2800" dirty="0" err="1">
+                <a:solidFill>
+                  <a:srgbClr val="000000"/>
+                </a:solidFill>
+                <a:latin typeface="Lucida Console"/>
+              </a:rPr>
+              <a:t>nPoliwag</a:t>
+            </a:r>
+            <a:r>
+              <a:rPr lang="en-US" sz="2800" dirty="0">
+                <a:solidFill>
+                  <a:srgbClr val="000000"/>
+                </a:solidFill>
+                <a:latin typeface="Lucida Console"/>
+              </a:rPr>
+              <a:t>\r\</a:t>
+            </a:r>
+            <a:r>
+              <a:rPr lang="en-US" sz="2800" dirty="0" err="1">
+                <a:solidFill>
+                  <a:srgbClr val="000000"/>
+                </a:solidFill>
+                <a:latin typeface="Lucida Console"/>
+              </a:rPr>
+              <a:t>nRapidash</a:t>
+            </a:r>
+            <a:r>
+              <a:rPr lang="en-US" sz="2800" dirty="0">
+                <a:solidFill>
+                  <a:srgbClr val="000000"/>
+                </a:solidFill>
+                <a:latin typeface="Lucida Console"/>
+              </a:rPr>
+              <a:t>\r\</a:t>
+            </a:r>
+            <a:r>
+              <a:rPr lang="en-US" sz="2800" dirty="0" err="1">
+                <a:solidFill>
+                  <a:srgbClr val="000000"/>
+                </a:solidFill>
+                <a:latin typeface="Lucida Console"/>
+              </a:rPr>
+              <a:t>nRattata</a:t>
+            </a:r>
+            <a:r>
+              <a:rPr lang="en-US" sz="2800" dirty="0">
+                <a:solidFill>
+                  <a:srgbClr val="000000"/>
+                </a:solidFill>
+                <a:latin typeface="Lucida Console"/>
+              </a:rPr>
+              <a:t>\r\</a:t>
+            </a:r>
+            <a:r>
+              <a:rPr lang="en-US" sz="2800" dirty="0" err="1">
+                <a:solidFill>
+                  <a:srgbClr val="000000"/>
+                </a:solidFill>
+                <a:latin typeface="Lucida Console"/>
+              </a:rPr>
+              <a:t>nRattata</a:t>
+            </a:r>
+            <a:r>
+              <a:rPr lang="en-US" sz="2800" dirty="0">
+                <a:solidFill>
+                  <a:srgbClr val="000000"/>
+                </a:solidFill>
+                <a:latin typeface="Lucida Console"/>
+              </a:rPr>
+              <a:t>\r\</a:t>
+            </a:r>
+            <a:r>
+              <a:rPr lang="en-US" sz="2800" dirty="0" err="1">
+                <a:solidFill>
+                  <a:srgbClr val="000000"/>
+                </a:solidFill>
+                <a:latin typeface="Lucida Console"/>
+              </a:rPr>
+              <a:t>nSandshrew</a:t>
+            </a:r>
+            <a:r>
+              <a:rPr lang="en-US" sz="2800" dirty="0">
+                <a:solidFill>
+                  <a:srgbClr val="000000"/>
+                </a:solidFill>
+                <a:latin typeface="Lucida Console"/>
+              </a:rPr>
+              <a:t>\r\</a:t>
+            </a:r>
+            <a:r>
+              <a:rPr lang="en-US" sz="2800" dirty="0" err="1">
+                <a:solidFill>
+                  <a:srgbClr val="000000"/>
+                </a:solidFill>
+                <a:latin typeface="Lucida Console"/>
+              </a:rPr>
+              <a:t>nSandshrew</a:t>
+            </a:r>
+            <a:r>
+              <a:rPr lang="en-US" sz="2800" dirty="0">
+                <a:solidFill>
+                  <a:srgbClr val="000000"/>
+                </a:solidFill>
+                <a:latin typeface="Lucida Console"/>
+              </a:rPr>
+              <a:t>'</a:t>
+            </a:r>
+            <a:endParaRPr dirty="0"/>
           </a:p>
           <a:p>
             <a:pPr>
@@ -3142,16 +4556,7 @@
                 <a:spcPct val="100000"/>
               </a:lnSpc>
             </a:pPr>
-            <a:r>
-              <a:rPr lang="en-US" sz="2800">
-                <a:solidFill>
-                  <a:srgbClr val="000000"/>
-                </a:solidFill>
-                <a:latin typeface="Lucida Console"/>
-              </a:rPr>
-              <a:t>b'Pidgeotto\r\nPidgey\r\nPidgey\r\nPidgey\r\nPidgey\r\nPidgey\r\nPoliwag\r\nRapidash\r\nRattata\r\nRattata\r\nSandshrew\r\nSandshrew'</a:t>
-            </a:r>
-            <a:endParaRPr/>
+            <a:endParaRPr dirty="0"/>
           </a:p>
           <a:p>
             <a:pPr>
@@ -3159,7 +4564,430 @@
                 <a:spcPct val="100000"/>
               </a:lnSpc>
             </a:pPr>
-            <a:endParaRPr/>
+            <a:r>
+              <a:rPr lang="en-US" sz="2800" dirty="0" err="1">
+                <a:solidFill>
+                  <a:srgbClr val="000000"/>
+                </a:solidFill>
+                <a:latin typeface="Calibri Light" panose="020F0302020204030204" pitchFamily="34" charset="0"/>
+                <a:cs typeface="Calibri Light" panose="020F0302020204030204" pitchFamily="34" charset="0"/>
+              </a:rPr>
+              <a:t>Por</a:t>
+            </a:r>
+            <a:r>
+              <a:rPr lang="en-US" sz="2800" dirty="0">
+                <a:solidFill>
+                  <a:srgbClr val="000000"/>
+                </a:solidFill>
+                <a:latin typeface="Calibri Light" panose="020F0302020204030204" pitchFamily="34" charset="0"/>
+                <a:cs typeface="Calibri Light" panose="020F0302020204030204" pitchFamily="34" charset="0"/>
+              </a:rPr>
+              <a:t> que </a:t>
+            </a:r>
+            <a:r>
+              <a:rPr lang="en-US" sz="2800" dirty="0" err="1">
+                <a:solidFill>
+                  <a:srgbClr val="000000"/>
+                </a:solidFill>
+                <a:latin typeface="Calibri Light" panose="020F0302020204030204" pitchFamily="34" charset="0"/>
+                <a:cs typeface="Calibri Light" panose="020F0302020204030204" pitchFamily="34" charset="0"/>
+              </a:rPr>
+              <a:t>temos</a:t>
+            </a:r>
+            <a:r>
+              <a:rPr lang="en-US" sz="2800" dirty="0">
+                <a:solidFill>
+                  <a:srgbClr val="000000"/>
+                </a:solidFill>
+                <a:latin typeface="Calibri Light" panose="020F0302020204030204" pitchFamily="34" charset="0"/>
+                <a:cs typeface="Calibri Light" panose="020F0302020204030204" pitchFamily="34" charset="0"/>
+              </a:rPr>
+              <a:t> </a:t>
+            </a:r>
+            <a:r>
+              <a:rPr lang="en-US" sz="2800" dirty="0" err="1">
+                <a:solidFill>
+                  <a:srgbClr val="000000"/>
+                </a:solidFill>
+                <a:latin typeface="Calibri Light" panose="020F0302020204030204" pitchFamily="34" charset="0"/>
+                <a:cs typeface="Calibri Light" panose="020F0302020204030204" pitchFamily="34" charset="0"/>
+              </a:rPr>
+              <a:t>estes</a:t>
+            </a:r>
+            <a:r>
+              <a:rPr lang="en-US" sz="2800" dirty="0">
+                <a:solidFill>
+                  <a:srgbClr val="000000"/>
+                </a:solidFill>
+                <a:latin typeface="Calibri Light" panose="020F0302020204030204" pitchFamily="34" charset="0"/>
+                <a:cs typeface="Calibri Light" panose="020F0302020204030204" pitchFamily="34" charset="0"/>
+              </a:rPr>
+              <a:t> </a:t>
+            </a:r>
+            <a:r>
+              <a:rPr lang="en-US" sz="2800" dirty="0" err="1">
+                <a:solidFill>
+                  <a:srgbClr val="000000"/>
+                </a:solidFill>
+                <a:latin typeface="Calibri Light" panose="020F0302020204030204" pitchFamily="34" charset="0"/>
+                <a:cs typeface="Calibri Light" panose="020F0302020204030204" pitchFamily="34" charset="0"/>
+              </a:rPr>
+              <a:t>caracteres</a:t>
+            </a:r>
+            <a:r>
+              <a:rPr lang="en-US" sz="2800" dirty="0">
+                <a:solidFill>
+                  <a:srgbClr val="000000"/>
+                </a:solidFill>
+                <a:latin typeface="Calibri Light" panose="020F0302020204030204" pitchFamily="34" charset="0"/>
+                <a:cs typeface="Calibri Light" panose="020F0302020204030204" pitchFamily="34" charset="0"/>
+              </a:rPr>
+              <a:t> “</a:t>
+            </a:r>
+            <a:r>
+              <a:rPr lang="en-US" sz="2800" dirty="0" err="1">
+                <a:solidFill>
+                  <a:srgbClr val="000000"/>
+                </a:solidFill>
+                <a:latin typeface="Calibri Light" panose="020F0302020204030204" pitchFamily="34" charset="0"/>
+                <a:cs typeface="Calibri Light" panose="020F0302020204030204" pitchFamily="34" charset="0"/>
+              </a:rPr>
+              <a:t>sobrando</a:t>
+            </a:r>
+            <a:r>
+              <a:rPr lang="en-US" sz="2800" dirty="0">
+                <a:solidFill>
+                  <a:srgbClr val="000000"/>
+                </a:solidFill>
+                <a:latin typeface="Calibri Light" panose="020F0302020204030204" pitchFamily="34" charset="0"/>
+                <a:cs typeface="Calibri Light" panose="020F0302020204030204" pitchFamily="34" charset="0"/>
+              </a:rPr>
+              <a:t>” </a:t>
+            </a:r>
+            <a:r>
+              <a:rPr lang="en-US" sz="2800" dirty="0" err="1">
+                <a:solidFill>
+                  <a:srgbClr val="000000"/>
+                </a:solidFill>
+                <a:latin typeface="Calibri Light" panose="020F0302020204030204" pitchFamily="34" charset="0"/>
+                <a:cs typeface="Calibri Light" panose="020F0302020204030204" pitchFamily="34" charset="0"/>
+              </a:rPr>
+              <a:t>em</a:t>
+            </a:r>
+            <a:r>
+              <a:rPr lang="en-US" sz="2800" dirty="0">
+                <a:solidFill>
+                  <a:srgbClr val="000000"/>
+                </a:solidFill>
+                <a:latin typeface="Calibri Light" panose="020F0302020204030204" pitchFamily="34" charset="0"/>
+                <a:cs typeface="Calibri Light" panose="020F0302020204030204" pitchFamily="34" charset="0"/>
+              </a:rPr>
+              <a:t> </a:t>
+            </a:r>
+            <a:r>
+              <a:rPr lang="en-US" sz="2800" dirty="0" err="1">
+                <a:solidFill>
+                  <a:srgbClr val="000000"/>
+                </a:solidFill>
+                <a:latin typeface="Calibri Light" panose="020F0302020204030204" pitchFamily="34" charset="0"/>
+                <a:cs typeface="Calibri Light" panose="020F0302020204030204" pitchFamily="34" charset="0"/>
+              </a:rPr>
+              <a:t>nossos</a:t>
+            </a:r>
+            <a:r>
+              <a:rPr lang="en-US" sz="2800" dirty="0">
+                <a:solidFill>
+                  <a:srgbClr val="000000"/>
+                </a:solidFill>
+                <a:latin typeface="Calibri Light" panose="020F0302020204030204" pitchFamily="34" charset="0"/>
+                <a:cs typeface="Calibri Light" panose="020F0302020204030204" pitchFamily="34" charset="0"/>
+              </a:rPr>
+              <a:t> dados? </a:t>
+            </a:r>
+            <a:r>
+              <a:rPr lang="en-US" sz="2800" dirty="0" err="1">
+                <a:solidFill>
+                  <a:srgbClr val="000000"/>
+                </a:solidFill>
+                <a:latin typeface="Calibri Light" panose="020F0302020204030204" pitchFamily="34" charset="0"/>
+                <a:cs typeface="Calibri Light" panose="020F0302020204030204" pitchFamily="34" charset="0"/>
+              </a:rPr>
+              <a:t>Os</a:t>
+            </a:r>
+            <a:r>
+              <a:rPr lang="en-US" sz="2800" dirty="0">
+                <a:solidFill>
+                  <a:srgbClr val="000000"/>
+                </a:solidFill>
+                <a:latin typeface="Calibri Light" panose="020F0302020204030204" pitchFamily="34" charset="0"/>
+                <a:cs typeface="Calibri Light" panose="020F0302020204030204" pitchFamily="34" charset="0"/>
+              </a:rPr>
+              <a:t> dados </a:t>
+            </a:r>
+            <a:r>
+              <a:rPr lang="en-US" sz="2800" dirty="0" err="1">
+                <a:solidFill>
+                  <a:srgbClr val="000000"/>
+                </a:solidFill>
+                <a:latin typeface="Calibri Light" panose="020F0302020204030204" pitchFamily="34" charset="0"/>
+                <a:cs typeface="Calibri Light" panose="020F0302020204030204" pitchFamily="34" charset="0"/>
+              </a:rPr>
+              <a:t>são</a:t>
+            </a:r>
+            <a:r>
+              <a:rPr lang="en-US" sz="2800" dirty="0">
+                <a:solidFill>
+                  <a:srgbClr val="000000"/>
+                </a:solidFill>
+                <a:latin typeface="Calibri Light" panose="020F0302020204030204" pitchFamily="34" charset="0"/>
+                <a:cs typeface="Calibri Light" panose="020F0302020204030204" pitchFamily="34" charset="0"/>
+              </a:rPr>
+              <a:t> </a:t>
+            </a:r>
+            <a:r>
+              <a:rPr lang="en-US" sz="2800" dirty="0" err="1">
+                <a:solidFill>
+                  <a:srgbClr val="000000"/>
+                </a:solidFill>
+                <a:latin typeface="Calibri Light" panose="020F0302020204030204" pitchFamily="34" charset="0"/>
+                <a:cs typeface="Calibri Light" panose="020F0302020204030204" pitchFamily="34" charset="0"/>
+              </a:rPr>
+              <a:t>retornados</a:t>
+            </a:r>
+            <a:r>
+              <a:rPr lang="en-US" sz="2800" dirty="0">
+                <a:solidFill>
+                  <a:srgbClr val="000000"/>
+                </a:solidFill>
+                <a:latin typeface="Calibri Light" panose="020F0302020204030204" pitchFamily="34" charset="0"/>
+                <a:cs typeface="Calibri Light" panose="020F0302020204030204" pitchFamily="34" charset="0"/>
+              </a:rPr>
+              <a:t> </a:t>
+            </a:r>
+            <a:r>
+              <a:rPr lang="en-US" sz="2800" dirty="0" err="1">
+                <a:solidFill>
+                  <a:srgbClr val="000000"/>
+                </a:solidFill>
+                <a:latin typeface="Calibri Light" panose="020F0302020204030204" pitchFamily="34" charset="0"/>
+                <a:cs typeface="Calibri Light" panose="020F0302020204030204" pitchFamily="34" charset="0"/>
+              </a:rPr>
+              <a:t>em</a:t>
+            </a:r>
+            <a:r>
+              <a:rPr lang="en-US" sz="2800" dirty="0">
+                <a:solidFill>
+                  <a:srgbClr val="000000"/>
+                </a:solidFill>
+                <a:latin typeface="Calibri Light" panose="020F0302020204030204" pitchFamily="34" charset="0"/>
+                <a:cs typeface="Calibri Light" panose="020F0302020204030204" pitchFamily="34" charset="0"/>
+              </a:rPr>
+              <a:t> bytes. Para </a:t>
+            </a:r>
+            <a:r>
+              <a:rPr lang="en-US" sz="2800" dirty="0" err="1">
+                <a:solidFill>
+                  <a:srgbClr val="000000"/>
+                </a:solidFill>
+                <a:latin typeface="Calibri Light" panose="020F0302020204030204" pitchFamily="34" charset="0"/>
+                <a:cs typeface="Calibri Light" panose="020F0302020204030204" pitchFamily="34" charset="0"/>
+              </a:rPr>
+              <a:t>receber</a:t>
+            </a:r>
+            <a:r>
+              <a:rPr lang="en-US" sz="2800" dirty="0">
+                <a:solidFill>
+                  <a:srgbClr val="000000"/>
+                </a:solidFill>
+                <a:latin typeface="Calibri Light" panose="020F0302020204030204" pitchFamily="34" charset="0"/>
+                <a:cs typeface="Calibri Light" panose="020F0302020204030204" pitchFamily="34" charset="0"/>
+              </a:rPr>
+              <a:t> uma string, </a:t>
+            </a:r>
+            <a:r>
+              <a:rPr lang="en-US" sz="2800" dirty="0" err="1">
+                <a:solidFill>
+                  <a:srgbClr val="000000"/>
+                </a:solidFill>
+                <a:latin typeface="Calibri Light" panose="020F0302020204030204" pitchFamily="34" charset="0"/>
+                <a:cs typeface="Calibri Light" panose="020F0302020204030204" pitchFamily="34" charset="0"/>
+              </a:rPr>
+              <a:t>devemos</a:t>
+            </a:r>
+            <a:r>
+              <a:rPr lang="en-US" sz="2800" dirty="0">
+                <a:solidFill>
+                  <a:srgbClr val="000000"/>
+                </a:solidFill>
+                <a:latin typeface="Calibri Light" panose="020F0302020204030204" pitchFamily="34" charset="0"/>
+                <a:cs typeface="Calibri Light" panose="020F0302020204030204" pitchFamily="34" charset="0"/>
+              </a:rPr>
+              <a:t> </a:t>
+            </a:r>
+            <a:r>
+              <a:rPr lang="en-US" sz="2800" dirty="0" err="1">
+                <a:solidFill>
+                  <a:srgbClr val="000000"/>
+                </a:solidFill>
+                <a:latin typeface="Calibri Light" panose="020F0302020204030204" pitchFamily="34" charset="0"/>
+                <a:cs typeface="Calibri Light" panose="020F0302020204030204" pitchFamily="34" charset="0"/>
+              </a:rPr>
+              <a:t>chamar</a:t>
+            </a:r>
+            <a:r>
+              <a:rPr lang="en-US" sz="2800" dirty="0">
+                <a:solidFill>
+                  <a:srgbClr val="000000"/>
+                </a:solidFill>
+                <a:latin typeface="Calibri Light" panose="020F0302020204030204" pitchFamily="34" charset="0"/>
+                <a:cs typeface="Calibri Light" panose="020F0302020204030204" pitchFamily="34" charset="0"/>
+              </a:rPr>
+              <a:t> o </a:t>
+            </a:r>
+            <a:r>
+              <a:rPr lang="en-US" sz="2800" dirty="0" err="1">
+                <a:solidFill>
+                  <a:srgbClr val="000000"/>
+                </a:solidFill>
+                <a:latin typeface="Calibri Light" panose="020F0302020204030204" pitchFamily="34" charset="0"/>
+                <a:cs typeface="Calibri Light" panose="020F0302020204030204" pitchFamily="34" charset="0"/>
+              </a:rPr>
+              <a:t>método</a:t>
+            </a:r>
+            <a:r>
+              <a:rPr lang="en-US" sz="2800" dirty="0">
+                <a:solidFill>
+                  <a:srgbClr val="000000"/>
+                </a:solidFill>
+                <a:latin typeface="Calibri Light" panose="020F0302020204030204" pitchFamily="34" charset="0"/>
+                <a:cs typeface="Calibri Light" panose="020F0302020204030204" pitchFamily="34" charset="0"/>
+              </a:rPr>
+              <a:t> decode() na </a:t>
+            </a:r>
+            <a:r>
+              <a:rPr lang="en-US" sz="2800" dirty="0" err="1">
+                <a:solidFill>
+                  <a:srgbClr val="000000"/>
+                </a:solidFill>
+                <a:latin typeface="Calibri Light" panose="020F0302020204030204" pitchFamily="34" charset="0"/>
+                <a:cs typeface="Calibri Light" panose="020F0302020204030204" pitchFamily="34" charset="0"/>
+              </a:rPr>
+              <a:t>leitura</a:t>
+            </a:r>
+            <a:r>
+              <a:rPr lang="en-US" sz="2800" dirty="0">
+                <a:solidFill>
+                  <a:srgbClr val="000000"/>
+                </a:solidFill>
+                <a:latin typeface="Calibri Light" panose="020F0302020204030204" pitchFamily="34" charset="0"/>
+                <a:cs typeface="Calibri Light" panose="020F0302020204030204" pitchFamily="34" charset="0"/>
+              </a:rPr>
+              <a:t> do </a:t>
+            </a:r>
+            <a:r>
+              <a:rPr lang="en-US" sz="2800" dirty="0" err="1">
+                <a:solidFill>
+                  <a:srgbClr val="000000"/>
+                </a:solidFill>
+                <a:latin typeface="Calibri Light" panose="020F0302020204030204" pitchFamily="34" charset="0"/>
+                <a:cs typeface="Calibri Light" panose="020F0302020204030204" pitchFamily="34" charset="0"/>
+              </a:rPr>
+              <a:t>arquivo</a:t>
+            </a:r>
+            <a:r>
+              <a:rPr lang="en-US" sz="2800" dirty="0">
+                <a:solidFill>
+                  <a:srgbClr val="000000"/>
+                </a:solidFill>
+                <a:latin typeface="Calibri Light" panose="020F0302020204030204" pitchFamily="34" charset="0"/>
+                <a:cs typeface="Calibri Light" panose="020F0302020204030204" pitchFamily="34" charset="0"/>
+              </a:rPr>
+              <a:t>, </a:t>
+            </a:r>
+            <a:r>
+              <a:rPr lang="en-US" sz="2800" dirty="0" err="1">
+                <a:solidFill>
+                  <a:srgbClr val="000000"/>
+                </a:solidFill>
+                <a:latin typeface="Calibri Light" panose="020F0302020204030204" pitchFamily="34" charset="0"/>
+                <a:cs typeface="Calibri Light" panose="020F0302020204030204" pitchFamily="34" charset="0"/>
+              </a:rPr>
+              <a:t>passando</a:t>
+            </a:r>
+            <a:r>
+              <a:rPr lang="en-US" sz="2800" dirty="0">
+                <a:solidFill>
+                  <a:srgbClr val="000000"/>
+                </a:solidFill>
+                <a:latin typeface="Calibri Light" panose="020F0302020204030204" pitchFamily="34" charset="0"/>
+                <a:cs typeface="Calibri Light" panose="020F0302020204030204" pitchFamily="34" charset="0"/>
+              </a:rPr>
+              <a:t> </a:t>
+            </a:r>
+            <a:r>
+              <a:rPr lang="en-US" sz="2800" dirty="0" err="1">
+                <a:solidFill>
+                  <a:srgbClr val="000000"/>
+                </a:solidFill>
+                <a:latin typeface="Calibri Light" panose="020F0302020204030204" pitchFamily="34" charset="0"/>
+                <a:cs typeface="Calibri Light" panose="020F0302020204030204" pitchFamily="34" charset="0"/>
+              </a:rPr>
+              <a:t>como</a:t>
+            </a:r>
+            <a:r>
+              <a:rPr lang="en-US" sz="2800" dirty="0">
+                <a:solidFill>
+                  <a:srgbClr val="000000"/>
+                </a:solidFill>
+                <a:latin typeface="Calibri Light" panose="020F0302020204030204" pitchFamily="34" charset="0"/>
+                <a:cs typeface="Calibri Light" panose="020F0302020204030204" pitchFamily="34" charset="0"/>
+              </a:rPr>
+              <a:t> </a:t>
+            </a:r>
+            <a:r>
+              <a:rPr lang="en-US" sz="2800" dirty="0" err="1">
+                <a:solidFill>
+                  <a:srgbClr val="000000"/>
+                </a:solidFill>
+                <a:latin typeface="Calibri Light" panose="020F0302020204030204" pitchFamily="34" charset="0"/>
+                <a:cs typeface="Calibri Light" panose="020F0302020204030204" pitchFamily="34" charset="0"/>
+              </a:rPr>
+              <a:t>parâmetro</a:t>
+            </a:r>
+            <a:r>
+              <a:rPr lang="en-US" sz="2800" dirty="0">
+                <a:solidFill>
+                  <a:srgbClr val="000000"/>
+                </a:solidFill>
+                <a:latin typeface="Calibri Light" panose="020F0302020204030204" pitchFamily="34" charset="0"/>
+                <a:cs typeface="Calibri Light" panose="020F0302020204030204" pitchFamily="34" charset="0"/>
+              </a:rPr>
+              <a:t> a </a:t>
+            </a:r>
+            <a:r>
+              <a:rPr lang="en-US" sz="2800" dirty="0" err="1">
+                <a:solidFill>
+                  <a:srgbClr val="000000"/>
+                </a:solidFill>
+                <a:latin typeface="Calibri Light" panose="020F0302020204030204" pitchFamily="34" charset="0"/>
+                <a:cs typeface="Calibri Light" panose="020F0302020204030204" pitchFamily="34" charset="0"/>
+              </a:rPr>
+              <a:t>codificação</a:t>
+            </a:r>
+            <a:r>
+              <a:rPr lang="en-US" sz="2800" dirty="0">
+                <a:solidFill>
+                  <a:srgbClr val="000000"/>
+                </a:solidFill>
+                <a:latin typeface="Calibri Light" panose="020F0302020204030204" pitchFamily="34" charset="0"/>
+                <a:cs typeface="Calibri Light" panose="020F0302020204030204" pitchFamily="34" charset="0"/>
+              </a:rPr>
+              <a:t> Unicode.</a:t>
+            </a:r>
+            <a:endParaRPr dirty="0">
+              <a:latin typeface="Calibri Light" panose="020F0302020204030204" pitchFamily="34" charset="0"/>
+              <a:cs typeface="Calibri Light" panose="020F0302020204030204" pitchFamily="34" charset="0"/>
+            </a:endParaRPr>
           </a:p>
           <a:p>
             <a:pPr>
@@ -3167,45 +4995,31 @@
                 <a:spcPct val="100000"/>
               </a:lnSpc>
             </a:pPr>
-            <a:r>
-              <a:rPr lang="en-US" sz="2800">
-                <a:solidFill>
-                  <a:srgbClr val="000000"/>
-                </a:solidFill>
-                <a:latin typeface="Lucida Console"/>
-              </a:rPr>
-              <a:t>Por que temos estes caracteres “sobrando” em nossos dados? Os dados são retornados em bytes. Para receber uma string, devemos chamar o método decode() na leitura do arquivo, passando como parâmetro a codificação Unicode.</a:t>
-            </a:r>
-            <a:endParaRPr/>
-          </a:p>
-          <a:p>
-            <a:pPr>
-              <a:lnSpc>
-                <a:spcPct val="100000"/>
-              </a:lnSpc>
-            </a:pPr>
-            <a:endParaRPr/>
+            <a:endParaRPr dirty="0"/>
           </a:p>
         </p:txBody>
       </p:sp>
     </p:spTree>
   </p:cSld>
+  <p:clrMapOvr>
+    <a:masterClrMapping/>
+  </p:clrMapOvr>
   <p:timing>
     <p:tnLst>
       <p:par>
-        <p:cTn id="21" dur="indefinite" restart="never" nodeType="tmRoot">
+        <p:cTn id="1" dur="indefinite" restart="never" nodeType="tmRoot">
           <p:childTnLst>
             <p:seq>
-              <p:cTn id="22" nodeType="mainSeq"/>
+              <p:cTn id="2" nodeType="mainSeq"/>
               <p:prevCondLst>
-                <p:cond delay="0" evt="onPrev">
+                <p:cond evt="onPrev" delay="0">
                   <p:tgtEl>
                     <p:sldTgt/>
                   </p:tgtEl>
                 </p:cond>
               </p:prevCondLst>
               <p:nextCondLst>
-                <p:cond delay="0" evt="onNext">
+                <p:cond evt="onNext" delay="0">
                   <p:tgtEl>
                     <p:sldTgt/>
                   </p:tgtEl>
@@ -3221,7 +5035,7 @@
 </file>
 
 <file path=ppt/slides/slide12.xml><?xml version="1.0" encoding="utf-8"?>
-<p:sld xmlns:a="http://schemas.openxmlformats.org/drawingml/2006/main" xmlns:p="http://schemas.openxmlformats.org/presentationml/2006/main" xmlns:r="http://schemas.openxmlformats.org/officeDocument/2006/relationships">
+<p:sld xmlns:a="http://schemas.openxmlformats.org/drawingml/2006/main" xmlns:r="http://schemas.openxmlformats.org/officeDocument/2006/relationships" xmlns:p="http://schemas.openxmlformats.org/presentationml/2006/main">
   <p:cSld>
     <p:spTree>
       <p:nvGrpSpPr>
@@ -3257,7 +5071,8 @@
           </a:ln>
         </p:spPr>
         <p:txBody>
-          <a:bodyPr lIns="90000" rIns="90000" tIns="45000" bIns="45000" anchor="ctr"/>
+          <a:bodyPr lIns="90000" tIns="45000" rIns="90000" bIns="45000" anchor="ctr"/>
+          <a:lstStyle/>
           <a:p>
             <a:pPr>
               <a:lnSpc>
@@ -3297,7 +5112,8 @@
           </a:ln>
         </p:spPr>
         <p:txBody>
-          <a:bodyPr lIns="90000" rIns="90000" tIns="45000" bIns="45000"/>
+          <a:bodyPr lIns="90000" tIns="45000" rIns="90000" bIns="45000"/>
+          <a:lstStyle/>
           <a:p>
             <a:pPr>
               <a:lnSpc>
@@ -3305,12 +5121,30 @@
               </a:lnSpc>
             </a:pPr>
             <a:r>
-              <a:rPr lang="en-US" sz="2800">
-                <a:latin typeface="Calibri light"/>
-              </a:rPr>
-              <a:t>Corrigindo o código anterior:</a:t>
-            </a:r>
-            <a:endParaRPr/>
+              <a:rPr lang="en-US" sz="2800" dirty="0" err="1">
+                <a:latin typeface="Calibri light"/>
+              </a:rPr>
+              <a:t>Corrigindo</a:t>
+            </a:r>
+            <a:r>
+              <a:rPr lang="en-US" sz="2800" dirty="0">
+                <a:latin typeface="Calibri light"/>
+              </a:rPr>
+              <a:t> o </a:t>
+            </a:r>
+            <a:r>
+              <a:rPr lang="en-US" sz="2800" dirty="0" err="1">
+                <a:latin typeface="Calibri light"/>
+              </a:rPr>
+              <a:t>código</a:t>
+            </a:r>
+            <a:r>
+              <a:rPr lang="en-US" sz="2800" dirty="0">
+                <a:latin typeface="Calibri light"/>
+              </a:rPr>
+              <a:t> anterior:</a:t>
+            </a:r>
+            <a:endParaRPr dirty="0"/>
           </a:p>
           <a:p>
             <a:pPr>
@@ -3318,7 +5152,7 @@
                 <a:spcPct val="100000"/>
               </a:lnSpc>
             </a:pPr>
-            <a:endParaRPr/>
+            <a:endParaRPr dirty="0"/>
           </a:p>
           <a:p>
             <a:pPr>
@@ -3327,12 +5161,26 @@
               </a:lnSpc>
             </a:pPr>
             <a:r>
-              <a:rPr lang="en-US" sz="2800">
-                <a:latin typeface="Calibri light"/>
-              </a:rPr>
-              <a:t>import urllib.request as request</a:t>
-            </a:r>
-            <a:endParaRPr/>
+              <a:rPr lang="en-US" sz="2800" dirty="0">
+                <a:latin typeface="Lucida Console" panose="020B0609040504020204" pitchFamily="49" charset="0"/>
+              </a:rPr>
+              <a:t>&gt;&gt; import </a:t>
+            </a:r>
+            <a:r>
+              <a:rPr lang="en-US" sz="2800" dirty="0" err="1">
+                <a:latin typeface="Lucida Console" panose="020B0609040504020204" pitchFamily="49" charset="0"/>
+              </a:rPr>
+              <a:t>urllib.request</a:t>
+            </a:r>
+            <a:r>
+              <a:rPr lang="en-US" sz="2800" dirty="0">
+                <a:latin typeface="Lucida Console" panose="020B0609040504020204" pitchFamily="49" charset="0"/>
+              </a:rPr>
+              <a:t> as request</a:t>
+            </a:r>
+            <a:endParaRPr dirty="0">
+              <a:latin typeface="Lucida Console" panose="020B0609040504020204" pitchFamily="49" charset="0"/>
+            </a:endParaRPr>
           </a:p>
           <a:p>
             <a:pPr>
@@ -3341,18 +5189,35 @@
               </a:lnSpc>
             </a:pPr>
             <a:r>
-              <a:rPr lang="en-US" sz="2800">
-                <a:latin typeface="Calibri light"/>
-              </a:rPr>
-              <a:t>url = '</a:t>
-            </a:r>
-            <a:r>
-              <a:rPr lang="en-US" sz="2800">
-                <a:latin typeface="Lucida Console"/>
-              </a:rPr>
-              <a:t>https://raw.githubusercontent.com/lidimayra/basic-stats/master/frequencies/pokemons.txt'</a:t>
-            </a:r>
-            <a:endParaRPr/>
+              <a:rPr lang="en-US" sz="2800" dirty="0">
+                <a:latin typeface="Lucida Console" panose="020B0609040504020204" pitchFamily="49" charset="0"/>
+              </a:rPr>
+              <a:t>&gt;&gt; </a:t>
+            </a:r>
+            <a:r>
+              <a:rPr lang="en-US" sz="2800" dirty="0" err="1">
+                <a:latin typeface="Lucida Console" panose="020B0609040504020204" pitchFamily="49" charset="0"/>
+              </a:rPr>
+              <a:t>url</a:t>
+            </a:r>
+            <a:r>
+              <a:rPr lang="en-US" sz="2800" dirty="0">
+                <a:latin typeface="Lucida Console" panose="020B0609040504020204" pitchFamily="49" charset="0"/>
+              </a:rPr>
+              <a:t> = 'https://raw.githubusercontent.com/</a:t>
+            </a:r>
+            <a:r>
+              <a:rPr lang="en-US" sz="2800" dirty="0" err="1">
+                <a:latin typeface="Lucida Console" panose="020B0609040504020204" pitchFamily="49" charset="0"/>
+              </a:rPr>
+              <a:t>lidimayra</a:t>
+            </a:r>
+            <a:r>
+              <a:rPr lang="en-US" sz="2800" dirty="0">
+                <a:latin typeface="Lucida Console" panose="020B0609040504020204" pitchFamily="49" charset="0"/>
+              </a:rPr>
+              <a:t>/basic-stats/master/frequencies/pokemons.txt‘</a:t>
+            </a:r>
           </a:p>
           <a:p>
             <a:pPr>
@@ -3360,16 +5225,9 @@
                 <a:spcPct val="100000"/>
               </a:lnSpc>
             </a:pPr>
-            <a:r>
-              <a:rPr lang="en-US" sz="2800">
-                <a:solidFill>
-                  <a:srgbClr val="000000"/>
-                </a:solidFill>
-                <a:latin typeface="Lucida Console"/>
-              </a:rPr>
-              <a:t>arquivo = request.urlopen(url)</a:t>
-            </a:r>
-            <a:endParaRPr/>
+            <a:endParaRPr dirty="0">
+              <a:latin typeface="Lucida Console" panose="020B0609040504020204" pitchFamily="49" charset="0"/>
+            </a:endParaRPr>
           </a:p>
           <a:p>
             <a:pPr>
@@ -3378,24 +5236,135 @@
               </a:lnSpc>
             </a:pPr>
             <a:r>
-              <a:rPr lang="en-US" sz="2800">
-                <a:solidFill>
-                  <a:srgbClr val="000000"/>
-                </a:solidFill>
-                <a:latin typeface="Lucida Console"/>
-              </a:rPr>
-              <a:t>pokemons = arquivo.read()</a:t>
-            </a:r>
-            <a:r>
-              <a:rPr b="1" lang="en-US" sz="2800">
-                <a:solidFill>
-                  <a:srgbClr val="000000"/>
-                </a:solidFill>
-                <a:latin typeface="Lucida Console"/>
+              <a:rPr lang="en-US" sz="2800" dirty="0">
+                <a:solidFill>
+                  <a:srgbClr val="000000"/>
+                </a:solidFill>
+                <a:latin typeface="Lucida Console" panose="020B0609040504020204" pitchFamily="49" charset="0"/>
+              </a:rPr>
+              <a:t>&gt;&gt; </a:t>
+            </a:r>
+            <a:r>
+              <a:rPr lang="en-US" sz="2800" dirty="0" err="1">
+                <a:solidFill>
+                  <a:srgbClr val="000000"/>
+                </a:solidFill>
+                <a:latin typeface="Lucida Console" panose="020B0609040504020204" pitchFamily="49" charset="0"/>
+              </a:rPr>
+              <a:t>arquivo</a:t>
+            </a:r>
+            <a:r>
+              <a:rPr lang="en-US" sz="2800" dirty="0">
+                <a:solidFill>
+                  <a:srgbClr val="000000"/>
+                </a:solidFill>
+                <a:latin typeface="Lucida Console" panose="020B0609040504020204" pitchFamily="49" charset="0"/>
+              </a:rPr>
+              <a:t> = </a:t>
+            </a:r>
+            <a:r>
+              <a:rPr lang="en-US" sz="2800" dirty="0" err="1">
+                <a:solidFill>
+                  <a:srgbClr val="000000"/>
+                </a:solidFill>
+                <a:latin typeface="Lucida Console" panose="020B0609040504020204" pitchFamily="49" charset="0"/>
+              </a:rPr>
+              <a:t>request.urlopen</a:t>
+            </a:r>
+            <a:r>
+              <a:rPr lang="en-US" sz="2800" dirty="0">
+                <a:solidFill>
+                  <a:srgbClr val="000000"/>
+                </a:solidFill>
+                <a:latin typeface="Lucida Console" panose="020B0609040504020204" pitchFamily="49" charset="0"/>
+              </a:rPr>
+              <a:t>(</a:t>
+            </a:r>
+            <a:r>
+              <a:rPr lang="en-US" sz="2800" dirty="0" err="1">
+                <a:solidFill>
+                  <a:srgbClr val="000000"/>
+                </a:solidFill>
+                <a:latin typeface="Lucida Console" panose="020B0609040504020204" pitchFamily="49" charset="0"/>
+              </a:rPr>
+              <a:t>url</a:t>
+            </a:r>
+            <a:r>
+              <a:rPr lang="en-US" sz="2800" dirty="0">
+                <a:solidFill>
+                  <a:srgbClr val="000000"/>
+                </a:solidFill>
+                <a:latin typeface="Lucida Console" panose="020B0609040504020204" pitchFamily="49" charset="0"/>
+              </a:rPr>
+              <a:t>)</a:t>
+            </a:r>
+            <a:endParaRPr dirty="0">
+              <a:latin typeface="Lucida Console" panose="020B0609040504020204" pitchFamily="49" charset="0"/>
+            </a:endParaRPr>
+          </a:p>
+          <a:p>
+            <a:pPr>
+              <a:lnSpc>
+                <a:spcPct val="100000"/>
+              </a:lnSpc>
+            </a:pPr>
+            <a:r>
+              <a:rPr lang="en-US" sz="2800" dirty="0">
+                <a:solidFill>
+                  <a:srgbClr val="000000"/>
+                </a:solidFill>
+                <a:latin typeface="Lucida Console" panose="020B0609040504020204" pitchFamily="49" charset="0"/>
+              </a:rPr>
+              <a:t>&gt;&gt; </a:t>
+            </a:r>
+            <a:r>
+              <a:rPr lang="en-US" sz="2800" dirty="0" err="1">
+                <a:solidFill>
+                  <a:srgbClr val="000000"/>
+                </a:solidFill>
+                <a:latin typeface="Lucida Console" panose="020B0609040504020204" pitchFamily="49" charset="0"/>
+              </a:rPr>
+              <a:t>pokemons</a:t>
+            </a:r>
+            <a:r>
+              <a:rPr lang="en-US" sz="2800" dirty="0">
+                <a:solidFill>
+                  <a:srgbClr val="000000"/>
+                </a:solidFill>
+                <a:latin typeface="Lucida Console" panose="020B0609040504020204" pitchFamily="49" charset="0"/>
+              </a:rPr>
+              <a:t> = </a:t>
+            </a:r>
+            <a:r>
+              <a:rPr lang="en-US" sz="2800" dirty="0" err="1">
+                <a:solidFill>
+                  <a:srgbClr val="000000"/>
+                </a:solidFill>
+                <a:latin typeface="Lucida Console" panose="020B0609040504020204" pitchFamily="49" charset="0"/>
+              </a:rPr>
+              <a:t>arquivo.read</a:t>
+            </a:r>
+            <a:r>
+              <a:rPr lang="en-US" sz="2800" dirty="0">
+                <a:solidFill>
+                  <a:srgbClr val="000000"/>
+                </a:solidFill>
+                <a:latin typeface="Lucida Console" panose="020B0609040504020204" pitchFamily="49" charset="0"/>
+              </a:rPr>
+              <a:t>()</a:t>
+            </a:r>
+            <a:r>
+              <a:rPr lang="en-US" sz="2800" b="1" dirty="0">
+                <a:solidFill>
+                  <a:srgbClr val="000000"/>
+                </a:solidFill>
+                <a:latin typeface="Lucida Console" panose="020B0609040504020204" pitchFamily="49" charset="0"/>
               </a:rPr>
               <a:t>.decode('UTF-8')</a:t>
             </a:r>
-            <a:endParaRPr/>
+            <a:endParaRPr dirty="0">
+              <a:latin typeface="Lucida Console" panose="020B0609040504020204" pitchFamily="49" charset="0"/>
+            </a:endParaRPr>
           </a:p>
           <a:p>
             <a:pPr>
@@ -3404,36 +5373,59 @@
               </a:lnSpc>
             </a:pPr>
             <a:r>
-              <a:rPr lang="en-US" sz="2800">
-                <a:solidFill>
-                  <a:srgbClr val="000000"/>
-                </a:solidFill>
-                <a:latin typeface="Lucida Console"/>
-              </a:rPr>
-              <a:t>arquivo.close()</a:t>
-            </a:r>
-            <a:endParaRPr/>
+              <a:rPr lang="en-US" sz="2800" dirty="0">
+                <a:solidFill>
+                  <a:srgbClr val="000000"/>
+                </a:solidFill>
+                <a:latin typeface="Lucida Console" panose="020B0609040504020204" pitchFamily="49" charset="0"/>
+              </a:rPr>
+              <a:t>&gt;&gt; </a:t>
+            </a:r>
+            <a:r>
+              <a:rPr lang="en-US" sz="2800" dirty="0" err="1">
+                <a:solidFill>
+                  <a:srgbClr val="000000"/>
+                </a:solidFill>
+                <a:latin typeface="Lucida Console" panose="020B0609040504020204" pitchFamily="49" charset="0"/>
+              </a:rPr>
+              <a:t>arquivo.close</a:t>
+            </a:r>
+            <a:r>
+              <a:rPr lang="en-US" sz="2800" dirty="0">
+                <a:solidFill>
+                  <a:srgbClr val="000000"/>
+                </a:solidFill>
+                <a:latin typeface="Lucida Console" panose="020B0609040504020204" pitchFamily="49" charset="0"/>
+              </a:rPr>
+              <a:t>()</a:t>
+            </a:r>
+            <a:endParaRPr dirty="0">
+              <a:latin typeface="Lucida Console" panose="020B0609040504020204" pitchFamily="49" charset="0"/>
+            </a:endParaRPr>
           </a:p>
         </p:txBody>
       </p:sp>
     </p:spTree>
   </p:cSld>
+  <p:clrMapOvr>
+    <a:masterClrMapping/>
+  </p:clrMapOvr>
   <p:timing>
     <p:tnLst>
       <p:par>
-        <p:cTn id="23" dur="indefinite" restart="never" nodeType="tmRoot">
+        <p:cTn id="1" dur="indefinite" restart="never" nodeType="tmRoot">
           <p:childTnLst>
             <p:seq>
-              <p:cTn id="24" nodeType="mainSeq"/>
+              <p:cTn id="2" nodeType="mainSeq"/>
               <p:prevCondLst>
-                <p:cond delay="0" evt="onPrev">
+                <p:cond evt="onPrev" delay="0">
                   <p:tgtEl>
                     <p:sldTgt/>
                   </p:tgtEl>
                 </p:cond>
               </p:prevCondLst>
               <p:nextCondLst>
-                <p:cond delay="0" evt="onNext">
+                <p:cond evt="onNext" delay="0">
                   <p:tgtEl>
                     <p:sldTgt/>
                   </p:tgtEl>
@@ -3449,7 +5441,7 @@
 </file>
 
 <file path=ppt/slides/slide13.xml><?xml version="1.0" encoding="utf-8"?>
-<p:sld xmlns:a="http://schemas.openxmlformats.org/drawingml/2006/main" xmlns:p="http://schemas.openxmlformats.org/presentationml/2006/main" xmlns:r="http://schemas.openxmlformats.org/officeDocument/2006/relationships">
+<p:sld xmlns:a="http://schemas.openxmlformats.org/drawingml/2006/main" xmlns:r="http://schemas.openxmlformats.org/officeDocument/2006/relationships" xmlns:p="http://schemas.openxmlformats.org/presentationml/2006/main">
   <p:cSld>
     <p:spTree>
       <p:nvGrpSpPr>
@@ -3485,7 +5477,8 @@
           </a:ln>
         </p:spPr>
         <p:txBody>
-          <a:bodyPr lIns="90000" rIns="90000" tIns="45000" bIns="45000" anchor="ctr"/>
+          <a:bodyPr lIns="90000" tIns="45000" rIns="90000" bIns="45000" anchor="ctr"/>
+          <a:lstStyle/>
           <a:p>
             <a:pPr>
               <a:lnSpc>
@@ -3525,7 +5518,8 @@
           </a:ln>
         </p:spPr>
         <p:txBody>
-          <a:bodyPr lIns="90000" rIns="90000" tIns="45000" bIns="45000"/>
+          <a:bodyPr lIns="90000" tIns="45000" rIns="90000" bIns="45000"/>
+          <a:lstStyle/>
           <a:p>
             <a:pPr>
               <a:lnSpc>
@@ -3533,15 +5527,79 @@
               </a:lnSpc>
             </a:pPr>
             <a:r>
-              <a:rPr lang="en-US" sz="2800">
-                <a:solidFill>
-                  <a:srgbClr val="000000"/>
-                </a:solidFill>
-                <a:latin typeface="Lucida Console"/>
-              </a:rPr>
-              <a:t>Imprima na tela o conteúdo da variável pokemons.</a:t>
-            </a:r>
-            <a:endParaRPr/>
+              <a:rPr lang="en-US" sz="2800" dirty="0">
+                <a:solidFill>
+                  <a:srgbClr val="000000"/>
+                </a:solidFill>
+                <a:latin typeface="Calibri Light" panose="020F0302020204030204" pitchFamily="34" charset="0"/>
+                <a:cs typeface="Calibri Light" panose="020F0302020204030204" pitchFamily="34" charset="0"/>
+              </a:rPr>
+              <a:t>Imprima na tela o </a:t>
+            </a:r>
+            <a:r>
+              <a:rPr lang="en-US" sz="2800" dirty="0" err="1">
+                <a:solidFill>
+                  <a:srgbClr val="000000"/>
+                </a:solidFill>
+                <a:latin typeface="Calibri Light" panose="020F0302020204030204" pitchFamily="34" charset="0"/>
+                <a:cs typeface="Calibri Light" panose="020F0302020204030204" pitchFamily="34" charset="0"/>
+              </a:rPr>
+              <a:t>conteúdo</a:t>
+            </a:r>
+            <a:r>
+              <a:rPr lang="en-US" sz="2800" dirty="0">
+                <a:solidFill>
+                  <a:srgbClr val="000000"/>
+                </a:solidFill>
+                <a:latin typeface="Calibri Light" panose="020F0302020204030204" pitchFamily="34" charset="0"/>
+                <a:cs typeface="Calibri Light" panose="020F0302020204030204" pitchFamily="34" charset="0"/>
+              </a:rPr>
+              <a:t> da </a:t>
+            </a:r>
+            <a:r>
+              <a:rPr lang="en-US" sz="2800" dirty="0" err="1">
+                <a:solidFill>
+                  <a:srgbClr val="000000"/>
+                </a:solidFill>
+                <a:latin typeface="Calibri Light" panose="020F0302020204030204" pitchFamily="34" charset="0"/>
+                <a:cs typeface="Calibri Light" panose="020F0302020204030204" pitchFamily="34" charset="0"/>
+              </a:rPr>
+              <a:t>variável</a:t>
+            </a:r>
+            <a:r>
+              <a:rPr lang="en-US" sz="2800" dirty="0">
+                <a:solidFill>
+                  <a:srgbClr val="000000"/>
+                </a:solidFill>
+                <a:latin typeface="Calibri Light" panose="020F0302020204030204" pitchFamily="34" charset="0"/>
+                <a:cs typeface="Calibri Light" panose="020F0302020204030204" pitchFamily="34" charset="0"/>
+              </a:rPr>
+              <a:t> </a:t>
+            </a:r>
+            <a:r>
+              <a:rPr lang="en-US" sz="2800" dirty="0" err="1">
+                <a:solidFill>
+                  <a:srgbClr val="000000"/>
+                </a:solidFill>
+                <a:latin typeface="Calibri Light" panose="020F0302020204030204" pitchFamily="34" charset="0"/>
+                <a:cs typeface="Calibri Light" panose="020F0302020204030204" pitchFamily="34" charset="0"/>
+              </a:rPr>
+              <a:t>pokemons</a:t>
+            </a:r>
+            <a:r>
+              <a:rPr lang="en-US" sz="2800" dirty="0">
+                <a:solidFill>
+                  <a:srgbClr val="000000"/>
+                </a:solidFill>
+                <a:latin typeface="Calibri Light" panose="020F0302020204030204" pitchFamily="34" charset="0"/>
+                <a:cs typeface="Calibri Light" panose="020F0302020204030204" pitchFamily="34" charset="0"/>
+              </a:rPr>
+              <a:t>.</a:t>
+            </a:r>
+            <a:endParaRPr dirty="0">
+              <a:latin typeface="Calibri Light" panose="020F0302020204030204" pitchFamily="34" charset="0"/>
+              <a:cs typeface="Calibri Light" panose="020F0302020204030204" pitchFamily="34" charset="0"/>
+            </a:endParaRPr>
           </a:p>
           <a:p>
             <a:pPr>
@@ -3549,7 +5607,7 @@
                 <a:spcPct val="100000"/>
               </a:lnSpc>
             </a:pPr>
-            <a:endParaRPr/>
+            <a:endParaRPr dirty="0"/>
           </a:p>
           <a:p>
             <a:pPr>
@@ -3558,15 +5616,159 @@
               </a:lnSpc>
             </a:pPr>
             <a:r>
-              <a:rPr lang="en-US" sz="2800">
-                <a:solidFill>
-                  <a:srgbClr val="000000"/>
-                </a:solidFill>
-                <a:latin typeface="Calibri light"/>
-              </a:rPr>
-              <a:t>Agora temos uma string contendo os nomes de todos os pokémons capturados.</a:t>
-            </a:r>
-            <a:endParaRPr/>
+              <a:rPr lang="en-US" sz="2800" dirty="0">
+                <a:solidFill>
+                  <a:srgbClr val="000000"/>
+                </a:solidFill>
+                <a:latin typeface="Calibri light"/>
+              </a:rPr>
+              <a:t>Agora </a:t>
+            </a:r>
+            <a:r>
+              <a:rPr lang="en-US" sz="2800" dirty="0" err="1">
+                <a:solidFill>
+                  <a:srgbClr val="000000"/>
+                </a:solidFill>
+                <a:latin typeface="Calibri light"/>
+              </a:rPr>
+              <a:t>temos</a:t>
+            </a:r>
+            <a:r>
+              <a:rPr lang="en-US" sz="2800" dirty="0">
+                <a:solidFill>
+                  <a:srgbClr val="000000"/>
+                </a:solidFill>
+                <a:latin typeface="Calibri light"/>
+              </a:rPr>
+              <a:t> uma string </a:t>
+            </a:r>
+            <a:r>
+              <a:rPr lang="en-US" sz="2800" dirty="0" err="1">
+                <a:solidFill>
+                  <a:srgbClr val="000000"/>
+                </a:solidFill>
+                <a:latin typeface="Calibri light"/>
+              </a:rPr>
+              <a:t>contendo</a:t>
+            </a:r>
+            <a:r>
+              <a:rPr lang="en-US" sz="2800" dirty="0">
+                <a:solidFill>
+                  <a:srgbClr val="000000"/>
+                </a:solidFill>
+                <a:latin typeface="Calibri light"/>
+              </a:rPr>
+              <a:t> </a:t>
+            </a:r>
+            <a:r>
+              <a:rPr lang="en-US" sz="2800" dirty="0" err="1">
+                <a:solidFill>
+                  <a:srgbClr val="000000"/>
+                </a:solidFill>
+                <a:latin typeface="Calibri light"/>
+              </a:rPr>
+              <a:t>os</a:t>
+            </a:r>
+            <a:r>
+              <a:rPr lang="en-US" sz="2800" dirty="0">
+                <a:solidFill>
+                  <a:srgbClr val="000000"/>
+                </a:solidFill>
+                <a:latin typeface="Calibri light"/>
+              </a:rPr>
+              <a:t> </a:t>
+            </a:r>
+            <a:r>
+              <a:rPr lang="en-US" sz="2800" dirty="0" err="1">
+                <a:solidFill>
+                  <a:srgbClr val="000000"/>
+                </a:solidFill>
+                <a:latin typeface="Calibri light"/>
+              </a:rPr>
+              <a:t>nomes</a:t>
+            </a:r>
+            <a:r>
+              <a:rPr lang="en-US" sz="2800" dirty="0">
+                <a:solidFill>
+                  <a:srgbClr val="000000"/>
+                </a:solidFill>
+                <a:latin typeface="Calibri light"/>
+              </a:rPr>
+              <a:t> de </a:t>
+            </a:r>
+            <a:r>
+              <a:rPr lang="en-US" sz="2800" dirty="0" err="1">
+                <a:solidFill>
+                  <a:srgbClr val="000000"/>
+                </a:solidFill>
+                <a:latin typeface="Calibri light"/>
+              </a:rPr>
+              <a:t>todos</a:t>
+            </a:r>
+            <a:r>
+              <a:rPr lang="en-US" sz="2800" dirty="0">
+                <a:solidFill>
+                  <a:srgbClr val="000000"/>
+                </a:solidFill>
+                <a:latin typeface="Calibri light"/>
+              </a:rPr>
+              <a:t> </a:t>
+            </a:r>
+            <a:r>
+              <a:rPr lang="en-US" sz="2800" dirty="0" err="1">
+                <a:solidFill>
+                  <a:srgbClr val="000000"/>
+                </a:solidFill>
+                <a:latin typeface="Calibri light"/>
+              </a:rPr>
+              <a:t>os</a:t>
+            </a:r>
+            <a:r>
+              <a:rPr lang="en-US" sz="2800" dirty="0">
+                <a:solidFill>
+                  <a:srgbClr val="000000"/>
+                </a:solidFill>
+                <a:latin typeface="Calibri light"/>
+              </a:rPr>
+              <a:t> </a:t>
+            </a:r>
+            <a:r>
+              <a:rPr lang="en-US" sz="2800" dirty="0" err="1">
+                <a:solidFill>
+                  <a:srgbClr val="000000"/>
+                </a:solidFill>
+                <a:latin typeface="Calibri light"/>
+              </a:rPr>
+              <a:t>pokémons</a:t>
+            </a:r>
+            <a:r>
+              <a:rPr lang="en-US" sz="2800" dirty="0">
+                <a:solidFill>
+                  <a:srgbClr val="000000"/>
+                </a:solidFill>
+                <a:latin typeface="Calibri light"/>
+              </a:rPr>
+              <a:t> </a:t>
+            </a:r>
+            <a:r>
+              <a:rPr lang="en-US" sz="2800" dirty="0" err="1">
+                <a:solidFill>
+                  <a:srgbClr val="000000"/>
+                </a:solidFill>
+                <a:latin typeface="Calibri light"/>
+              </a:rPr>
+              <a:t>capturados</a:t>
+            </a:r>
+            <a:r>
+              <a:rPr lang="en-US" sz="2800" dirty="0">
+                <a:solidFill>
+                  <a:srgbClr val="000000"/>
+                </a:solidFill>
+                <a:latin typeface="Calibri light"/>
+              </a:rPr>
+              <a:t>.</a:t>
+            </a:r>
+            <a:endParaRPr dirty="0"/>
           </a:p>
           <a:p>
             <a:pPr>
@@ -3574,7 +5776,7 @@
                 <a:spcPct val="100000"/>
               </a:lnSpc>
             </a:pPr>
-            <a:endParaRPr/>
+            <a:endParaRPr dirty="0"/>
           </a:p>
           <a:p>
             <a:pPr>
@@ -3583,36 +5785,57 @@
               </a:lnSpc>
             </a:pPr>
             <a:r>
-              <a:rPr lang="en-US" sz="2800">
-                <a:solidFill>
-                  <a:srgbClr val="000000"/>
-                </a:solidFill>
-                <a:latin typeface="Calibri light"/>
-              </a:rPr>
-              <a:t>Para analisá-los, precisamos de uma forma de diferenciar cada um deles individualmente.</a:t>
-            </a:r>
-            <a:endParaRPr/>
+              <a:rPr lang="en-US" sz="2800" dirty="0">
+                <a:solidFill>
+                  <a:srgbClr val="000000"/>
+                </a:solidFill>
+                <a:latin typeface="Calibri light"/>
+              </a:rPr>
+              <a:t>Para analisá-los, precisamos de uma forma de diferenciar </a:t>
+            </a:r>
+            <a:r>
+              <a:rPr lang="en-US" sz="2800" dirty="0" err="1">
+                <a:solidFill>
+                  <a:srgbClr val="000000"/>
+                </a:solidFill>
+                <a:latin typeface="Calibri light"/>
+              </a:rPr>
+              <a:t>cada</a:t>
+            </a:r>
+            <a:r>
+              <a:rPr lang="en-US" sz="2800" dirty="0">
+                <a:solidFill>
+                  <a:srgbClr val="000000"/>
+                </a:solidFill>
+                <a:latin typeface="Calibri light"/>
+              </a:rPr>
+              <a:t> um deles individualmente.</a:t>
+            </a:r>
+            <a:endParaRPr dirty="0"/>
           </a:p>
         </p:txBody>
       </p:sp>
     </p:spTree>
   </p:cSld>
+  <p:clrMapOvr>
+    <a:masterClrMapping/>
+  </p:clrMapOvr>
   <p:timing>
     <p:tnLst>
       <p:par>
-        <p:cTn id="25" dur="indefinite" restart="never" nodeType="tmRoot">
+        <p:cTn id="1" dur="indefinite" restart="never" nodeType="tmRoot">
           <p:childTnLst>
             <p:seq>
-              <p:cTn id="26" nodeType="mainSeq"/>
+              <p:cTn id="2" nodeType="mainSeq"/>
               <p:prevCondLst>
-                <p:cond delay="0" evt="onPrev">
+                <p:cond evt="onPrev" delay="0">
                   <p:tgtEl>
                     <p:sldTgt/>
                   </p:tgtEl>
                 </p:cond>
               </p:prevCondLst>
               <p:nextCondLst>
-                <p:cond delay="0" evt="onNext">
+                <p:cond evt="onNext" delay="0">
                   <p:tgtEl>
                     <p:sldTgt/>
                   </p:tgtEl>
@@ -3628,7 +5851,7 @@
 </file>
 
 <file path=ppt/slides/slide14.xml><?xml version="1.0" encoding="utf-8"?>
-<p:sld xmlns:a="http://schemas.openxmlformats.org/drawingml/2006/main" xmlns:p="http://schemas.openxmlformats.org/presentationml/2006/main" xmlns:r="http://schemas.openxmlformats.org/officeDocument/2006/relationships">
+<p:sld xmlns:a="http://schemas.openxmlformats.org/drawingml/2006/main" xmlns:r="http://schemas.openxmlformats.org/officeDocument/2006/relationships" xmlns:p="http://schemas.openxmlformats.org/presentationml/2006/main">
   <p:cSld>
     <p:spTree>
       <p:nvGrpSpPr>
@@ -3664,7 +5887,8 @@
           </a:ln>
         </p:spPr>
         <p:txBody>
-          <a:bodyPr lIns="90000" rIns="90000" tIns="45000" bIns="45000" anchor="ctr"/>
+          <a:bodyPr lIns="90000" tIns="45000" rIns="90000" bIns="45000" anchor="ctr"/>
+          <a:lstStyle/>
           <a:p>
             <a:pPr>
               <a:lnSpc>
@@ -3704,7 +5928,8 @@
           </a:ln>
         </p:spPr>
         <p:txBody>
-          <a:bodyPr lIns="90000" rIns="90000" tIns="45000" bIns="45000"/>
+          <a:bodyPr lIns="90000" tIns="45000" rIns="90000" bIns="45000"/>
+          <a:lstStyle/>
           <a:p>
             <a:pPr>
               <a:lnSpc>
@@ -3712,15 +5937,276 @@
               </a:lnSpc>
             </a:pPr>
             <a:r>
-              <a:rPr lang="en-US" sz="2800">
-                <a:solidFill>
-                  <a:srgbClr val="000000"/>
-                </a:solidFill>
-                <a:latin typeface="Calibri light"/>
-              </a:rPr>
-              <a:t>Quando chamamos o método .split() em uma string, recebemos uma lista de palavras que podem ser acessadas por índices sequenciais (começando em 0).</a:t>
-            </a:r>
-            <a:endParaRPr/>
+              <a:rPr lang="en-US" sz="2800" dirty="0" err="1">
+                <a:solidFill>
+                  <a:srgbClr val="000000"/>
+                </a:solidFill>
+                <a:latin typeface="Calibri light"/>
+              </a:rPr>
+              <a:t>Quando</a:t>
+            </a:r>
+            <a:r>
+              <a:rPr lang="en-US" sz="2800" dirty="0">
+                <a:solidFill>
+                  <a:srgbClr val="000000"/>
+                </a:solidFill>
+                <a:latin typeface="Calibri light"/>
+              </a:rPr>
+              <a:t> </a:t>
+            </a:r>
+            <a:r>
+              <a:rPr lang="en-US" sz="2800" dirty="0" err="1">
+                <a:solidFill>
+                  <a:srgbClr val="000000"/>
+                </a:solidFill>
+                <a:latin typeface="Calibri light"/>
+              </a:rPr>
+              <a:t>chamamos</a:t>
+            </a:r>
+            <a:r>
+              <a:rPr lang="en-US" sz="2800" dirty="0">
+                <a:solidFill>
+                  <a:srgbClr val="000000"/>
+                </a:solidFill>
+                <a:latin typeface="Calibri light"/>
+              </a:rPr>
+              <a:t> o </a:t>
+            </a:r>
+            <a:r>
+              <a:rPr lang="en-US" sz="2800" dirty="0" err="1">
+                <a:solidFill>
+                  <a:srgbClr val="000000"/>
+                </a:solidFill>
+                <a:latin typeface="Calibri light"/>
+              </a:rPr>
+              <a:t>método</a:t>
+            </a:r>
+            <a:r>
+              <a:rPr lang="en-US" sz="2800" dirty="0">
+                <a:solidFill>
+                  <a:srgbClr val="000000"/>
+                </a:solidFill>
+                <a:latin typeface="Calibri light"/>
+              </a:rPr>
+              <a:t> .split() </a:t>
+            </a:r>
+            <a:r>
+              <a:rPr lang="en-US" sz="2800" dirty="0" err="1">
+                <a:solidFill>
+                  <a:srgbClr val="000000"/>
+                </a:solidFill>
+                <a:latin typeface="Calibri light"/>
+              </a:rPr>
+              <a:t>em</a:t>
+            </a:r>
+            <a:r>
+              <a:rPr lang="en-US" sz="2800" dirty="0">
+                <a:solidFill>
+                  <a:srgbClr val="000000"/>
+                </a:solidFill>
+                <a:latin typeface="Calibri light"/>
+              </a:rPr>
+              <a:t> uma string, </a:t>
+            </a:r>
+            <a:r>
+              <a:rPr lang="en-US" sz="2800" dirty="0" err="1">
+                <a:solidFill>
+                  <a:srgbClr val="000000"/>
+                </a:solidFill>
+                <a:latin typeface="Calibri light"/>
+              </a:rPr>
+              <a:t>recebemos</a:t>
+            </a:r>
+            <a:r>
+              <a:rPr lang="en-US" sz="2800" dirty="0">
+                <a:solidFill>
+                  <a:srgbClr val="000000"/>
+                </a:solidFill>
+                <a:latin typeface="Calibri light"/>
+              </a:rPr>
+              <a:t> uma </a:t>
+            </a:r>
+            <a:r>
+              <a:rPr lang="en-US" sz="2800" dirty="0" err="1">
+                <a:solidFill>
+                  <a:srgbClr val="000000"/>
+                </a:solidFill>
+                <a:latin typeface="Calibri light"/>
+              </a:rPr>
+              <a:t>lista</a:t>
+            </a:r>
+            <a:r>
+              <a:rPr lang="en-US" sz="2800" dirty="0">
+                <a:solidFill>
+                  <a:srgbClr val="000000"/>
+                </a:solidFill>
+                <a:latin typeface="Calibri light"/>
+              </a:rPr>
+              <a:t> de </a:t>
+            </a:r>
+            <a:r>
+              <a:rPr lang="en-US" sz="2800" dirty="0" err="1">
+                <a:solidFill>
+                  <a:srgbClr val="000000"/>
+                </a:solidFill>
+                <a:latin typeface="Calibri light"/>
+              </a:rPr>
+              <a:t>palavras</a:t>
+            </a:r>
+            <a:r>
+              <a:rPr lang="en-US" sz="2800" dirty="0">
+                <a:solidFill>
+                  <a:srgbClr val="000000"/>
+                </a:solidFill>
+                <a:latin typeface="Calibri light"/>
+              </a:rPr>
+              <a:t> que </a:t>
+            </a:r>
+            <a:r>
+              <a:rPr lang="en-US" sz="2800" dirty="0" err="1">
+                <a:solidFill>
+                  <a:srgbClr val="000000"/>
+                </a:solidFill>
+                <a:latin typeface="Calibri light"/>
+              </a:rPr>
+              <a:t>podem</a:t>
+            </a:r>
+            <a:r>
+              <a:rPr lang="en-US" sz="2800" dirty="0">
+                <a:solidFill>
+                  <a:srgbClr val="000000"/>
+                </a:solidFill>
+                <a:latin typeface="Calibri light"/>
+              </a:rPr>
+              <a:t> </a:t>
+            </a:r>
+            <a:r>
+              <a:rPr lang="en-US" sz="2800" dirty="0" err="1">
+                <a:solidFill>
+                  <a:srgbClr val="000000"/>
+                </a:solidFill>
+                <a:latin typeface="Calibri light"/>
+              </a:rPr>
+              <a:t>ser</a:t>
+            </a:r>
+            <a:r>
+              <a:rPr lang="en-US" sz="2800" dirty="0">
+                <a:solidFill>
+                  <a:srgbClr val="000000"/>
+                </a:solidFill>
+                <a:latin typeface="Calibri light"/>
+              </a:rPr>
+              <a:t> </a:t>
+            </a:r>
+            <a:r>
+              <a:rPr lang="en-US" sz="2800" dirty="0" err="1">
+                <a:solidFill>
+                  <a:srgbClr val="000000"/>
+                </a:solidFill>
+                <a:latin typeface="Calibri light"/>
+              </a:rPr>
+              <a:t>acessadas</a:t>
+            </a:r>
+            <a:r>
+              <a:rPr lang="en-US" sz="2800" dirty="0">
+                <a:solidFill>
+                  <a:srgbClr val="000000"/>
+                </a:solidFill>
+                <a:latin typeface="Calibri light"/>
+              </a:rPr>
+              <a:t> </a:t>
+            </a:r>
+            <a:r>
+              <a:rPr lang="en-US" sz="2800" dirty="0" err="1">
+                <a:solidFill>
+                  <a:srgbClr val="000000"/>
+                </a:solidFill>
+                <a:latin typeface="Calibri light"/>
+              </a:rPr>
+              <a:t>por</a:t>
+            </a:r>
+            <a:r>
+              <a:rPr lang="en-US" sz="2800" dirty="0">
+                <a:solidFill>
+                  <a:srgbClr val="000000"/>
+                </a:solidFill>
+                <a:latin typeface="Calibri light"/>
+              </a:rPr>
+              <a:t> </a:t>
+            </a:r>
+            <a:r>
+              <a:rPr lang="en-US" sz="2800" dirty="0" err="1">
+                <a:solidFill>
+                  <a:srgbClr val="000000"/>
+                </a:solidFill>
+                <a:latin typeface="Calibri light"/>
+              </a:rPr>
+              <a:t>índices</a:t>
+            </a:r>
+            <a:r>
+              <a:rPr lang="en-US" sz="2800" dirty="0">
+                <a:solidFill>
+                  <a:srgbClr val="000000"/>
+                </a:solidFill>
+                <a:latin typeface="Calibri light"/>
+              </a:rPr>
+              <a:t> </a:t>
+            </a:r>
+            <a:r>
+              <a:rPr lang="en-US" sz="2800" dirty="0" err="1">
+                <a:solidFill>
+                  <a:srgbClr val="000000"/>
+                </a:solidFill>
+                <a:latin typeface="Calibri light"/>
+              </a:rPr>
+              <a:t>sequenciais</a:t>
+            </a:r>
+            <a:r>
+              <a:rPr lang="en-US" sz="2800" dirty="0">
+                <a:solidFill>
+                  <a:srgbClr val="000000"/>
+                </a:solidFill>
+                <a:latin typeface="Calibri light"/>
+              </a:rPr>
+              <a:t> (</a:t>
+            </a:r>
+            <a:r>
+              <a:rPr lang="en-US" sz="2800" dirty="0" err="1">
+                <a:solidFill>
+                  <a:srgbClr val="000000"/>
+                </a:solidFill>
+                <a:latin typeface="Calibri light"/>
+              </a:rPr>
+              <a:t>começando</a:t>
+            </a:r>
+            <a:r>
+              <a:rPr lang="en-US" sz="2800" dirty="0">
+                <a:solidFill>
+                  <a:srgbClr val="000000"/>
+                </a:solidFill>
+                <a:latin typeface="Calibri light"/>
+              </a:rPr>
+              <a:t> </a:t>
+            </a:r>
+            <a:r>
+              <a:rPr lang="en-US" sz="2800" dirty="0" err="1">
+                <a:solidFill>
+                  <a:srgbClr val="000000"/>
+                </a:solidFill>
+                <a:latin typeface="Calibri light"/>
+              </a:rPr>
+              <a:t>em</a:t>
+            </a:r>
+            <a:r>
+              <a:rPr lang="en-US" sz="2800" dirty="0">
+                <a:solidFill>
+                  <a:srgbClr val="000000"/>
+                </a:solidFill>
+                <a:latin typeface="Calibri light"/>
+              </a:rPr>
+              <a:t> 0).</a:t>
+            </a:r>
+            <a:endParaRPr dirty="0"/>
           </a:p>
           <a:p>
             <a:pPr>
@@ -3728,7 +6214,7 @@
                 <a:spcPct val="100000"/>
               </a:lnSpc>
             </a:pPr>
-            <a:endParaRPr/>
+            <a:endParaRPr dirty="0"/>
           </a:p>
           <a:p>
             <a:pPr>
@@ -3737,15 +6223,51 @@
               </a:lnSpc>
             </a:pPr>
             <a:r>
-              <a:rPr lang="en-US" sz="2800">
+              <a:rPr lang="en-US" sz="2800" dirty="0">
                 <a:solidFill>
                   <a:srgbClr val="000000"/>
                 </a:solidFill>
                 <a:latin typeface="Lucida Console"/>
               </a:rPr>
-              <a:t>&gt;&gt;&gt; linguagens = 'Python Java C PHP'.split()</a:t>
-            </a:r>
-            <a:endParaRPr/>
+              <a:t>&gt;&gt;&gt; </a:t>
+            </a:r>
+            <a:r>
+              <a:rPr lang="en-US" sz="2800" dirty="0" err="1">
+                <a:solidFill>
+                  <a:srgbClr val="000000"/>
+                </a:solidFill>
+                <a:latin typeface="Lucida Console"/>
+              </a:rPr>
+              <a:t>linguagens</a:t>
+            </a:r>
+            <a:r>
+              <a:rPr lang="en-US" sz="2800" dirty="0">
+                <a:solidFill>
+                  <a:srgbClr val="000000"/>
+                </a:solidFill>
+                <a:latin typeface="Lucida Console"/>
+              </a:rPr>
+              <a:t> = 'Python Java C </a:t>
+            </a:r>
+            <a:r>
+              <a:rPr lang="en-US" sz="2800" dirty="0" err="1">
+                <a:solidFill>
+                  <a:srgbClr val="000000"/>
+                </a:solidFill>
+                <a:latin typeface="Lucida Console"/>
+              </a:rPr>
+              <a:t>PHP'.split</a:t>
+            </a:r>
+            <a:r>
+              <a:rPr lang="en-US" sz="2800" dirty="0">
+                <a:solidFill>
+                  <a:srgbClr val="000000"/>
+                </a:solidFill>
+                <a:latin typeface="Lucida Console"/>
+              </a:rPr>
+              <a:t>()</a:t>
+            </a:r>
+            <a:endParaRPr dirty="0"/>
           </a:p>
           <a:p>
             <a:pPr>
@@ -3754,15 +6276,33 @@
               </a:lnSpc>
             </a:pPr>
             <a:r>
-              <a:rPr lang="en-US" sz="2800">
+              <a:rPr lang="en-US" sz="2800" dirty="0">
                 <a:solidFill>
                   <a:srgbClr val="000000"/>
                 </a:solidFill>
                 <a:latin typeface="Lucida Console"/>
               </a:rPr>
-              <a:t>&gt;&gt;&gt; print(linguagens)</a:t>
-            </a:r>
-            <a:endParaRPr/>
+              <a:t>&gt;&gt;&gt; print(</a:t>
+            </a:r>
+            <a:r>
+              <a:rPr lang="en-US" sz="2800" dirty="0" err="1">
+                <a:solidFill>
+                  <a:srgbClr val="000000"/>
+                </a:solidFill>
+                <a:latin typeface="Lucida Console"/>
+              </a:rPr>
+              <a:t>linguagens</a:t>
+            </a:r>
+            <a:r>
+              <a:rPr lang="en-US" sz="2800" dirty="0">
+                <a:solidFill>
+                  <a:srgbClr val="000000"/>
+                </a:solidFill>
+                <a:latin typeface="Lucida Console"/>
+              </a:rPr>
+              <a:t>)</a:t>
+            </a:r>
+            <a:endParaRPr dirty="0"/>
           </a:p>
           <a:p>
             <a:pPr>
@@ -3771,7 +6311,7 @@
               </a:lnSpc>
             </a:pPr>
             <a:r>
-              <a:rPr lang="en-US" sz="2800">
+              <a:rPr lang="en-US" sz="2800" dirty="0">
                 <a:solidFill>
                   <a:srgbClr val="000000"/>
                 </a:solidFill>
@@ -3779,7 +6319,7 @@
               </a:rPr>
               <a:t>['Python', 'Java', 'C', 'PHP']</a:t>
             </a:r>
-            <a:endParaRPr/>
+            <a:endParaRPr dirty="0"/>
           </a:p>
           <a:p>
             <a:pPr>
@@ -3787,7 +6327,7 @@
                 <a:spcPct val="100000"/>
               </a:lnSpc>
             </a:pPr>
-            <a:endParaRPr/>
+            <a:endParaRPr dirty="0"/>
           </a:p>
           <a:p>
             <a:pPr>
@@ -3796,7 +6336,7 @@
               </a:lnSpc>
             </a:pPr>
             <a:r>
-              <a:rPr lang="en-US" sz="2800">
+              <a:rPr lang="en-US" sz="2800" dirty="0">
                 <a:solidFill>
                   <a:srgbClr val="000000"/>
                 </a:solidFill>
@@ -3805,7 +6345,7 @@
               <a:t>
 </a:t>
             </a:r>
-            <a:endParaRPr/>
+            <a:endParaRPr dirty="0"/>
           </a:p>
           <a:p>
             <a:pPr>
@@ -3813,7 +6353,7 @@
                 <a:spcPct val="100000"/>
               </a:lnSpc>
             </a:pPr>
-            <a:endParaRPr/>
+            <a:endParaRPr dirty="0"/>
           </a:p>
           <a:p>
             <a:pPr>
@@ -3821,28 +6361,31 @@
                 <a:spcPct val="100000"/>
               </a:lnSpc>
             </a:pPr>
-            <a:endParaRPr/>
+            <a:endParaRPr dirty="0"/>
           </a:p>
         </p:txBody>
       </p:sp>
     </p:spTree>
   </p:cSld>
+  <p:clrMapOvr>
+    <a:masterClrMapping/>
+  </p:clrMapOvr>
   <p:timing>
     <p:tnLst>
       <p:par>
-        <p:cTn id="27" dur="indefinite" restart="never" nodeType="tmRoot">
+        <p:cTn id="1" dur="indefinite" restart="never" nodeType="tmRoot">
           <p:childTnLst>
             <p:seq>
-              <p:cTn id="28" nodeType="mainSeq"/>
+              <p:cTn id="2" nodeType="mainSeq"/>
               <p:prevCondLst>
-                <p:cond delay="0" evt="onPrev">
+                <p:cond evt="onPrev" delay="0">
                   <p:tgtEl>
                     <p:sldTgt/>
                   </p:tgtEl>
                 </p:cond>
               </p:prevCondLst>
               <p:nextCondLst>
-                <p:cond delay="0" evt="onNext">
+                <p:cond evt="onNext" delay="0">
                   <p:tgtEl>
                     <p:sldTgt/>
                   </p:tgtEl>
@@ -3858,7 +6401,7 @@
 </file>
 
 <file path=ppt/slides/slide15.xml><?xml version="1.0" encoding="utf-8"?>
-<p:sld xmlns:a="http://schemas.openxmlformats.org/drawingml/2006/main" xmlns:p="http://schemas.openxmlformats.org/presentationml/2006/main" xmlns:r="http://schemas.openxmlformats.org/officeDocument/2006/relationships">
+<p:sld xmlns:a="http://schemas.openxmlformats.org/drawingml/2006/main" xmlns:r="http://schemas.openxmlformats.org/officeDocument/2006/relationships" xmlns:p="http://schemas.openxmlformats.org/presentationml/2006/main">
   <p:cSld>
     <p:spTree>
       <p:nvGrpSpPr>
@@ -3894,7 +6437,8 @@
           </a:ln>
         </p:spPr>
         <p:txBody>
-          <a:bodyPr lIns="90000" rIns="90000" tIns="45000" bIns="45000" anchor="ctr"/>
+          <a:bodyPr lIns="90000" tIns="45000" rIns="90000" bIns="45000" anchor="ctr"/>
+          <a:lstStyle/>
           <a:p>
             <a:pPr>
               <a:lnSpc>
@@ -3934,7 +6478,8 @@
           </a:ln>
         </p:spPr>
         <p:txBody>
-          <a:bodyPr lIns="90000" rIns="90000" tIns="45000" bIns="45000"/>
+          <a:bodyPr lIns="90000" tIns="45000" rIns="90000" bIns="45000"/>
+          <a:lstStyle/>
           <a:p>
             <a:pPr>
               <a:lnSpc>
@@ -4117,22 +6662,25 @@
       </p:sp>
     </p:spTree>
   </p:cSld>
+  <p:clrMapOvr>
+    <a:masterClrMapping/>
+  </p:clrMapOvr>
   <p:timing>
     <p:tnLst>
       <p:par>
-        <p:cTn id="29" dur="indefinite" restart="never" nodeType="tmRoot">
+        <p:cTn id="1" dur="indefinite" restart="never" nodeType="tmRoot">
           <p:childTnLst>
             <p:seq>
-              <p:cTn id="30" nodeType="mainSeq"/>
+              <p:cTn id="2" nodeType="mainSeq"/>
               <p:prevCondLst>
-                <p:cond delay="0" evt="onPrev">
+                <p:cond evt="onPrev" delay="0">
                   <p:tgtEl>
                     <p:sldTgt/>
                   </p:tgtEl>
                 </p:cond>
               </p:prevCondLst>
               <p:nextCondLst>
-                <p:cond delay="0" evt="onNext">
+                <p:cond evt="onNext" delay="0">
                   <p:tgtEl>
                     <p:sldTgt/>
                   </p:tgtEl>
@@ -4148,7 +6696,7 @@
 </file>
 
 <file path=ppt/slides/slide16.xml><?xml version="1.0" encoding="utf-8"?>
-<p:sld xmlns:a="http://schemas.openxmlformats.org/drawingml/2006/main" xmlns:p="http://schemas.openxmlformats.org/presentationml/2006/main" xmlns:r="http://schemas.openxmlformats.org/officeDocument/2006/relationships">
+<p:sld xmlns:a="http://schemas.openxmlformats.org/drawingml/2006/main" xmlns:r="http://schemas.openxmlformats.org/officeDocument/2006/relationships" xmlns:p="http://schemas.openxmlformats.org/presentationml/2006/main">
   <p:cSld>
     <p:spTree>
       <p:nvGrpSpPr>
@@ -4184,7 +6732,8 @@
           </a:ln>
         </p:spPr>
         <p:txBody>
-          <a:bodyPr lIns="90000" rIns="90000" tIns="45000" bIns="45000" anchor="ctr"/>
+          <a:bodyPr lIns="90000" tIns="45000" rIns="90000" bIns="45000" anchor="ctr"/>
+          <a:lstStyle/>
           <a:p>
             <a:pPr>
               <a:lnSpc>
@@ -4224,7 +6773,8 @@
           </a:ln>
         </p:spPr>
         <p:txBody>
-          <a:bodyPr lIns="90000" rIns="90000" tIns="45000" bIns="45000"/>
+          <a:bodyPr lIns="90000" tIns="45000" rIns="90000" bIns="45000"/>
+          <a:lstStyle/>
           <a:p>
             <a:pPr>
               <a:lnSpc>
@@ -4232,15 +6782,231 @@
               </a:lnSpc>
             </a:pPr>
             <a:r>
-              <a:rPr lang="en-US" sz="2800">
-                <a:solidFill>
-                  <a:srgbClr val="000000"/>
-                </a:solidFill>
-                <a:latin typeface="Calibri light"/>
-              </a:rPr>
-              <a:t>Divida o conteúdo da variável pokemon em uma lista de palavras e armazene o conteúdo em uma nova variável chamada lista_de_pokemons</a:t>
-            </a:r>
-            <a:endParaRPr/>
+              <a:rPr lang="en-US" sz="2800" dirty="0" err="1">
+                <a:solidFill>
+                  <a:srgbClr val="000000"/>
+                </a:solidFill>
+                <a:latin typeface="Calibri light"/>
+              </a:rPr>
+              <a:t>Divida</a:t>
+            </a:r>
+            <a:r>
+              <a:rPr lang="en-US" sz="2800" dirty="0">
+                <a:solidFill>
+                  <a:srgbClr val="000000"/>
+                </a:solidFill>
+                <a:latin typeface="Calibri light"/>
+              </a:rPr>
+              <a:t> o </a:t>
+            </a:r>
+            <a:r>
+              <a:rPr lang="en-US" sz="2800" dirty="0" err="1">
+                <a:solidFill>
+                  <a:srgbClr val="000000"/>
+                </a:solidFill>
+                <a:latin typeface="Calibri light"/>
+              </a:rPr>
+              <a:t>conteúdo</a:t>
+            </a:r>
+            <a:r>
+              <a:rPr lang="en-US" sz="2800" dirty="0">
+                <a:solidFill>
+                  <a:srgbClr val="000000"/>
+                </a:solidFill>
+                <a:latin typeface="Calibri light"/>
+              </a:rPr>
+              <a:t> da </a:t>
+            </a:r>
+            <a:r>
+              <a:rPr lang="en-US" sz="2800" dirty="0" err="1">
+                <a:solidFill>
+                  <a:srgbClr val="000000"/>
+                </a:solidFill>
+                <a:latin typeface="Calibri light"/>
+              </a:rPr>
+              <a:t>variável</a:t>
+            </a:r>
+            <a:r>
+              <a:rPr lang="en-US" sz="2800" dirty="0">
+                <a:solidFill>
+                  <a:srgbClr val="000000"/>
+                </a:solidFill>
+                <a:latin typeface="Calibri light"/>
+              </a:rPr>
+              <a:t> </a:t>
+            </a:r>
+            <a:r>
+              <a:rPr lang="en-US" sz="2800" dirty="0" err="1">
+                <a:solidFill>
+                  <a:srgbClr val="000000"/>
+                </a:solidFill>
+                <a:latin typeface="Calibri light"/>
+              </a:rPr>
+              <a:t>pokemon</a:t>
+            </a:r>
+            <a:r>
+              <a:rPr lang="en-US" sz="2800" dirty="0">
+                <a:solidFill>
+                  <a:srgbClr val="000000"/>
+                </a:solidFill>
+                <a:latin typeface="Calibri light"/>
+              </a:rPr>
+              <a:t> </a:t>
+            </a:r>
+            <a:r>
+              <a:rPr lang="en-US" sz="2800" dirty="0" err="1">
+                <a:solidFill>
+                  <a:srgbClr val="000000"/>
+                </a:solidFill>
+                <a:latin typeface="Calibri light"/>
+              </a:rPr>
+              <a:t>em</a:t>
+            </a:r>
+            <a:r>
+              <a:rPr lang="en-US" sz="2800" dirty="0">
+                <a:solidFill>
+                  <a:srgbClr val="000000"/>
+                </a:solidFill>
+                <a:latin typeface="Calibri light"/>
+              </a:rPr>
+              <a:t> uma </a:t>
+            </a:r>
+            <a:r>
+              <a:rPr lang="en-US" sz="2800" dirty="0" err="1">
+                <a:solidFill>
+                  <a:srgbClr val="000000"/>
+                </a:solidFill>
+                <a:latin typeface="Calibri light"/>
+              </a:rPr>
+              <a:t>lista</a:t>
+            </a:r>
+            <a:r>
+              <a:rPr lang="en-US" sz="2800" dirty="0">
+                <a:solidFill>
+                  <a:srgbClr val="000000"/>
+                </a:solidFill>
+                <a:latin typeface="Calibri light"/>
+              </a:rPr>
+              <a:t> de </a:t>
+            </a:r>
+            <a:r>
+              <a:rPr lang="en-US" sz="2800" dirty="0" err="1">
+                <a:solidFill>
+                  <a:srgbClr val="000000"/>
+                </a:solidFill>
+                <a:latin typeface="Calibri light"/>
+              </a:rPr>
+              <a:t>palavras</a:t>
+            </a:r>
+            <a:r>
+              <a:rPr lang="en-US" sz="2800" dirty="0">
+                <a:solidFill>
+                  <a:srgbClr val="000000"/>
+                </a:solidFill>
+                <a:latin typeface="Calibri light"/>
+              </a:rPr>
+              <a:t> e </a:t>
+            </a:r>
+            <a:r>
+              <a:rPr lang="en-US" sz="2800" dirty="0" err="1">
+                <a:solidFill>
+                  <a:srgbClr val="000000"/>
+                </a:solidFill>
+                <a:latin typeface="Calibri light"/>
+              </a:rPr>
+              <a:t>armazene</a:t>
+            </a:r>
+            <a:r>
+              <a:rPr lang="en-US" sz="2800" dirty="0">
+                <a:solidFill>
+                  <a:srgbClr val="000000"/>
+                </a:solidFill>
+                <a:latin typeface="Calibri light"/>
+              </a:rPr>
+              <a:t> o </a:t>
+            </a:r>
+            <a:r>
+              <a:rPr lang="en-US" sz="2800" dirty="0" err="1">
+                <a:solidFill>
+                  <a:srgbClr val="000000"/>
+                </a:solidFill>
+                <a:latin typeface="Calibri light"/>
+              </a:rPr>
+              <a:t>conteúdo</a:t>
+            </a:r>
+            <a:r>
+              <a:rPr lang="en-US" sz="2800" dirty="0">
+                <a:solidFill>
+                  <a:srgbClr val="000000"/>
+                </a:solidFill>
+                <a:latin typeface="Calibri light"/>
+              </a:rPr>
+              <a:t> </a:t>
+            </a:r>
+            <a:r>
+              <a:rPr lang="en-US" sz="2800" dirty="0" err="1">
+                <a:solidFill>
+                  <a:srgbClr val="000000"/>
+                </a:solidFill>
+                <a:latin typeface="Calibri light"/>
+              </a:rPr>
+              <a:t>em</a:t>
+            </a:r>
+            <a:r>
+              <a:rPr lang="en-US" sz="2800" dirty="0">
+                <a:solidFill>
+                  <a:srgbClr val="000000"/>
+                </a:solidFill>
+                <a:latin typeface="Calibri light"/>
+              </a:rPr>
+              <a:t> uma nova </a:t>
+            </a:r>
+            <a:r>
+              <a:rPr lang="en-US" sz="2800" dirty="0" err="1">
+                <a:solidFill>
+                  <a:srgbClr val="000000"/>
+                </a:solidFill>
+                <a:latin typeface="Calibri light"/>
+              </a:rPr>
+              <a:t>variável</a:t>
+            </a:r>
+            <a:r>
+              <a:rPr lang="en-US" sz="2800" dirty="0">
+                <a:solidFill>
+                  <a:srgbClr val="000000"/>
+                </a:solidFill>
+                <a:latin typeface="Calibri light"/>
+              </a:rPr>
+              <a:t> </a:t>
+            </a:r>
+            <a:r>
+              <a:rPr lang="en-US" sz="2800" dirty="0" err="1">
+                <a:solidFill>
+                  <a:srgbClr val="000000"/>
+                </a:solidFill>
+                <a:latin typeface="Calibri light"/>
+              </a:rPr>
+              <a:t>chamada</a:t>
+            </a:r>
+            <a:r>
+              <a:rPr lang="en-US" sz="2800" dirty="0">
+                <a:solidFill>
+                  <a:srgbClr val="000000"/>
+                </a:solidFill>
+                <a:latin typeface="Calibri light"/>
+              </a:rPr>
+              <a:t> </a:t>
+            </a:r>
+            <a:r>
+              <a:rPr lang="en-US" sz="2800" dirty="0" err="1">
+                <a:solidFill>
+                  <a:srgbClr val="000000"/>
+                </a:solidFill>
+                <a:latin typeface="Calibri light"/>
+              </a:rPr>
+              <a:t>lista_de_pokemons</a:t>
+            </a:r>
+            <a:endParaRPr dirty="0"/>
           </a:p>
           <a:p>
             <a:pPr>
@@ -4248,7 +7014,7 @@
                 <a:spcPct val="100000"/>
               </a:lnSpc>
             </a:pPr>
-            <a:endParaRPr/>
+            <a:endParaRPr dirty="0"/>
           </a:p>
           <a:p>
             <a:pPr>
@@ -4257,15 +7023,105 @@
               </a:lnSpc>
             </a:pPr>
             <a:r>
-              <a:rPr lang="en-US" sz="2800">
-                <a:solidFill>
-                  <a:srgbClr val="000000"/>
-                </a:solidFill>
-                <a:latin typeface="Calibri light"/>
-              </a:rPr>
-              <a:t>Acesse 5 valores da lista de forma individual utilizando os indíces</a:t>
-            </a:r>
-            <a:endParaRPr/>
+              <a:rPr lang="en-US" sz="2800" dirty="0" err="1">
+                <a:solidFill>
+                  <a:srgbClr val="000000"/>
+                </a:solidFill>
+                <a:latin typeface="Calibri light"/>
+              </a:rPr>
+              <a:t>Acesse</a:t>
+            </a:r>
+            <a:r>
+              <a:rPr lang="en-US" sz="2800" dirty="0">
+                <a:solidFill>
+                  <a:srgbClr val="000000"/>
+                </a:solidFill>
+                <a:latin typeface="Calibri light"/>
+              </a:rPr>
+              <a:t> 5 </a:t>
+            </a:r>
+            <a:r>
+              <a:rPr lang="en-US" sz="2800" dirty="0" err="1">
+                <a:solidFill>
+                  <a:srgbClr val="000000"/>
+                </a:solidFill>
+                <a:latin typeface="Calibri light"/>
+              </a:rPr>
+              <a:t>valores</a:t>
+            </a:r>
+            <a:r>
+              <a:rPr lang="en-US" sz="2800" dirty="0">
+                <a:solidFill>
+                  <a:srgbClr val="000000"/>
+                </a:solidFill>
+                <a:latin typeface="Calibri light"/>
+              </a:rPr>
+              <a:t> da </a:t>
+            </a:r>
+            <a:r>
+              <a:rPr lang="en-US" sz="2800" dirty="0" err="1">
+                <a:solidFill>
+                  <a:srgbClr val="000000"/>
+                </a:solidFill>
+                <a:latin typeface="Calibri light"/>
+              </a:rPr>
+              <a:t>lista</a:t>
+            </a:r>
+            <a:r>
+              <a:rPr lang="en-US" sz="2800" dirty="0">
+                <a:solidFill>
+                  <a:srgbClr val="000000"/>
+                </a:solidFill>
+                <a:latin typeface="Calibri light"/>
+              </a:rPr>
+              <a:t> de forma individual </a:t>
+            </a:r>
+            <a:r>
+              <a:rPr lang="en-US" sz="2800" dirty="0" err="1">
+                <a:solidFill>
+                  <a:srgbClr val="000000"/>
+                </a:solidFill>
+                <a:latin typeface="Calibri light"/>
+              </a:rPr>
+              <a:t>utilizando</a:t>
+            </a:r>
+            <a:r>
+              <a:rPr lang="en-US" sz="2800" dirty="0">
+                <a:solidFill>
+                  <a:srgbClr val="000000"/>
+                </a:solidFill>
+                <a:latin typeface="Calibri light"/>
+              </a:rPr>
+              <a:t> </a:t>
+            </a:r>
+            <a:r>
+              <a:rPr lang="en-US" sz="2800" dirty="0" err="1">
+                <a:solidFill>
+                  <a:srgbClr val="000000"/>
+                </a:solidFill>
+                <a:latin typeface="Calibri light"/>
+              </a:rPr>
+              <a:t>os</a:t>
+            </a:r>
+            <a:r>
+              <a:rPr lang="en-US" sz="2800" dirty="0">
+                <a:solidFill>
+                  <a:srgbClr val="000000"/>
+                </a:solidFill>
+                <a:latin typeface="Calibri light"/>
+              </a:rPr>
+              <a:t> </a:t>
+            </a:r>
+            <a:r>
+              <a:rPr lang="en-US" sz="2800" dirty="0" err="1">
+                <a:solidFill>
+                  <a:srgbClr val="000000"/>
+                </a:solidFill>
+                <a:latin typeface="Calibri light"/>
+              </a:rPr>
+              <a:t>indíces</a:t>
+            </a:r>
+            <a:endParaRPr dirty="0"/>
           </a:p>
           <a:p>
             <a:pPr>
@@ -4273,7 +7129,7 @@
                 <a:spcPct val="100000"/>
               </a:lnSpc>
             </a:pPr>
-            <a:endParaRPr/>
+            <a:endParaRPr dirty="0"/>
           </a:p>
           <a:p>
             <a:pPr>
@@ -4282,7 +7138,7 @@
               </a:lnSpc>
             </a:pPr>
             <a:r>
-              <a:rPr lang="en-US" sz="2800">
+              <a:rPr lang="en-US" sz="2800" dirty="0">
                 <a:solidFill>
                   <a:srgbClr val="000000"/>
                 </a:solidFill>
@@ -4291,7 +7147,7 @@
               <a:t>
 </a:t>
             </a:r>
-            <a:endParaRPr/>
+            <a:endParaRPr dirty="0"/>
           </a:p>
           <a:p>
             <a:pPr>
@@ -4299,7 +7155,7 @@
                 <a:spcPct val="100000"/>
               </a:lnSpc>
             </a:pPr>
-            <a:endParaRPr/>
+            <a:endParaRPr dirty="0"/>
           </a:p>
           <a:p>
             <a:pPr>
@@ -4307,28 +7163,31 @@
                 <a:spcPct val="100000"/>
               </a:lnSpc>
             </a:pPr>
-            <a:endParaRPr/>
+            <a:endParaRPr dirty="0"/>
           </a:p>
         </p:txBody>
       </p:sp>
     </p:spTree>
   </p:cSld>
+  <p:clrMapOvr>
+    <a:masterClrMapping/>
+  </p:clrMapOvr>
   <p:timing>
     <p:tnLst>
       <p:par>
-        <p:cTn id="31" dur="indefinite" restart="never" nodeType="tmRoot">
+        <p:cTn id="1" dur="indefinite" restart="never" nodeType="tmRoot">
           <p:childTnLst>
             <p:seq>
-              <p:cTn id="32" nodeType="mainSeq"/>
+              <p:cTn id="2" nodeType="mainSeq"/>
               <p:prevCondLst>
-                <p:cond delay="0" evt="onPrev">
+                <p:cond evt="onPrev" delay="0">
                   <p:tgtEl>
                     <p:sldTgt/>
                   </p:tgtEl>
                 </p:cond>
               </p:prevCondLst>
               <p:nextCondLst>
-                <p:cond delay="0" evt="onNext">
+                <p:cond evt="onNext" delay="0">
                   <p:tgtEl>
                     <p:sldTgt/>
                   </p:tgtEl>
@@ -4344,7 +7203,7 @@
 </file>
 
 <file path=ppt/slides/slide17.xml><?xml version="1.0" encoding="utf-8"?>
-<p:sld xmlns:a="http://schemas.openxmlformats.org/drawingml/2006/main" xmlns:p="http://schemas.openxmlformats.org/presentationml/2006/main" xmlns:r="http://schemas.openxmlformats.org/officeDocument/2006/relationships">
+<p:sld xmlns:a="http://schemas.openxmlformats.org/drawingml/2006/main" xmlns:r="http://schemas.openxmlformats.org/officeDocument/2006/relationships" xmlns:p="http://schemas.openxmlformats.org/presentationml/2006/main">
   <p:cSld>
     <p:spTree>
       <p:nvGrpSpPr>
@@ -4380,7 +7239,8 @@
           </a:ln>
         </p:spPr>
         <p:txBody>
-          <a:bodyPr lIns="90000" rIns="90000" tIns="45000" bIns="45000" anchor="ctr"/>
+          <a:bodyPr lIns="90000" tIns="45000" rIns="90000" bIns="45000" anchor="ctr"/>
+          <a:lstStyle/>
           <a:p>
             <a:pPr>
               <a:lnSpc>
@@ -4420,7 +7280,8 @@
           </a:ln>
         </p:spPr>
         <p:txBody>
-          <a:bodyPr lIns="90000" rIns="90000" tIns="45000" bIns="45000"/>
+          <a:bodyPr lIns="90000" tIns="45000" rIns="90000" bIns="45000"/>
+          <a:lstStyle/>
           <a:p>
             <a:pPr>
               <a:lnSpc>
@@ -4428,15 +7289,105 @@
               </a:lnSpc>
             </a:pPr>
             <a:r>
-              <a:rPr lang="en-US" sz="2800">
-                <a:solidFill>
-                  <a:srgbClr val="000000"/>
-                </a:solidFill>
-                <a:latin typeface="Calibri light"/>
-              </a:rPr>
-              <a:t>Agora que nossos dados estão organizados, podemos começar a analisá-los</a:t>
-            </a:r>
-            <a:endParaRPr/>
+              <a:rPr lang="en-US" sz="2800" dirty="0">
+                <a:solidFill>
+                  <a:srgbClr val="000000"/>
+                </a:solidFill>
+                <a:latin typeface="Calibri light"/>
+              </a:rPr>
+              <a:t>Agora que </a:t>
+            </a:r>
+            <a:r>
+              <a:rPr lang="en-US" sz="2800" dirty="0" err="1">
+                <a:solidFill>
+                  <a:srgbClr val="000000"/>
+                </a:solidFill>
+                <a:latin typeface="Calibri light"/>
+              </a:rPr>
+              <a:t>nossos</a:t>
+            </a:r>
+            <a:r>
+              <a:rPr lang="en-US" sz="2800" dirty="0">
+                <a:solidFill>
+                  <a:srgbClr val="000000"/>
+                </a:solidFill>
+                <a:latin typeface="Calibri light"/>
+              </a:rPr>
+              <a:t> dados </a:t>
+            </a:r>
+            <a:r>
+              <a:rPr lang="en-US" sz="2800" dirty="0" err="1">
+                <a:solidFill>
+                  <a:srgbClr val="000000"/>
+                </a:solidFill>
+                <a:latin typeface="Calibri light"/>
+              </a:rPr>
+              <a:t>estão</a:t>
+            </a:r>
+            <a:r>
+              <a:rPr lang="en-US" sz="2800" dirty="0">
+                <a:solidFill>
+                  <a:srgbClr val="000000"/>
+                </a:solidFill>
+                <a:latin typeface="Calibri light"/>
+              </a:rPr>
+              <a:t> </a:t>
+            </a:r>
+            <a:r>
+              <a:rPr lang="en-US" sz="2800" dirty="0" err="1">
+                <a:solidFill>
+                  <a:srgbClr val="000000"/>
+                </a:solidFill>
+                <a:latin typeface="Calibri light"/>
+              </a:rPr>
+              <a:t>organizados</a:t>
+            </a:r>
+            <a:r>
+              <a:rPr lang="en-US" sz="2800" dirty="0">
+                <a:solidFill>
+                  <a:srgbClr val="000000"/>
+                </a:solidFill>
+                <a:latin typeface="Calibri light"/>
+              </a:rPr>
+              <a:t>, </a:t>
+            </a:r>
+            <a:r>
+              <a:rPr lang="en-US" sz="2800" dirty="0" err="1">
+                <a:solidFill>
+                  <a:srgbClr val="000000"/>
+                </a:solidFill>
+                <a:latin typeface="Calibri light"/>
+              </a:rPr>
+              <a:t>podemos</a:t>
+            </a:r>
+            <a:r>
+              <a:rPr lang="en-US" sz="2800" dirty="0">
+                <a:solidFill>
+                  <a:srgbClr val="000000"/>
+                </a:solidFill>
+                <a:latin typeface="Calibri light"/>
+              </a:rPr>
+              <a:t> </a:t>
+            </a:r>
+            <a:r>
+              <a:rPr lang="en-US" sz="2800" dirty="0" err="1">
+                <a:solidFill>
+                  <a:srgbClr val="000000"/>
+                </a:solidFill>
+                <a:latin typeface="Calibri light"/>
+              </a:rPr>
+              <a:t>começar</a:t>
+            </a:r>
+            <a:r>
+              <a:rPr lang="en-US" sz="2800" dirty="0">
+                <a:solidFill>
+                  <a:srgbClr val="000000"/>
+                </a:solidFill>
+                <a:latin typeface="Calibri light"/>
+              </a:rPr>
+              <a:t> a analisá-los</a:t>
+            </a:r>
+            <a:endParaRPr dirty="0"/>
           </a:p>
           <a:p>
             <a:pPr>
@@ -4444,7 +7395,7 @@
                 <a:spcPct val="100000"/>
               </a:lnSpc>
             </a:pPr>
-            <a:endParaRPr/>
+            <a:endParaRPr dirty="0"/>
           </a:p>
           <a:p>
             <a:pPr>
@@ -4453,15 +7404,132 @@
               </a:lnSpc>
             </a:pPr>
             <a:r>
-              <a:rPr lang="en-US" sz="2800">
-                <a:solidFill>
-                  <a:srgbClr val="000000"/>
-                </a:solidFill>
-                <a:latin typeface="Calibri light"/>
-              </a:rPr>
-              <a:t>Trabalharemos com dois pacotes muito utilizados: NumPy e SciPy.</a:t>
-            </a:r>
-            <a:endParaRPr/>
+              <a:rPr lang="en-US" sz="2800" dirty="0" err="1">
+                <a:solidFill>
+                  <a:srgbClr val="000000"/>
+                </a:solidFill>
+                <a:latin typeface="Calibri light"/>
+              </a:rPr>
+              <a:t>Trabalharemos</a:t>
+            </a:r>
+            <a:r>
+              <a:rPr lang="en-US" sz="2800" dirty="0">
+                <a:solidFill>
+                  <a:srgbClr val="000000"/>
+                </a:solidFill>
+                <a:latin typeface="Calibri light"/>
+              </a:rPr>
+              <a:t> com </a:t>
+            </a:r>
+            <a:r>
+              <a:rPr lang="en-US" sz="2800" dirty="0" err="1">
+                <a:solidFill>
+                  <a:srgbClr val="000000"/>
+                </a:solidFill>
+                <a:latin typeface="Calibri light"/>
+              </a:rPr>
+              <a:t>dois</a:t>
+            </a:r>
+            <a:r>
+              <a:rPr lang="en-US" sz="2800" dirty="0">
+                <a:solidFill>
+                  <a:srgbClr val="000000"/>
+                </a:solidFill>
+                <a:latin typeface="Calibri light"/>
+              </a:rPr>
+              <a:t> </a:t>
+            </a:r>
+            <a:r>
+              <a:rPr lang="en-US" sz="2800" dirty="0" err="1">
+                <a:solidFill>
+                  <a:srgbClr val="000000"/>
+                </a:solidFill>
+                <a:latin typeface="Calibri light"/>
+              </a:rPr>
+              <a:t>pacotes</a:t>
+            </a:r>
+            <a:r>
+              <a:rPr lang="en-US" sz="2800" dirty="0">
+                <a:solidFill>
+                  <a:srgbClr val="000000"/>
+                </a:solidFill>
+                <a:latin typeface="Calibri light"/>
+              </a:rPr>
+              <a:t> </a:t>
+            </a:r>
+            <a:r>
+              <a:rPr lang="en-US" sz="2800" dirty="0" err="1">
+                <a:solidFill>
+                  <a:srgbClr val="000000"/>
+                </a:solidFill>
+                <a:latin typeface="Calibri light"/>
+              </a:rPr>
+              <a:t>muito</a:t>
+            </a:r>
+            <a:r>
+              <a:rPr lang="en-US" sz="2800" dirty="0">
+                <a:solidFill>
+                  <a:srgbClr val="000000"/>
+                </a:solidFill>
+                <a:latin typeface="Calibri light"/>
+              </a:rPr>
+              <a:t> </a:t>
+            </a:r>
+            <a:r>
+              <a:rPr lang="en-US" sz="2800" dirty="0" err="1">
+                <a:solidFill>
+                  <a:srgbClr val="000000"/>
+                </a:solidFill>
+                <a:latin typeface="Calibri light"/>
+              </a:rPr>
+              <a:t>utilizados</a:t>
+            </a:r>
+            <a:r>
+              <a:rPr lang="en-US" sz="2800" dirty="0">
+                <a:solidFill>
+                  <a:srgbClr val="000000"/>
+                </a:solidFill>
+                <a:latin typeface="Calibri light"/>
+              </a:rPr>
+              <a:t>: </a:t>
+            </a:r>
+            <a:r>
+              <a:rPr lang="en-US" sz="2800" dirty="0" err="1">
+                <a:solidFill>
+                  <a:srgbClr val="000000"/>
+                </a:solidFill>
+                <a:latin typeface="Calibri light"/>
+              </a:rPr>
+              <a:t>NumPy</a:t>
+            </a:r>
+            <a:r>
+              <a:rPr lang="en-US" sz="2800" dirty="0">
+                <a:solidFill>
+                  <a:srgbClr val="000000"/>
+                </a:solidFill>
+                <a:latin typeface="Calibri light"/>
+              </a:rPr>
+              <a:t> e </a:t>
+            </a:r>
+            <a:r>
+              <a:rPr lang="en-US" sz="2800" dirty="0" err="1">
+                <a:solidFill>
+                  <a:srgbClr val="000000"/>
+                </a:solidFill>
+                <a:latin typeface="Calibri light"/>
+              </a:rPr>
+              <a:t>SciPy</a:t>
+            </a:r>
+            <a:r>
+              <a:rPr lang="en-US" sz="2800" dirty="0">
+                <a:solidFill>
+                  <a:srgbClr val="000000"/>
+                </a:solidFill>
+                <a:latin typeface="Calibri light"/>
+              </a:rPr>
+              <a:t>.</a:t>
+            </a:r>
+            <a:endParaRPr dirty="0"/>
           </a:p>
           <a:p>
             <a:pPr>
@@ -4469,7 +7537,7 @@
                 <a:spcPct val="100000"/>
               </a:lnSpc>
             </a:pPr>
-            <a:endParaRPr/>
+            <a:endParaRPr dirty="0"/>
           </a:p>
           <a:p>
             <a:pPr>
@@ -4478,7 +7546,7 @@
               </a:lnSpc>
             </a:pPr>
             <a:r>
-              <a:rPr lang="en-US" sz="2800">
+              <a:rPr lang="en-US" sz="2800" dirty="0">
                 <a:solidFill>
                   <a:srgbClr val="000000"/>
                 </a:solidFill>
@@ -4487,7 +7555,7 @@
               <a:t>
 </a:t>
             </a:r>
-            <a:endParaRPr/>
+            <a:endParaRPr dirty="0"/>
           </a:p>
           <a:p>
             <a:pPr>
@@ -4495,7 +7563,7 @@
                 <a:spcPct val="100000"/>
               </a:lnSpc>
             </a:pPr>
-            <a:endParaRPr/>
+            <a:endParaRPr dirty="0"/>
           </a:p>
           <a:p>
             <a:pPr>
@@ -4503,28 +7571,31 @@
                 <a:spcPct val="100000"/>
               </a:lnSpc>
             </a:pPr>
-            <a:endParaRPr/>
+            <a:endParaRPr dirty="0"/>
           </a:p>
         </p:txBody>
       </p:sp>
     </p:spTree>
   </p:cSld>
+  <p:clrMapOvr>
+    <a:masterClrMapping/>
+  </p:clrMapOvr>
   <p:timing>
     <p:tnLst>
       <p:par>
-        <p:cTn id="33" dur="indefinite" restart="never" nodeType="tmRoot">
+        <p:cTn id="1" dur="indefinite" restart="never" nodeType="tmRoot">
           <p:childTnLst>
             <p:seq>
-              <p:cTn id="34" nodeType="mainSeq"/>
+              <p:cTn id="2" nodeType="mainSeq"/>
               <p:prevCondLst>
-                <p:cond delay="0" evt="onPrev">
+                <p:cond evt="onPrev" delay="0">
                   <p:tgtEl>
                     <p:sldTgt/>
                   </p:tgtEl>
                 </p:cond>
               </p:prevCondLst>
               <p:nextCondLst>
-                <p:cond delay="0" evt="onNext">
+                <p:cond evt="onNext" delay="0">
                   <p:tgtEl>
                     <p:sldTgt/>
                   </p:tgtEl>
@@ -4540,7 +7611,7 @@
 </file>
 
 <file path=ppt/slides/slide18.xml><?xml version="1.0" encoding="utf-8"?>
-<p:sld xmlns:a="http://schemas.openxmlformats.org/drawingml/2006/main" xmlns:p="http://schemas.openxmlformats.org/presentationml/2006/main" xmlns:r="http://schemas.openxmlformats.org/officeDocument/2006/relationships">
+<p:sld xmlns:a="http://schemas.openxmlformats.org/drawingml/2006/main" xmlns:r="http://schemas.openxmlformats.org/officeDocument/2006/relationships" xmlns:p="http://schemas.openxmlformats.org/presentationml/2006/main">
   <p:cSld>
     <p:spTree>
       <p:nvGrpSpPr>
@@ -4576,7 +7647,8 @@
           </a:ln>
         </p:spPr>
         <p:txBody>
-          <a:bodyPr lIns="90000" rIns="90000" tIns="45000" bIns="45000" anchor="ctr"/>
+          <a:bodyPr lIns="90000" tIns="45000" rIns="90000" bIns="45000" anchor="ctr"/>
+          <a:lstStyle/>
           <a:p>
             <a:pPr>
               <a:lnSpc>
@@ -4616,7 +7688,8 @@
           </a:ln>
         </p:spPr>
         <p:txBody>
-          <a:bodyPr lIns="90000" rIns="90000" tIns="45000" bIns="45000"/>
+          <a:bodyPr lIns="90000" tIns="45000" rIns="90000" bIns="45000"/>
+          <a:lstStyle/>
           <a:p>
             <a:pPr>
               <a:lnSpc>
@@ -4663,22 +7736,25 @@
       </p:sp>
     </p:spTree>
   </p:cSld>
+  <p:clrMapOvr>
+    <a:masterClrMapping/>
+  </p:clrMapOvr>
   <p:timing>
     <p:tnLst>
       <p:par>
-        <p:cTn id="35" dur="indefinite" restart="never" nodeType="tmRoot">
+        <p:cTn id="1" dur="indefinite" restart="never" nodeType="tmRoot">
           <p:childTnLst>
             <p:seq>
-              <p:cTn id="36" nodeType="mainSeq"/>
+              <p:cTn id="2" nodeType="mainSeq"/>
               <p:prevCondLst>
-                <p:cond delay="0" evt="onPrev">
+                <p:cond evt="onPrev" delay="0">
                   <p:tgtEl>
                     <p:sldTgt/>
                   </p:tgtEl>
                 </p:cond>
               </p:prevCondLst>
               <p:nextCondLst>
-                <p:cond delay="0" evt="onNext">
+                <p:cond evt="onNext" delay="0">
                   <p:tgtEl>
                     <p:sldTgt/>
                   </p:tgtEl>
@@ -4694,7 +7770,7 @@
 </file>
 
 <file path=ppt/slides/slide2.xml><?xml version="1.0" encoding="utf-8"?>
-<p:sld xmlns:a="http://schemas.openxmlformats.org/drawingml/2006/main" xmlns:p="http://schemas.openxmlformats.org/presentationml/2006/main" xmlns:r="http://schemas.openxmlformats.org/officeDocument/2006/relationships">
+<p:sld xmlns:a="http://schemas.openxmlformats.org/drawingml/2006/main" xmlns:r="http://schemas.openxmlformats.org/officeDocument/2006/relationships" xmlns:p="http://schemas.openxmlformats.org/presentationml/2006/main">
   <p:cSld>
     <p:spTree>
       <p:nvGrpSpPr>
@@ -4730,7 +7806,8 @@
           </a:ln>
         </p:spPr>
         <p:txBody>
-          <a:bodyPr lIns="90000" rIns="90000" tIns="45000" bIns="45000" anchor="ctr"/>
+          <a:bodyPr lIns="90000" tIns="45000" rIns="90000" bIns="45000" anchor="ctr"/>
+          <a:lstStyle/>
           <a:p>
             <a:pPr>
               <a:lnSpc>
@@ -4770,7 +7847,8 @@
           </a:ln>
         </p:spPr>
         <p:txBody>
-          <a:bodyPr lIns="90000" rIns="90000" tIns="45000" bIns="45000"/>
+          <a:bodyPr lIns="90000" tIns="45000" rIns="90000" bIns="45000"/>
+          <a:lstStyle/>
           <a:p>
             <a:pPr>
               <a:lnSpc>
@@ -4879,7 +7957,7 @@
             </a:avLst>
           </a:prstGeom>
           <a:solidFill>
-            <a:srgbClr val="ffffff"/>
+            <a:srgbClr val="FFFFFF"/>
           </a:solidFill>
           <a:ln w="12600">
             <a:solidFill>
@@ -4889,7 +7967,8 @@
           </a:ln>
         </p:spPr>
         <p:txBody>
-          <a:bodyPr lIns="90000" rIns="90000" tIns="45000" bIns="45000" anchor="ctr"/>
+          <a:bodyPr lIns="90000" tIns="45000" rIns="90000" bIns="45000" anchor="ctr"/>
+          <a:lstStyle/>
           <a:p>
             <a:pPr>
               <a:lnSpc>
@@ -4906,7 +7985,7 @@
               <a:t>“</a:t>
             </a:r>
             <a:r>
-              <a:rPr i="1" lang="en-US">
+              <a:rPr lang="en-US" i="1">
                 <a:solidFill>
                   <a:srgbClr val="000000"/>
                 </a:solidFill>
@@ -4938,30 +8017,12 @@
                 </a:solidFill>
                 <a:latin typeface="Calibri"/>
               </a:rPr>
-              <a:t>	</a:t>
-            </a:r>
-            <a:r>
-              <a:rPr lang="en-US">
-                <a:solidFill>
-                  <a:srgbClr val="000000"/>
-                </a:solidFill>
-                <a:latin typeface="Calibri"/>
-              </a:rPr>
-              <a:t>– </a:t>
-            </a:r>
-            <a:r>
-              <a:rPr lang="en-US">
-                <a:solidFill>
-                  <a:srgbClr val="000000"/>
-                </a:solidFill>
-                <a:latin typeface="Calibri"/>
-              </a:rPr>
-              <a:t>Arthur Benjamin, durante o TED Talk </a:t>
+              <a:t>	– Arthur Benjamin, durante o TED Talk </a:t>
             </a:r>
             <a:r>
               <a:rPr lang="en-US" u="sng">
                 <a:solidFill>
-                  <a:srgbClr val="0563c1"/>
+                  <a:srgbClr val="0563C1"/>
                 </a:solidFill>
                 <a:latin typeface="Calibri"/>
               </a:rPr>
@@ -4982,22 +8043,25 @@
       </p:sp>
     </p:spTree>
   </p:cSld>
+  <p:clrMapOvr>
+    <a:masterClrMapping/>
+  </p:clrMapOvr>
   <p:timing>
     <p:tnLst>
       <p:par>
-        <p:cTn id="3" dur="indefinite" restart="never" nodeType="tmRoot">
+        <p:cTn id="1" dur="indefinite" restart="never" nodeType="tmRoot">
           <p:childTnLst>
             <p:seq>
-              <p:cTn id="4" nodeType="mainSeq"/>
+              <p:cTn id="2" nodeType="mainSeq"/>
               <p:prevCondLst>
-                <p:cond delay="0" evt="onPrev">
+                <p:cond evt="onPrev" delay="0">
                   <p:tgtEl>
                     <p:sldTgt/>
                   </p:tgtEl>
                 </p:cond>
               </p:prevCondLst>
               <p:nextCondLst>
-                <p:cond delay="0" evt="onNext">
+                <p:cond evt="onNext" delay="0">
                   <p:tgtEl>
                     <p:sldTgt/>
                   </p:tgtEl>
@@ -5013,7 +8077,7 @@
 </file>
 
 <file path=ppt/slides/slide3.xml><?xml version="1.0" encoding="utf-8"?>
-<p:sld xmlns:a="http://schemas.openxmlformats.org/drawingml/2006/main" xmlns:p="http://schemas.openxmlformats.org/presentationml/2006/main" xmlns:r="http://schemas.openxmlformats.org/officeDocument/2006/relationships">
+<p:sld xmlns:a="http://schemas.openxmlformats.org/drawingml/2006/main" xmlns:r="http://schemas.openxmlformats.org/officeDocument/2006/relationships" xmlns:p="http://schemas.openxmlformats.org/presentationml/2006/main">
   <p:cSld>
     <p:spTree>
       <p:nvGrpSpPr>
@@ -5049,7 +8113,8 @@
           </a:ln>
         </p:spPr>
         <p:txBody>
-          <a:bodyPr lIns="90000" rIns="90000" tIns="45000" bIns="45000" anchor="ctr"/>
+          <a:bodyPr lIns="90000" tIns="45000" rIns="90000" bIns="45000" anchor="ctr"/>
+          <a:lstStyle/>
           <a:p>
             <a:pPr>
               <a:lnSpc>
@@ -5089,7 +8154,8 @@
           </a:ln>
         </p:spPr>
         <p:txBody>
-          <a:bodyPr lIns="90000" rIns="90000" tIns="45000" bIns="45000"/>
+          <a:bodyPr lIns="90000" tIns="45000" rIns="90000" bIns="45000"/>
+          <a:lstStyle/>
           <a:p>
             <a:pPr>
               <a:lnSpc>
@@ -5194,22 +8260,25 @@
       </p:sp>
     </p:spTree>
   </p:cSld>
+  <p:clrMapOvr>
+    <a:masterClrMapping/>
+  </p:clrMapOvr>
   <p:timing>
     <p:tnLst>
       <p:par>
-        <p:cTn id="5" dur="indefinite" restart="never" nodeType="tmRoot">
+        <p:cTn id="1" dur="indefinite" restart="never" nodeType="tmRoot">
           <p:childTnLst>
             <p:seq>
-              <p:cTn id="6" nodeType="mainSeq"/>
+              <p:cTn id="2" nodeType="mainSeq"/>
               <p:prevCondLst>
-                <p:cond delay="0" evt="onPrev">
+                <p:cond evt="onPrev" delay="0">
                   <p:tgtEl>
                     <p:sldTgt/>
                   </p:tgtEl>
                 </p:cond>
               </p:prevCondLst>
               <p:nextCondLst>
-                <p:cond delay="0" evt="onNext">
+                <p:cond evt="onNext" delay="0">
                   <p:tgtEl>
                     <p:sldTgt/>
                   </p:tgtEl>
@@ -5225,7 +8294,7 @@
 </file>
 
 <file path=ppt/slides/slide4.xml><?xml version="1.0" encoding="utf-8"?>
-<p:sld xmlns:a="http://schemas.openxmlformats.org/drawingml/2006/main" xmlns:p="http://schemas.openxmlformats.org/presentationml/2006/main" xmlns:r="http://schemas.openxmlformats.org/officeDocument/2006/relationships">
+<p:sld xmlns:a="http://schemas.openxmlformats.org/drawingml/2006/main" xmlns:r="http://schemas.openxmlformats.org/officeDocument/2006/relationships" xmlns:p="http://schemas.openxmlformats.org/presentationml/2006/main">
   <p:cSld>
     <p:spTree>
       <p:nvGrpSpPr>
@@ -5261,7 +8330,8 @@
           </a:ln>
         </p:spPr>
         <p:txBody>
-          <a:bodyPr lIns="90000" rIns="90000" tIns="45000" bIns="45000" anchor="ctr"/>
+          <a:bodyPr lIns="90000" tIns="45000" rIns="90000" bIns="45000" anchor="ctr"/>
+          <a:lstStyle/>
           <a:p>
             <a:pPr>
               <a:lnSpc>
@@ -5301,7 +8371,8 @@
           </a:ln>
         </p:spPr>
         <p:txBody>
-          <a:bodyPr lIns="90000" rIns="90000" tIns="45000" bIns="45000"/>
+          <a:bodyPr lIns="90000" tIns="45000" rIns="90000" bIns="45000"/>
+          <a:lstStyle/>
           <a:p>
             <a:pPr>
               <a:lnSpc>
@@ -5381,22 +8452,25 @@
       </p:sp>
     </p:spTree>
   </p:cSld>
+  <p:clrMapOvr>
+    <a:masterClrMapping/>
+  </p:clrMapOvr>
   <p:timing>
     <p:tnLst>
       <p:par>
-        <p:cTn id="7" dur="indefinite" restart="never" nodeType="tmRoot">
+        <p:cTn id="1" dur="indefinite" restart="never" nodeType="tmRoot">
           <p:childTnLst>
             <p:seq>
-              <p:cTn id="8" nodeType="mainSeq"/>
+              <p:cTn id="2" nodeType="mainSeq"/>
               <p:prevCondLst>
-                <p:cond delay="0" evt="onPrev">
+                <p:cond evt="onPrev" delay="0">
                   <p:tgtEl>
                     <p:sldTgt/>
                   </p:tgtEl>
                 </p:cond>
               </p:prevCondLst>
               <p:nextCondLst>
-                <p:cond delay="0" evt="onNext">
+                <p:cond evt="onNext" delay="0">
                   <p:tgtEl>
                     <p:sldTgt/>
                   </p:tgtEl>
@@ -5412,7 +8486,7 @@
 </file>
 
 <file path=ppt/slides/slide5.xml><?xml version="1.0" encoding="utf-8"?>
-<p:sld xmlns:a="http://schemas.openxmlformats.org/drawingml/2006/main" xmlns:p="http://schemas.openxmlformats.org/presentationml/2006/main" xmlns:r="http://schemas.openxmlformats.org/officeDocument/2006/relationships">
+<p:sld xmlns:a="http://schemas.openxmlformats.org/drawingml/2006/main" xmlns:r="http://schemas.openxmlformats.org/officeDocument/2006/relationships" xmlns:p="http://schemas.openxmlformats.org/presentationml/2006/main">
   <p:cSld>
     <p:spTree>
       <p:nvGrpSpPr>
@@ -5448,7 +8522,8 @@
           </a:ln>
         </p:spPr>
         <p:txBody>
-          <a:bodyPr lIns="90000" rIns="90000" tIns="45000" bIns="45000" anchor="ctr"/>
+          <a:bodyPr lIns="90000" tIns="45000" rIns="90000" bIns="45000" anchor="ctr"/>
+          <a:lstStyle/>
           <a:p>
             <a:pPr>
               <a:lnSpc>
@@ -5470,12 +8545,12 @@
       </p:sp>
       <p:pic>
         <p:nvPicPr>
-          <p:cNvPr id="81" name="Espaço Reservado para Conteúdo 3" descr=""/>
+          <p:cNvPr id="81" name="Espaço Reservado para Conteúdo 3"/>
           <p:cNvPicPr/>
           <p:nvPr/>
         </p:nvPicPr>
         <p:blipFill>
-          <a:blip r:embed="rId1"/>
+          <a:blip r:embed="rId2"/>
           <a:stretch>
             <a:fillRect/>
           </a:stretch>
@@ -5495,22 +8570,25 @@
       </p:pic>
     </p:spTree>
   </p:cSld>
+  <p:clrMapOvr>
+    <a:masterClrMapping/>
+  </p:clrMapOvr>
   <p:timing>
     <p:tnLst>
       <p:par>
-        <p:cTn id="9" dur="indefinite" restart="never" nodeType="tmRoot">
+        <p:cTn id="1" dur="indefinite" restart="never" nodeType="tmRoot">
           <p:childTnLst>
             <p:seq>
-              <p:cTn id="10" nodeType="mainSeq"/>
+              <p:cTn id="2" nodeType="mainSeq"/>
               <p:prevCondLst>
-                <p:cond delay="0" evt="onPrev">
+                <p:cond evt="onPrev" delay="0">
                   <p:tgtEl>
                     <p:sldTgt/>
                   </p:tgtEl>
                 </p:cond>
               </p:prevCondLst>
               <p:nextCondLst>
-                <p:cond delay="0" evt="onNext">
+                <p:cond evt="onNext" delay="0">
                   <p:tgtEl>
                     <p:sldTgt/>
                   </p:tgtEl>
@@ -5526,7 +8604,7 @@
 </file>
 
 <file path=ppt/slides/slide6.xml><?xml version="1.0" encoding="utf-8"?>
-<p:sld xmlns:a="http://schemas.openxmlformats.org/drawingml/2006/main" xmlns:p="http://schemas.openxmlformats.org/presentationml/2006/main" xmlns:r="http://schemas.openxmlformats.org/officeDocument/2006/relationships">
+<p:sld xmlns:a="http://schemas.openxmlformats.org/drawingml/2006/main" xmlns:r="http://schemas.openxmlformats.org/officeDocument/2006/relationships" xmlns:p="http://schemas.openxmlformats.org/presentationml/2006/main">
   <p:cSld>
     <p:spTree>
       <p:nvGrpSpPr>
@@ -5562,7 +8640,8 @@
           </a:ln>
         </p:spPr>
         <p:txBody>
-          <a:bodyPr lIns="90000" rIns="90000" tIns="45000" bIns="45000" anchor="ctr"/>
+          <a:bodyPr lIns="90000" tIns="45000" rIns="90000" bIns="45000" anchor="ctr"/>
+          <a:lstStyle/>
           <a:p>
             <a:pPr>
               <a:lnSpc>
@@ -5602,7 +8681,8 @@
           </a:ln>
         </p:spPr>
         <p:txBody>
-          <a:bodyPr lIns="90000" rIns="90000" tIns="45000" bIns="45000"/>
+          <a:bodyPr lIns="90000" tIns="45000" rIns="90000" bIns="45000"/>
+          <a:lstStyle/>
           <a:p>
             <a:pPr>
               <a:lnSpc>
@@ -5610,15 +8690,141 @@
               </a:lnSpc>
             </a:pPr>
             <a:r>
-              <a:rPr lang="en-US" sz="2800">
-                <a:solidFill>
-                  <a:srgbClr val="000000"/>
-                </a:solidFill>
-                <a:latin typeface="Calibri light"/>
-              </a:rPr>
-              <a:t>Chamaremos a função open() para abrir o arquivo desejado e armazená-lo em uma variável</a:t>
-            </a:r>
-            <a:endParaRPr/>
+              <a:rPr lang="en-US" sz="2800" dirty="0" err="1">
+                <a:solidFill>
+                  <a:srgbClr val="000000"/>
+                </a:solidFill>
+                <a:latin typeface="Calibri light"/>
+              </a:rPr>
+              <a:t>Chamaremos</a:t>
+            </a:r>
+            <a:r>
+              <a:rPr lang="en-US" sz="2800" dirty="0">
+                <a:solidFill>
+                  <a:srgbClr val="000000"/>
+                </a:solidFill>
+                <a:latin typeface="Calibri light"/>
+              </a:rPr>
+              <a:t> a </a:t>
+            </a:r>
+            <a:r>
+              <a:rPr lang="en-US" sz="2800" dirty="0" err="1">
+                <a:solidFill>
+                  <a:srgbClr val="000000"/>
+                </a:solidFill>
+                <a:latin typeface="Calibri light"/>
+              </a:rPr>
+              <a:t>função</a:t>
+            </a:r>
+            <a:r>
+              <a:rPr lang="en-US" sz="2800" dirty="0">
+                <a:solidFill>
+                  <a:srgbClr val="000000"/>
+                </a:solidFill>
+                <a:latin typeface="Calibri light"/>
+              </a:rPr>
+              <a:t> open() para </a:t>
+            </a:r>
+            <a:r>
+              <a:rPr lang="en-US" sz="2800" dirty="0" err="1">
+                <a:solidFill>
+                  <a:srgbClr val="000000"/>
+                </a:solidFill>
+                <a:latin typeface="Calibri light"/>
+              </a:rPr>
+              <a:t>abrir</a:t>
+            </a:r>
+            <a:r>
+              <a:rPr lang="en-US" sz="2800" dirty="0">
+                <a:solidFill>
+                  <a:srgbClr val="000000"/>
+                </a:solidFill>
+                <a:latin typeface="Calibri light"/>
+              </a:rPr>
+              <a:t> o </a:t>
+            </a:r>
+            <a:r>
+              <a:rPr lang="en-US" sz="2800" dirty="0" err="1">
+                <a:solidFill>
+                  <a:srgbClr val="000000"/>
+                </a:solidFill>
+                <a:latin typeface="Calibri light"/>
+              </a:rPr>
+              <a:t>arquivo</a:t>
+            </a:r>
+            <a:r>
+              <a:rPr lang="en-US" sz="2800" dirty="0">
+                <a:solidFill>
+                  <a:srgbClr val="000000"/>
+                </a:solidFill>
+                <a:latin typeface="Calibri light"/>
+              </a:rPr>
+              <a:t> </a:t>
+            </a:r>
+            <a:r>
+              <a:rPr lang="en-US" sz="2800" dirty="0" err="1">
+                <a:solidFill>
+                  <a:srgbClr val="000000"/>
+                </a:solidFill>
+                <a:latin typeface="Calibri light"/>
+              </a:rPr>
+              <a:t>desejado</a:t>
+            </a:r>
+            <a:r>
+              <a:rPr lang="en-US" sz="2800" dirty="0">
+                <a:solidFill>
+                  <a:srgbClr val="000000"/>
+                </a:solidFill>
+                <a:latin typeface="Calibri light"/>
+              </a:rPr>
+              <a:t> e </a:t>
+            </a:r>
+            <a:r>
+              <a:rPr lang="en-US" sz="2800" dirty="0" err="1">
+                <a:solidFill>
+                  <a:srgbClr val="000000"/>
+                </a:solidFill>
+                <a:latin typeface="Calibri light"/>
+              </a:rPr>
+              <a:t>armazená</a:t>
+            </a:r>
+            <a:r>
+              <a:rPr lang="en-US" sz="2800" dirty="0">
+                <a:solidFill>
+                  <a:srgbClr val="000000"/>
+                </a:solidFill>
+                <a:latin typeface="Calibri light"/>
+              </a:rPr>
+              <a:t>-lo </a:t>
+            </a:r>
+            <a:r>
+              <a:rPr lang="en-US" sz="2800" dirty="0" err="1">
+                <a:solidFill>
+                  <a:srgbClr val="000000"/>
+                </a:solidFill>
+                <a:latin typeface="Calibri light"/>
+              </a:rPr>
+              <a:t>em</a:t>
+            </a:r>
+            <a:r>
+              <a:rPr lang="en-US" sz="2800" dirty="0">
+                <a:solidFill>
+                  <a:srgbClr val="000000"/>
+                </a:solidFill>
+                <a:latin typeface="Calibri light"/>
+              </a:rPr>
+              <a:t> uma </a:t>
+            </a:r>
+            <a:r>
+              <a:rPr lang="en-US" sz="2800" dirty="0" err="1">
+                <a:solidFill>
+                  <a:srgbClr val="000000"/>
+                </a:solidFill>
+                <a:latin typeface="Calibri light"/>
+              </a:rPr>
+              <a:t>variável</a:t>
+            </a:r>
+            <a:endParaRPr dirty="0"/>
           </a:p>
           <a:p>
             <a:pPr>
@@ -5626,7 +8832,7 @@
                 <a:spcPct val="100000"/>
               </a:lnSpc>
             </a:pPr>
-            <a:endParaRPr/>
+            <a:endParaRPr dirty="0"/>
           </a:p>
           <a:p>
             <a:pPr>
@@ -5635,16 +8841,34 @@
               </a:lnSpc>
             </a:pPr>
             <a:r>
-              <a:rPr lang="en-US" sz="2800">
+              <a:rPr lang="en-US" sz="2800" dirty="0">
                 <a:solidFill>
                   <a:srgbClr val="000000"/>
                 </a:solidFill>
                 <a:latin typeface="Lucida Console"/>
               </a:rPr>
-              <a:t>&gt;&gt;&gt; arquivo = </a:t>
-            </a:r>
-            <a:r>
-              <a:rPr lang="en-US" sz="2800">
+              <a:t>&gt;&gt;&gt; </a:t>
+            </a:r>
+            <a:r>
+              <a:rPr lang="en-US" sz="2800" dirty="0" err="1">
+                <a:solidFill>
+                  <a:srgbClr val="000000"/>
+                </a:solidFill>
+                <a:latin typeface="Lucida Console"/>
+              </a:rPr>
+              <a:t>arquivo</a:t>
+            </a:r>
+            <a:r>
+              <a:rPr lang="en-US" sz="2800" dirty="0">
+                <a:solidFill>
+                  <a:srgbClr val="000000"/>
+                </a:solidFill>
+                <a:latin typeface="Lucida Console"/>
+              </a:rPr>
+              <a:t> = </a:t>
+            </a:r>
+            <a:r>
+              <a:rPr lang="en-US" sz="2800" dirty="0">
                 <a:solidFill>
                   <a:srgbClr val="548235"/>
                 </a:solidFill>
@@ -5653,7 +8877,7 @@
               <a:t>open</a:t>
             </a:r>
             <a:r>
-              <a:rPr lang="en-US" sz="2800">
+              <a:rPr lang="en-US" sz="2800" dirty="0">
                 <a:solidFill>
                   <a:srgbClr val="000000"/>
                 </a:solidFill>
@@ -5662,16 +8886,16 @@
               <a:t>(</a:t>
             </a:r>
             <a:r>
-              <a:rPr lang="en-US" sz="2800">
-                <a:solidFill>
-                  <a:srgbClr val="a01102"/>
+              <a:rPr lang="en-US" sz="2800" dirty="0">
+                <a:solidFill>
+                  <a:srgbClr val="A01102"/>
                 </a:solidFill>
                 <a:latin typeface="Lucida Console"/>
               </a:rPr>
               <a:t>‘nome_do_arquivo.txt’</a:t>
             </a:r>
             <a:r>
-              <a:rPr lang="en-US" sz="2800">
+              <a:rPr lang="en-US" sz="2800" dirty="0">
                 <a:solidFill>
                   <a:srgbClr val="000000"/>
                 </a:solidFill>
@@ -5679,7 +8903,7 @@
               </a:rPr>
               <a:t>)</a:t>
             </a:r>
-            <a:endParaRPr/>
+            <a:endParaRPr dirty="0"/>
           </a:p>
           <a:p>
             <a:pPr>
@@ -5687,7 +8911,7 @@
                 <a:spcPct val="100000"/>
               </a:lnSpc>
             </a:pPr>
-            <a:endParaRPr/>
+            <a:endParaRPr dirty="0"/>
           </a:p>
           <a:p>
             <a:pPr>
@@ -5696,15 +8920,33 @@
               </a:lnSpc>
             </a:pPr>
             <a:r>
-              <a:rPr lang="en-US" sz="2800">
+              <a:rPr lang="en-US" sz="2800" dirty="0">
                 <a:solidFill>
                   <a:srgbClr val="000000"/>
                 </a:solidFill>
                 <a:latin typeface="Lucida Console"/>
               </a:rPr>
-              <a:t>&gt;&gt;&gt; print(arquivo)</a:t>
-            </a:r>
-            <a:endParaRPr/>
+              <a:t>&gt;&gt;&gt; print(</a:t>
+            </a:r>
+            <a:r>
+              <a:rPr lang="en-US" sz="2800" dirty="0" err="1">
+                <a:solidFill>
+                  <a:srgbClr val="000000"/>
+                </a:solidFill>
+                <a:latin typeface="Lucida Console"/>
+              </a:rPr>
+              <a:t>arquivo</a:t>
+            </a:r>
+            <a:r>
+              <a:rPr lang="en-US" sz="2800" dirty="0">
+                <a:solidFill>
+                  <a:srgbClr val="000000"/>
+                </a:solidFill>
+                <a:latin typeface="Lucida Console"/>
+              </a:rPr>
+              <a:t>)</a:t>
+            </a:r>
+            <a:endParaRPr dirty="0"/>
           </a:p>
           <a:p>
             <a:pPr>
@@ -5713,15 +8955,33 @@
               </a:lnSpc>
             </a:pPr>
             <a:r>
-              <a:rPr lang="en-US" sz="2800">
+              <a:rPr lang="en-US" sz="2800" dirty="0">
                 <a:solidFill>
                   <a:srgbClr val="000000"/>
                 </a:solidFill>
                 <a:latin typeface="Lucida Console"/>
               </a:rPr>
-              <a:t>&lt;_io.TextIOWrapper name='pokemons.txt' mode='r' encoding='UTF-8'&gt;</a:t>
-            </a:r>
-            <a:endParaRPr/>
+              <a:t>&lt;_</a:t>
+            </a:r>
+            <a:r>
+              <a:rPr lang="en-US" sz="2800" dirty="0" err="1">
+                <a:solidFill>
+                  <a:srgbClr val="000000"/>
+                </a:solidFill>
+                <a:latin typeface="Lucida Console"/>
+              </a:rPr>
+              <a:t>io.TextIOWrapper</a:t>
+            </a:r>
+            <a:r>
+              <a:rPr lang="en-US" sz="2800" dirty="0">
+                <a:solidFill>
+                  <a:srgbClr val="000000"/>
+                </a:solidFill>
+                <a:latin typeface="Lucida Console"/>
+              </a:rPr>
+              <a:t> name='pokemons.txt' mode='r' encoding='UTF-8'&gt;</a:t>
+            </a:r>
+            <a:endParaRPr dirty="0"/>
           </a:p>
           <a:p>
             <a:pPr>
@@ -5729,7 +8989,7 @@
                 <a:spcPct val="100000"/>
               </a:lnSpc>
             </a:pPr>
-            <a:endParaRPr/>
+            <a:endParaRPr dirty="0"/>
           </a:p>
           <a:p>
             <a:pPr>
@@ -5737,7 +8997,7 @@
                 <a:spcPct val="100000"/>
               </a:lnSpc>
             </a:pPr>
-            <a:endParaRPr/>
+            <a:endParaRPr dirty="0"/>
           </a:p>
           <a:p>
             <a:pPr>
@@ -5745,28 +9005,31 @@
                 <a:spcPct val="100000"/>
               </a:lnSpc>
             </a:pPr>
-            <a:endParaRPr/>
+            <a:endParaRPr dirty="0"/>
           </a:p>
         </p:txBody>
       </p:sp>
     </p:spTree>
   </p:cSld>
+  <p:clrMapOvr>
+    <a:masterClrMapping/>
+  </p:clrMapOvr>
   <p:timing>
     <p:tnLst>
       <p:par>
-        <p:cTn id="11" dur="indefinite" restart="never" nodeType="tmRoot">
+        <p:cTn id="1" dur="indefinite" restart="never" nodeType="tmRoot">
           <p:childTnLst>
             <p:seq>
-              <p:cTn id="12" nodeType="mainSeq"/>
+              <p:cTn id="2" nodeType="mainSeq"/>
               <p:prevCondLst>
-                <p:cond delay="0" evt="onPrev">
+                <p:cond evt="onPrev" delay="0">
                   <p:tgtEl>
                     <p:sldTgt/>
                   </p:tgtEl>
                 </p:cond>
               </p:prevCondLst>
               <p:nextCondLst>
-                <p:cond delay="0" evt="onNext">
+                <p:cond evt="onNext" delay="0">
                   <p:tgtEl>
                     <p:sldTgt/>
                   </p:tgtEl>
@@ -5782,7 +9045,7 @@
 </file>
 
 <file path=ppt/slides/slide7.xml><?xml version="1.0" encoding="utf-8"?>
-<p:sld xmlns:a="http://schemas.openxmlformats.org/drawingml/2006/main" xmlns:p="http://schemas.openxmlformats.org/presentationml/2006/main" xmlns:r="http://schemas.openxmlformats.org/officeDocument/2006/relationships">
+<p:sld xmlns:a="http://schemas.openxmlformats.org/drawingml/2006/main" xmlns:r="http://schemas.openxmlformats.org/officeDocument/2006/relationships" xmlns:p="http://schemas.openxmlformats.org/presentationml/2006/main">
   <p:cSld>
     <p:spTree>
       <p:nvGrpSpPr>
@@ -5818,7 +9081,8 @@
           </a:ln>
         </p:spPr>
         <p:txBody>
-          <a:bodyPr lIns="90000" rIns="90000" tIns="45000" bIns="45000" anchor="ctr"/>
+          <a:bodyPr lIns="90000" tIns="45000" rIns="90000" bIns="45000" anchor="ctr"/>
+          <a:lstStyle/>
           <a:p>
             <a:pPr>
               <a:lnSpc>
@@ -5858,7 +9122,8 @@
           </a:ln>
         </p:spPr>
         <p:txBody>
-          <a:bodyPr lIns="90000" rIns="90000" tIns="45000" bIns="45000"/>
+          <a:bodyPr lIns="90000" tIns="45000" rIns="90000" bIns="45000"/>
+          <a:lstStyle/>
           <a:p>
             <a:pPr>
               <a:lnSpc>
@@ -5866,15 +9131,123 @@
               </a:lnSpc>
             </a:pPr>
             <a:r>
-              <a:rPr lang="en-US" sz="2800">
-                <a:solidFill>
-                  <a:srgbClr val="000000"/>
-                </a:solidFill>
-                <a:latin typeface="Calibri light"/>
-              </a:rPr>
-              <a:t>Agora queremos extrair os dados contidos no arquivo, correto?</a:t>
-            </a:r>
-            <a:endParaRPr/>
+              <a:rPr lang="en-US" sz="2800" dirty="0">
+                <a:solidFill>
+                  <a:srgbClr val="000000"/>
+                </a:solidFill>
+                <a:latin typeface="Calibri light"/>
+              </a:rPr>
+              <a:t>Agora </a:t>
+            </a:r>
+            <a:r>
+              <a:rPr lang="en-US" sz="2800" dirty="0" err="1">
+                <a:solidFill>
+                  <a:srgbClr val="000000"/>
+                </a:solidFill>
+                <a:latin typeface="Calibri light"/>
+              </a:rPr>
+              <a:t>queremos</a:t>
+            </a:r>
+            <a:r>
+              <a:rPr lang="en-US" sz="2800" dirty="0">
+                <a:solidFill>
+                  <a:srgbClr val="000000"/>
+                </a:solidFill>
+                <a:latin typeface="Calibri light"/>
+              </a:rPr>
+              <a:t> </a:t>
+            </a:r>
+            <a:r>
+              <a:rPr lang="en-US" sz="2800" dirty="0" err="1">
+                <a:solidFill>
+                  <a:srgbClr val="000000"/>
+                </a:solidFill>
+                <a:latin typeface="Calibri light"/>
+              </a:rPr>
+              <a:t>extrair</a:t>
+            </a:r>
+            <a:r>
+              <a:rPr lang="en-US" sz="2800" dirty="0">
+                <a:solidFill>
+                  <a:srgbClr val="000000"/>
+                </a:solidFill>
+                <a:latin typeface="Calibri light"/>
+              </a:rPr>
+              <a:t> </a:t>
+            </a:r>
+            <a:r>
+              <a:rPr lang="en-US" sz="2800" dirty="0" err="1">
+                <a:solidFill>
+                  <a:srgbClr val="000000"/>
+                </a:solidFill>
+                <a:latin typeface="Calibri light"/>
+              </a:rPr>
+              <a:t>os</a:t>
+            </a:r>
+            <a:r>
+              <a:rPr lang="en-US" sz="2800" dirty="0">
+                <a:solidFill>
+                  <a:srgbClr val="000000"/>
+                </a:solidFill>
+                <a:latin typeface="Calibri light"/>
+              </a:rPr>
+              <a:t> dados </a:t>
+            </a:r>
+            <a:r>
+              <a:rPr lang="en-US" sz="2800" dirty="0" err="1">
+                <a:solidFill>
+                  <a:srgbClr val="000000"/>
+                </a:solidFill>
+                <a:latin typeface="Calibri light"/>
+              </a:rPr>
+              <a:t>contidos</a:t>
+            </a:r>
+            <a:r>
+              <a:rPr lang="en-US" sz="2800" dirty="0">
+                <a:solidFill>
+                  <a:srgbClr val="000000"/>
+                </a:solidFill>
+                <a:latin typeface="Calibri light"/>
+              </a:rPr>
+              <a:t> no </a:t>
+            </a:r>
+            <a:r>
+              <a:rPr lang="en-US" sz="2800" dirty="0" err="1">
+                <a:solidFill>
+                  <a:srgbClr val="000000"/>
+                </a:solidFill>
+                <a:latin typeface="Calibri light"/>
+              </a:rPr>
+              <a:t>arquivo</a:t>
+            </a:r>
+            <a:r>
+              <a:rPr lang="en-US" sz="2800" dirty="0">
+                <a:solidFill>
+                  <a:srgbClr val="000000"/>
+                </a:solidFill>
+                <a:latin typeface="Calibri light"/>
+              </a:rPr>
+              <a:t>, </a:t>
+            </a:r>
+            <a:r>
+              <a:rPr lang="en-US" sz="2800" dirty="0" err="1">
+                <a:solidFill>
+                  <a:srgbClr val="000000"/>
+                </a:solidFill>
+                <a:latin typeface="Calibri light"/>
+              </a:rPr>
+              <a:t>correto</a:t>
+            </a:r>
+            <a:r>
+              <a:rPr lang="en-US" sz="2800" dirty="0">
+                <a:solidFill>
+                  <a:srgbClr val="000000"/>
+                </a:solidFill>
+                <a:latin typeface="Calibri light"/>
+              </a:rPr>
+              <a:t>?</a:t>
+            </a:r>
+            <a:endParaRPr dirty="0"/>
           </a:p>
           <a:p>
             <a:pPr>
@@ -5882,7 +9255,7 @@
                 <a:spcPct val="100000"/>
               </a:lnSpc>
             </a:pPr>
-            <a:endParaRPr/>
+            <a:endParaRPr dirty="0"/>
           </a:p>
           <a:p>
             <a:pPr>
@@ -5891,15 +9264,33 @@
               </a:lnSpc>
             </a:pPr>
             <a:r>
-              <a:rPr lang="en-US" sz="2800">
+              <a:rPr lang="en-US" sz="2800" dirty="0">
                 <a:solidFill>
                   <a:srgbClr val="000000"/>
                 </a:solidFill>
                 <a:latin typeface="Lucida Console"/>
               </a:rPr>
-              <a:t>&gt;&gt;&gt; dados = conteudo.read()</a:t>
-            </a:r>
-            <a:endParaRPr/>
+              <a:t>&gt;&gt;&gt; dados = </a:t>
+            </a:r>
+            <a:r>
+              <a:rPr lang="en-US" sz="2800" dirty="0" err="1">
+                <a:solidFill>
+                  <a:srgbClr val="000000"/>
+                </a:solidFill>
+                <a:latin typeface="Lucida Console"/>
+              </a:rPr>
+              <a:t>conteudo.read</a:t>
+            </a:r>
+            <a:r>
+              <a:rPr lang="en-US" sz="2800" dirty="0">
+                <a:solidFill>
+                  <a:srgbClr val="000000"/>
+                </a:solidFill>
+                <a:latin typeface="Lucida Console"/>
+              </a:rPr>
+              <a:t>()</a:t>
+            </a:r>
+            <a:endParaRPr dirty="0"/>
           </a:p>
           <a:p>
             <a:pPr>
@@ -5908,15 +9299,33 @@
               </a:lnSpc>
             </a:pPr>
             <a:r>
-              <a:rPr lang="en-US" sz="2800">
+              <a:rPr lang="en-US" sz="2800" dirty="0">
                 <a:solidFill>
                   <a:srgbClr val="000000"/>
                 </a:solidFill>
                 <a:latin typeface="Lucida Console"/>
               </a:rPr>
-              <a:t>&gt;&gt;&gt; arquivo.close()</a:t>
-            </a:r>
-            <a:endParaRPr/>
+              <a:t>&gt;&gt;&gt; </a:t>
+            </a:r>
+            <a:r>
+              <a:rPr lang="en-US" sz="2800" dirty="0" err="1">
+                <a:solidFill>
+                  <a:srgbClr val="000000"/>
+                </a:solidFill>
+                <a:latin typeface="Lucida Console"/>
+              </a:rPr>
+              <a:t>arquivo.close</a:t>
+            </a:r>
+            <a:r>
+              <a:rPr lang="en-US" sz="2800" dirty="0">
+                <a:solidFill>
+                  <a:srgbClr val="000000"/>
+                </a:solidFill>
+                <a:latin typeface="Lucida Console"/>
+              </a:rPr>
+              <a:t>()</a:t>
+            </a:r>
+            <a:endParaRPr dirty="0"/>
           </a:p>
           <a:p>
             <a:pPr>
@@ -5925,7 +9334,7 @@
               </a:lnSpc>
             </a:pPr>
             <a:r>
-              <a:rPr lang="en-US" sz="2800">
+              <a:rPr lang="en-US" sz="2800" dirty="0">
                 <a:solidFill>
                   <a:srgbClr val="000000"/>
                 </a:solidFill>
@@ -5933,7 +9342,7 @@
               </a:rPr>
               <a:t>&gt;&gt;&gt; print(dados)</a:t>
             </a:r>
-            <a:endParaRPr/>
+            <a:endParaRPr dirty="0"/>
           </a:p>
           <a:p>
             <a:pPr>
@@ -5942,15 +9351,60 @@
               </a:lnSpc>
             </a:pPr>
             <a:r>
-              <a:rPr lang="en-US" sz="2800">
+              <a:rPr lang="en-US" sz="2800" dirty="0" err="1">
                 <a:solidFill>
                   <a:srgbClr val="000000"/>
                 </a:solidFill>
                 <a:latin typeface="Lucida Console"/>
               </a:rPr>
-              <a:t>Blábláblá </a:t>
-            </a:r>
-            <a:endParaRPr/>
+              <a:t>Blá</a:t>
+            </a:r>
+            <a:r>
+              <a:rPr lang="en-US" sz="2800" dirty="0">
+                <a:solidFill>
+                  <a:srgbClr val="000000"/>
+                </a:solidFill>
+                <a:latin typeface="Lucida Console"/>
+              </a:rPr>
+              <a:t> </a:t>
+            </a:r>
+            <a:r>
+              <a:rPr lang="en-US" sz="2800" dirty="0" err="1">
+                <a:solidFill>
+                  <a:srgbClr val="000000"/>
+                </a:solidFill>
+                <a:latin typeface="Lucida Console"/>
+              </a:rPr>
+              <a:t>blá</a:t>
+            </a:r>
+            <a:r>
+              <a:rPr lang="en-US" sz="2800" dirty="0">
+                <a:solidFill>
+                  <a:srgbClr val="000000"/>
+                </a:solidFill>
+                <a:latin typeface="Lucida Console"/>
+              </a:rPr>
+              <a:t> </a:t>
+            </a:r>
+            <a:r>
+              <a:rPr lang="en-US" sz="2800" dirty="0" err="1">
+                <a:solidFill>
+                  <a:srgbClr val="000000"/>
+                </a:solidFill>
+                <a:latin typeface="Lucida Console"/>
+              </a:rPr>
+              <a:t>blá</a:t>
+            </a:r>
+            <a:r>
+              <a:rPr lang="en-US" sz="2800" dirty="0">
+                <a:solidFill>
+                  <a:srgbClr val="000000"/>
+                </a:solidFill>
+                <a:latin typeface="Lucida Console"/>
+              </a:rPr>
+              <a:t> </a:t>
+            </a:r>
+            <a:endParaRPr dirty="0"/>
           </a:p>
           <a:p>
             <a:pPr>
@@ -5958,28 +9412,31 @@
                 <a:spcPct val="100000"/>
               </a:lnSpc>
             </a:pPr>
-            <a:endParaRPr/>
+            <a:endParaRPr dirty="0"/>
           </a:p>
         </p:txBody>
       </p:sp>
     </p:spTree>
   </p:cSld>
+  <p:clrMapOvr>
+    <a:masterClrMapping/>
+  </p:clrMapOvr>
   <p:timing>
     <p:tnLst>
       <p:par>
-        <p:cTn id="13" dur="indefinite" restart="never" nodeType="tmRoot">
+        <p:cTn id="1" dur="indefinite" restart="never" nodeType="tmRoot">
           <p:childTnLst>
             <p:seq>
-              <p:cTn id="14" nodeType="mainSeq"/>
+              <p:cTn id="2" nodeType="mainSeq"/>
               <p:prevCondLst>
-                <p:cond delay="0" evt="onPrev">
+                <p:cond evt="onPrev" delay="0">
                   <p:tgtEl>
                     <p:sldTgt/>
                   </p:tgtEl>
                 </p:cond>
               </p:prevCondLst>
               <p:nextCondLst>
-                <p:cond delay="0" evt="onNext">
+                <p:cond evt="onNext" delay="0">
                   <p:tgtEl>
                     <p:sldTgt/>
                   </p:tgtEl>
@@ -5995,7 +9452,7 @@
 </file>
 
 <file path=ppt/slides/slide8.xml><?xml version="1.0" encoding="utf-8"?>
-<p:sld xmlns:a="http://schemas.openxmlformats.org/drawingml/2006/main" xmlns:p="http://schemas.openxmlformats.org/presentationml/2006/main" xmlns:r="http://schemas.openxmlformats.org/officeDocument/2006/relationships">
+<p:sld xmlns:a="http://schemas.openxmlformats.org/drawingml/2006/main" xmlns:r="http://schemas.openxmlformats.org/officeDocument/2006/relationships" xmlns:p="http://schemas.openxmlformats.org/presentationml/2006/main">
   <p:cSld>
     <p:spTree>
       <p:nvGrpSpPr>
@@ -6031,7 +9488,8 @@
           </a:ln>
         </p:spPr>
         <p:txBody>
-          <a:bodyPr lIns="90000" rIns="90000" tIns="45000" bIns="45000" anchor="ctr"/>
+          <a:bodyPr lIns="90000" tIns="45000" rIns="90000" bIns="45000" anchor="ctr"/>
+          <a:lstStyle/>
           <a:p>
             <a:pPr>
               <a:lnSpc>
@@ -6071,7 +9529,8 @@
           </a:ln>
         </p:spPr>
         <p:txBody>
-          <a:bodyPr lIns="90000" rIns="90000" tIns="45000" bIns="45000"/>
+          <a:bodyPr lIns="90000" tIns="45000" rIns="90000" bIns="45000"/>
+          <a:lstStyle/>
           <a:p>
             <a:pPr>
               <a:lnSpc>
@@ -6079,15 +9538,51 @@
               </a:lnSpc>
             </a:pPr>
             <a:r>
-              <a:rPr lang="en-US" sz="2800">
-                <a:solidFill>
-                  <a:srgbClr val="000000"/>
-                </a:solidFill>
-                <a:latin typeface="Calibri light"/>
-              </a:rPr>
-              <a:t>- Crie um arquivo .txt</a:t>
-            </a:r>
-            <a:endParaRPr/>
+              <a:rPr lang="en-US" sz="2800" dirty="0">
+                <a:solidFill>
+                  <a:srgbClr val="000000"/>
+                </a:solidFill>
+                <a:latin typeface="Calibri light"/>
+              </a:rPr>
+              <a:t>- </a:t>
+            </a:r>
+            <a:r>
+              <a:rPr lang="en-US" sz="2800" dirty="0" err="1">
+                <a:solidFill>
+                  <a:srgbClr val="000000"/>
+                </a:solidFill>
+                <a:latin typeface="Calibri light"/>
+              </a:rPr>
+              <a:t>Crie</a:t>
+            </a:r>
+            <a:r>
+              <a:rPr lang="en-US" sz="2800" dirty="0">
+                <a:solidFill>
+                  <a:srgbClr val="000000"/>
+                </a:solidFill>
+                <a:latin typeface="Calibri light"/>
+              </a:rPr>
+              <a:t> um </a:t>
+            </a:r>
+            <a:r>
+              <a:rPr lang="en-US" sz="2800" dirty="0" err="1">
+                <a:solidFill>
+                  <a:srgbClr val="000000"/>
+                </a:solidFill>
+                <a:latin typeface="Calibri light"/>
+              </a:rPr>
+              <a:t>arquivo</a:t>
+            </a:r>
+            <a:r>
+              <a:rPr lang="en-US" sz="2800" dirty="0">
+                <a:solidFill>
+                  <a:srgbClr val="000000"/>
+                </a:solidFill>
+                <a:latin typeface="Calibri light"/>
+              </a:rPr>
+              <a:t> .txt</a:t>
+            </a:r>
+            <a:endParaRPr dirty="0"/>
           </a:p>
           <a:p>
             <a:pPr>
@@ -6096,15 +9591,60 @@
               </a:lnSpc>
             </a:pPr>
             <a:r>
-              <a:rPr lang="en-US" sz="2800">
-                <a:solidFill>
-                  <a:srgbClr val="000000"/>
-                </a:solidFill>
-                <a:latin typeface="Calibri light"/>
-              </a:rPr>
-              <a:t>- Escreva o que quiser nele</a:t>
-            </a:r>
-            <a:endParaRPr/>
+              <a:rPr lang="en-US" sz="2800" dirty="0">
+                <a:solidFill>
+                  <a:srgbClr val="000000"/>
+                </a:solidFill>
+                <a:latin typeface="Calibri light"/>
+              </a:rPr>
+              <a:t>- </a:t>
+            </a:r>
+            <a:r>
+              <a:rPr lang="en-US" sz="2800" dirty="0" err="1">
+                <a:solidFill>
+                  <a:srgbClr val="000000"/>
+                </a:solidFill>
+                <a:latin typeface="Calibri light"/>
+              </a:rPr>
+              <a:t>Escreva</a:t>
+            </a:r>
+            <a:r>
+              <a:rPr lang="en-US" sz="2800" dirty="0">
+                <a:solidFill>
+                  <a:srgbClr val="000000"/>
+                </a:solidFill>
+                <a:latin typeface="Calibri light"/>
+              </a:rPr>
+              <a:t> o que </a:t>
+            </a:r>
+            <a:r>
+              <a:rPr lang="en-US" sz="2800" dirty="0" err="1">
+                <a:solidFill>
+                  <a:srgbClr val="000000"/>
+                </a:solidFill>
+                <a:latin typeface="Calibri light"/>
+              </a:rPr>
+              <a:t>quiser</a:t>
+            </a:r>
+            <a:r>
+              <a:rPr lang="en-US" sz="2800" dirty="0">
+                <a:solidFill>
+                  <a:srgbClr val="000000"/>
+                </a:solidFill>
+                <a:latin typeface="Calibri light"/>
+              </a:rPr>
+              <a:t> </a:t>
+            </a:r>
+            <a:r>
+              <a:rPr lang="en-US" sz="2800" dirty="0" err="1">
+                <a:solidFill>
+                  <a:srgbClr val="000000"/>
+                </a:solidFill>
+                <a:latin typeface="Calibri light"/>
+              </a:rPr>
+              <a:t>nele</a:t>
+            </a:r>
+            <a:endParaRPr dirty="0"/>
           </a:p>
           <a:p>
             <a:pPr>
@@ -6113,15 +9653,49 @@
               </a:lnSpc>
             </a:pPr>
             <a:r>
-              <a:rPr lang="en-US" sz="2800">
-                <a:solidFill>
-                  <a:srgbClr val="000000"/>
-                </a:solidFill>
-                <a:latin typeface="Lucida Console"/>
-              </a:rPr>
-              <a:t>- Salve na pasta do seu projeto</a:t>
-            </a:r>
-            <a:endParaRPr/>
+              <a:rPr lang="en-US" sz="2800" dirty="0">
+                <a:solidFill>
+                  <a:srgbClr val="000000"/>
+                </a:solidFill>
+                <a:latin typeface="Calibri Light" panose="020F0302020204030204" pitchFamily="34" charset="0"/>
+                <a:cs typeface="Calibri Light" panose="020F0302020204030204" pitchFamily="34" charset="0"/>
+              </a:rPr>
+              <a:t>- Salve na pasta do </a:t>
+            </a:r>
+            <a:r>
+              <a:rPr lang="en-US" sz="2800" dirty="0" err="1">
+                <a:solidFill>
+                  <a:srgbClr val="000000"/>
+                </a:solidFill>
+                <a:latin typeface="Calibri Light" panose="020F0302020204030204" pitchFamily="34" charset="0"/>
+                <a:cs typeface="Calibri Light" panose="020F0302020204030204" pitchFamily="34" charset="0"/>
+              </a:rPr>
+              <a:t>seu</a:t>
+            </a:r>
+            <a:r>
+              <a:rPr lang="en-US" sz="2800" dirty="0">
+                <a:solidFill>
+                  <a:srgbClr val="000000"/>
+                </a:solidFill>
+                <a:latin typeface="Calibri Light" panose="020F0302020204030204" pitchFamily="34" charset="0"/>
+                <a:cs typeface="Calibri Light" panose="020F0302020204030204" pitchFamily="34" charset="0"/>
+              </a:rPr>
+              <a:t> </a:t>
+            </a:r>
+            <a:r>
+              <a:rPr lang="en-US" sz="2800" dirty="0" err="1">
+                <a:solidFill>
+                  <a:srgbClr val="000000"/>
+                </a:solidFill>
+                <a:latin typeface="Calibri Light" panose="020F0302020204030204" pitchFamily="34" charset="0"/>
+                <a:cs typeface="Calibri Light" panose="020F0302020204030204" pitchFamily="34" charset="0"/>
+              </a:rPr>
+              <a:t>projeto</a:t>
+            </a:r>
+            <a:endParaRPr dirty="0">
+              <a:latin typeface="Calibri Light" panose="020F0302020204030204" pitchFamily="34" charset="0"/>
+              <a:cs typeface="Calibri Light" panose="020F0302020204030204" pitchFamily="34" charset="0"/>
+            </a:endParaRPr>
           </a:p>
           <a:p>
             <a:pPr>
@@ -6130,15 +9704,96 @@
               </a:lnSpc>
             </a:pPr>
             <a:r>
-              <a:rPr lang="en-US" sz="2800">
-                <a:solidFill>
-                  <a:srgbClr val="000000"/>
-                </a:solidFill>
-                <a:latin typeface="Calibri light"/>
-              </a:rPr>
-              <a:t>- Escreva um programa que faça a leitura do arquivo</a:t>
-            </a:r>
-            <a:endParaRPr/>
+              <a:rPr lang="en-US" sz="2800" dirty="0">
+                <a:solidFill>
+                  <a:srgbClr val="000000"/>
+                </a:solidFill>
+                <a:latin typeface="Calibri light"/>
+              </a:rPr>
+              <a:t>- </a:t>
+            </a:r>
+            <a:r>
+              <a:rPr lang="en-US" sz="2800" dirty="0" err="1">
+                <a:solidFill>
+                  <a:srgbClr val="000000"/>
+                </a:solidFill>
+                <a:latin typeface="Calibri light"/>
+              </a:rPr>
+              <a:t>Escreva</a:t>
+            </a:r>
+            <a:r>
+              <a:rPr lang="en-US" sz="2800" dirty="0">
+                <a:solidFill>
+                  <a:srgbClr val="000000"/>
+                </a:solidFill>
+                <a:latin typeface="Calibri light"/>
+              </a:rPr>
+              <a:t> um </a:t>
+            </a:r>
+            <a:r>
+              <a:rPr lang="en-US" sz="2800" dirty="0" err="1">
+                <a:solidFill>
+                  <a:srgbClr val="000000"/>
+                </a:solidFill>
+                <a:latin typeface="Calibri light"/>
+              </a:rPr>
+              <a:t>programa</a:t>
+            </a:r>
+            <a:r>
+              <a:rPr lang="en-US" sz="2800" dirty="0">
+                <a:solidFill>
+                  <a:srgbClr val="000000"/>
+                </a:solidFill>
+                <a:latin typeface="Calibri light"/>
+              </a:rPr>
+              <a:t> que </a:t>
+            </a:r>
+            <a:r>
+              <a:rPr lang="en-US" sz="2800" dirty="0" err="1">
+                <a:solidFill>
+                  <a:srgbClr val="000000"/>
+                </a:solidFill>
+                <a:latin typeface="Calibri light"/>
+              </a:rPr>
+              <a:t>faça</a:t>
+            </a:r>
+            <a:r>
+              <a:rPr lang="en-US" sz="2800" dirty="0">
+                <a:solidFill>
+                  <a:srgbClr val="000000"/>
+                </a:solidFill>
+                <a:latin typeface="Calibri light"/>
+              </a:rPr>
+              <a:t> a </a:t>
+            </a:r>
+            <a:r>
+              <a:rPr lang="en-US" sz="2800" dirty="0" err="1">
+                <a:solidFill>
+                  <a:srgbClr val="000000"/>
+                </a:solidFill>
+                <a:latin typeface="Calibri light"/>
+              </a:rPr>
+              <a:t>leitura</a:t>
+            </a:r>
+            <a:r>
+              <a:rPr lang="en-US" sz="2800" dirty="0">
+                <a:solidFill>
+                  <a:srgbClr val="000000"/>
+                </a:solidFill>
+                <a:latin typeface="Calibri light"/>
+              </a:rPr>
+              <a:t> do </a:t>
+            </a:r>
+            <a:r>
+              <a:rPr lang="en-US" sz="2800" dirty="0" err="1">
+                <a:solidFill>
+                  <a:srgbClr val="000000"/>
+                </a:solidFill>
+                <a:latin typeface="Calibri light"/>
+              </a:rPr>
+              <a:t>arquivo</a:t>
+            </a:r>
+            <a:endParaRPr dirty="0"/>
           </a:p>
           <a:p>
             <a:pPr>
@@ -6146,28 +9801,31 @@
                 <a:spcPct val="100000"/>
               </a:lnSpc>
             </a:pPr>
-            <a:endParaRPr/>
+            <a:endParaRPr dirty="0"/>
           </a:p>
         </p:txBody>
       </p:sp>
     </p:spTree>
   </p:cSld>
+  <p:clrMapOvr>
+    <a:masterClrMapping/>
+  </p:clrMapOvr>
   <p:timing>
     <p:tnLst>
       <p:par>
-        <p:cTn id="15" dur="indefinite" restart="never" nodeType="tmRoot">
+        <p:cTn id="1" dur="indefinite" restart="never" nodeType="tmRoot">
           <p:childTnLst>
             <p:seq>
-              <p:cTn id="16" nodeType="mainSeq"/>
+              <p:cTn id="2" nodeType="mainSeq"/>
               <p:prevCondLst>
-                <p:cond delay="0" evt="onPrev">
+                <p:cond evt="onPrev" delay="0">
                   <p:tgtEl>
                     <p:sldTgt/>
                   </p:tgtEl>
                 </p:cond>
               </p:prevCondLst>
               <p:nextCondLst>
-                <p:cond delay="0" evt="onNext">
+                <p:cond evt="onNext" delay="0">
                   <p:tgtEl>
                     <p:sldTgt/>
                   </p:tgtEl>
@@ -6183,7 +9841,7 @@
 </file>
 
 <file path=ppt/slides/slide9.xml><?xml version="1.0" encoding="utf-8"?>
-<p:sld xmlns:a="http://schemas.openxmlformats.org/drawingml/2006/main" xmlns:p="http://schemas.openxmlformats.org/presentationml/2006/main" xmlns:r="http://schemas.openxmlformats.org/officeDocument/2006/relationships">
+<p:sld xmlns:a="http://schemas.openxmlformats.org/drawingml/2006/main" xmlns:r="http://schemas.openxmlformats.org/officeDocument/2006/relationships" xmlns:p="http://schemas.openxmlformats.org/presentationml/2006/main">
   <p:cSld>
     <p:spTree>
       <p:nvGrpSpPr>
@@ -6219,7 +9877,8 @@
           </a:ln>
         </p:spPr>
         <p:txBody>
-          <a:bodyPr lIns="90000" rIns="90000" tIns="45000" bIns="45000" anchor="ctr"/>
+          <a:bodyPr lIns="90000" tIns="45000" rIns="90000" bIns="45000" anchor="ctr"/>
+          <a:lstStyle/>
           <a:p>
             <a:pPr>
               <a:lnSpc>
@@ -6259,7 +9918,8 @@
           </a:ln>
         </p:spPr>
         <p:txBody>
-          <a:bodyPr lIns="90000" rIns="90000" tIns="45000" bIns="45000"/>
+          <a:bodyPr lIns="90000" tIns="45000" rIns="90000" bIns="45000"/>
+          <a:lstStyle/>
           <a:p>
             <a:pPr>
               <a:lnSpc>
@@ -6267,12 +9927,60 @@
               </a:lnSpc>
             </a:pPr>
             <a:r>
-              <a:rPr lang="en-US" sz="2800">
-                <a:latin typeface="Calibri light"/>
-              </a:rPr>
-              <a:t>Agora voltaremos aos nossos pokémons.</a:t>
-            </a:r>
-            <a:endParaRPr/>
+              <a:rPr lang="en-US" sz="2800" dirty="0">
+                <a:latin typeface="Calibri light"/>
+              </a:rPr>
+              <a:t>Agora </a:t>
+            </a:r>
+            <a:r>
+              <a:rPr lang="en-US" sz="2800" dirty="0" err="1">
+                <a:latin typeface="Calibri light"/>
+              </a:rPr>
+              <a:t>voltaremos</a:t>
+            </a:r>
+            <a:r>
+              <a:rPr lang="en-US" sz="2800" dirty="0">
+                <a:latin typeface="Calibri light"/>
+              </a:rPr>
+              <a:t> </a:t>
+            </a:r>
+            <a:r>
+              <a:rPr lang="en-US" sz="2800" dirty="0" err="1">
+                <a:latin typeface="Calibri light"/>
+              </a:rPr>
+              <a:t>aos</a:t>
+            </a:r>
+            <a:r>
+              <a:rPr lang="en-US" sz="2800" dirty="0">
+                <a:latin typeface="Calibri light"/>
+              </a:rPr>
+              <a:t> </a:t>
+            </a:r>
+            <a:r>
+              <a:rPr lang="en-US" sz="2800" dirty="0" err="1">
+                <a:latin typeface="Calibri light"/>
+              </a:rPr>
+              <a:t>nossos</a:t>
+            </a:r>
+            <a:r>
+              <a:rPr lang="en-US" sz="2800" dirty="0">
+                <a:latin typeface="Calibri light"/>
+              </a:rPr>
+              <a:t> </a:t>
+            </a:r>
+            <a:r>
+              <a:rPr lang="en-US" sz="2800" dirty="0" err="1">
+                <a:latin typeface="Calibri light"/>
+              </a:rPr>
+              <a:t>pokémons</a:t>
+            </a:r>
+            <a:r>
+              <a:rPr lang="en-US" sz="2800" dirty="0">
+                <a:latin typeface="Calibri light"/>
+              </a:rPr>
+              <a:t>.</a:t>
+            </a:r>
+            <a:endParaRPr dirty="0"/>
           </a:p>
           <a:p>
             <a:pPr>
@@ -6280,7 +9988,7 @@
                 <a:spcPct val="100000"/>
               </a:lnSpc>
             </a:pPr>
-            <a:endParaRPr/>
+            <a:endParaRPr dirty="0"/>
           </a:p>
           <a:p>
             <a:pPr>
@@ -6289,12 +9997,102 @@
               </a:lnSpc>
             </a:pPr>
             <a:r>
-              <a:rPr lang="en-US" sz="2800">
-                <a:latin typeface="Calibri light"/>
-              </a:rPr>
-              <a:t>Acesse o endereço abaixo para obter a lista dos pokémons capturados no jogo:</a:t>
-            </a:r>
-            <a:endParaRPr/>
+              <a:rPr lang="en-US" sz="2800" dirty="0" err="1">
+                <a:latin typeface="Calibri light"/>
+              </a:rPr>
+              <a:t>Acesse</a:t>
+            </a:r>
+            <a:r>
+              <a:rPr lang="en-US" sz="2800" dirty="0">
+                <a:latin typeface="Calibri light"/>
+              </a:rPr>
+              <a:t> o </a:t>
+            </a:r>
+            <a:r>
+              <a:rPr lang="en-US" sz="2800" dirty="0" err="1">
+                <a:latin typeface="Calibri light"/>
+              </a:rPr>
+              <a:t>endereço</a:t>
+            </a:r>
+            <a:r>
+              <a:rPr lang="en-US" sz="2800" dirty="0">
+                <a:latin typeface="Calibri light"/>
+              </a:rPr>
+              <a:t> </a:t>
+            </a:r>
+            <a:r>
+              <a:rPr lang="en-US" sz="2800" dirty="0" err="1">
+                <a:latin typeface="Calibri light"/>
+              </a:rPr>
+              <a:t>abaixo</a:t>
+            </a:r>
+            <a:r>
+              <a:rPr lang="en-US" sz="2800" dirty="0">
+                <a:latin typeface="Calibri light"/>
+              </a:rPr>
+              <a:t> para </a:t>
+            </a:r>
+            <a:r>
+              <a:rPr lang="en-US" sz="2800" dirty="0" err="1">
+                <a:latin typeface="Calibri light"/>
+              </a:rPr>
+              <a:t>obter</a:t>
+            </a:r>
+            <a:r>
+              <a:rPr lang="en-US" sz="2800" dirty="0">
+                <a:latin typeface="Calibri light"/>
+              </a:rPr>
+              <a:t> a </a:t>
+            </a:r>
+            <a:r>
+              <a:rPr lang="en-US" sz="2800" dirty="0" err="1">
+                <a:latin typeface="Calibri light"/>
+              </a:rPr>
+              <a:t>lista</a:t>
+            </a:r>
+            <a:r>
+              <a:rPr lang="en-US" sz="2800" dirty="0">
+                <a:latin typeface="Calibri light"/>
+              </a:rPr>
+              <a:t> dos </a:t>
+            </a:r>
+            <a:r>
+              <a:rPr lang="en-US" sz="2800" dirty="0" err="1">
+                <a:latin typeface="Calibri light"/>
+              </a:rPr>
+              <a:t>pokémons</a:t>
+            </a:r>
+            <a:r>
+              <a:rPr lang="en-US" sz="2800" dirty="0">
+                <a:latin typeface="Calibri light"/>
+              </a:rPr>
+              <a:t> </a:t>
+            </a:r>
+            <a:r>
+              <a:rPr lang="en-US" sz="2800" dirty="0" err="1">
+                <a:latin typeface="Calibri light"/>
+              </a:rPr>
+              <a:t>capturados</a:t>
+            </a:r>
+            <a:r>
+              <a:rPr lang="en-US" sz="2800" dirty="0">
+                <a:latin typeface="Calibri light"/>
+              </a:rPr>
+              <a:t> no </a:t>
+            </a:r>
+            <a:r>
+              <a:rPr lang="en-US" sz="2800" dirty="0" err="1">
+                <a:latin typeface="Calibri light"/>
+              </a:rPr>
+              <a:t>jogo</a:t>
+            </a:r>
+            <a:r>
+              <a:rPr lang="en-US" sz="2800" dirty="0">
+                <a:latin typeface="Calibri light"/>
+              </a:rPr>
+              <a:t>:</a:t>
+            </a:r>
+            <a:endParaRPr dirty="0"/>
           </a:p>
           <a:p>
             <a:pPr>
@@ -6303,12 +10101,12 @@
               </a:lnSpc>
             </a:pPr>
             <a:r>
-              <a:rPr lang="en-US" sz="2800">
+              <a:rPr lang="en-US" sz="2800" dirty="0">
                 <a:latin typeface="Lucida Console"/>
               </a:rPr>
               <a:t>https://raw.githubusercontent.com/lidimayra/basic-stats/master/frequencies/pokemons.txt</a:t>
             </a:r>
-            <a:endParaRPr/>
+            <a:endParaRPr dirty="0"/>
           </a:p>
           <a:p>
             <a:pPr>
@@ -6316,28 +10114,31 @@
                 <a:spcPct val="100000"/>
               </a:lnSpc>
             </a:pPr>
-            <a:endParaRPr/>
+            <a:endParaRPr dirty="0"/>
           </a:p>
         </p:txBody>
       </p:sp>
     </p:spTree>
   </p:cSld>
+  <p:clrMapOvr>
+    <a:masterClrMapping/>
+  </p:clrMapOvr>
   <p:timing>
     <p:tnLst>
       <p:par>
-        <p:cTn id="17" dur="indefinite" restart="never" nodeType="tmRoot">
+        <p:cTn id="1" dur="indefinite" restart="never" nodeType="tmRoot">
           <p:childTnLst>
             <p:seq>
-              <p:cTn id="18" nodeType="mainSeq"/>
+              <p:cTn id="2" nodeType="mainSeq"/>
               <p:prevCondLst>
-                <p:cond delay="0" evt="onPrev">
+                <p:cond evt="onPrev" delay="0">
                   <p:tgtEl>
                     <p:sldTgt/>
                   </p:tgtEl>
                 </p:cond>
               </p:prevCondLst>
               <p:nextCondLst>
-                <p:cond delay="0" evt="onNext">
+                <p:cond evt="onNext" delay="0">
                   <p:tgtEl>
                     <p:sldTgt/>
                   </p:tgtEl>
@@ -6572,6 +10373,8 @@
       </a:bgFillStyleLst>
     </a:fmtScheme>
   </a:themeElements>
+  <a:objectDefaults/>
+  <a:extraClrSchemeLst/>
 </a:theme>
 </file>
 
@@ -6795,5 +10598,7 @@
       </a:bgFillStyleLst>
     </a:fmtScheme>
   </a:themeElements>
+  <a:objectDefaults/>
+  <a:extraClrSchemeLst/>
 </a:theme>
 </file>
--- a/presentation.pptx
+++ b/presentation.pptx
@@ -2777,7 +2777,7 @@
         <p:spPr>
           <a:xfrm>
             <a:off x="1523880" y="1122480"/>
-            <a:ext cx="9142200" cy="2385720"/>
+            <a:ext cx="9141840" cy="2385360"/>
           </a:xfrm>
           <a:prstGeom prst="rect">
             <a:avLst/>
@@ -2866,7 +2866,7 @@
         <p:spPr>
           <a:xfrm>
             <a:off x="838080" y="365040"/>
-            <a:ext cx="10513800" cy="1323720"/>
+            <a:ext cx="10513440" cy="1323360"/>
           </a:xfrm>
           <a:prstGeom prst="rect">
             <a:avLst/>
@@ -2906,7 +2906,7 @@
         <p:spPr>
           <a:xfrm>
             <a:off x="838080" y="1825560"/>
-            <a:ext cx="10513800" cy="4349520"/>
+            <a:ext cx="10513440" cy="4349160"/>
           </a:xfrm>
           <a:prstGeom prst="rect">
             <a:avLst/>
@@ -3068,7 +3068,7 @@
         <p:spPr>
           <a:xfrm>
             <a:off x="838080" y="365040"/>
-            <a:ext cx="10513800" cy="1323720"/>
+            <a:ext cx="10513440" cy="1323360"/>
           </a:xfrm>
           <a:prstGeom prst="rect">
             <a:avLst/>
@@ -3108,7 +3108,7 @@
         <p:spPr>
           <a:xfrm>
             <a:off x="838080" y="1825560"/>
-            <a:ext cx="10513800" cy="4349520"/>
+            <a:ext cx="10513440" cy="4349160"/>
           </a:xfrm>
           <a:prstGeom prst="rect">
             <a:avLst/>
@@ -3256,7 +3256,7 @@
         <p:spPr>
           <a:xfrm>
             <a:off x="838080" y="365040"/>
-            <a:ext cx="10513800" cy="1323720"/>
+            <a:ext cx="10513440" cy="1323360"/>
           </a:xfrm>
           <a:prstGeom prst="rect">
             <a:avLst/>
@@ -3296,7 +3296,7 @@
         <p:spPr>
           <a:xfrm>
             <a:off x="838080" y="1825560"/>
-            <a:ext cx="10513800" cy="4349520"/>
+            <a:ext cx="10513440" cy="4349160"/>
           </a:xfrm>
           <a:prstGeom prst="rect">
             <a:avLst/>
@@ -3484,7 +3484,7 @@
         <p:spPr>
           <a:xfrm>
             <a:off x="838080" y="365040"/>
-            <a:ext cx="10513800" cy="1323720"/>
+            <a:ext cx="10513440" cy="1323360"/>
           </a:xfrm>
           <a:prstGeom prst="rect">
             <a:avLst/>
@@ -3524,7 +3524,7 @@
         <p:spPr>
           <a:xfrm>
             <a:off x="838080" y="1825560"/>
-            <a:ext cx="10513800" cy="4349520"/>
+            <a:ext cx="10513440" cy="4349160"/>
           </a:xfrm>
           <a:prstGeom prst="rect">
             <a:avLst/>
@@ -3663,7 +3663,7 @@
         <p:spPr>
           <a:xfrm>
             <a:off x="838080" y="365040"/>
-            <a:ext cx="10513800" cy="1323720"/>
+            <a:ext cx="10513440" cy="1323360"/>
           </a:xfrm>
           <a:prstGeom prst="rect">
             <a:avLst/>
@@ -3703,7 +3703,7 @@
         <p:spPr>
           <a:xfrm>
             <a:off x="838080" y="1825560"/>
-            <a:ext cx="10513800" cy="4349520"/>
+            <a:ext cx="10513440" cy="4349160"/>
           </a:xfrm>
           <a:prstGeom prst="rect">
             <a:avLst/>
@@ -3891,7 +3891,7 @@
         <p:spPr>
           <a:xfrm>
             <a:off x="838080" y="365040"/>
-            <a:ext cx="10513800" cy="1323720"/>
+            <a:ext cx="10513440" cy="1323360"/>
           </a:xfrm>
           <a:prstGeom prst="rect">
             <a:avLst/>
@@ -3931,7 +3931,7 @@
         <p:spPr>
           <a:xfrm>
             <a:off x="838080" y="1825560"/>
-            <a:ext cx="10513800" cy="4349520"/>
+            <a:ext cx="10513440" cy="4349160"/>
           </a:xfrm>
           <a:prstGeom prst="rect">
             <a:avLst/>
@@ -4179,7 +4179,7 @@
         <p:spPr>
           <a:xfrm>
             <a:off x="838080" y="365040"/>
-            <a:ext cx="10513800" cy="1323720"/>
+            <a:ext cx="10513440" cy="1323360"/>
           </a:xfrm>
           <a:prstGeom prst="rect">
             <a:avLst/>
@@ -4219,7 +4219,7 @@
         <p:spPr>
           <a:xfrm>
             <a:off x="838080" y="1825560"/>
-            <a:ext cx="10513800" cy="4349520"/>
+            <a:ext cx="10513440" cy="4349160"/>
           </a:xfrm>
           <a:prstGeom prst="rect">
             <a:avLst/>
@@ -4373,7 +4373,7 @@
         <p:spPr>
           <a:xfrm>
             <a:off x="838080" y="365040"/>
-            <a:ext cx="10513800" cy="1323720"/>
+            <a:ext cx="10513440" cy="1323360"/>
           </a:xfrm>
           <a:prstGeom prst="rect">
             <a:avLst/>
@@ -4413,7 +4413,7 @@
         <p:spPr>
           <a:xfrm>
             <a:off x="838080" y="1825560"/>
-            <a:ext cx="10513800" cy="4349520"/>
+            <a:ext cx="10513440" cy="4349160"/>
           </a:xfrm>
           <a:prstGeom prst="rect">
             <a:avLst/>
@@ -4567,7 +4567,7 @@
         <p:spPr>
           <a:xfrm>
             <a:off x="838080" y="365040"/>
-            <a:ext cx="10513800" cy="1323720"/>
+            <a:ext cx="10513440" cy="1323360"/>
           </a:xfrm>
           <a:prstGeom prst="rect">
             <a:avLst/>
@@ -4607,7 +4607,7 @@
         <p:spPr>
           <a:xfrm>
             <a:off x="838080" y="1825560"/>
-            <a:ext cx="10513800" cy="4349520"/>
+            <a:ext cx="10513440" cy="4349160"/>
           </a:xfrm>
           <a:prstGeom prst="rect">
             <a:avLst/>
@@ -4721,7 +4721,7 @@
         <p:spPr>
           <a:xfrm>
             <a:off x="838080" y="365040"/>
-            <a:ext cx="10513800" cy="1323720"/>
+            <a:ext cx="10513440" cy="1323360"/>
           </a:xfrm>
           <a:prstGeom prst="rect">
             <a:avLst/>
@@ -4761,7 +4761,7 @@
         <p:spPr>
           <a:xfrm>
             <a:off x="838080" y="1825560"/>
-            <a:ext cx="10513800" cy="4349520"/>
+            <a:ext cx="10513440" cy="4349160"/>
           </a:xfrm>
           <a:prstGeom prst="rect">
             <a:avLst/>
@@ -4917,7 +4917,7 @@
         <p:spPr>
           <a:xfrm>
             <a:off x="838080" y="365040"/>
-            <a:ext cx="10513800" cy="1323720"/>
+            <a:ext cx="10513440" cy="1323360"/>
           </a:xfrm>
           <a:prstGeom prst="rect">
             <a:avLst/>
@@ -4957,7 +4957,7 @@
         <p:spPr>
           <a:xfrm>
             <a:off x="838080" y="1825560"/>
-            <a:ext cx="10513800" cy="2472840"/>
+            <a:ext cx="10513440" cy="2472480"/>
           </a:xfrm>
           <a:prstGeom prst="rect">
             <a:avLst/>
@@ -5069,7 +5069,7 @@
         <p:spPr>
           <a:xfrm>
             <a:off x="1270800" y="4628160"/>
-            <a:ext cx="9648720" cy="1406880"/>
+            <a:ext cx="9648360" cy="1406520"/>
           </a:xfrm>
           <a:prstGeom prst="roundRect">
             <a:avLst>
@@ -5236,7 +5236,7 @@
         <p:spPr>
           <a:xfrm>
             <a:off x="838080" y="365040"/>
-            <a:ext cx="10513800" cy="1323720"/>
+            <a:ext cx="10513440" cy="1323360"/>
           </a:xfrm>
           <a:prstGeom prst="rect">
             <a:avLst/>
@@ -5276,7 +5276,7 @@
         <p:spPr>
           <a:xfrm>
             <a:off x="838080" y="1825560"/>
-            <a:ext cx="10513800" cy="4349520"/>
+            <a:ext cx="10513440" cy="4349160"/>
           </a:xfrm>
           <a:prstGeom prst="rect">
             <a:avLst/>
@@ -5440,7 +5440,7 @@
         <p:spPr>
           <a:xfrm>
             <a:off x="838080" y="365040"/>
-            <a:ext cx="10513800" cy="1323720"/>
+            <a:ext cx="10513440" cy="1323360"/>
           </a:xfrm>
           <a:prstGeom prst="rect">
             <a:avLst/>
@@ -5480,7 +5480,7 @@
         <p:spPr>
           <a:xfrm>
             <a:off x="838080" y="1825560"/>
-            <a:ext cx="10513800" cy="4349520"/>
+            <a:ext cx="10513440" cy="4349160"/>
           </a:xfrm>
           <a:prstGeom prst="rect">
             <a:avLst/>
@@ -5577,7 +5577,7 @@
         <p:spPr>
           <a:xfrm>
             <a:off x="838080" y="365040"/>
-            <a:ext cx="10513800" cy="1323720"/>
+            <a:ext cx="10513440" cy="1323360"/>
           </a:xfrm>
           <a:prstGeom prst="rect">
             <a:avLst/>
@@ -5617,7 +5617,7 @@
         <p:spPr>
           <a:xfrm>
             <a:off x="838080" y="1825560"/>
-            <a:ext cx="10513800" cy="4349520"/>
+            <a:ext cx="10513440" cy="4349160"/>
           </a:xfrm>
           <a:prstGeom prst="rect">
             <a:avLst/>
@@ -5747,7 +5747,7 @@
         <p:spPr>
           <a:xfrm>
             <a:off x="838080" y="365040"/>
-            <a:ext cx="10513800" cy="1323720"/>
+            <a:ext cx="10513440" cy="1323360"/>
           </a:xfrm>
           <a:prstGeom prst="rect">
             <a:avLst/>
@@ -5787,7 +5787,7 @@
         <p:spPr>
           <a:xfrm>
             <a:off x="838080" y="1825560"/>
-            <a:ext cx="10513800" cy="4349520"/>
+            <a:ext cx="10513440" cy="4349160"/>
           </a:xfrm>
           <a:prstGeom prst="rect">
             <a:avLst/>
@@ -6003,7 +6003,7 @@
         <p:spPr>
           <a:xfrm>
             <a:off x="838080" y="365040"/>
-            <a:ext cx="10513800" cy="1323720"/>
+            <a:ext cx="10513440" cy="1323360"/>
           </a:xfrm>
           <a:prstGeom prst="rect">
             <a:avLst/>
@@ -6043,7 +6043,7 @@
         <p:spPr>
           <a:xfrm>
             <a:off x="838080" y="1825560"/>
-            <a:ext cx="10513800" cy="4349520"/>
+            <a:ext cx="10513440" cy="4349160"/>
           </a:xfrm>
           <a:prstGeom prst="rect">
             <a:avLst/>
@@ -6137,7 +6137,7 @@
         <p:spPr>
           <a:xfrm>
             <a:off x="838080" y="365040"/>
-            <a:ext cx="10513800" cy="1323720"/>
+            <a:ext cx="10513440" cy="1323360"/>
           </a:xfrm>
           <a:prstGeom prst="rect">
             <a:avLst/>
@@ -6177,7 +6177,7 @@
         <p:spPr>
           <a:xfrm>
             <a:off x="838080" y="1825560"/>
-            <a:ext cx="10513800" cy="4349520"/>
+            <a:ext cx="10513440" cy="4349160"/>
           </a:xfrm>
           <a:prstGeom prst="rect">
             <a:avLst/>
@@ -6423,7 +6423,7 @@
         <p:spPr>
           <a:xfrm>
             <a:off x="838080" y="365040"/>
-            <a:ext cx="10513800" cy="1323720"/>
+            <a:ext cx="10513440" cy="1323360"/>
           </a:xfrm>
           <a:prstGeom prst="rect">
             <a:avLst/>
@@ -6463,7 +6463,7 @@
         <p:spPr>
           <a:xfrm>
             <a:off x="838080" y="1825560"/>
-            <a:ext cx="10513800" cy="4349520"/>
+            <a:ext cx="10513440" cy="4349160"/>
           </a:xfrm>
           <a:prstGeom prst="rect">
             <a:avLst/>
@@ -6678,7 +6678,7 @@
         <p:spPr>
           <a:xfrm>
             <a:off x="838080" y="365040"/>
-            <a:ext cx="10513800" cy="1323720"/>
+            <a:ext cx="10513440" cy="1323360"/>
           </a:xfrm>
           <a:prstGeom prst="rect">
             <a:avLst/>
@@ -6718,7 +6718,7 @@
         <p:spPr>
           <a:xfrm>
             <a:off x="838080" y="1825560"/>
-            <a:ext cx="10513800" cy="4349520"/>
+            <a:ext cx="10513440" cy="4349160"/>
           </a:xfrm>
           <a:prstGeom prst="rect">
             <a:avLst/>
@@ -6831,7 +6831,7 @@
         <p:spPr>
           <a:xfrm>
             <a:off x="838080" y="365040"/>
-            <a:ext cx="10513800" cy="1323720"/>
+            <a:ext cx="10513440" cy="1323360"/>
           </a:xfrm>
           <a:prstGeom prst="rect">
             <a:avLst/>
@@ -6871,7 +6871,7 @@
         <p:spPr>
           <a:xfrm>
             <a:off x="838080" y="1825560"/>
-            <a:ext cx="10513800" cy="4349520"/>
+            <a:ext cx="10513440" cy="4349160"/>
           </a:xfrm>
           <a:prstGeom prst="rect">
             <a:avLst/>
@@ -7043,7 +7043,7 @@
         <p:spPr>
           <a:xfrm>
             <a:off x="838080" y="365040"/>
-            <a:ext cx="10513800" cy="1323720"/>
+            <a:ext cx="10513440" cy="1323360"/>
           </a:xfrm>
           <a:prstGeom prst="rect">
             <a:avLst/>
@@ -7083,7 +7083,7 @@
         <p:spPr>
           <a:xfrm>
             <a:off x="838080" y="1825560"/>
-            <a:ext cx="10513800" cy="4349520"/>
+            <a:ext cx="10513440" cy="4349160"/>
           </a:xfrm>
           <a:prstGeom prst="rect">
             <a:avLst/>
@@ -7228,7 +7228,7 @@
         <p:spPr>
           <a:xfrm>
             <a:off x="838080" y="365040"/>
-            <a:ext cx="10513800" cy="1323720"/>
+            <a:ext cx="10513440" cy="1323360"/>
           </a:xfrm>
           <a:prstGeom prst="rect">
             <a:avLst/>
@@ -7274,7 +7274,7 @@
         <p:spPr>
           <a:xfrm>
             <a:off x="3945960" y="1427760"/>
-            <a:ext cx="3825000" cy="4915440"/>
+            <a:ext cx="3824640" cy="4915080"/>
           </a:xfrm>
           <a:prstGeom prst="rect">
             <a:avLst/>
@@ -7342,7 +7342,7 @@
         <p:spPr>
           <a:xfrm>
             <a:off x="838080" y="365040"/>
-            <a:ext cx="10513800" cy="1323720"/>
+            <a:ext cx="10513440" cy="1323360"/>
           </a:xfrm>
           <a:prstGeom prst="rect">
             <a:avLst/>
@@ -7382,7 +7382,7 @@
         <p:spPr>
           <a:xfrm>
             <a:off x="838080" y="1825560"/>
-            <a:ext cx="10513800" cy="4349520"/>
+            <a:ext cx="10513440" cy="4349160"/>
           </a:xfrm>
           <a:prstGeom prst="rect">
             <a:avLst/>
@@ -7598,7 +7598,7 @@
         <p:spPr>
           <a:xfrm>
             <a:off x="838080" y="365040"/>
-            <a:ext cx="10513800" cy="1323720"/>
+            <a:ext cx="10513440" cy="1323360"/>
           </a:xfrm>
           <a:prstGeom prst="rect">
             <a:avLst/>
@@ -7638,7 +7638,7 @@
         <p:spPr>
           <a:xfrm>
             <a:off x="838080" y="1825560"/>
-            <a:ext cx="10513800" cy="4349520"/>
+            <a:ext cx="10513440" cy="4349160"/>
           </a:xfrm>
           <a:prstGeom prst="rect">
             <a:avLst/>
@@ -7811,7 +7811,7 @@
         <p:spPr>
           <a:xfrm>
             <a:off x="838080" y="365040"/>
-            <a:ext cx="10513800" cy="1323720"/>
+            <a:ext cx="10513440" cy="1323360"/>
           </a:xfrm>
           <a:prstGeom prst="rect">
             <a:avLst/>
@@ -7851,7 +7851,7 @@
         <p:spPr>
           <a:xfrm>
             <a:off x="838080" y="1825560"/>
-            <a:ext cx="10513800" cy="4349520"/>
+            <a:ext cx="10513440" cy="4349160"/>
           </a:xfrm>
           <a:prstGeom prst="rect">
             <a:avLst/>
@@ -7999,7 +7999,7 @@
         <p:spPr>
           <a:xfrm>
             <a:off x="838080" y="365040"/>
-            <a:ext cx="10513800" cy="1323720"/>
+            <a:ext cx="10513440" cy="1323360"/>
           </a:xfrm>
           <a:prstGeom prst="rect">
             <a:avLst/>
@@ -8039,7 +8039,7 @@
         <p:spPr>
           <a:xfrm>
             <a:off x="838080" y="1825560"/>
-            <a:ext cx="10513800" cy="4349520"/>
+            <a:ext cx="10513440" cy="4349160"/>
           </a:xfrm>
           <a:prstGeom prst="rect">
             <a:avLst/>

--- a/presentation.pptx
+++ b/presentation.pptx
@@ -33,6 +33,7 @@
     <p:sldId id="280" r:id="rId27"/>
     <p:sldId id="281" r:id="rId28"/>
     <p:sldId id="282" r:id="rId29"/>
+    <p:sldId id="283" r:id="rId30"/>
   </p:sldIdLst>
   <p:sldSz cx="12192000" cy="6858000"/>
   <p:notesSz cx="7559675" cy="10691813"/>
@@ -13380,6 +13381,134 @@
         </p:txBody>
       </p:sp>
     </p:spTree>
+  </p:cSld>
+  <p:clrMapOvr>
+    <a:masterClrMapping/>
+  </p:clrMapOvr>
+  <p:timing>
+    <p:tnLst>
+      <p:par>
+        <p:cTn id="1" dur="indefinite" restart="never" nodeType="tmRoot">
+          <p:childTnLst>
+            <p:seq>
+              <p:cTn id="2" nodeType="mainSeq"/>
+              <p:prevCondLst>
+                <p:cond evt="onPrev" delay="0">
+                  <p:tgtEl>
+                    <p:sldTgt/>
+                  </p:tgtEl>
+                </p:cond>
+              </p:prevCondLst>
+              <p:nextCondLst>
+                <p:cond evt="onNext" delay="0">
+                  <p:tgtEl>
+                    <p:sldTgt/>
+                  </p:tgtEl>
+                </p:cond>
+              </p:nextCondLst>
+            </p:seq>
+          </p:childTnLst>
+        </p:cTn>
+      </p:par>
+    </p:tnLst>
+  </p:timing>
+</p:sld>
+</file>
+
+<file path=ppt/slides/slide28.xml><?xml version="1.0" encoding="utf-8"?>
+<p:sld xmlns:a="http://schemas.openxmlformats.org/drawingml/2006/main" xmlns:r="http://schemas.openxmlformats.org/officeDocument/2006/relationships" xmlns:p="http://schemas.openxmlformats.org/presentationml/2006/main">
+  <p:cSld>
+    <p:spTree>
+      <p:nvGrpSpPr>
+        <p:cNvPr id="1" name=""/>
+        <p:cNvGrpSpPr/>
+        <p:nvPr/>
+      </p:nvGrpSpPr>
+      <p:grpSpPr>
+        <a:xfrm>
+          <a:off x="0" y="0"/>
+          <a:ext cx="0" cy="0"/>
+          <a:chOff x="0" y="0"/>
+          <a:chExt cx="0" cy="0"/>
+        </a:xfrm>
+      </p:grpSpPr>
+      <p:sp>
+        <p:nvSpPr>
+          <p:cNvPr id="124" name="CustomShape 1"/>
+          <p:cNvSpPr/>
+          <p:nvPr/>
+        </p:nvSpPr>
+        <p:spPr>
+          <a:xfrm>
+            <a:off x="838080" y="365040"/>
+            <a:ext cx="10513440" cy="1323360"/>
+          </a:xfrm>
+          <a:prstGeom prst="rect">
+            <a:avLst/>
+          </a:prstGeom>
+          <a:noFill/>
+          <a:ln>
+            <a:noFill/>
+          </a:ln>
+        </p:spPr>
+        <p:txBody>
+          <a:bodyPr lIns="90000" tIns="45000" rIns="90000" bIns="45000" anchor="ctr"/>
+          <a:lstStyle/>
+          <a:p>
+            <a:pPr>
+              <a:lnSpc>
+                <a:spcPct val="90000"/>
+              </a:lnSpc>
+            </a:pPr>
+            <a:r>
+              <a:rPr lang="en-US" sz="4400">
+                <a:solidFill>
+                  <a:srgbClr val="000000"/>
+                </a:solidFill>
+                <a:latin typeface="Calibri Light"/>
+              </a:rPr>
+              <a:t>Visualização de dados</a:t>
+            </a:r>
+            <a:endParaRPr/>
+          </a:p>
+        </p:txBody>
+      </p:sp>
+      <p:pic>
+        <p:nvPicPr>
+          <p:cNvPr id="7" name="Imagem 6"/>
+          <p:cNvPicPr>
+            <a:picLocks noChangeAspect="1"/>
+          </p:cNvPicPr>
+          <p:nvPr/>
+        </p:nvPicPr>
+        <p:blipFill>
+          <a:blip r:embed="rId2">
+            <a:extLst>
+              <a:ext uri="{28A0092B-C50C-407E-A947-70E740481C1C}">
+                <a14:useLocalDpi xmlns:a14="http://schemas.microsoft.com/office/drawing/2010/main" val="0"/>
+              </a:ext>
+            </a:extLst>
+          </a:blip>
+          <a:stretch>
+            <a:fillRect/>
+          </a:stretch>
+        </p:blipFill>
+        <p:spPr>
+          <a:xfrm>
+            <a:off x="2167569" y="967153"/>
+            <a:ext cx="7854462" cy="5890847"/>
+          </a:xfrm>
+          <a:prstGeom prst="rect">
+            <a:avLst/>
+          </a:prstGeom>
+        </p:spPr>
+      </p:pic>
+    </p:spTree>
+    <p:extLst>
+      <p:ext uri="{BB962C8B-B14F-4D97-AF65-F5344CB8AC3E}">
+        <p14:creationId xmlns:p14="http://schemas.microsoft.com/office/powerpoint/2010/main" val="1109311291"/>
+      </p:ext>
+    </p:extLst>
   </p:cSld>
   <p:clrMapOvr>
     <a:masterClrMapping/>

--- a/presentation.pptx
+++ b/presentation.pptx
@@ -33,7 +33,9 @@
     <p:sldId id="280" r:id="rId27"/>
     <p:sldId id="281" r:id="rId28"/>
     <p:sldId id="282" r:id="rId29"/>
-    <p:sldId id="283" r:id="rId30"/>
+    <p:sldId id="284" r:id="rId30"/>
+    <p:sldId id="285" r:id="rId31"/>
+    <p:sldId id="286" r:id="rId32"/>
   </p:sldIdLst>
   <p:sldSz cx="12192000" cy="6858000"/>
   <p:notesSz cx="7559675" cy="10691813"/>
@@ -132,6 +134,11 @@
       </a:defRPr>
     </a:lvl9pPr>
   </p:defaultTextStyle>
+  <p:extLst>
+    <p:ext uri="{EFAFB233-063F-42B5-8137-9DF3F51BA10A}">
+      <p15:sldGuideLst xmlns:p15="http://schemas.microsoft.com/office/powerpoint/2012/main"/>
+    </p:ext>
+  </p:extLst>
 </p:presentation>
 </file>
 
@@ -12710,15 +12717,24 @@
               </a:lnSpc>
             </a:pPr>
             <a:r>
-              <a:rPr lang="en-US" sz="4400">
+              <a:rPr lang="en-US" sz="4400" dirty="0" err="1">
                 <a:solidFill>
                   <a:srgbClr val="000000"/>
                 </a:solidFill>
                 <a:latin typeface="Calibri Light"/>
               </a:rPr>
-              <a:t>Visualização de dados</a:t>
-            </a:r>
-            <a:endParaRPr/>
+              <a:t>Visualização</a:t>
+            </a:r>
+            <a:r>
+              <a:rPr lang="en-US" sz="4400" dirty="0">
+                <a:solidFill>
+                  <a:srgbClr val="000000"/>
+                </a:solidFill>
+                <a:latin typeface="Calibri Light"/>
+              </a:rPr>
+              <a:t> de dados</a:t>
+            </a:r>
+            <a:endParaRPr dirty="0"/>
           </a:p>
         </p:txBody>
       </p:sp>
@@ -12731,7 +12747,7 @@
         <p:spPr>
           <a:xfrm>
             <a:off x="838080" y="1688399"/>
-            <a:ext cx="9979975" cy="3293209"/>
+            <a:ext cx="9979975" cy="2492990"/>
           </a:xfrm>
           <a:prstGeom prst="rect">
             <a:avLst/>
@@ -12847,7 +12863,7 @@
               <a:t> </a:t>
             </a:r>
             <a:r>
-              <a:rPr lang="pt-BR" sz="2600" b="1" i="0" dirty="0">
+              <a:rPr lang="pt-BR" sz="2600" b="1" i="0" dirty="0" err="1">
                 <a:solidFill>
                   <a:srgbClr val="0000FF"/>
                 </a:solidFill>
@@ -12856,6 +12872,15 @@
               </a:rPr>
               <a:t>plt</a:t>
             </a:r>
+            <a:endParaRPr lang="pt-BR" sz="2600" b="1" i="0" dirty="0">
+              <a:solidFill>
+                <a:srgbClr val="0000FF"/>
+              </a:solidFill>
+              <a:effectLst/>
+              <a:latin typeface="Lucida Console" panose="020B0609040504020204" pitchFamily="49" charset="0"/>
+            </a:endParaRPr>
+          </a:p>
+          <a:p>
             <a:endParaRPr lang="pt-BR" sz="2600" dirty="0">
               <a:solidFill>
                 <a:srgbClr val="333333"/>
@@ -12872,17 +12897,44 @@
                 <a:effectLst/>
                 <a:latin typeface="Lucida Console" panose="020B0609040504020204" pitchFamily="49" charset="0"/>
               </a:rPr>
-              <a:t>x_pos </a:t>
-            </a:r>
-            <a:r>
-              <a:rPr lang="pt-BR" sz="2600" b="0" i="0" dirty="0">
-                <a:solidFill>
-                  <a:srgbClr val="666666"/>
+              <a:t>tamanho = </a:t>
+            </a:r>
+            <a:r>
+              <a:rPr lang="pt-BR" sz="2600" dirty="0" err="1">
+                <a:solidFill>
+                  <a:srgbClr val="008000"/>
+                </a:solidFill>
+                <a:latin typeface="Lucida Console" panose="020B0609040504020204" pitchFamily="49" charset="0"/>
+              </a:rPr>
+              <a:t>len</a:t>
+            </a:r>
+            <a:r>
+              <a:rPr lang="pt-BR" sz="2600" dirty="0">
+                <a:solidFill>
+                  <a:srgbClr val="333333"/>
+                </a:solidFill>
+                <a:latin typeface="Lucida Console" panose="020B0609040504020204" pitchFamily="49" charset="0"/>
+              </a:rPr>
+              <a:t>(xi)</a:t>
+            </a:r>
+            <a:endParaRPr lang="pt-BR" sz="2600" b="0" i="0" dirty="0">
+              <a:solidFill>
+                <a:srgbClr val="333333"/>
+              </a:solidFill>
+              <a:effectLst/>
+              <a:latin typeface="Lucida Console" panose="020B0609040504020204" pitchFamily="49" charset="0"/>
+            </a:endParaRPr>
+          </a:p>
+          <a:p>
+            <a:r>
+              <a:rPr lang="pt-BR" sz="2600" b="0" i="0" dirty="0" err="1">
+                <a:solidFill>
+                  <a:srgbClr val="333333"/>
                 </a:solidFill>
                 <a:effectLst/>
                 <a:latin typeface="Lucida Console" panose="020B0609040504020204" pitchFamily="49" charset="0"/>
               </a:rPr>
-              <a:t>=</a:t>
+              <a:t>x_pos</a:t>
             </a:r>
             <a:r>
               <a:rPr lang="pt-BR" sz="2600" b="0" i="0" dirty="0">
@@ -12892,7 +12944,7 @@
                 <a:effectLst/>
                 <a:latin typeface="Lucida Console" panose="020B0609040504020204" pitchFamily="49" charset="0"/>
               </a:rPr>
-              <a:t> np</a:t>
+              <a:t> </a:t>
             </a:r>
             <a:r>
               <a:rPr lang="pt-BR" sz="2600" b="0" i="0" dirty="0">
@@ -12902,7 +12954,7 @@
                 <a:effectLst/>
                 <a:latin typeface="Lucida Console" panose="020B0609040504020204" pitchFamily="49" charset="0"/>
               </a:rPr>
-              <a:t>.</a:t>
+              <a:t>=</a:t>
             </a:r>
             <a:r>
               <a:rPr lang="pt-BR" sz="2600" b="0" i="0" dirty="0">
@@ -12912,30 +12964,28 @@
                 <a:effectLst/>
                 <a:latin typeface="Lucida Console" panose="020B0609040504020204" pitchFamily="49" charset="0"/>
               </a:rPr>
-              <a:t>arange(</a:t>
+              <a:t> </a:t>
             </a:r>
             <a:r>
               <a:rPr lang="pt-BR" sz="2600" b="0" i="0" dirty="0" err="1">
                 <a:solidFill>
-                  <a:srgbClr val="008000"/>
+                  <a:srgbClr val="333333"/>
                 </a:solidFill>
                 <a:effectLst/>
                 <a:latin typeface="Lucida Console" panose="020B0609040504020204" pitchFamily="49" charset="0"/>
               </a:rPr>
-              <a:t>len</a:t>
-            </a:r>
-            <a:r>
-              <a:rPr lang="pt-BR" sz="2600" b="0" i="0" dirty="0">
-                <a:solidFill>
-                  <a:srgbClr val="333333"/>
+              <a:t>np</a:t>
+            </a:r>
+            <a:r>
+              <a:rPr lang="pt-BR" sz="2600" b="0" i="0" dirty="0" err="1">
+                <a:solidFill>
+                  <a:srgbClr val="666666"/>
                 </a:solidFill>
                 <a:effectLst/>
                 <a:latin typeface="Lucida Console" panose="020B0609040504020204" pitchFamily="49" charset="0"/>
               </a:rPr>
-              <a:t>(xi))</a:t>
-            </a:r>
-          </a:p>
-          <a:p>
+              <a:t>.</a:t>
+            </a:r>
             <a:r>
               <a:rPr lang="pt-BR" sz="2600" b="0" i="0" dirty="0" err="1">
                 <a:solidFill>
@@ -12944,18 +12994,20 @@
                 <a:effectLst/>
                 <a:latin typeface="Lucida Console" panose="020B0609040504020204" pitchFamily="49" charset="0"/>
               </a:rPr>
-              <a:t>plt</a:t>
-            </a:r>
-            <a:r>
-              <a:rPr lang="pt-BR" sz="2600" b="0" i="0" dirty="0" err="1">
-                <a:solidFill>
-                  <a:srgbClr val="666666"/>
+              <a:t>arange</a:t>
+            </a:r>
+            <a:r>
+              <a:rPr lang="pt-BR" sz="2600" b="0" i="0" dirty="0">
+                <a:solidFill>
+                  <a:srgbClr val="333333"/>
                 </a:solidFill>
                 <a:effectLst/>
                 <a:latin typeface="Lucida Console" panose="020B0609040504020204" pitchFamily="49" charset="0"/>
               </a:rPr>
-              <a:t>.</a:t>
-            </a:r>
+              <a:t>(tamanho)</a:t>
+            </a:r>
+          </a:p>
+          <a:p>
             <a:r>
               <a:rPr lang="pt-BR" sz="2600" b="0" i="0" dirty="0" err="1">
                 <a:solidFill>
@@ -12964,27 +13016,27 @@
                 <a:effectLst/>
                 <a:latin typeface="Lucida Console" panose="020B0609040504020204" pitchFamily="49" charset="0"/>
               </a:rPr>
-              <a:t>figure</a:t>
-            </a:r>
-            <a:r>
-              <a:rPr lang="pt-BR" sz="2600" b="0" i="0" dirty="0">
-                <a:solidFill>
-                  <a:srgbClr val="333333"/>
+              <a:t>plt</a:t>
+            </a:r>
+            <a:r>
+              <a:rPr lang="pt-BR" sz="2600" b="0" i="0" dirty="0" err="1">
+                <a:solidFill>
+                  <a:srgbClr val="666666"/>
                 </a:solidFill>
                 <a:effectLst/>
                 <a:latin typeface="Lucida Console" panose="020B0609040504020204" pitchFamily="49" charset="0"/>
               </a:rPr>
-              <a:t>(</a:t>
-            </a:r>
-            <a:r>
-              <a:rPr lang="pt-BR" sz="2600" b="0" i="0" dirty="0">
-                <a:solidFill>
-                  <a:srgbClr val="666666"/>
+              <a:t>.</a:t>
+            </a:r>
+            <a:r>
+              <a:rPr lang="pt-BR" sz="2600" b="0" i="0" dirty="0" err="1">
+                <a:solidFill>
+                  <a:srgbClr val="333333"/>
                 </a:solidFill>
                 <a:effectLst/>
                 <a:latin typeface="Lucida Console" panose="020B0609040504020204" pitchFamily="49" charset="0"/>
               </a:rPr>
-              <a:t>1</a:t>
+              <a:t>bar</a:t>
             </a:r>
             <a:r>
               <a:rPr lang="pt-BR" sz="2600" b="0" i="0" dirty="0">
@@ -12994,389 +13046,88 @@
                 <a:effectLst/>
                 <a:latin typeface="Lucida Console" panose="020B0609040504020204" pitchFamily="49" charset="0"/>
               </a:rPr>
-              <a:t>)</a:t>
-            </a:r>
-          </a:p>
-          <a:p>
-            <a:r>
-              <a:rPr lang="pt-BR" sz="2600" b="0" i="0" dirty="0">
+              <a:t>(</a:t>
+            </a:r>
+            <a:r>
+              <a:rPr lang="pt-BR" sz="2600" b="0" i="0" dirty="0" err="1">
                 <a:solidFill>
                   <a:srgbClr val="333333"/>
                 </a:solidFill>
                 <a:effectLst/>
                 <a:latin typeface="Lucida Console" panose="020B0609040504020204" pitchFamily="49" charset="0"/>
               </a:rPr>
-              <a:t>plt</a:t>
+              <a:t>x_pos</a:t>
             </a:r>
             <a:r>
               <a:rPr lang="pt-BR" sz="2600" b="0" i="0" dirty="0">
                 <a:solidFill>
-                  <a:srgbClr val="666666"/>
+                  <a:srgbClr val="333333"/>
                 </a:solidFill>
                 <a:effectLst/>
                 <a:latin typeface="Lucida Console" panose="020B0609040504020204" pitchFamily="49" charset="0"/>
               </a:rPr>
-              <a:t>.</a:t>
-            </a:r>
-            <a:r>
-              <a:rPr lang="pt-BR" sz="2600" b="0" i="0" dirty="0">
+              <a:t>, </a:t>
+            </a:r>
+            <a:r>
+              <a:rPr lang="pt-BR" sz="2600" b="0" i="0" dirty="0" err="1">
                 <a:solidFill>
                   <a:srgbClr val="333333"/>
                 </a:solidFill>
                 <a:effectLst/>
                 <a:latin typeface="Lucida Console" panose="020B0609040504020204" pitchFamily="49" charset="0"/>
               </a:rPr>
-              <a:t>bar(x_pos, </a:t>
-            </a:r>
-            <a:r>
-              <a:rPr lang="pt-BR" sz="2600" b="0" i="0" dirty="0" err="1">
+              <a:t>fi</a:t>
+            </a:r>
+            <a:r>
+              <a:rPr lang="pt-BR" sz="2600" b="0" i="0" dirty="0">
                 <a:solidFill>
                   <a:srgbClr val="333333"/>
                 </a:solidFill>
                 <a:effectLst/>
                 <a:latin typeface="Lucida Console" panose="020B0609040504020204" pitchFamily="49" charset="0"/>
               </a:rPr>
-              <a:t>fi</a:t>
-            </a:r>
-            <a:r>
-              <a:rPr lang="pt-BR" sz="2600" b="0" i="0" dirty="0">
+              <a:t>, </a:t>
+            </a:r>
+            <a:r>
+              <a:rPr lang="pt-BR" sz="2600" b="0" i="0" dirty="0" err="1">
                 <a:solidFill>
                   <a:srgbClr val="333333"/>
                 </a:solidFill>
                 <a:effectLst/>
                 <a:latin typeface="Lucida Console" panose="020B0609040504020204" pitchFamily="49" charset="0"/>
               </a:rPr>
-              <a:t>, </a:t>
-            </a:r>
-            <a:r>
-              <a:rPr lang="pt-BR" sz="2600" b="0" i="0" dirty="0" err="1">
-                <a:solidFill>
-                  <a:srgbClr val="333333"/>
+              <a:t>align</a:t>
+            </a:r>
+            <a:r>
+              <a:rPr lang="pt-BR" sz="2600" b="0" i="0" dirty="0">
+                <a:solidFill>
+                  <a:srgbClr val="666666"/>
                 </a:solidFill>
                 <a:effectLst/>
                 <a:latin typeface="Lucida Console" panose="020B0609040504020204" pitchFamily="49" charset="0"/>
               </a:rPr>
-              <a:t>align</a:t>
+              <a:t>=</a:t>
             </a:r>
             <a:r>
               <a:rPr lang="pt-BR" sz="2600" b="0" i="0" dirty="0">
                 <a:solidFill>
-                  <a:srgbClr val="666666"/>
+                  <a:srgbClr val="BA2121"/>
                 </a:solidFill>
                 <a:effectLst/>
                 <a:latin typeface="Lucida Console" panose="020B0609040504020204" pitchFamily="49" charset="0"/>
               </a:rPr>
-              <a:t>=</a:t>
+              <a:t>'center'</a:t>
             </a:r>
             <a:r>
               <a:rPr lang="pt-BR" sz="2600" b="0" i="0" dirty="0">
                 <a:solidFill>
-                  <a:srgbClr val="BA2121"/>
+                  <a:srgbClr val="333333"/>
                 </a:solidFill>
                 <a:effectLst/>
                 <a:latin typeface="Lucida Console" panose="020B0609040504020204" pitchFamily="49" charset="0"/>
               </a:rPr>
-              <a:t>'center'</a:t>
-            </a:r>
-            <a:r>
-              <a:rPr lang="pt-BR" sz="2600" b="0" i="0" dirty="0">
-                <a:solidFill>
-                  <a:srgbClr val="333333"/>
-                </a:solidFill>
-                <a:effectLst/>
-                <a:latin typeface="Lucida Console" panose="020B0609040504020204" pitchFamily="49" charset="0"/>
-              </a:rPr>
               <a:t>)</a:t>
             </a:r>
-          </a:p>
-          <a:p>
-            <a:r>
-              <a:rPr lang="pt-BR" sz="2600" b="0" i="0" dirty="0" err="1">
-                <a:solidFill>
-                  <a:srgbClr val="333333"/>
-                </a:solidFill>
-                <a:effectLst/>
-                <a:latin typeface="Lucida Console" panose="020B0609040504020204" pitchFamily="49" charset="0"/>
-              </a:rPr>
-              <a:t>plt</a:t>
-            </a:r>
-            <a:r>
-              <a:rPr lang="pt-BR" sz="2600" b="0" i="0" dirty="0" err="1">
-                <a:solidFill>
-                  <a:srgbClr val="666666"/>
-                </a:solidFill>
-                <a:effectLst/>
-                <a:latin typeface="Lucida Console" panose="020B0609040504020204" pitchFamily="49" charset="0"/>
-              </a:rPr>
-              <a:t>.</a:t>
-            </a:r>
-            <a:r>
-              <a:rPr lang="pt-BR" sz="2600" b="0" i="0" dirty="0" err="1">
-                <a:solidFill>
-                  <a:srgbClr val="333333"/>
-                </a:solidFill>
-                <a:effectLst/>
-                <a:latin typeface="Lucida Console" panose="020B0609040504020204" pitchFamily="49" charset="0"/>
-              </a:rPr>
-              <a:t>ylim</a:t>
-            </a:r>
-            <a:r>
-              <a:rPr lang="pt-BR" sz="2600" b="0" i="0" dirty="0">
-                <a:solidFill>
-                  <a:srgbClr val="333333"/>
-                </a:solidFill>
-                <a:effectLst/>
-                <a:latin typeface="Lucida Console" panose="020B0609040504020204" pitchFamily="49" charset="0"/>
-              </a:rPr>
-              <a:t>(</a:t>
-            </a:r>
-            <a:r>
-              <a:rPr lang="pt-BR" sz="2600" b="0" i="0" dirty="0">
-                <a:solidFill>
-                  <a:srgbClr val="666666"/>
-                </a:solidFill>
-                <a:effectLst/>
-                <a:latin typeface="Lucida Console" panose="020B0609040504020204" pitchFamily="49" charset="0"/>
-              </a:rPr>
-              <a:t>0</a:t>
-            </a:r>
-            <a:r>
-              <a:rPr lang="pt-BR" sz="2600" b="0" i="0" dirty="0">
-                <a:solidFill>
-                  <a:srgbClr val="333333"/>
-                </a:solidFill>
-                <a:effectLst/>
-                <a:latin typeface="Lucida Console" panose="020B0609040504020204" pitchFamily="49" charset="0"/>
-              </a:rPr>
-              <a:t>, </a:t>
-            </a:r>
-            <a:r>
-              <a:rPr lang="pt-BR" sz="2600" b="0" i="0" dirty="0" err="1">
-                <a:solidFill>
-                  <a:srgbClr val="008000"/>
-                </a:solidFill>
-                <a:effectLst/>
-                <a:latin typeface="Lucida Console" panose="020B0609040504020204" pitchFamily="49" charset="0"/>
-              </a:rPr>
-              <a:t>max</a:t>
-            </a:r>
-            <a:r>
-              <a:rPr lang="pt-BR" sz="2600" b="0" i="0" dirty="0">
-                <a:solidFill>
-                  <a:srgbClr val="333333"/>
-                </a:solidFill>
-                <a:effectLst/>
-                <a:latin typeface="Lucida Console" panose="020B0609040504020204" pitchFamily="49" charset="0"/>
-              </a:rPr>
-              <a:t>(</a:t>
-            </a:r>
-            <a:r>
-              <a:rPr lang="pt-BR" sz="2600" b="0" i="0" dirty="0" err="1">
-                <a:solidFill>
-                  <a:srgbClr val="333333"/>
-                </a:solidFill>
-                <a:effectLst/>
-                <a:latin typeface="Lucida Console" panose="020B0609040504020204" pitchFamily="49" charset="0"/>
-              </a:rPr>
-              <a:t>fi</a:t>
-            </a:r>
-            <a:r>
-              <a:rPr lang="pt-BR" sz="2600" b="0" i="0" dirty="0">
-                <a:solidFill>
-                  <a:srgbClr val="333333"/>
-                </a:solidFill>
-                <a:effectLst/>
-                <a:latin typeface="Lucida Console" panose="020B0609040504020204" pitchFamily="49" charset="0"/>
-              </a:rPr>
-              <a:t>) </a:t>
-            </a:r>
-            <a:r>
-              <a:rPr lang="pt-BR" sz="2600" b="0" i="0" dirty="0">
-                <a:solidFill>
-                  <a:srgbClr val="666666"/>
-                </a:solidFill>
-                <a:effectLst/>
-                <a:latin typeface="Lucida Console" panose="020B0609040504020204" pitchFamily="49" charset="0"/>
-              </a:rPr>
-              <a:t>+</a:t>
-            </a:r>
-            <a:r>
-              <a:rPr lang="pt-BR" sz="2600" b="0" i="0" dirty="0">
-                <a:solidFill>
-                  <a:srgbClr val="333333"/>
-                </a:solidFill>
-                <a:effectLst/>
-                <a:latin typeface="Lucida Console" panose="020B0609040504020204" pitchFamily="49" charset="0"/>
-              </a:rPr>
-              <a:t> </a:t>
-            </a:r>
-            <a:r>
-              <a:rPr lang="pt-BR" sz="2600" b="0" i="0" dirty="0">
-                <a:solidFill>
-                  <a:srgbClr val="666666"/>
-                </a:solidFill>
-                <a:effectLst/>
-                <a:latin typeface="Lucida Console" panose="020B0609040504020204" pitchFamily="49" charset="0"/>
-              </a:rPr>
-              <a:t>0.5</a:t>
-            </a:r>
-            <a:r>
-              <a:rPr lang="pt-BR" sz="2600" b="0" i="0" dirty="0">
-                <a:solidFill>
-                  <a:srgbClr val="333333"/>
-                </a:solidFill>
-                <a:effectLst/>
-                <a:latin typeface="Lucida Console" panose="020B0609040504020204" pitchFamily="49" charset="0"/>
-              </a:rPr>
-              <a:t>)</a:t>
-            </a:r>
-          </a:p>
-          <a:p>
-            <a:r>
-              <a:rPr lang="pt-BR" sz="2600" b="0" i="0" dirty="0" err="1">
-                <a:solidFill>
-                  <a:srgbClr val="333333"/>
-                </a:solidFill>
-                <a:effectLst/>
-                <a:latin typeface="Lucida Console" panose="020B0609040504020204" pitchFamily="49" charset="0"/>
-              </a:rPr>
-              <a:t>plt</a:t>
-            </a:r>
-            <a:r>
-              <a:rPr lang="pt-BR" sz="2600" b="0" i="0" dirty="0" err="1">
-                <a:solidFill>
-                  <a:srgbClr val="666666"/>
-                </a:solidFill>
-                <a:effectLst/>
-                <a:latin typeface="Lucida Console" panose="020B0609040504020204" pitchFamily="49" charset="0"/>
-              </a:rPr>
-              <a:t>.</a:t>
-            </a:r>
-            <a:r>
-              <a:rPr lang="pt-BR" sz="2600" b="0" i="0" dirty="0" err="1">
-                <a:solidFill>
-                  <a:srgbClr val="333333"/>
-                </a:solidFill>
-                <a:effectLst/>
-                <a:latin typeface="Lucida Console" panose="020B0609040504020204" pitchFamily="49" charset="0"/>
-              </a:rPr>
-              <a:t>xticks</a:t>
-            </a:r>
-            <a:r>
-              <a:rPr lang="pt-BR" sz="2600" b="0" i="0" dirty="0">
-                <a:solidFill>
-                  <a:srgbClr val="333333"/>
-                </a:solidFill>
-                <a:effectLst/>
-                <a:latin typeface="Lucida Console" panose="020B0609040504020204" pitchFamily="49" charset="0"/>
-              </a:rPr>
-              <a:t>(</a:t>
-            </a:r>
-            <a:r>
-              <a:rPr lang="pt-BR" sz="2600" b="0" i="0" dirty="0" err="1">
-                <a:solidFill>
-                  <a:srgbClr val="333333"/>
-                </a:solidFill>
-                <a:effectLst/>
-                <a:latin typeface="Lucida Console" panose="020B0609040504020204" pitchFamily="49" charset="0"/>
-              </a:rPr>
-              <a:t>np</a:t>
-            </a:r>
-            <a:r>
-              <a:rPr lang="pt-BR" sz="2600" b="0" i="0" dirty="0" err="1">
-                <a:solidFill>
-                  <a:srgbClr val="666666"/>
-                </a:solidFill>
-                <a:effectLst/>
-                <a:latin typeface="Lucida Console" panose="020B0609040504020204" pitchFamily="49" charset="0"/>
-              </a:rPr>
-              <a:t>.</a:t>
-            </a:r>
-            <a:r>
-              <a:rPr lang="pt-BR" sz="2600" b="0" i="0" dirty="0" err="1">
-                <a:solidFill>
-                  <a:srgbClr val="333333"/>
-                </a:solidFill>
-                <a:effectLst/>
-                <a:latin typeface="Lucida Console" panose="020B0609040504020204" pitchFamily="49" charset="0"/>
-              </a:rPr>
-              <a:t>arange</a:t>
-            </a:r>
-            <a:r>
-              <a:rPr lang="pt-BR" sz="2600" b="0" i="0" dirty="0">
-                <a:solidFill>
-                  <a:srgbClr val="333333"/>
-                </a:solidFill>
-                <a:effectLst/>
-                <a:latin typeface="Lucida Console" panose="020B0609040504020204" pitchFamily="49" charset="0"/>
-              </a:rPr>
-              <a:t>(</a:t>
-            </a:r>
-            <a:r>
-              <a:rPr lang="pt-BR" sz="2600" b="0" i="0" dirty="0" err="1">
-                <a:solidFill>
-                  <a:srgbClr val="008000"/>
-                </a:solidFill>
-                <a:effectLst/>
-                <a:latin typeface="Lucida Console" panose="020B0609040504020204" pitchFamily="49" charset="0"/>
-              </a:rPr>
-              <a:t>len</a:t>
-            </a:r>
-            <a:r>
-              <a:rPr lang="pt-BR" sz="2600" b="0" i="0" dirty="0">
-                <a:solidFill>
-                  <a:srgbClr val="333333"/>
-                </a:solidFill>
-                <a:effectLst/>
-                <a:latin typeface="Lucida Console" panose="020B0609040504020204" pitchFamily="49" charset="0"/>
-              </a:rPr>
-              <a:t>(xi)), xi)</a:t>
-            </a:r>
-          </a:p>
-          <a:p>
-            <a:r>
-              <a:rPr lang="pt-BR" sz="2600" b="0" i="0" dirty="0" err="1">
-                <a:solidFill>
-                  <a:srgbClr val="333333"/>
-                </a:solidFill>
-                <a:effectLst/>
-                <a:latin typeface="Lucida Console" panose="020B0609040504020204" pitchFamily="49" charset="0"/>
-              </a:rPr>
-              <a:t>plt</a:t>
-            </a:r>
-            <a:r>
-              <a:rPr lang="pt-BR" sz="2600" b="0" i="0" dirty="0" err="1">
-                <a:solidFill>
-                  <a:srgbClr val="666666"/>
-                </a:solidFill>
-                <a:effectLst/>
-                <a:latin typeface="Lucida Console" panose="020B0609040504020204" pitchFamily="49" charset="0"/>
-              </a:rPr>
-              <a:t>.</a:t>
-            </a:r>
-            <a:r>
-              <a:rPr lang="pt-BR" sz="2600" b="0" i="0" dirty="0" err="1">
-                <a:solidFill>
-                  <a:srgbClr val="333333"/>
-                </a:solidFill>
-                <a:effectLst/>
-                <a:latin typeface="Lucida Console" panose="020B0609040504020204" pitchFamily="49" charset="0"/>
-              </a:rPr>
-              <a:t>show</a:t>
-            </a:r>
-            <a:r>
-              <a:rPr lang="pt-BR" sz="2600" b="0" i="0" dirty="0">
-                <a:solidFill>
-                  <a:srgbClr val="333333"/>
-                </a:solidFill>
-                <a:effectLst/>
-                <a:latin typeface="Lucida Console" panose="020B0609040504020204" pitchFamily="49" charset="0"/>
-              </a:rPr>
-              <a:t>()</a:t>
-            </a:r>
-            <a:endParaRPr lang="pt-BR" sz="2600" dirty="0">
-              <a:latin typeface="Lucida Console" panose="020B0609040504020204" pitchFamily="49" charset="0"/>
-            </a:endParaRPr>
           </a:p>
         </p:txBody>
       </p:sp>
@@ -13461,21 +13212,30 @@
               </a:lnSpc>
             </a:pPr>
             <a:r>
-              <a:rPr lang="en-US" sz="4400">
+              <a:rPr lang="en-US" sz="4400" dirty="0" err="1">
                 <a:solidFill>
                   <a:srgbClr val="000000"/>
                 </a:solidFill>
                 <a:latin typeface="Calibri Light"/>
               </a:rPr>
-              <a:t>Visualização de dados</a:t>
-            </a:r>
-            <a:endParaRPr/>
+              <a:t>Visualização</a:t>
+            </a:r>
+            <a:r>
+              <a:rPr lang="en-US" sz="4400" dirty="0">
+                <a:solidFill>
+                  <a:srgbClr val="000000"/>
+                </a:solidFill>
+                <a:latin typeface="Calibri Light"/>
+              </a:rPr>
+              <a:t> de dados</a:t>
+            </a:r>
+            <a:endParaRPr dirty="0"/>
           </a:p>
         </p:txBody>
       </p:sp>
       <p:pic>
         <p:nvPicPr>
-          <p:cNvPr id="7" name="Imagem 6"/>
+          <p:cNvPr id="2" name="Imagem 1"/>
           <p:cNvPicPr>
             <a:picLocks noChangeAspect="1"/>
           </p:cNvPicPr>
@@ -13495,8 +13255,8 @@
         </p:blipFill>
         <p:spPr>
           <a:xfrm>
-            <a:off x="2167569" y="967153"/>
-            <a:ext cx="7854462" cy="5890847"/>
+            <a:off x="2329542" y="1365068"/>
+            <a:ext cx="7023463" cy="5267597"/>
           </a:xfrm>
           <a:prstGeom prst="rect">
             <a:avLst/>
@@ -13506,7 +13266,258 @@
     </p:spTree>
     <p:extLst>
       <p:ext uri="{BB962C8B-B14F-4D97-AF65-F5344CB8AC3E}">
-        <p14:creationId xmlns:p14="http://schemas.microsoft.com/office/powerpoint/2010/main" val="1109311291"/>
+        <p14:creationId xmlns:p14="http://schemas.microsoft.com/office/powerpoint/2010/main" val="2743101261"/>
+      </p:ext>
+    </p:extLst>
+  </p:cSld>
+  <p:clrMapOvr>
+    <a:masterClrMapping/>
+  </p:clrMapOvr>
+  <p:timing>
+    <p:tnLst>
+      <p:par>
+        <p:cTn id="1" dur="indefinite" restart="never" nodeType="tmRoot">
+          <p:childTnLst>
+            <p:seq>
+              <p:cTn id="2" nodeType="mainSeq"/>
+              <p:prevCondLst>
+                <p:cond evt="onPrev" delay="0">
+                  <p:tgtEl>
+                    <p:sldTgt/>
+                  </p:tgtEl>
+                </p:cond>
+              </p:prevCondLst>
+              <p:nextCondLst>
+                <p:cond evt="onNext" delay="0">
+                  <p:tgtEl>
+                    <p:sldTgt/>
+                  </p:tgtEl>
+                </p:cond>
+              </p:nextCondLst>
+            </p:seq>
+          </p:childTnLst>
+        </p:cTn>
+      </p:par>
+    </p:tnLst>
+  </p:timing>
+</p:sld>
+</file>
+
+<file path=ppt/slides/slide29.xml><?xml version="1.0" encoding="utf-8"?>
+<p:sld xmlns:a="http://schemas.openxmlformats.org/drawingml/2006/main" xmlns:r="http://schemas.openxmlformats.org/officeDocument/2006/relationships" xmlns:p="http://schemas.openxmlformats.org/presentationml/2006/main">
+  <p:cSld>
+    <p:spTree>
+      <p:nvGrpSpPr>
+        <p:cNvPr id="1" name=""/>
+        <p:cNvGrpSpPr/>
+        <p:nvPr/>
+      </p:nvGrpSpPr>
+      <p:grpSpPr>
+        <a:xfrm>
+          <a:off x="0" y="0"/>
+          <a:ext cx="0" cy="0"/>
+          <a:chOff x="0" y="0"/>
+          <a:chExt cx="0" cy="0"/>
+        </a:xfrm>
+      </p:grpSpPr>
+      <p:sp>
+        <p:nvSpPr>
+          <p:cNvPr id="124" name="CustomShape 1"/>
+          <p:cNvSpPr/>
+          <p:nvPr/>
+        </p:nvSpPr>
+        <p:spPr>
+          <a:xfrm>
+            <a:off x="838080" y="365040"/>
+            <a:ext cx="10513440" cy="1323360"/>
+          </a:xfrm>
+          <a:prstGeom prst="rect">
+            <a:avLst/>
+          </a:prstGeom>
+          <a:noFill/>
+          <a:ln>
+            <a:noFill/>
+          </a:ln>
+        </p:spPr>
+        <p:txBody>
+          <a:bodyPr lIns="90000" tIns="45000" rIns="90000" bIns="45000" anchor="ctr"/>
+          <a:lstStyle/>
+          <a:p>
+            <a:pPr>
+              <a:lnSpc>
+                <a:spcPct val="90000"/>
+              </a:lnSpc>
+            </a:pPr>
+            <a:r>
+              <a:rPr lang="en-US" sz="4400" dirty="0" err="1">
+                <a:solidFill>
+                  <a:srgbClr val="000000"/>
+                </a:solidFill>
+                <a:latin typeface="Calibri Light"/>
+              </a:rPr>
+              <a:t>Visualização</a:t>
+            </a:r>
+            <a:r>
+              <a:rPr lang="en-US" sz="4400" dirty="0">
+                <a:solidFill>
+                  <a:srgbClr val="000000"/>
+                </a:solidFill>
+                <a:latin typeface="Calibri Light"/>
+              </a:rPr>
+              <a:t> de dados</a:t>
+            </a:r>
+            <a:endParaRPr dirty="0"/>
+          </a:p>
+        </p:txBody>
+      </p:sp>
+      <p:sp>
+        <p:nvSpPr>
+          <p:cNvPr id="3" name="Retângulo 2"/>
+          <p:cNvSpPr/>
+          <p:nvPr/>
+        </p:nvSpPr>
+        <p:spPr>
+          <a:xfrm>
+            <a:off x="838080" y="1688399"/>
+            <a:ext cx="9979975" cy="492443"/>
+          </a:xfrm>
+          <a:prstGeom prst="rect">
+            <a:avLst/>
+          </a:prstGeom>
+          <a:solidFill>
+            <a:schemeClr val="bg2"/>
+          </a:solidFill>
+          <a:ln cap="rnd">
+            <a:solidFill>
+              <a:schemeClr val="bg1">
+                <a:lumMod val="75000"/>
+              </a:schemeClr>
+            </a:solidFill>
+            <a:round/>
+          </a:ln>
+        </p:spPr>
+        <p:txBody>
+          <a:bodyPr wrap="square">
+            <a:spAutoFit/>
+          </a:bodyPr>
+          <a:lstStyle/>
+          <a:p>
+            <a:r>
+              <a:rPr lang="pt-BR" sz="2600" b="0" i="0" dirty="0" err="1">
+                <a:solidFill>
+                  <a:srgbClr val="333333"/>
+                </a:solidFill>
+                <a:effectLst/>
+                <a:latin typeface="Lucida Console" panose="020B0609040504020204" pitchFamily="49" charset="0"/>
+              </a:rPr>
+              <a:t>plt</a:t>
+            </a:r>
+            <a:r>
+              <a:rPr lang="pt-BR" sz="2600" b="0" i="0" dirty="0" err="1">
+                <a:solidFill>
+                  <a:srgbClr val="666666"/>
+                </a:solidFill>
+                <a:effectLst/>
+                <a:latin typeface="Lucida Console" panose="020B0609040504020204" pitchFamily="49" charset="0"/>
+              </a:rPr>
+              <a:t>.</a:t>
+            </a:r>
+            <a:r>
+              <a:rPr lang="pt-BR" sz="2600" dirty="0" err="1">
+                <a:solidFill>
+                  <a:srgbClr val="333333"/>
+                </a:solidFill>
+                <a:latin typeface="Lucida Console" panose="020B0609040504020204" pitchFamily="49" charset="0"/>
+              </a:rPr>
+              <a:t>xticks</a:t>
+            </a:r>
+            <a:r>
+              <a:rPr lang="pt-BR" sz="2600" b="0" i="0" dirty="0">
+                <a:solidFill>
+                  <a:srgbClr val="333333"/>
+                </a:solidFill>
+                <a:effectLst/>
+                <a:latin typeface="Lucida Console" panose="020B0609040504020204" pitchFamily="49" charset="0"/>
+              </a:rPr>
+              <a:t>(</a:t>
+            </a:r>
+            <a:r>
+              <a:rPr lang="pt-BR" sz="2600" b="0" i="0" dirty="0" err="1">
+                <a:solidFill>
+                  <a:srgbClr val="333333"/>
+                </a:solidFill>
+                <a:effectLst/>
+                <a:latin typeface="Lucida Console" panose="020B0609040504020204" pitchFamily="49" charset="0"/>
+              </a:rPr>
+              <a:t>np.arange</a:t>
+            </a:r>
+            <a:r>
+              <a:rPr lang="pt-BR" sz="2600" b="0" i="0" dirty="0">
+                <a:solidFill>
+                  <a:srgbClr val="333333"/>
+                </a:solidFill>
+                <a:effectLst/>
+                <a:latin typeface="Lucida Console" panose="020B0609040504020204" pitchFamily="49" charset="0"/>
+              </a:rPr>
+              <a:t>(</a:t>
+            </a:r>
+            <a:r>
+              <a:rPr lang="pt-BR" sz="2600" b="0" i="0" dirty="0" err="1">
+                <a:solidFill>
+                  <a:srgbClr val="333333"/>
+                </a:solidFill>
+                <a:effectLst/>
+                <a:latin typeface="Lucida Console" panose="020B0609040504020204" pitchFamily="49" charset="0"/>
+              </a:rPr>
+              <a:t>size</a:t>
+            </a:r>
+            <a:r>
+              <a:rPr lang="pt-BR" sz="2600" b="0" i="0" dirty="0">
+                <a:solidFill>
+                  <a:srgbClr val="333333"/>
+                </a:solidFill>
+                <a:effectLst/>
+                <a:latin typeface="Lucida Console" panose="020B0609040504020204" pitchFamily="49" charset="0"/>
+              </a:rPr>
+              <a:t>), xi)</a:t>
+            </a:r>
+          </a:p>
+        </p:txBody>
+      </p:sp>
+      <p:pic>
+        <p:nvPicPr>
+          <p:cNvPr id="2" name="Imagem 1"/>
+          <p:cNvPicPr>
+            <a:picLocks noChangeAspect="1"/>
+          </p:cNvPicPr>
+          <p:nvPr/>
+        </p:nvPicPr>
+        <p:blipFill>
+          <a:blip r:embed="rId2">
+            <a:extLst>
+              <a:ext uri="{28A0092B-C50C-407E-A947-70E740481C1C}">
+                <a14:useLocalDpi xmlns:a14="http://schemas.microsoft.com/office/drawing/2010/main" val="0"/>
+              </a:ext>
+            </a:extLst>
+          </a:blip>
+          <a:stretch>
+            <a:fillRect/>
+          </a:stretch>
+        </p:blipFill>
+        <p:spPr>
+          <a:xfrm>
+            <a:off x="2238103" y="1962694"/>
+            <a:ext cx="6527074" cy="4895306"/>
+          </a:xfrm>
+          <a:prstGeom prst="rect">
+            <a:avLst/>
+          </a:prstGeom>
+        </p:spPr>
+      </p:pic>
+    </p:spTree>
+    <p:extLst>
+      <p:ext uri="{BB962C8B-B14F-4D97-AF65-F5344CB8AC3E}">
+        <p14:creationId xmlns:p14="http://schemas.microsoft.com/office/powerpoint/2010/main" val="2771502643"/>
       </p:ext>
     </p:extLst>
   </p:cSld>
@@ -13900,6 +13911,259 @@
         </p:txBody>
       </p:sp>
     </p:spTree>
+  </p:cSld>
+  <p:clrMapOvr>
+    <a:masterClrMapping/>
+  </p:clrMapOvr>
+  <p:timing>
+    <p:tnLst>
+      <p:par>
+        <p:cTn id="1" dur="indefinite" restart="never" nodeType="tmRoot">
+          <p:childTnLst>
+            <p:seq>
+              <p:cTn id="2" nodeType="mainSeq"/>
+              <p:prevCondLst>
+                <p:cond evt="onPrev" delay="0">
+                  <p:tgtEl>
+                    <p:sldTgt/>
+                  </p:tgtEl>
+                </p:cond>
+              </p:prevCondLst>
+              <p:nextCondLst>
+                <p:cond evt="onNext" delay="0">
+                  <p:tgtEl>
+                    <p:sldTgt/>
+                  </p:tgtEl>
+                </p:cond>
+              </p:nextCondLst>
+            </p:seq>
+          </p:childTnLst>
+        </p:cTn>
+      </p:par>
+    </p:tnLst>
+  </p:timing>
+</p:sld>
+</file>
+
+<file path=ppt/slides/slide30.xml><?xml version="1.0" encoding="utf-8"?>
+<p:sld xmlns:a="http://schemas.openxmlformats.org/drawingml/2006/main" xmlns:r="http://schemas.openxmlformats.org/officeDocument/2006/relationships" xmlns:p="http://schemas.openxmlformats.org/presentationml/2006/main">
+  <p:cSld>
+    <p:spTree>
+      <p:nvGrpSpPr>
+        <p:cNvPr id="1" name=""/>
+        <p:cNvGrpSpPr/>
+        <p:nvPr/>
+      </p:nvGrpSpPr>
+      <p:grpSpPr>
+        <a:xfrm>
+          <a:off x="0" y="0"/>
+          <a:ext cx="0" cy="0"/>
+          <a:chOff x="0" y="0"/>
+          <a:chExt cx="0" cy="0"/>
+        </a:xfrm>
+      </p:grpSpPr>
+      <p:sp>
+        <p:nvSpPr>
+          <p:cNvPr id="124" name="CustomShape 1"/>
+          <p:cNvSpPr/>
+          <p:nvPr/>
+        </p:nvSpPr>
+        <p:spPr>
+          <a:xfrm>
+            <a:off x="838080" y="365040"/>
+            <a:ext cx="10513440" cy="1323360"/>
+          </a:xfrm>
+          <a:prstGeom prst="rect">
+            <a:avLst/>
+          </a:prstGeom>
+          <a:noFill/>
+          <a:ln>
+            <a:noFill/>
+          </a:ln>
+        </p:spPr>
+        <p:txBody>
+          <a:bodyPr lIns="90000" tIns="45000" rIns="90000" bIns="45000" anchor="ctr"/>
+          <a:lstStyle/>
+          <a:p>
+            <a:pPr>
+              <a:lnSpc>
+                <a:spcPct val="90000"/>
+              </a:lnSpc>
+            </a:pPr>
+            <a:r>
+              <a:rPr lang="en-US" sz="4400" dirty="0" err="1">
+                <a:solidFill>
+                  <a:srgbClr val="000000"/>
+                </a:solidFill>
+                <a:latin typeface="Calibri Light"/>
+              </a:rPr>
+              <a:t>Visualização</a:t>
+            </a:r>
+            <a:r>
+              <a:rPr lang="en-US" sz="4400" dirty="0">
+                <a:solidFill>
+                  <a:srgbClr val="000000"/>
+                </a:solidFill>
+                <a:latin typeface="Calibri Light"/>
+              </a:rPr>
+              <a:t> de dados</a:t>
+            </a:r>
+            <a:endParaRPr dirty="0"/>
+          </a:p>
+        </p:txBody>
+      </p:sp>
+      <p:sp>
+        <p:nvSpPr>
+          <p:cNvPr id="3" name="Retângulo 2"/>
+          <p:cNvSpPr/>
+          <p:nvPr/>
+        </p:nvSpPr>
+        <p:spPr>
+          <a:xfrm>
+            <a:off x="838080" y="1688399"/>
+            <a:ext cx="9979975" cy="492443"/>
+          </a:xfrm>
+          <a:prstGeom prst="rect">
+            <a:avLst/>
+          </a:prstGeom>
+          <a:solidFill>
+            <a:schemeClr val="bg2"/>
+          </a:solidFill>
+          <a:ln cap="rnd">
+            <a:solidFill>
+              <a:schemeClr val="bg1">
+                <a:lumMod val="75000"/>
+              </a:schemeClr>
+            </a:solidFill>
+            <a:round/>
+          </a:ln>
+        </p:spPr>
+        <p:txBody>
+          <a:bodyPr wrap="square">
+            <a:spAutoFit/>
+          </a:bodyPr>
+          <a:lstStyle/>
+          <a:p>
+            <a:r>
+              <a:rPr lang="pt-BR" sz="2600" b="0" i="0" dirty="0" err="1">
+                <a:solidFill>
+                  <a:srgbClr val="333333"/>
+                </a:solidFill>
+                <a:effectLst/>
+                <a:latin typeface="Lucida Console" panose="020B0609040504020204" pitchFamily="49" charset="0"/>
+              </a:rPr>
+              <a:t>plt</a:t>
+            </a:r>
+            <a:r>
+              <a:rPr lang="pt-BR" sz="2600" b="0" i="0" dirty="0" err="1">
+                <a:solidFill>
+                  <a:srgbClr val="666666"/>
+                </a:solidFill>
+                <a:effectLst/>
+                <a:latin typeface="Lucida Console" panose="020B0609040504020204" pitchFamily="49" charset="0"/>
+              </a:rPr>
+              <a:t>.</a:t>
+            </a:r>
+            <a:r>
+              <a:rPr lang="pt-BR" sz="2600" dirty="0" err="1">
+                <a:solidFill>
+                  <a:srgbClr val="333333"/>
+                </a:solidFill>
+                <a:latin typeface="Lucida Console" panose="020B0609040504020204" pitchFamily="49" charset="0"/>
+              </a:rPr>
+              <a:t>ylim</a:t>
+            </a:r>
+            <a:r>
+              <a:rPr lang="pt-BR" sz="2600" dirty="0">
+                <a:solidFill>
+                  <a:srgbClr val="333333"/>
+                </a:solidFill>
+                <a:latin typeface="Lucida Console" panose="020B0609040504020204" pitchFamily="49" charset="0"/>
+              </a:rPr>
+              <a:t>(0, </a:t>
+            </a:r>
+            <a:r>
+              <a:rPr lang="pt-BR" sz="2600" dirty="0" err="1">
+                <a:solidFill>
+                  <a:srgbClr val="008000"/>
+                </a:solidFill>
+                <a:latin typeface="Lucida Console" panose="020B0609040504020204" pitchFamily="49" charset="0"/>
+              </a:rPr>
+              <a:t>len</a:t>
+            </a:r>
+            <a:r>
+              <a:rPr lang="pt-BR" sz="2600" dirty="0">
+                <a:solidFill>
+                  <a:srgbClr val="333333"/>
+                </a:solidFill>
+                <a:latin typeface="Lucida Console" panose="020B0609040504020204" pitchFamily="49" charset="0"/>
+              </a:rPr>
+              <a:t>(</a:t>
+            </a:r>
+            <a:r>
+              <a:rPr lang="pt-BR" sz="2600" dirty="0" err="1">
+                <a:solidFill>
+                  <a:srgbClr val="333333"/>
+                </a:solidFill>
+                <a:latin typeface="Lucida Console" panose="020B0609040504020204" pitchFamily="49" charset="0"/>
+              </a:rPr>
+              <a:t>fi</a:t>
+            </a:r>
+            <a:r>
+              <a:rPr lang="pt-BR" sz="2600" dirty="0">
+                <a:solidFill>
+                  <a:srgbClr val="333333"/>
+                </a:solidFill>
+                <a:latin typeface="Lucida Console" panose="020B0609040504020204" pitchFamily="49" charset="0"/>
+              </a:rPr>
+              <a:t>) + 0.5)</a:t>
+            </a:r>
+            <a:endParaRPr lang="pt-BR" sz="2600" b="0" i="0" dirty="0">
+              <a:solidFill>
+                <a:srgbClr val="333333"/>
+              </a:solidFill>
+              <a:effectLst/>
+              <a:latin typeface="Lucida Console" panose="020B0609040504020204" pitchFamily="49" charset="0"/>
+            </a:endParaRPr>
+          </a:p>
+        </p:txBody>
+      </p:sp>
+      <p:pic>
+        <p:nvPicPr>
+          <p:cNvPr id="4" name="Imagem 3"/>
+          <p:cNvPicPr>
+            <a:picLocks noChangeAspect="1"/>
+          </p:cNvPicPr>
+          <p:nvPr/>
+        </p:nvPicPr>
+        <p:blipFill>
+          <a:blip r:embed="rId2">
+            <a:extLst>
+              <a:ext uri="{28A0092B-C50C-407E-A947-70E740481C1C}">
+                <a14:useLocalDpi xmlns:a14="http://schemas.microsoft.com/office/drawing/2010/main" val="0"/>
+              </a:ext>
+            </a:extLst>
+          </a:blip>
+          <a:stretch>
+            <a:fillRect/>
+          </a:stretch>
+        </p:blipFill>
+        <p:spPr>
+          <a:xfrm>
+            <a:off x="2780067" y="2286000"/>
+            <a:ext cx="6096000" cy="4572000"/>
+          </a:xfrm>
+          <a:prstGeom prst="rect">
+            <a:avLst/>
+          </a:prstGeom>
+        </p:spPr>
+      </p:pic>
+    </p:spTree>
+    <p:extLst>
+      <p:ext uri="{BB962C8B-B14F-4D97-AF65-F5344CB8AC3E}">
+        <p14:creationId xmlns:p14="http://schemas.microsoft.com/office/powerpoint/2010/main" val="1373888909"/>
+      </p:ext>
+    </p:extLst>
   </p:cSld>
   <p:clrMapOvr>
     <a:masterClrMapping/>

--- a/presentation.pptx
+++ b/presentation.pptx
@@ -22,20 +22,21 @@
     <p:sldId id="269" r:id="rId16"/>
     <p:sldId id="270" r:id="rId17"/>
     <p:sldId id="271" r:id="rId18"/>
-    <p:sldId id="272" r:id="rId19"/>
-    <p:sldId id="273" r:id="rId20"/>
-    <p:sldId id="274" r:id="rId21"/>
-    <p:sldId id="275" r:id="rId22"/>
-    <p:sldId id="276" r:id="rId23"/>
-    <p:sldId id="277" r:id="rId24"/>
-    <p:sldId id="278" r:id="rId25"/>
-    <p:sldId id="279" r:id="rId26"/>
-    <p:sldId id="280" r:id="rId27"/>
-    <p:sldId id="281" r:id="rId28"/>
-    <p:sldId id="282" r:id="rId29"/>
-    <p:sldId id="284" r:id="rId30"/>
-    <p:sldId id="285" r:id="rId31"/>
-    <p:sldId id="286" r:id="rId32"/>
+    <p:sldId id="287" r:id="rId19"/>
+    <p:sldId id="272" r:id="rId20"/>
+    <p:sldId id="273" r:id="rId21"/>
+    <p:sldId id="274" r:id="rId22"/>
+    <p:sldId id="275" r:id="rId23"/>
+    <p:sldId id="276" r:id="rId24"/>
+    <p:sldId id="277" r:id="rId25"/>
+    <p:sldId id="278" r:id="rId26"/>
+    <p:sldId id="279" r:id="rId27"/>
+    <p:sldId id="280" r:id="rId28"/>
+    <p:sldId id="281" r:id="rId29"/>
+    <p:sldId id="282" r:id="rId30"/>
+    <p:sldId id="284" r:id="rId31"/>
+    <p:sldId id="285" r:id="rId32"/>
+    <p:sldId id="286" r:id="rId33"/>
   </p:sldIdLst>
   <p:sldSz cx="12192000" cy="6858000"/>
   <p:notesSz cx="7559675" cy="10691813"/>
@@ -6910,7 +6911,7 @@
           <a:lstStyle/>
           <a:p>
             <a:r>
-              <a:rPr lang="pt-BR" sz="2600" dirty="0" err="1">
+              <a:rPr lang="pt-BR" sz="2600" dirty="0">
                 <a:solidFill>
                   <a:srgbClr val="008000"/>
                 </a:solidFill>
@@ -7339,7 +7340,7 @@
               </a:lnSpc>
             </a:pPr>
             <a:r>
-              <a:rPr lang="en-US" sz="4400">
+              <a:rPr lang="en-US" sz="4400" dirty="0" err="1">
                 <a:solidFill>
                   <a:srgbClr val="000000"/>
                 </a:solidFill>
@@ -7347,7 +7348,7 @@
               </a:rPr>
               <a:t>Lista</a:t>
             </a:r>
-            <a:endParaRPr/>
+            <a:endParaRPr dirty="0"/>
           </a:p>
         </p:txBody>
       </p:sp>
@@ -7862,6 +7863,381 @@
       </p:grpSpPr>
       <p:sp>
         <p:nvSpPr>
+          <p:cNvPr id="2" name="Título 1"/>
+          <p:cNvSpPr>
+            <a:spLocks noGrp="1"/>
+          </p:cNvSpPr>
+          <p:nvPr>
+            <p:ph type="title"/>
+          </p:nvPr>
+        </p:nvSpPr>
+        <p:spPr/>
+        <p:txBody>
+          <a:bodyPr/>
+          <a:lstStyle/>
+          <a:p>
+            <a:r>
+              <a:rPr lang="pt-BR" dirty="0">
+                <a:latin typeface="Calibri Light" panose="020F0302020204030204" pitchFamily="34" charset="0"/>
+                <a:cs typeface="Calibri Light" panose="020F0302020204030204" pitchFamily="34" charset="0"/>
+              </a:rPr>
+              <a:t>Listas</a:t>
+            </a:r>
+          </a:p>
+        </p:txBody>
+      </p:sp>
+      <p:sp>
+        <p:nvSpPr>
+          <p:cNvPr id="3" name="Subtítulo 2"/>
+          <p:cNvSpPr>
+            <a:spLocks noGrp="1"/>
+          </p:cNvSpPr>
+          <p:nvPr>
+            <p:ph type="subTitle"/>
+          </p:nvPr>
+        </p:nvSpPr>
+        <p:spPr>
+          <a:xfrm>
+            <a:off x="609480" y="1604520"/>
+            <a:ext cx="10972440" cy="1021114"/>
+          </a:xfrm>
+        </p:spPr>
+        <p:txBody>
+          <a:bodyPr/>
+          <a:lstStyle/>
+          <a:p>
+            <a:pPr marL="0" indent="0">
+              <a:buNone/>
+            </a:pPr>
+            <a:r>
+              <a:rPr lang="pt-BR" dirty="0">
+                <a:latin typeface="Calibri Light" panose="020F0302020204030204" pitchFamily="34" charset="0"/>
+                <a:cs typeface="Calibri Light" panose="020F0302020204030204" pitchFamily="34" charset="0"/>
+              </a:rPr>
+              <a:t>As listas possuem métodos que facilitam o manuseio de seus elementos. Iremos trabalhar com dois deles: </a:t>
+            </a:r>
+            <a:r>
+              <a:rPr lang="pt-BR" dirty="0" err="1">
+                <a:latin typeface="Lucida Console" panose="020B0609040504020204" pitchFamily="49" charset="0"/>
+                <a:cs typeface="Calibri Light" panose="020F0302020204030204" pitchFamily="34" charset="0"/>
+              </a:rPr>
+              <a:t>len</a:t>
+            </a:r>
+            <a:r>
+              <a:rPr lang="pt-BR" dirty="0">
+                <a:latin typeface="Lucida Console" panose="020B0609040504020204" pitchFamily="49" charset="0"/>
+                <a:cs typeface="Calibri Light" panose="020F0302020204030204" pitchFamily="34" charset="0"/>
+              </a:rPr>
+              <a:t>()</a:t>
+            </a:r>
+            <a:r>
+              <a:rPr lang="pt-BR" dirty="0">
+                <a:latin typeface="Calibri Light" panose="020F0302020204030204" pitchFamily="34" charset="0"/>
+                <a:cs typeface="Calibri Light" panose="020F0302020204030204" pitchFamily="34" charset="0"/>
+              </a:rPr>
+              <a:t> e </a:t>
+            </a:r>
+            <a:r>
+              <a:rPr lang="pt-BR" dirty="0" err="1">
+                <a:latin typeface="Lucida Console" panose="020B0609040504020204" pitchFamily="49" charset="0"/>
+                <a:cs typeface="Calibri Light" panose="020F0302020204030204" pitchFamily="34" charset="0"/>
+              </a:rPr>
+              <a:t>max</a:t>
+            </a:r>
+            <a:r>
+              <a:rPr lang="pt-BR" dirty="0">
+                <a:latin typeface="Lucida Console" panose="020B0609040504020204" pitchFamily="49" charset="0"/>
+                <a:cs typeface="Calibri Light" panose="020F0302020204030204" pitchFamily="34" charset="0"/>
+              </a:rPr>
+              <a:t>()</a:t>
+            </a:r>
+          </a:p>
+        </p:txBody>
+      </p:sp>
+      <p:sp>
+        <p:nvSpPr>
+          <p:cNvPr id="4" name="Retângulo 3"/>
+          <p:cNvSpPr/>
+          <p:nvPr/>
+        </p:nvSpPr>
+        <p:spPr>
+          <a:xfrm>
+            <a:off x="609480" y="2811394"/>
+            <a:ext cx="9979975" cy="892552"/>
+          </a:xfrm>
+          <a:prstGeom prst="rect">
+            <a:avLst/>
+          </a:prstGeom>
+          <a:solidFill>
+            <a:schemeClr val="bg2"/>
+          </a:solidFill>
+          <a:ln cap="rnd">
+            <a:solidFill>
+              <a:schemeClr val="bg1">
+                <a:lumMod val="75000"/>
+              </a:schemeClr>
+            </a:solidFill>
+            <a:round/>
+          </a:ln>
+        </p:spPr>
+        <p:txBody>
+          <a:bodyPr wrap="square">
+            <a:spAutoFit/>
+          </a:bodyPr>
+          <a:lstStyle/>
+          <a:p>
+            <a:r>
+              <a:rPr lang="pt-BR" sz="2600" dirty="0">
+                <a:latin typeface="Lucida Console" panose="020B0609040504020204" pitchFamily="49" charset="0"/>
+              </a:rPr>
+              <a:t>lista = [10, 20, 30]</a:t>
+            </a:r>
+          </a:p>
+          <a:p>
+            <a:r>
+              <a:rPr lang="pt-BR" sz="2600" dirty="0" err="1">
+                <a:solidFill>
+                  <a:srgbClr val="008000"/>
+                </a:solidFill>
+                <a:latin typeface="Lucida Console" panose="020B0609040504020204" pitchFamily="49" charset="0"/>
+              </a:rPr>
+              <a:t>len</a:t>
+            </a:r>
+            <a:r>
+              <a:rPr lang="pt-BR" sz="2600" b="0" i="0" dirty="0">
+                <a:solidFill>
+                  <a:srgbClr val="333333"/>
+                </a:solidFill>
+                <a:effectLst/>
+                <a:latin typeface="Lucida Console" panose="020B0609040504020204" pitchFamily="49" charset="0"/>
+              </a:rPr>
+              <a:t>(</a:t>
+            </a:r>
+            <a:r>
+              <a:rPr lang="en-US" sz="2400" dirty="0" err="1">
+                <a:solidFill>
+                  <a:srgbClr val="000000"/>
+                </a:solidFill>
+                <a:latin typeface="Lucida Console"/>
+              </a:rPr>
+              <a:t>lista</a:t>
+            </a:r>
+            <a:r>
+              <a:rPr lang="pt-BR" sz="2600" dirty="0">
+                <a:solidFill>
+                  <a:srgbClr val="333333"/>
+                </a:solidFill>
+                <a:latin typeface="Lucida Console" panose="020B0609040504020204" pitchFamily="49" charset="0"/>
+              </a:rPr>
+              <a:t>) # retorna o comprimento</a:t>
+            </a:r>
+            <a:endParaRPr lang="pt-BR" sz="2600" b="0" i="0" dirty="0">
+              <a:solidFill>
+                <a:srgbClr val="333333"/>
+              </a:solidFill>
+              <a:effectLst/>
+              <a:latin typeface="Lucida Console" panose="020B0609040504020204" pitchFamily="49" charset="0"/>
+            </a:endParaRPr>
+          </a:p>
+        </p:txBody>
+      </p:sp>
+      <p:sp>
+        <p:nvSpPr>
+          <p:cNvPr id="5" name="Retângulo 4"/>
+          <p:cNvSpPr/>
+          <p:nvPr/>
+        </p:nvSpPr>
+        <p:spPr>
+          <a:xfrm>
+            <a:off x="609480" y="3889706"/>
+            <a:ext cx="370614" cy="461665"/>
+          </a:xfrm>
+          <a:prstGeom prst="rect">
+            <a:avLst/>
+          </a:prstGeom>
+        </p:spPr>
+        <p:txBody>
+          <a:bodyPr wrap="none">
+            <a:spAutoFit/>
+          </a:bodyPr>
+          <a:lstStyle/>
+          <a:p>
+            <a:pPr>
+              <a:lnSpc>
+                <a:spcPct val="100000"/>
+              </a:lnSpc>
+            </a:pPr>
+            <a:r>
+              <a:rPr lang="en-US" sz="2400" dirty="0">
+                <a:solidFill>
+                  <a:srgbClr val="000000"/>
+                </a:solidFill>
+                <a:latin typeface="Lucida Console"/>
+              </a:rPr>
+              <a:t>3</a:t>
+            </a:r>
+            <a:endParaRPr lang="en-US" sz="2400" dirty="0"/>
+          </a:p>
+        </p:txBody>
+      </p:sp>
+      <p:sp>
+        <p:nvSpPr>
+          <p:cNvPr id="6" name="Retângulo 5"/>
+          <p:cNvSpPr/>
+          <p:nvPr/>
+        </p:nvSpPr>
+        <p:spPr>
+          <a:xfrm>
+            <a:off x="609480" y="4537131"/>
+            <a:ext cx="9979975" cy="892552"/>
+          </a:xfrm>
+          <a:prstGeom prst="rect">
+            <a:avLst/>
+          </a:prstGeom>
+          <a:solidFill>
+            <a:schemeClr val="bg2"/>
+          </a:solidFill>
+          <a:ln cap="rnd">
+            <a:solidFill>
+              <a:schemeClr val="bg1">
+                <a:lumMod val="75000"/>
+              </a:schemeClr>
+            </a:solidFill>
+            <a:round/>
+          </a:ln>
+        </p:spPr>
+        <p:txBody>
+          <a:bodyPr wrap="square">
+            <a:spAutoFit/>
+          </a:bodyPr>
+          <a:lstStyle/>
+          <a:p>
+            <a:r>
+              <a:rPr lang="pt-BR" sz="2600" dirty="0">
+                <a:latin typeface="Lucida Console" panose="020B0609040504020204" pitchFamily="49" charset="0"/>
+              </a:rPr>
+              <a:t>lista = [10, 20, 30]</a:t>
+            </a:r>
+          </a:p>
+          <a:p>
+            <a:r>
+              <a:rPr lang="pt-BR" sz="2600" dirty="0" err="1">
+                <a:solidFill>
+                  <a:srgbClr val="008000"/>
+                </a:solidFill>
+                <a:latin typeface="Lucida Console" panose="020B0609040504020204" pitchFamily="49" charset="0"/>
+              </a:rPr>
+              <a:t>max</a:t>
+            </a:r>
+            <a:r>
+              <a:rPr lang="pt-BR" sz="2600" b="0" i="0" dirty="0">
+                <a:solidFill>
+                  <a:srgbClr val="333333"/>
+                </a:solidFill>
+                <a:effectLst/>
+                <a:latin typeface="Lucida Console" panose="020B0609040504020204" pitchFamily="49" charset="0"/>
+              </a:rPr>
+              <a:t>(</a:t>
+            </a:r>
+            <a:r>
+              <a:rPr lang="en-US" sz="2400" dirty="0" err="1">
+                <a:solidFill>
+                  <a:srgbClr val="000000"/>
+                </a:solidFill>
+                <a:latin typeface="Lucida Console"/>
+              </a:rPr>
+              <a:t>lista</a:t>
+            </a:r>
+            <a:r>
+              <a:rPr lang="pt-BR" sz="2600" dirty="0">
+                <a:solidFill>
+                  <a:srgbClr val="333333"/>
+                </a:solidFill>
+                <a:latin typeface="Lucida Console" panose="020B0609040504020204" pitchFamily="49" charset="0"/>
+              </a:rPr>
+              <a:t>) # retorna o maior valor</a:t>
+            </a:r>
+            <a:endParaRPr lang="pt-BR" sz="2600" b="0" i="0" dirty="0">
+              <a:solidFill>
+                <a:srgbClr val="333333"/>
+              </a:solidFill>
+              <a:effectLst/>
+              <a:latin typeface="Lucida Console" panose="020B0609040504020204" pitchFamily="49" charset="0"/>
+            </a:endParaRPr>
+          </a:p>
+        </p:txBody>
+      </p:sp>
+      <p:sp>
+        <p:nvSpPr>
+          <p:cNvPr id="7" name="Retângulo 6"/>
+          <p:cNvSpPr/>
+          <p:nvPr/>
+        </p:nvSpPr>
+        <p:spPr>
+          <a:xfrm>
+            <a:off x="609480" y="5615443"/>
+            <a:ext cx="570531" cy="461665"/>
+          </a:xfrm>
+          <a:prstGeom prst="rect">
+            <a:avLst/>
+          </a:prstGeom>
+        </p:spPr>
+        <p:txBody>
+          <a:bodyPr wrap="square">
+            <a:spAutoFit/>
+          </a:bodyPr>
+          <a:lstStyle/>
+          <a:p>
+            <a:pPr>
+              <a:lnSpc>
+                <a:spcPct val="100000"/>
+              </a:lnSpc>
+            </a:pPr>
+            <a:r>
+              <a:rPr lang="en-US" sz="2400" dirty="0">
+                <a:solidFill>
+                  <a:srgbClr val="000000"/>
+                </a:solidFill>
+                <a:latin typeface="Lucida Console"/>
+              </a:rPr>
+              <a:t>30</a:t>
+            </a:r>
+            <a:endParaRPr lang="en-US" sz="2400" dirty="0"/>
+          </a:p>
+        </p:txBody>
+      </p:sp>
+    </p:spTree>
+    <p:extLst>
+      <p:ext uri="{BB962C8B-B14F-4D97-AF65-F5344CB8AC3E}">
+        <p14:creationId xmlns:p14="http://schemas.microsoft.com/office/powerpoint/2010/main" val="2963769533"/>
+      </p:ext>
+    </p:extLst>
+  </p:cSld>
+  <p:clrMapOvr>
+    <a:masterClrMapping/>
+  </p:clrMapOvr>
+</p:sld>
+</file>
+
+<file path=ppt/slides/slide18.xml><?xml version="1.0" encoding="utf-8"?>
+<p:sld xmlns:a="http://schemas.openxmlformats.org/drawingml/2006/main" xmlns:r="http://schemas.openxmlformats.org/officeDocument/2006/relationships" xmlns:p="http://schemas.openxmlformats.org/presentationml/2006/main">
+  <p:cSld>
+    <p:spTree>
+      <p:nvGrpSpPr>
+        <p:cNvPr id="1" name=""/>
+        <p:cNvGrpSpPr/>
+        <p:nvPr/>
+      </p:nvGrpSpPr>
+      <p:grpSpPr>
+        <a:xfrm>
+          <a:off x="0" y="0"/>
+          <a:ext cx="0" cy="0"/>
+          <a:chOff x="0" y="0"/>
+          <a:chExt cx="0" cy="0"/>
+        </a:xfrm>
+      </p:grpSpPr>
+      <p:sp>
+        <p:nvSpPr>
           <p:cNvPr id="104" name="CustomShape 1"/>
           <p:cNvSpPr/>
           <p:nvPr/>
@@ -8220,586 +8596,6 @@
               </a:lnSpc>
             </a:pPr>
             <a:endParaRPr dirty="0"/>
-          </a:p>
-        </p:txBody>
-      </p:sp>
-    </p:spTree>
-  </p:cSld>
-  <p:clrMapOvr>
-    <a:masterClrMapping/>
-  </p:clrMapOvr>
-  <p:timing>
-    <p:tnLst>
-      <p:par>
-        <p:cTn id="1" dur="indefinite" restart="never" nodeType="tmRoot">
-          <p:childTnLst>
-            <p:seq>
-              <p:cTn id="2" nodeType="mainSeq"/>
-              <p:prevCondLst>
-                <p:cond evt="onPrev" delay="0">
-                  <p:tgtEl>
-                    <p:sldTgt/>
-                  </p:tgtEl>
-                </p:cond>
-              </p:prevCondLst>
-              <p:nextCondLst>
-                <p:cond evt="onNext" delay="0">
-                  <p:tgtEl>
-                    <p:sldTgt/>
-                  </p:tgtEl>
-                </p:cond>
-              </p:nextCondLst>
-            </p:seq>
-          </p:childTnLst>
-        </p:cTn>
-      </p:par>
-    </p:tnLst>
-  </p:timing>
-</p:sld>
-</file>
-
-<file path=ppt/slides/slide18.xml><?xml version="1.0" encoding="utf-8"?>
-<p:sld xmlns:a="http://schemas.openxmlformats.org/drawingml/2006/main" xmlns:r="http://schemas.openxmlformats.org/officeDocument/2006/relationships" xmlns:p="http://schemas.openxmlformats.org/presentationml/2006/main">
-  <p:cSld>
-    <p:spTree>
-      <p:nvGrpSpPr>
-        <p:cNvPr id="1" name=""/>
-        <p:cNvGrpSpPr/>
-        <p:nvPr/>
-      </p:nvGrpSpPr>
-      <p:grpSpPr>
-        <a:xfrm>
-          <a:off x="0" y="0"/>
-          <a:ext cx="0" cy="0"/>
-          <a:chOff x="0" y="0"/>
-          <a:chExt cx="0" cy="0"/>
-        </a:xfrm>
-      </p:grpSpPr>
-      <p:sp>
-        <p:nvSpPr>
-          <p:cNvPr id="106" name="CustomShape 1"/>
-          <p:cNvSpPr/>
-          <p:nvPr/>
-        </p:nvSpPr>
-        <p:spPr>
-          <a:xfrm>
-            <a:off x="838080" y="365040"/>
-            <a:ext cx="10513440" cy="1323360"/>
-          </a:xfrm>
-          <a:prstGeom prst="rect">
-            <a:avLst/>
-          </a:prstGeom>
-          <a:noFill/>
-          <a:ln>
-            <a:noFill/>
-          </a:ln>
-        </p:spPr>
-        <p:txBody>
-          <a:bodyPr lIns="90000" tIns="45000" rIns="90000" bIns="45000" anchor="ctr"/>
-          <a:lstStyle/>
-          <a:p>
-            <a:pPr>
-              <a:lnSpc>
-                <a:spcPct val="90000"/>
-              </a:lnSpc>
-            </a:pPr>
-            <a:r>
-              <a:rPr lang="en-US" sz="4400">
-                <a:solidFill>
-                  <a:srgbClr val="000000"/>
-                </a:solidFill>
-                <a:latin typeface="Calibri Light"/>
-              </a:rPr>
-              <a:t>Moda</a:t>
-            </a:r>
-            <a:endParaRPr/>
-          </a:p>
-        </p:txBody>
-      </p:sp>
-      <p:sp>
-        <p:nvSpPr>
-          <p:cNvPr id="107" name="CustomShape 2"/>
-          <p:cNvSpPr/>
-          <p:nvPr/>
-        </p:nvSpPr>
-        <p:spPr>
-          <a:xfrm>
-            <a:off x="838080" y="1825560"/>
-            <a:ext cx="10513440" cy="4349160"/>
-          </a:xfrm>
-          <a:prstGeom prst="rect">
-            <a:avLst/>
-          </a:prstGeom>
-          <a:noFill/>
-          <a:ln>
-            <a:noFill/>
-          </a:ln>
-        </p:spPr>
-        <p:txBody>
-          <a:bodyPr lIns="90000" tIns="45000" rIns="90000" bIns="45000"/>
-          <a:lstStyle/>
-          <a:p>
-            <a:pPr>
-              <a:lnSpc>
-                <a:spcPct val="100000"/>
-              </a:lnSpc>
-            </a:pPr>
-            <a:r>
-              <a:rPr lang="en-US" sz="2800" dirty="0" err="1">
-                <a:solidFill>
-                  <a:srgbClr val="385623"/>
-                </a:solidFill>
-                <a:latin typeface="Calibri Light" panose="020F0302020204030204" pitchFamily="34" charset="0"/>
-                <a:cs typeface="Calibri Light" panose="020F0302020204030204" pitchFamily="34" charset="0"/>
-              </a:rPr>
-              <a:t>Conforme</a:t>
-            </a:r>
-            <a:r>
-              <a:rPr lang="en-US" sz="2800" dirty="0">
-                <a:solidFill>
-                  <a:srgbClr val="385623"/>
-                </a:solidFill>
-                <a:latin typeface="Calibri Light" panose="020F0302020204030204" pitchFamily="34" charset="0"/>
-                <a:cs typeface="Calibri Light" panose="020F0302020204030204" pitchFamily="34" charset="0"/>
-              </a:rPr>
-              <a:t> </a:t>
-            </a:r>
-            <a:r>
-              <a:rPr lang="en-US" sz="2800" dirty="0" err="1">
-                <a:solidFill>
-                  <a:srgbClr val="385623"/>
-                </a:solidFill>
-                <a:latin typeface="Calibri Light" panose="020F0302020204030204" pitchFamily="34" charset="0"/>
-                <a:cs typeface="Calibri Light" panose="020F0302020204030204" pitchFamily="34" charset="0"/>
-              </a:rPr>
-              <a:t>vimos</a:t>
-            </a:r>
-            <a:r>
-              <a:rPr lang="en-US" sz="2800" dirty="0">
-                <a:solidFill>
-                  <a:srgbClr val="385623"/>
-                </a:solidFill>
-                <a:latin typeface="Calibri Light" panose="020F0302020204030204" pitchFamily="34" charset="0"/>
-                <a:cs typeface="Calibri Light" panose="020F0302020204030204" pitchFamily="34" charset="0"/>
-              </a:rPr>
-              <a:t> </a:t>
-            </a:r>
-            <a:r>
-              <a:rPr lang="en-US" sz="2800" dirty="0" err="1">
-                <a:solidFill>
-                  <a:srgbClr val="385623"/>
-                </a:solidFill>
-                <a:latin typeface="Calibri Light" panose="020F0302020204030204" pitchFamily="34" charset="0"/>
-                <a:cs typeface="Calibri Light" panose="020F0302020204030204" pitchFamily="34" charset="0"/>
-              </a:rPr>
-              <a:t>anteriormente</a:t>
-            </a:r>
-            <a:r>
-              <a:rPr lang="en-US" sz="2800" dirty="0">
-                <a:solidFill>
-                  <a:srgbClr val="385623"/>
-                </a:solidFill>
-                <a:latin typeface="Calibri Light" panose="020F0302020204030204" pitchFamily="34" charset="0"/>
-                <a:cs typeface="Calibri Light" panose="020F0302020204030204" pitchFamily="34" charset="0"/>
-              </a:rPr>
-              <a:t>, a </a:t>
-            </a:r>
-            <a:r>
-              <a:rPr lang="en-US" sz="2800" dirty="0" err="1">
-                <a:solidFill>
-                  <a:srgbClr val="385623"/>
-                </a:solidFill>
-                <a:latin typeface="Calibri Light" panose="020F0302020204030204" pitchFamily="34" charset="0"/>
-                <a:cs typeface="Calibri Light" panose="020F0302020204030204" pitchFamily="34" charset="0"/>
-              </a:rPr>
-              <a:t>moda</a:t>
-            </a:r>
-            <a:r>
-              <a:rPr lang="en-US" sz="2800" dirty="0">
-                <a:solidFill>
-                  <a:srgbClr val="385623"/>
-                </a:solidFill>
-                <a:latin typeface="Calibri Light" panose="020F0302020204030204" pitchFamily="34" charset="0"/>
-                <a:cs typeface="Calibri Light" panose="020F0302020204030204" pitchFamily="34" charset="0"/>
-              </a:rPr>
-              <a:t> </a:t>
-            </a:r>
-            <a:r>
-              <a:rPr lang="en-US" sz="2800" dirty="0" err="1">
-                <a:solidFill>
-                  <a:srgbClr val="385623"/>
-                </a:solidFill>
-                <a:latin typeface="Calibri Light" panose="020F0302020204030204" pitchFamily="34" charset="0"/>
-                <a:cs typeface="Calibri Light" panose="020F0302020204030204" pitchFamily="34" charset="0"/>
-              </a:rPr>
-              <a:t>corresponde</a:t>
-            </a:r>
-            <a:r>
-              <a:rPr lang="en-US" sz="2800" dirty="0">
-                <a:solidFill>
-                  <a:srgbClr val="385623"/>
-                </a:solidFill>
-                <a:latin typeface="Calibri Light" panose="020F0302020204030204" pitchFamily="34" charset="0"/>
-                <a:cs typeface="Calibri Light" panose="020F0302020204030204" pitchFamily="34" charset="0"/>
-              </a:rPr>
-              <a:t> </a:t>
-            </a:r>
-            <a:r>
-              <a:rPr lang="en-US" sz="2800" dirty="0" err="1">
-                <a:solidFill>
-                  <a:srgbClr val="385623"/>
-                </a:solidFill>
-                <a:latin typeface="Calibri Light" panose="020F0302020204030204" pitchFamily="34" charset="0"/>
-                <a:cs typeface="Calibri Light" panose="020F0302020204030204" pitchFamily="34" charset="0"/>
-              </a:rPr>
-              <a:t>ao</a:t>
-            </a:r>
-            <a:r>
-              <a:rPr lang="en-US" sz="2800" dirty="0">
-                <a:solidFill>
-                  <a:srgbClr val="385623"/>
-                </a:solidFill>
-                <a:latin typeface="Calibri Light" panose="020F0302020204030204" pitchFamily="34" charset="0"/>
-                <a:cs typeface="Calibri Light" panose="020F0302020204030204" pitchFamily="34" charset="0"/>
-              </a:rPr>
-              <a:t> valor que </a:t>
-            </a:r>
-            <a:r>
-              <a:rPr lang="en-US" sz="2800" dirty="0" err="1">
-                <a:solidFill>
-                  <a:srgbClr val="385623"/>
-                </a:solidFill>
-                <a:latin typeface="Calibri Light" panose="020F0302020204030204" pitchFamily="34" charset="0"/>
-                <a:cs typeface="Calibri Light" panose="020F0302020204030204" pitchFamily="34" charset="0"/>
-              </a:rPr>
-              <a:t>ocorre</a:t>
-            </a:r>
-            <a:r>
-              <a:rPr lang="en-US" sz="2800" dirty="0">
-                <a:solidFill>
-                  <a:srgbClr val="385623"/>
-                </a:solidFill>
-                <a:latin typeface="Calibri Light" panose="020F0302020204030204" pitchFamily="34" charset="0"/>
-                <a:cs typeface="Calibri Light" panose="020F0302020204030204" pitchFamily="34" charset="0"/>
-              </a:rPr>
-              <a:t> com </a:t>
-            </a:r>
-            <a:r>
-              <a:rPr lang="en-US" sz="2800" dirty="0" err="1">
-                <a:solidFill>
-                  <a:srgbClr val="385623"/>
-                </a:solidFill>
-                <a:latin typeface="Calibri Light" panose="020F0302020204030204" pitchFamily="34" charset="0"/>
-                <a:cs typeface="Calibri Light" panose="020F0302020204030204" pitchFamily="34" charset="0"/>
-              </a:rPr>
-              <a:t>maior</a:t>
-            </a:r>
-            <a:r>
-              <a:rPr lang="en-US" sz="2800" dirty="0">
-                <a:solidFill>
-                  <a:srgbClr val="385623"/>
-                </a:solidFill>
-                <a:latin typeface="Calibri Light" panose="020F0302020204030204" pitchFamily="34" charset="0"/>
-                <a:cs typeface="Calibri Light" panose="020F0302020204030204" pitchFamily="34" charset="0"/>
-              </a:rPr>
-              <a:t> </a:t>
-            </a:r>
-            <a:r>
-              <a:rPr lang="en-US" sz="2800" dirty="0" err="1">
-                <a:solidFill>
-                  <a:srgbClr val="385623"/>
-                </a:solidFill>
-                <a:latin typeface="Calibri Light" panose="020F0302020204030204" pitchFamily="34" charset="0"/>
-                <a:cs typeface="Calibri Light" panose="020F0302020204030204" pitchFamily="34" charset="0"/>
-              </a:rPr>
-              <a:t>frequência</a:t>
-            </a:r>
-            <a:r>
-              <a:rPr lang="en-US" sz="2800" dirty="0">
-                <a:solidFill>
-                  <a:srgbClr val="385623"/>
-                </a:solidFill>
-                <a:latin typeface="Calibri Light" panose="020F0302020204030204" pitchFamily="34" charset="0"/>
-                <a:cs typeface="Calibri Light" panose="020F0302020204030204" pitchFamily="34" charset="0"/>
-              </a:rPr>
-              <a:t> </a:t>
-            </a:r>
-            <a:r>
-              <a:rPr lang="en-US" sz="2800" dirty="0" err="1">
-                <a:solidFill>
-                  <a:srgbClr val="385623"/>
-                </a:solidFill>
-                <a:latin typeface="Calibri Light" panose="020F0302020204030204" pitchFamily="34" charset="0"/>
-                <a:cs typeface="Calibri Light" panose="020F0302020204030204" pitchFamily="34" charset="0"/>
-              </a:rPr>
-              <a:t>em</a:t>
-            </a:r>
-            <a:r>
-              <a:rPr lang="en-US" sz="2800" dirty="0">
-                <a:solidFill>
-                  <a:srgbClr val="385623"/>
-                </a:solidFill>
-                <a:latin typeface="Calibri Light" panose="020F0302020204030204" pitchFamily="34" charset="0"/>
-                <a:cs typeface="Calibri Light" panose="020F0302020204030204" pitchFamily="34" charset="0"/>
-              </a:rPr>
-              <a:t> um </a:t>
-            </a:r>
-            <a:r>
-              <a:rPr lang="en-US" sz="2800" dirty="0" err="1">
-                <a:solidFill>
-                  <a:srgbClr val="385623"/>
-                </a:solidFill>
-                <a:latin typeface="Calibri Light" panose="020F0302020204030204" pitchFamily="34" charset="0"/>
-                <a:cs typeface="Calibri Light" panose="020F0302020204030204" pitchFamily="34" charset="0"/>
-              </a:rPr>
-              <a:t>conjunto</a:t>
-            </a:r>
-            <a:r>
-              <a:rPr lang="en-US" sz="2800" dirty="0">
-                <a:solidFill>
-                  <a:srgbClr val="385623"/>
-                </a:solidFill>
-                <a:latin typeface="Calibri Light" panose="020F0302020204030204" pitchFamily="34" charset="0"/>
-                <a:cs typeface="Calibri Light" panose="020F0302020204030204" pitchFamily="34" charset="0"/>
-              </a:rPr>
-              <a:t>.</a:t>
-            </a:r>
-            <a:endParaRPr dirty="0">
-              <a:latin typeface="Calibri Light" panose="020F0302020204030204" pitchFamily="34" charset="0"/>
-              <a:cs typeface="Calibri Light" panose="020F0302020204030204" pitchFamily="34" charset="0"/>
-            </a:endParaRPr>
-          </a:p>
-          <a:p>
-            <a:pPr>
-              <a:lnSpc>
-                <a:spcPct val="100000"/>
-              </a:lnSpc>
-            </a:pPr>
-            <a:endParaRPr dirty="0">
-              <a:latin typeface="Calibri Light" panose="020F0302020204030204" pitchFamily="34" charset="0"/>
-              <a:cs typeface="Calibri Light" panose="020F0302020204030204" pitchFamily="34" charset="0"/>
-            </a:endParaRPr>
-          </a:p>
-          <a:p>
-            <a:pPr>
-              <a:lnSpc>
-                <a:spcPct val="100000"/>
-              </a:lnSpc>
-            </a:pPr>
-            <a:r>
-              <a:rPr lang="en-US" sz="2800" dirty="0">
-                <a:solidFill>
-                  <a:srgbClr val="385623"/>
-                </a:solidFill>
-                <a:latin typeface="Calibri Light" panose="020F0302020204030204" pitchFamily="34" charset="0"/>
-                <a:cs typeface="Calibri Light" panose="020F0302020204030204" pitchFamily="34" charset="0"/>
-              </a:rPr>
-              <a:t>Para </a:t>
-            </a:r>
-            <a:r>
-              <a:rPr lang="en-US" sz="2800" dirty="0" err="1">
-                <a:solidFill>
-                  <a:srgbClr val="385623"/>
-                </a:solidFill>
-                <a:latin typeface="Calibri Light" panose="020F0302020204030204" pitchFamily="34" charset="0"/>
-                <a:cs typeface="Calibri Light" panose="020F0302020204030204" pitchFamily="34" charset="0"/>
-              </a:rPr>
-              <a:t>obter</a:t>
-            </a:r>
-            <a:r>
-              <a:rPr lang="en-US" sz="2800" dirty="0">
-                <a:solidFill>
-                  <a:srgbClr val="385623"/>
-                </a:solidFill>
-                <a:latin typeface="Calibri Light" panose="020F0302020204030204" pitchFamily="34" charset="0"/>
-                <a:cs typeface="Calibri Light" panose="020F0302020204030204" pitchFamily="34" charset="0"/>
-              </a:rPr>
-              <a:t> a </a:t>
-            </a:r>
-            <a:r>
-              <a:rPr lang="en-US" sz="2800" dirty="0" err="1">
-                <a:solidFill>
-                  <a:srgbClr val="385623"/>
-                </a:solidFill>
-                <a:latin typeface="Calibri Light" panose="020F0302020204030204" pitchFamily="34" charset="0"/>
-                <a:cs typeface="Calibri Light" panose="020F0302020204030204" pitchFamily="34" charset="0"/>
-              </a:rPr>
-              <a:t>moda</a:t>
-            </a:r>
-            <a:r>
-              <a:rPr lang="en-US" sz="2800" dirty="0">
-                <a:solidFill>
-                  <a:srgbClr val="385623"/>
-                </a:solidFill>
-                <a:latin typeface="Calibri Light" panose="020F0302020204030204" pitchFamily="34" charset="0"/>
-                <a:cs typeface="Calibri Light" panose="020F0302020204030204" pitchFamily="34" charset="0"/>
-              </a:rPr>
-              <a:t>, </a:t>
-            </a:r>
-            <a:r>
-              <a:rPr lang="en-US" sz="2800" dirty="0" err="1">
-                <a:solidFill>
-                  <a:srgbClr val="385623"/>
-                </a:solidFill>
-                <a:latin typeface="Calibri Light" panose="020F0302020204030204" pitchFamily="34" charset="0"/>
-                <a:cs typeface="Calibri Light" panose="020F0302020204030204" pitchFamily="34" charset="0"/>
-              </a:rPr>
-              <a:t>podemos</a:t>
-            </a:r>
-            <a:r>
-              <a:rPr lang="en-US" sz="2800" dirty="0">
-                <a:solidFill>
-                  <a:srgbClr val="385623"/>
-                </a:solidFill>
-                <a:latin typeface="Calibri Light" panose="020F0302020204030204" pitchFamily="34" charset="0"/>
-                <a:cs typeface="Calibri Light" panose="020F0302020204030204" pitchFamily="34" charset="0"/>
-              </a:rPr>
-              <a:t> </a:t>
-            </a:r>
-            <a:r>
-              <a:rPr lang="en-US" sz="2800" dirty="0" err="1">
-                <a:solidFill>
-                  <a:srgbClr val="385623"/>
-                </a:solidFill>
-                <a:latin typeface="Calibri Light" panose="020F0302020204030204" pitchFamily="34" charset="0"/>
-                <a:cs typeface="Calibri Light" panose="020F0302020204030204" pitchFamily="34" charset="0"/>
-              </a:rPr>
-              <a:t>utilizar</a:t>
-            </a:r>
-            <a:r>
-              <a:rPr lang="en-US" sz="2800" dirty="0">
-                <a:solidFill>
-                  <a:srgbClr val="385623"/>
-                </a:solidFill>
-                <a:latin typeface="Calibri Light" panose="020F0302020204030204" pitchFamily="34" charset="0"/>
-                <a:cs typeface="Calibri Light" panose="020F0302020204030204" pitchFamily="34" charset="0"/>
-              </a:rPr>
-              <a:t> o </a:t>
-            </a:r>
-            <a:r>
-              <a:rPr lang="en-US" sz="2800" dirty="0" err="1">
-                <a:solidFill>
-                  <a:srgbClr val="385623"/>
-                </a:solidFill>
-                <a:latin typeface="Calibri Light" panose="020F0302020204030204" pitchFamily="34" charset="0"/>
-                <a:cs typeface="Calibri Light" panose="020F0302020204030204" pitchFamily="34" charset="0"/>
-              </a:rPr>
-              <a:t>método</a:t>
-            </a:r>
-            <a:r>
-              <a:rPr lang="en-US" sz="2800" dirty="0">
-                <a:solidFill>
-                  <a:srgbClr val="385623"/>
-                </a:solidFill>
-                <a:latin typeface="Calibri Light" panose="020F0302020204030204" pitchFamily="34" charset="0"/>
-                <a:cs typeface="Calibri Light" panose="020F0302020204030204" pitchFamily="34" charset="0"/>
-              </a:rPr>
-              <a:t> </a:t>
-            </a:r>
-            <a:r>
-              <a:rPr lang="en-US" sz="2400" dirty="0" err="1">
-                <a:solidFill>
-                  <a:srgbClr val="385623"/>
-                </a:solidFill>
-                <a:latin typeface="Lucida Console" panose="020B0609040504020204" pitchFamily="49" charset="0"/>
-                <a:cs typeface="Calibri Light" panose="020F0302020204030204" pitchFamily="34" charset="0"/>
-              </a:rPr>
-              <a:t>stats.mode</a:t>
-            </a:r>
-            <a:r>
-              <a:rPr lang="en-US" sz="2400" dirty="0">
-                <a:solidFill>
-                  <a:srgbClr val="385623"/>
-                </a:solidFill>
-                <a:latin typeface="Lucida Console" panose="020B0609040504020204" pitchFamily="49" charset="0"/>
-                <a:cs typeface="Calibri Light" panose="020F0302020204030204" pitchFamily="34" charset="0"/>
-              </a:rPr>
-              <a:t>()</a:t>
-            </a:r>
-            <a:r>
-              <a:rPr lang="en-US" sz="2800" dirty="0">
-                <a:solidFill>
-                  <a:srgbClr val="385623"/>
-                </a:solidFill>
-                <a:latin typeface="Calibri Light" panose="020F0302020204030204" pitchFamily="34" charset="0"/>
-                <a:cs typeface="Calibri Light" panose="020F0302020204030204" pitchFamily="34" charset="0"/>
-              </a:rPr>
-              <a:t>, </a:t>
-            </a:r>
-            <a:r>
-              <a:rPr lang="en-US" sz="2800" dirty="0" err="1">
-                <a:solidFill>
-                  <a:srgbClr val="385623"/>
-                </a:solidFill>
-                <a:latin typeface="Calibri Light" panose="020F0302020204030204" pitchFamily="34" charset="0"/>
-                <a:cs typeface="Calibri Light" panose="020F0302020204030204" pitchFamily="34" charset="0"/>
-              </a:rPr>
-              <a:t>fornecido</a:t>
-            </a:r>
-            <a:r>
-              <a:rPr lang="en-US" sz="2800" dirty="0">
-                <a:solidFill>
-                  <a:srgbClr val="385623"/>
-                </a:solidFill>
-                <a:latin typeface="Calibri Light" panose="020F0302020204030204" pitchFamily="34" charset="0"/>
-                <a:cs typeface="Calibri Light" panose="020F0302020204030204" pitchFamily="34" charset="0"/>
-              </a:rPr>
-              <a:t> </a:t>
-            </a:r>
-            <a:r>
-              <a:rPr lang="en-US" sz="2800" dirty="0" err="1">
-                <a:solidFill>
-                  <a:srgbClr val="385623"/>
-                </a:solidFill>
-                <a:latin typeface="Calibri Light" panose="020F0302020204030204" pitchFamily="34" charset="0"/>
-                <a:cs typeface="Calibri Light" panose="020F0302020204030204" pitchFamily="34" charset="0"/>
-              </a:rPr>
-              <a:t>pelo</a:t>
-            </a:r>
-            <a:r>
-              <a:rPr lang="en-US" sz="2800" dirty="0">
-                <a:solidFill>
-                  <a:srgbClr val="385623"/>
-                </a:solidFill>
-                <a:latin typeface="Calibri Light" panose="020F0302020204030204" pitchFamily="34" charset="0"/>
-                <a:cs typeface="Calibri Light" panose="020F0302020204030204" pitchFamily="34" charset="0"/>
-              </a:rPr>
-              <a:t> </a:t>
-            </a:r>
-            <a:r>
-              <a:rPr lang="en-US" sz="2800" dirty="0" err="1">
-                <a:solidFill>
-                  <a:srgbClr val="385623"/>
-                </a:solidFill>
-                <a:latin typeface="Calibri Light" panose="020F0302020204030204" pitchFamily="34" charset="0"/>
-                <a:cs typeface="Calibri Light" panose="020F0302020204030204" pitchFamily="34" charset="0"/>
-              </a:rPr>
-              <a:t>pacote</a:t>
-            </a:r>
-            <a:r>
-              <a:rPr lang="en-US" sz="2800" dirty="0">
-                <a:solidFill>
-                  <a:srgbClr val="385623"/>
-                </a:solidFill>
-                <a:latin typeface="Calibri Light" panose="020F0302020204030204" pitchFamily="34" charset="0"/>
-                <a:cs typeface="Calibri Light" panose="020F0302020204030204" pitchFamily="34" charset="0"/>
-              </a:rPr>
-              <a:t> </a:t>
-            </a:r>
-            <a:r>
-              <a:rPr lang="en-US" sz="2800" dirty="0" err="1">
-                <a:solidFill>
-                  <a:srgbClr val="385623"/>
-                </a:solidFill>
-                <a:latin typeface="Calibri Light" panose="020F0302020204030204" pitchFamily="34" charset="0"/>
-                <a:cs typeface="Calibri Light" panose="020F0302020204030204" pitchFamily="34" charset="0"/>
-              </a:rPr>
-              <a:t>SciPy</a:t>
-            </a:r>
-            <a:endParaRPr dirty="0">
-              <a:latin typeface="Calibri Light" panose="020F0302020204030204" pitchFamily="34" charset="0"/>
-              <a:cs typeface="Calibri Light" panose="020F0302020204030204" pitchFamily="34" charset="0"/>
-            </a:endParaRPr>
           </a:p>
         </p:txBody>
       </p:sp>
@@ -8857,7 +8653,7 @@
       </p:grpSpPr>
       <p:sp>
         <p:nvSpPr>
-          <p:cNvPr id="108" name="CustomShape 1"/>
+          <p:cNvPr id="106" name="CustomShape 1"/>
           <p:cNvSpPr/>
           <p:nvPr/>
         </p:nvSpPr>
@@ -8898,14 +8694,14 @@
       </p:sp>
       <p:sp>
         <p:nvSpPr>
-          <p:cNvPr id="109" name="CustomShape 2"/>
+          <p:cNvPr id="107" name="CustomShape 2"/>
           <p:cNvSpPr/>
           <p:nvPr/>
         </p:nvSpPr>
         <p:spPr>
           <a:xfrm>
-            <a:off x="838080" y="3652962"/>
-            <a:ext cx="10513440" cy="622218"/>
+            <a:off x="838080" y="1825560"/>
+            <a:ext cx="10513440" cy="4349160"/>
           </a:xfrm>
           <a:prstGeom prst="rect">
             <a:avLst/>
@@ -8926,127 +8722,227 @@
             </a:pPr>
             <a:r>
               <a:rPr lang="en-US" sz="2800" dirty="0" err="1">
-                <a:latin typeface="Lucida Console"/>
-              </a:rPr>
-              <a:t>ModeResult</a:t>
-            </a:r>
-            <a:r>
-              <a:rPr lang="en-US" sz="2800" dirty="0">
-                <a:latin typeface="Lucida Console"/>
-              </a:rPr>
-              <a:t>(mode=array([20]), count=array([3]))</a:t>
-            </a:r>
-            <a:endParaRPr dirty="0"/>
-          </a:p>
-        </p:txBody>
-      </p:sp>
-      <p:sp>
-        <p:nvSpPr>
-          <p:cNvPr id="4" name="Retângulo 3"/>
-          <p:cNvSpPr/>
-          <p:nvPr/>
-        </p:nvSpPr>
-        <p:spPr>
-          <a:xfrm>
-            <a:off x="838080" y="2024350"/>
-            <a:ext cx="9979975" cy="1292662"/>
-          </a:xfrm>
-          <a:prstGeom prst="rect">
-            <a:avLst/>
-          </a:prstGeom>
-          <a:solidFill>
-            <a:schemeClr val="bg2"/>
-          </a:solidFill>
-          <a:ln cap="rnd">
-            <a:solidFill>
-              <a:schemeClr val="bg1">
-                <a:lumMod val="75000"/>
-              </a:schemeClr>
-            </a:solidFill>
-            <a:round/>
-          </a:ln>
-        </p:spPr>
-        <p:txBody>
-          <a:bodyPr wrap="square">
-            <a:spAutoFit/>
-          </a:bodyPr>
-          <a:lstStyle/>
-          <a:p>
-            <a:r>
-              <a:rPr lang="pt-BR" sz="2600" b="1" i="0" dirty="0" err="1">
-                <a:solidFill>
-                  <a:srgbClr val="008000"/>
-                </a:solidFill>
-                <a:effectLst/>
-                <a:latin typeface="Lucida Console" panose="020B0609040504020204" pitchFamily="49" charset="0"/>
-              </a:rPr>
-              <a:t>from</a:t>
-            </a:r>
-            <a:r>
-              <a:rPr lang="pt-BR" sz="2600" b="1" i="0" dirty="0">
-                <a:solidFill>
-                  <a:srgbClr val="008000"/>
-                </a:solidFill>
-                <a:effectLst/>
-                <a:latin typeface="Lucida Console" panose="020B0609040504020204" pitchFamily="49" charset="0"/>
+                <a:solidFill>
+                  <a:srgbClr val="385623"/>
+                </a:solidFill>
+                <a:latin typeface="Calibri Light" panose="020F0302020204030204" pitchFamily="34" charset="0"/>
+                <a:cs typeface="Calibri Light" panose="020F0302020204030204" pitchFamily="34" charset="0"/>
+              </a:rPr>
+              <a:t>Conforme</a:t>
+            </a:r>
+            <a:r>
+              <a:rPr lang="en-US" sz="2800" dirty="0">
+                <a:solidFill>
+                  <a:srgbClr val="385623"/>
+                </a:solidFill>
+                <a:latin typeface="Calibri Light" panose="020F0302020204030204" pitchFamily="34" charset="0"/>
+                <a:cs typeface="Calibri Light" panose="020F0302020204030204" pitchFamily="34" charset="0"/>
               </a:rPr>
               <a:t> </a:t>
             </a:r>
             <a:r>
-              <a:rPr lang="pt-BR" sz="2600" b="1" i="0" dirty="0" err="1">
-                <a:solidFill>
-                  <a:srgbClr val="0000FF"/>
-                </a:solidFill>
-                <a:effectLst/>
-                <a:latin typeface="Lucida Console" panose="020B0609040504020204" pitchFamily="49" charset="0"/>
-              </a:rPr>
-              <a:t>scipy</a:t>
-            </a:r>
-            <a:r>
-              <a:rPr lang="pt-BR" sz="2600" b="1" i="0" dirty="0">
-                <a:solidFill>
-                  <a:srgbClr val="0000FF"/>
-                </a:solidFill>
-                <a:effectLst/>
-                <a:latin typeface="Lucida Console" panose="020B0609040504020204" pitchFamily="49" charset="0"/>
+              <a:rPr lang="en-US" sz="2800" dirty="0" err="1">
+                <a:solidFill>
+                  <a:srgbClr val="385623"/>
+                </a:solidFill>
+                <a:latin typeface="Calibri Light" panose="020F0302020204030204" pitchFamily="34" charset="0"/>
+                <a:cs typeface="Calibri Light" panose="020F0302020204030204" pitchFamily="34" charset="0"/>
+              </a:rPr>
+              <a:t>vimos</a:t>
+            </a:r>
+            <a:r>
+              <a:rPr lang="en-US" sz="2800" dirty="0">
+                <a:solidFill>
+                  <a:srgbClr val="385623"/>
+                </a:solidFill>
+                <a:latin typeface="Calibri Light" panose="020F0302020204030204" pitchFamily="34" charset="0"/>
+                <a:cs typeface="Calibri Light" panose="020F0302020204030204" pitchFamily="34" charset="0"/>
               </a:rPr>
               <a:t> </a:t>
             </a:r>
             <a:r>
-              <a:rPr lang="pt-BR" sz="2600" b="1" dirty="0">
-                <a:solidFill>
-                  <a:srgbClr val="008000"/>
-                </a:solidFill>
-                <a:latin typeface="Lucida Console" panose="020B0609040504020204" pitchFamily="49" charset="0"/>
-              </a:rPr>
-              <a:t>import</a:t>
-            </a:r>
-            <a:r>
-              <a:rPr lang="pt-BR" sz="2600" b="0" i="0" dirty="0">
-                <a:solidFill>
-                  <a:srgbClr val="333333"/>
-                </a:solidFill>
-                <a:effectLst/>
-                <a:latin typeface="Lucida Console" panose="020B0609040504020204" pitchFamily="49" charset="0"/>
+              <a:rPr lang="en-US" sz="2800" dirty="0" err="1">
+                <a:solidFill>
+                  <a:srgbClr val="385623"/>
+                </a:solidFill>
+                <a:latin typeface="Calibri Light" panose="020F0302020204030204" pitchFamily="34" charset="0"/>
+                <a:cs typeface="Calibri Light" panose="020F0302020204030204" pitchFamily="34" charset="0"/>
+              </a:rPr>
+              <a:t>anteriormente</a:t>
+            </a:r>
+            <a:r>
+              <a:rPr lang="en-US" sz="2800" dirty="0">
+                <a:solidFill>
+                  <a:srgbClr val="385623"/>
+                </a:solidFill>
+                <a:latin typeface="Calibri Light" panose="020F0302020204030204" pitchFamily="34" charset="0"/>
+                <a:cs typeface="Calibri Light" panose="020F0302020204030204" pitchFamily="34" charset="0"/>
+              </a:rPr>
+              <a:t>, a </a:t>
+            </a:r>
+            <a:r>
+              <a:rPr lang="en-US" sz="2800" dirty="0" err="1">
+                <a:solidFill>
+                  <a:srgbClr val="385623"/>
+                </a:solidFill>
+                <a:latin typeface="Calibri Light" panose="020F0302020204030204" pitchFamily="34" charset="0"/>
+                <a:cs typeface="Calibri Light" panose="020F0302020204030204" pitchFamily="34" charset="0"/>
+              </a:rPr>
+              <a:t>moda</a:t>
+            </a:r>
+            <a:r>
+              <a:rPr lang="en-US" sz="2800" dirty="0">
+                <a:solidFill>
+                  <a:srgbClr val="385623"/>
+                </a:solidFill>
+                <a:latin typeface="Calibri Light" panose="020F0302020204030204" pitchFamily="34" charset="0"/>
+                <a:cs typeface="Calibri Light" panose="020F0302020204030204" pitchFamily="34" charset="0"/>
               </a:rPr>
               <a:t> </a:t>
             </a:r>
             <a:r>
-              <a:rPr lang="pt-BR" sz="2600" b="1" i="0" dirty="0" err="1">
-                <a:solidFill>
-                  <a:srgbClr val="0000FF"/>
-                </a:solidFill>
-                <a:effectLst/>
-                <a:latin typeface="Lucida Console" panose="020B0609040504020204" pitchFamily="49" charset="0"/>
-              </a:rPr>
-              <a:t>stats</a:t>
-            </a:r>
-            <a:endParaRPr lang="pt-BR" sz="2600" b="1" i="0" dirty="0">
-              <a:solidFill>
-                <a:srgbClr val="0000FF"/>
-              </a:solidFill>
-              <a:effectLst/>
-              <a:latin typeface="Lucida Console" panose="020B0609040504020204" pitchFamily="49" charset="0"/>
+              <a:rPr lang="en-US" sz="2800" dirty="0" err="1">
+                <a:solidFill>
+                  <a:srgbClr val="385623"/>
+                </a:solidFill>
+                <a:latin typeface="Calibri Light" panose="020F0302020204030204" pitchFamily="34" charset="0"/>
+                <a:cs typeface="Calibri Light" panose="020F0302020204030204" pitchFamily="34" charset="0"/>
+              </a:rPr>
+              <a:t>corresponde</a:t>
+            </a:r>
+            <a:r>
+              <a:rPr lang="en-US" sz="2800" dirty="0">
+                <a:solidFill>
+                  <a:srgbClr val="385623"/>
+                </a:solidFill>
+                <a:latin typeface="Calibri Light" panose="020F0302020204030204" pitchFamily="34" charset="0"/>
+                <a:cs typeface="Calibri Light" panose="020F0302020204030204" pitchFamily="34" charset="0"/>
+              </a:rPr>
+              <a:t> </a:t>
+            </a:r>
+            <a:r>
+              <a:rPr lang="en-US" sz="2800" dirty="0" err="1">
+                <a:solidFill>
+                  <a:srgbClr val="385623"/>
+                </a:solidFill>
+                <a:latin typeface="Calibri Light" panose="020F0302020204030204" pitchFamily="34" charset="0"/>
+                <a:cs typeface="Calibri Light" panose="020F0302020204030204" pitchFamily="34" charset="0"/>
+              </a:rPr>
+              <a:t>ao</a:t>
+            </a:r>
+            <a:r>
+              <a:rPr lang="en-US" sz="2800" dirty="0">
+                <a:solidFill>
+                  <a:srgbClr val="385623"/>
+                </a:solidFill>
+                <a:latin typeface="Calibri Light" panose="020F0302020204030204" pitchFamily="34" charset="0"/>
+                <a:cs typeface="Calibri Light" panose="020F0302020204030204" pitchFamily="34" charset="0"/>
+              </a:rPr>
+              <a:t> valor que </a:t>
+            </a:r>
+            <a:r>
+              <a:rPr lang="en-US" sz="2800" dirty="0" err="1">
+                <a:solidFill>
+                  <a:srgbClr val="385623"/>
+                </a:solidFill>
+                <a:latin typeface="Calibri Light" panose="020F0302020204030204" pitchFamily="34" charset="0"/>
+                <a:cs typeface="Calibri Light" panose="020F0302020204030204" pitchFamily="34" charset="0"/>
+              </a:rPr>
+              <a:t>ocorre</a:t>
+            </a:r>
+            <a:r>
+              <a:rPr lang="en-US" sz="2800" dirty="0">
+                <a:solidFill>
+                  <a:srgbClr val="385623"/>
+                </a:solidFill>
+                <a:latin typeface="Calibri Light" panose="020F0302020204030204" pitchFamily="34" charset="0"/>
+                <a:cs typeface="Calibri Light" panose="020F0302020204030204" pitchFamily="34" charset="0"/>
+              </a:rPr>
+              <a:t> com </a:t>
+            </a:r>
+            <a:r>
+              <a:rPr lang="en-US" sz="2800" dirty="0" err="1">
+                <a:solidFill>
+                  <a:srgbClr val="385623"/>
+                </a:solidFill>
+                <a:latin typeface="Calibri Light" panose="020F0302020204030204" pitchFamily="34" charset="0"/>
+                <a:cs typeface="Calibri Light" panose="020F0302020204030204" pitchFamily="34" charset="0"/>
+              </a:rPr>
+              <a:t>maior</a:t>
+            </a:r>
+            <a:r>
+              <a:rPr lang="en-US" sz="2800" dirty="0">
+                <a:solidFill>
+                  <a:srgbClr val="385623"/>
+                </a:solidFill>
+                <a:latin typeface="Calibri Light" panose="020F0302020204030204" pitchFamily="34" charset="0"/>
+                <a:cs typeface="Calibri Light" panose="020F0302020204030204" pitchFamily="34" charset="0"/>
+              </a:rPr>
+              <a:t> </a:t>
+            </a:r>
+            <a:r>
+              <a:rPr lang="en-US" sz="2800" dirty="0" err="1">
+                <a:solidFill>
+                  <a:srgbClr val="385623"/>
+                </a:solidFill>
+                <a:latin typeface="Calibri Light" panose="020F0302020204030204" pitchFamily="34" charset="0"/>
+                <a:cs typeface="Calibri Light" panose="020F0302020204030204" pitchFamily="34" charset="0"/>
+              </a:rPr>
+              <a:t>frequência</a:t>
+            </a:r>
+            <a:r>
+              <a:rPr lang="en-US" sz="2800" dirty="0">
+                <a:solidFill>
+                  <a:srgbClr val="385623"/>
+                </a:solidFill>
+                <a:latin typeface="Calibri Light" panose="020F0302020204030204" pitchFamily="34" charset="0"/>
+                <a:cs typeface="Calibri Light" panose="020F0302020204030204" pitchFamily="34" charset="0"/>
+              </a:rPr>
+              <a:t> </a:t>
+            </a:r>
+            <a:r>
+              <a:rPr lang="en-US" sz="2800" dirty="0" err="1">
+                <a:solidFill>
+                  <a:srgbClr val="385623"/>
+                </a:solidFill>
+                <a:latin typeface="Calibri Light" panose="020F0302020204030204" pitchFamily="34" charset="0"/>
+                <a:cs typeface="Calibri Light" panose="020F0302020204030204" pitchFamily="34" charset="0"/>
+              </a:rPr>
+              <a:t>em</a:t>
+            </a:r>
+            <a:r>
+              <a:rPr lang="en-US" sz="2800" dirty="0">
+                <a:solidFill>
+                  <a:srgbClr val="385623"/>
+                </a:solidFill>
+                <a:latin typeface="Calibri Light" panose="020F0302020204030204" pitchFamily="34" charset="0"/>
+                <a:cs typeface="Calibri Light" panose="020F0302020204030204" pitchFamily="34" charset="0"/>
+              </a:rPr>
+              <a:t> um </a:t>
+            </a:r>
+            <a:r>
+              <a:rPr lang="en-US" sz="2800" dirty="0" err="1">
+                <a:solidFill>
+                  <a:srgbClr val="385623"/>
+                </a:solidFill>
+                <a:latin typeface="Calibri Light" panose="020F0302020204030204" pitchFamily="34" charset="0"/>
+                <a:cs typeface="Calibri Light" panose="020F0302020204030204" pitchFamily="34" charset="0"/>
+              </a:rPr>
+              <a:t>conjunto</a:t>
+            </a:r>
+            <a:r>
+              <a:rPr lang="en-US" sz="2800" dirty="0">
+                <a:solidFill>
+                  <a:srgbClr val="385623"/>
+                </a:solidFill>
+                <a:latin typeface="Calibri Light" panose="020F0302020204030204" pitchFamily="34" charset="0"/>
+                <a:cs typeface="Calibri Light" panose="020F0302020204030204" pitchFamily="34" charset="0"/>
+              </a:rPr>
+              <a:t>.</a:t>
+            </a:r>
+            <a:endParaRPr dirty="0">
+              <a:latin typeface="Calibri Light" panose="020F0302020204030204" pitchFamily="34" charset="0"/>
+              <a:cs typeface="Calibri Light" panose="020F0302020204030204" pitchFamily="34" charset="0"/>
             </a:endParaRPr>
           </a:p>
           <a:p>
@@ -9055,19 +8951,10 @@
                 <a:spcPct val="100000"/>
               </a:lnSpc>
             </a:pPr>
-            <a:r>
-              <a:rPr lang="pt-BR" sz="2600" dirty="0" err="1">
-                <a:latin typeface="Lucida Console"/>
-              </a:rPr>
-              <a:t>numeros</a:t>
-            </a:r>
-            <a:r>
-              <a:rPr lang="pt-BR" sz="2600" dirty="0">
-                <a:latin typeface="Lucida Console"/>
-              </a:rPr>
-              <a:t> = [20, 20, 1000, 50, 20, 1000]</a:t>
-            </a:r>
-            <a:endParaRPr lang="pt-BR" sz="2600" dirty="0"/>
+            <a:endParaRPr dirty="0">
+              <a:latin typeface="Calibri Light" panose="020F0302020204030204" pitchFamily="34" charset="0"/>
+              <a:cs typeface="Calibri Light" panose="020F0302020204030204" pitchFamily="34" charset="0"/>
+            </a:endParaRPr>
           </a:p>
           <a:p>
             <a:pPr>
@@ -9076,30 +8963,219 @@
               </a:lnSpc>
             </a:pPr>
             <a:r>
-              <a:rPr lang="pt-BR" sz="2600" dirty="0" err="1">
-                <a:latin typeface="Lucida Console"/>
+              <a:rPr lang="en-US" sz="2800" dirty="0">
+                <a:solidFill>
+                  <a:srgbClr val="385623"/>
+                </a:solidFill>
+                <a:latin typeface="Calibri Light" panose="020F0302020204030204" pitchFamily="34" charset="0"/>
+                <a:cs typeface="Calibri Light" panose="020F0302020204030204" pitchFamily="34" charset="0"/>
+              </a:rPr>
+              <a:t>Para </a:t>
+            </a:r>
+            <a:r>
+              <a:rPr lang="en-US" sz="2800" dirty="0" err="1">
+                <a:solidFill>
+                  <a:srgbClr val="385623"/>
+                </a:solidFill>
+                <a:latin typeface="Calibri Light" panose="020F0302020204030204" pitchFamily="34" charset="0"/>
+                <a:cs typeface="Calibri Light" panose="020F0302020204030204" pitchFamily="34" charset="0"/>
+              </a:rPr>
+              <a:t>obter</a:t>
+            </a:r>
+            <a:r>
+              <a:rPr lang="en-US" sz="2800" dirty="0">
+                <a:solidFill>
+                  <a:srgbClr val="385623"/>
+                </a:solidFill>
+                <a:latin typeface="Calibri Light" panose="020F0302020204030204" pitchFamily="34" charset="0"/>
+                <a:cs typeface="Calibri Light" panose="020F0302020204030204" pitchFamily="34" charset="0"/>
+              </a:rPr>
+              <a:t> a </a:t>
+            </a:r>
+            <a:r>
+              <a:rPr lang="en-US" sz="2800" dirty="0" err="1">
+                <a:solidFill>
+                  <a:srgbClr val="385623"/>
+                </a:solidFill>
+                <a:latin typeface="Calibri Light" panose="020F0302020204030204" pitchFamily="34" charset="0"/>
+                <a:cs typeface="Calibri Light" panose="020F0302020204030204" pitchFamily="34" charset="0"/>
+              </a:rPr>
+              <a:t>moda</a:t>
+            </a:r>
+            <a:r>
+              <a:rPr lang="en-US" sz="2800" dirty="0">
+                <a:solidFill>
+                  <a:srgbClr val="385623"/>
+                </a:solidFill>
+                <a:latin typeface="Calibri Light" panose="020F0302020204030204" pitchFamily="34" charset="0"/>
+                <a:cs typeface="Calibri Light" panose="020F0302020204030204" pitchFamily="34" charset="0"/>
+              </a:rPr>
+              <a:t>, </a:t>
+            </a:r>
+            <a:r>
+              <a:rPr lang="en-US" sz="2800" dirty="0" err="1">
+                <a:solidFill>
+                  <a:srgbClr val="385623"/>
+                </a:solidFill>
+                <a:latin typeface="Calibri Light" panose="020F0302020204030204" pitchFamily="34" charset="0"/>
+                <a:cs typeface="Calibri Light" panose="020F0302020204030204" pitchFamily="34" charset="0"/>
+              </a:rPr>
+              <a:t>podemos</a:t>
+            </a:r>
+            <a:r>
+              <a:rPr lang="en-US" sz="2800" dirty="0">
+                <a:solidFill>
+                  <a:srgbClr val="385623"/>
+                </a:solidFill>
+                <a:latin typeface="Calibri Light" panose="020F0302020204030204" pitchFamily="34" charset="0"/>
+                <a:cs typeface="Calibri Light" panose="020F0302020204030204" pitchFamily="34" charset="0"/>
+              </a:rPr>
+              <a:t> </a:t>
+            </a:r>
+            <a:r>
+              <a:rPr lang="en-US" sz="2800" dirty="0" err="1">
+                <a:solidFill>
+                  <a:srgbClr val="385623"/>
+                </a:solidFill>
+                <a:latin typeface="Calibri Light" panose="020F0302020204030204" pitchFamily="34" charset="0"/>
+                <a:cs typeface="Calibri Light" panose="020F0302020204030204" pitchFamily="34" charset="0"/>
+              </a:rPr>
+              <a:t>utilizar</a:t>
+            </a:r>
+            <a:r>
+              <a:rPr lang="en-US" sz="2800" dirty="0">
+                <a:solidFill>
+                  <a:srgbClr val="385623"/>
+                </a:solidFill>
+                <a:latin typeface="Calibri Light" panose="020F0302020204030204" pitchFamily="34" charset="0"/>
+                <a:cs typeface="Calibri Light" panose="020F0302020204030204" pitchFamily="34" charset="0"/>
+              </a:rPr>
+              <a:t> o </a:t>
+            </a:r>
+            <a:r>
+              <a:rPr lang="en-US" sz="2800" dirty="0" err="1">
+                <a:solidFill>
+                  <a:srgbClr val="385623"/>
+                </a:solidFill>
+                <a:latin typeface="Calibri Light" panose="020F0302020204030204" pitchFamily="34" charset="0"/>
+                <a:cs typeface="Calibri Light" panose="020F0302020204030204" pitchFamily="34" charset="0"/>
+              </a:rPr>
+              <a:t>método</a:t>
+            </a:r>
+            <a:r>
+              <a:rPr lang="en-US" sz="2800" dirty="0">
+                <a:solidFill>
+                  <a:srgbClr val="385623"/>
+                </a:solidFill>
+                <a:latin typeface="Calibri Light" panose="020F0302020204030204" pitchFamily="34" charset="0"/>
+                <a:cs typeface="Calibri Light" panose="020F0302020204030204" pitchFamily="34" charset="0"/>
+              </a:rPr>
+              <a:t> </a:t>
+            </a:r>
+            <a:r>
+              <a:rPr lang="en-US" sz="2400" dirty="0" err="1">
+                <a:solidFill>
+                  <a:srgbClr val="385623"/>
+                </a:solidFill>
+                <a:latin typeface="Lucida Console" panose="020B0609040504020204" pitchFamily="49" charset="0"/>
+                <a:cs typeface="Calibri Light" panose="020F0302020204030204" pitchFamily="34" charset="0"/>
               </a:rPr>
               <a:t>stats.mode</a:t>
             </a:r>
             <a:r>
-              <a:rPr lang="pt-BR" sz="2600" dirty="0">
-                <a:latin typeface="Lucida Console"/>
-              </a:rPr>
-              <a:t>(</a:t>
-            </a:r>
-            <a:r>
-              <a:rPr lang="pt-BR" sz="2600" dirty="0" err="1">
-                <a:latin typeface="Lucida Console"/>
-              </a:rPr>
-              <a:t>numeros</a:t>
-            </a:r>
-            <a:r>
-              <a:rPr lang="pt-BR" sz="2600" dirty="0">
-                <a:latin typeface="Lucida Console"/>
-              </a:rPr>
-              <a:t>)</a:t>
-            </a:r>
-            <a:endParaRPr lang="pt-BR" sz="2600" dirty="0"/>
+              <a:rPr lang="en-US" sz="2400" dirty="0">
+                <a:solidFill>
+                  <a:srgbClr val="385623"/>
+                </a:solidFill>
+                <a:latin typeface="Lucida Console" panose="020B0609040504020204" pitchFamily="49" charset="0"/>
+                <a:cs typeface="Calibri Light" panose="020F0302020204030204" pitchFamily="34" charset="0"/>
+              </a:rPr>
+              <a:t>()</a:t>
+            </a:r>
+            <a:r>
+              <a:rPr lang="en-US" sz="2800" dirty="0">
+                <a:solidFill>
+                  <a:srgbClr val="385623"/>
+                </a:solidFill>
+                <a:latin typeface="Calibri Light" panose="020F0302020204030204" pitchFamily="34" charset="0"/>
+                <a:cs typeface="Calibri Light" panose="020F0302020204030204" pitchFamily="34" charset="0"/>
+              </a:rPr>
+              <a:t>, </a:t>
+            </a:r>
+            <a:r>
+              <a:rPr lang="en-US" sz="2800" dirty="0" err="1">
+                <a:solidFill>
+                  <a:srgbClr val="385623"/>
+                </a:solidFill>
+                <a:latin typeface="Calibri Light" panose="020F0302020204030204" pitchFamily="34" charset="0"/>
+                <a:cs typeface="Calibri Light" panose="020F0302020204030204" pitchFamily="34" charset="0"/>
+              </a:rPr>
+              <a:t>fornecido</a:t>
+            </a:r>
+            <a:r>
+              <a:rPr lang="en-US" sz="2800" dirty="0">
+                <a:solidFill>
+                  <a:srgbClr val="385623"/>
+                </a:solidFill>
+                <a:latin typeface="Calibri Light" panose="020F0302020204030204" pitchFamily="34" charset="0"/>
+                <a:cs typeface="Calibri Light" panose="020F0302020204030204" pitchFamily="34" charset="0"/>
+              </a:rPr>
+              <a:t> </a:t>
+            </a:r>
+            <a:r>
+              <a:rPr lang="en-US" sz="2800" dirty="0" err="1">
+                <a:solidFill>
+                  <a:srgbClr val="385623"/>
+                </a:solidFill>
+                <a:latin typeface="Calibri Light" panose="020F0302020204030204" pitchFamily="34" charset="0"/>
+                <a:cs typeface="Calibri Light" panose="020F0302020204030204" pitchFamily="34" charset="0"/>
+              </a:rPr>
+              <a:t>pelo</a:t>
+            </a:r>
+            <a:r>
+              <a:rPr lang="en-US" sz="2800" dirty="0">
+                <a:solidFill>
+                  <a:srgbClr val="385623"/>
+                </a:solidFill>
+                <a:latin typeface="Calibri Light" panose="020F0302020204030204" pitchFamily="34" charset="0"/>
+                <a:cs typeface="Calibri Light" panose="020F0302020204030204" pitchFamily="34" charset="0"/>
+              </a:rPr>
+              <a:t> </a:t>
+            </a:r>
+            <a:r>
+              <a:rPr lang="en-US" sz="2800" dirty="0" err="1">
+                <a:solidFill>
+                  <a:srgbClr val="385623"/>
+                </a:solidFill>
+                <a:latin typeface="Calibri Light" panose="020F0302020204030204" pitchFamily="34" charset="0"/>
+                <a:cs typeface="Calibri Light" panose="020F0302020204030204" pitchFamily="34" charset="0"/>
+              </a:rPr>
+              <a:t>pacote</a:t>
+            </a:r>
+            <a:r>
+              <a:rPr lang="en-US" sz="2800" dirty="0">
+                <a:solidFill>
+                  <a:srgbClr val="385623"/>
+                </a:solidFill>
+                <a:latin typeface="Calibri Light" panose="020F0302020204030204" pitchFamily="34" charset="0"/>
+                <a:cs typeface="Calibri Light" panose="020F0302020204030204" pitchFamily="34" charset="0"/>
+              </a:rPr>
+              <a:t> </a:t>
+            </a:r>
+            <a:r>
+              <a:rPr lang="en-US" sz="2800" dirty="0" err="1">
+                <a:solidFill>
+                  <a:srgbClr val="385623"/>
+                </a:solidFill>
+                <a:latin typeface="Calibri Light" panose="020F0302020204030204" pitchFamily="34" charset="0"/>
+                <a:cs typeface="Calibri Light" panose="020F0302020204030204" pitchFamily="34" charset="0"/>
+              </a:rPr>
+              <a:t>SciPy</a:t>
+            </a:r>
+            <a:endParaRPr dirty="0">
+              <a:latin typeface="Calibri Light" panose="020F0302020204030204" pitchFamily="34" charset="0"/>
+              <a:cs typeface="Calibri Light" panose="020F0302020204030204" pitchFamily="34" charset="0"/>
+            </a:endParaRPr>
           </a:p>
         </p:txBody>
       </p:sp>
@@ -9204,7 +9280,7 @@
         </p:nvSpPr>
         <p:spPr>
           <a:xfrm>
-            <a:off x="838080" y="1825560"/>
+            <a:off x="838080" y="1760245"/>
             <a:ext cx="10513440" cy="2472480"/>
           </a:xfrm>
           <a:prstGeom prst="rect">
@@ -9227,7 +9303,7 @@
               <a:buChar char="•"/>
             </a:pPr>
             <a:r>
-              <a:rPr lang="en-US" sz="2800" dirty="0">
+              <a:rPr lang="en-US" sz="3200" dirty="0">
                 <a:solidFill>
                   <a:srgbClr val="000000"/>
                 </a:solidFill>
@@ -9236,7 +9312,7 @@
               <a:t> </a:t>
             </a:r>
             <a:r>
-              <a:rPr lang="en-US" sz="2800" dirty="0" err="1">
+              <a:rPr lang="en-US" sz="3200" dirty="0" err="1">
                 <a:solidFill>
                   <a:srgbClr val="000000"/>
                 </a:solidFill>
@@ -9245,7 +9321,7 @@
               <a:t>Ciência</a:t>
             </a:r>
             <a:r>
-              <a:rPr lang="en-US" sz="2800" dirty="0">
+              <a:rPr lang="en-US" sz="3200" dirty="0">
                 <a:solidFill>
                   <a:srgbClr val="000000"/>
                 </a:solidFill>
@@ -9254,7 +9330,7 @@
               <a:t> que </a:t>
             </a:r>
             <a:r>
-              <a:rPr lang="en-US" sz="2800" dirty="0" err="1">
+              <a:rPr lang="en-US" sz="3200" dirty="0" err="1">
                 <a:solidFill>
                   <a:srgbClr val="000000"/>
                 </a:solidFill>
@@ -9263,7 +9339,7 @@
               <a:t>estuda</a:t>
             </a:r>
             <a:r>
-              <a:rPr lang="en-US" sz="2800" dirty="0">
+              <a:rPr lang="en-US" sz="3200" dirty="0">
                 <a:solidFill>
                   <a:srgbClr val="000000"/>
                 </a:solidFill>
@@ -9272,7 +9348,7 @@
               <a:t> a </a:t>
             </a:r>
             <a:r>
-              <a:rPr lang="en-US" sz="2800" dirty="0" err="1">
+              <a:rPr lang="en-US" sz="3200" dirty="0" err="1">
                 <a:solidFill>
                   <a:srgbClr val="000000"/>
                 </a:solidFill>
@@ -9281,7 +9357,7 @@
               <a:t>frequência</a:t>
             </a:r>
             <a:r>
-              <a:rPr lang="en-US" sz="2800" dirty="0">
+              <a:rPr lang="en-US" sz="3200" dirty="0">
                 <a:solidFill>
                   <a:srgbClr val="000000"/>
                 </a:solidFill>
@@ -9290,7 +9366,7 @@
               <a:t> da </a:t>
             </a:r>
             <a:r>
-              <a:rPr lang="en-US" sz="2800" dirty="0" err="1">
+              <a:rPr lang="en-US" sz="3200" dirty="0" err="1">
                 <a:solidFill>
                   <a:srgbClr val="000000"/>
                 </a:solidFill>
@@ -9299,7 +9375,7 @@
               <a:t>ocorrência</a:t>
             </a:r>
             <a:r>
-              <a:rPr lang="en-US" sz="2800" dirty="0">
+              <a:rPr lang="en-US" sz="3200" dirty="0">
                 <a:solidFill>
                   <a:srgbClr val="000000"/>
                 </a:solidFill>
@@ -9308,7 +9384,7 @@
               <a:t> de </a:t>
             </a:r>
             <a:r>
-              <a:rPr lang="en-US" sz="2800" dirty="0" err="1">
+              <a:rPr lang="en-US" sz="3200" dirty="0" err="1">
                 <a:solidFill>
                   <a:srgbClr val="000000"/>
                 </a:solidFill>
@@ -9316,7 +9392,7 @@
               </a:rPr>
               <a:t>eventos</a:t>
             </a:r>
-            <a:endParaRPr lang="en-US" sz="2800" dirty="0">
+            <a:endParaRPr lang="en-US" sz="3200" dirty="0">
               <a:solidFill>
                 <a:srgbClr val="000000"/>
               </a:solidFill>
@@ -9331,7 +9407,7 @@
               <a:buFont typeface="Arial"/>
               <a:buChar char="•"/>
             </a:pPr>
-            <a:endParaRPr dirty="0"/>
+            <a:endParaRPr sz="2000" dirty="0"/>
           </a:p>
           <a:p>
             <a:pPr>
@@ -9339,7 +9415,7 @@
                 <a:spcPct val="90000"/>
               </a:lnSpc>
             </a:pPr>
-            <a:endParaRPr dirty="0"/>
+            <a:endParaRPr sz="2000" dirty="0"/>
           </a:p>
           <a:p>
             <a:pPr>
@@ -9350,7 +9426,7 @@
               <a:buChar char="•"/>
             </a:pPr>
             <a:r>
-              <a:rPr lang="en-US" sz="2800" dirty="0">
+              <a:rPr lang="en-US" sz="3200" dirty="0">
                 <a:solidFill>
                   <a:srgbClr val="000000"/>
                 </a:solidFill>
@@ -9359,7 +9435,7 @@
               <a:t> </a:t>
             </a:r>
             <a:r>
-              <a:rPr lang="en-US" sz="2800" dirty="0" err="1">
+              <a:rPr lang="en-US" sz="3200" dirty="0" err="1">
                 <a:solidFill>
                   <a:srgbClr val="000000"/>
                 </a:solidFill>
@@ -9368,7 +9444,7 @@
               <a:t>Analisa</a:t>
             </a:r>
             <a:r>
-              <a:rPr lang="en-US" sz="2800" dirty="0">
+              <a:rPr lang="en-US" sz="3200" dirty="0">
                 <a:solidFill>
                   <a:srgbClr val="000000"/>
                 </a:solidFill>
@@ -9377,7 +9453,7 @@
               <a:t> </a:t>
             </a:r>
             <a:r>
-              <a:rPr lang="en-US" sz="2800" dirty="0" err="1">
+              <a:rPr lang="en-US" sz="3200" dirty="0" err="1">
                 <a:solidFill>
                   <a:srgbClr val="000000"/>
                 </a:solidFill>
@@ -9385,7 +9461,7 @@
               </a:rPr>
               <a:t>incertezas</a:t>
             </a:r>
-            <a:endParaRPr lang="en-US" sz="2800" dirty="0">
+            <a:endParaRPr lang="en-US" sz="3200" dirty="0">
               <a:solidFill>
                 <a:srgbClr val="000000"/>
               </a:solidFill>
@@ -9400,7 +9476,7 @@
               <a:buFont typeface="Arial"/>
               <a:buChar char="•"/>
             </a:pPr>
-            <a:endParaRPr dirty="0"/>
+            <a:endParaRPr sz="2000" dirty="0"/>
           </a:p>
           <a:p>
             <a:pPr>
@@ -9408,7 +9484,7 @@
                 <a:spcPct val="100000"/>
               </a:lnSpc>
             </a:pPr>
-            <a:endParaRPr dirty="0"/>
+            <a:endParaRPr sz="2000" dirty="0"/>
           </a:p>
           <a:p>
             <a:pPr>
@@ -9419,7 +9495,7 @@
               <a:buChar char="•"/>
             </a:pPr>
             <a:r>
-              <a:rPr lang="en-US" sz="2800" dirty="0">
+              <a:rPr lang="en-US" sz="3200" dirty="0">
                 <a:solidFill>
                   <a:srgbClr val="000000"/>
                 </a:solidFill>
@@ -9428,7 +9504,7 @@
               <a:t> </a:t>
             </a:r>
             <a:r>
-              <a:rPr lang="en-US" sz="2800" dirty="0" err="1">
+              <a:rPr lang="en-US" sz="3200" dirty="0" err="1">
                 <a:solidFill>
                   <a:srgbClr val="000000"/>
                 </a:solidFill>
@@ -9437,7 +9513,7 @@
               <a:t>Auxilia</a:t>
             </a:r>
             <a:r>
-              <a:rPr lang="en-US" sz="2800" dirty="0">
+              <a:rPr lang="en-US" sz="3200" dirty="0">
                 <a:solidFill>
                   <a:srgbClr val="000000"/>
                 </a:solidFill>
@@ -9446,7 +9522,7 @@
               <a:t> no </a:t>
             </a:r>
             <a:r>
-              <a:rPr lang="en-US" sz="2800" dirty="0" err="1">
+              <a:rPr lang="en-US" sz="3200" dirty="0" err="1">
                 <a:solidFill>
                   <a:srgbClr val="000000"/>
                 </a:solidFill>
@@ -9455,7 +9531,7 @@
               <a:t>processo</a:t>
             </a:r>
             <a:r>
-              <a:rPr lang="en-US" sz="2800" dirty="0">
+              <a:rPr lang="en-US" sz="3200" dirty="0">
                 <a:solidFill>
                   <a:srgbClr val="000000"/>
                 </a:solidFill>
@@ -9464,7 +9540,7 @@
               <a:t> de </a:t>
             </a:r>
             <a:r>
-              <a:rPr lang="en-US" sz="2800" dirty="0" err="1">
+              <a:rPr lang="en-US" sz="3200" dirty="0" err="1">
                 <a:solidFill>
                   <a:srgbClr val="000000"/>
                 </a:solidFill>
@@ -9473,7 +9549,7 @@
               <a:t>tomada</a:t>
             </a:r>
             <a:r>
-              <a:rPr lang="en-US" sz="2800" dirty="0">
+              <a:rPr lang="en-US" sz="3200" dirty="0">
                 <a:solidFill>
                   <a:srgbClr val="000000"/>
                 </a:solidFill>
@@ -9482,7 +9558,7 @@
               <a:t> de </a:t>
             </a:r>
             <a:r>
-              <a:rPr lang="en-US" sz="2800" dirty="0" err="1">
+              <a:rPr lang="en-US" sz="3200" dirty="0" err="1">
                 <a:solidFill>
                   <a:srgbClr val="000000"/>
                 </a:solidFill>
@@ -9490,7 +9566,7 @@
               </a:rPr>
               <a:t>decisão</a:t>
             </a:r>
-            <a:endParaRPr dirty="0"/>
+            <a:endParaRPr sz="2000" dirty="0"/>
           </a:p>
           <a:p>
             <a:pPr>
@@ -9498,7 +9574,7 @@
                 <a:spcPct val="90000"/>
               </a:lnSpc>
             </a:pPr>
-            <a:endParaRPr dirty="0"/>
+            <a:endParaRPr sz="2000" dirty="0"/>
           </a:p>
           <a:p>
             <a:pPr>
@@ -9506,7 +9582,7 @@
                 <a:spcPct val="90000"/>
               </a:lnSpc>
             </a:pPr>
-            <a:endParaRPr dirty="0"/>
+            <a:endParaRPr sz="2000" dirty="0"/>
           </a:p>
         </p:txBody>
       </p:sp>
@@ -10079,7 +10155,7 @@
       </p:grpSpPr>
       <p:sp>
         <p:nvSpPr>
-          <p:cNvPr id="110" name="CustomShape 1"/>
+          <p:cNvPr id="108" name="CustomShape 1"/>
           <p:cNvSpPr/>
           <p:nvPr/>
         </p:nvSpPr>
@@ -10120,14 +10196,14 @@
       </p:sp>
       <p:sp>
         <p:nvSpPr>
-          <p:cNvPr id="111" name="CustomShape 2"/>
+          <p:cNvPr id="109" name="CustomShape 2"/>
           <p:cNvSpPr/>
           <p:nvPr/>
         </p:nvSpPr>
         <p:spPr>
           <a:xfrm>
-            <a:off x="835735" y="4307057"/>
-            <a:ext cx="10513440" cy="467473"/>
+            <a:off x="838080" y="3652962"/>
+            <a:ext cx="10513440" cy="622218"/>
           </a:xfrm>
           <a:prstGeom prst="rect">
             <a:avLst/>
@@ -10147,10 +10223,16 @@
               </a:lnSpc>
             </a:pPr>
             <a:r>
-              <a:rPr lang="en-US" sz="2800" dirty="0">
+              <a:rPr lang="en-US" sz="2800" dirty="0" err="1">
                 <a:latin typeface="Lucida Console"/>
               </a:rPr>
-              <a:t>20</a:t>
+              <a:t>ModeResult</a:t>
+            </a:r>
+            <a:r>
+              <a:rPr lang="en-US" sz="2800" dirty="0">
+                <a:latin typeface="Lucida Console"/>
+              </a:rPr>
+              <a:t>(mode=array([20]), count=array([3]))</a:t>
             </a:r>
             <a:endParaRPr dirty="0"/>
           </a:p>
@@ -10164,8 +10246,8 @@
         </p:nvSpPr>
         <p:spPr>
           <a:xfrm>
-            <a:off x="838080" y="2035227"/>
-            <a:ext cx="9979975" cy="492443"/>
+            <a:off x="838080" y="2024350"/>
+            <a:ext cx="9979975" cy="1292662"/>
           </a:xfrm>
           <a:prstGeom prst="rect">
             <a:avLst/>
@@ -10189,56 +10271,82 @@
           <a:lstStyle/>
           <a:p>
             <a:r>
-              <a:rPr lang="en-US" sz="2600" dirty="0" err="1">
-                <a:latin typeface="Lucida Console"/>
-              </a:rPr>
-              <a:t>stats.mode</a:t>
-            </a:r>
-            <a:r>
-              <a:rPr lang="en-US" sz="2600" dirty="0">
-                <a:latin typeface="Lucida Console"/>
-              </a:rPr>
-              <a:t>(</a:t>
-            </a:r>
-            <a:r>
-              <a:rPr lang="en-US" sz="2600" dirty="0" err="1">
-                <a:latin typeface="Lucida Console"/>
-              </a:rPr>
-              <a:t>numeros</a:t>
-            </a:r>
-            <a:r>
-              <a:rPr lang="en-US" sz="2600" dirty="0">
-                <a:solidFill>
-                  <a:srgbClr val="385623"/>
-                </a:solidFill>
-                <a:latin typeface="Lucida Console"/>
-              </a:rPr>
-              <a:t>)[0]</a:t>
-            </a:r>
-            <a:endParaRPr lang="en-US" sz="2600" dirty="0"/>
-          </a:p>
-        </p:txBody>
-      </p:sp>
-      <p:sp>
-        <p:nvSpPr>
-          <p:cNvPr id="2" name="Retângulo 1"/>
-          <p:cNvSpPr/>
-          <p:nvPr/>
-        </p:nvSpPr>
-        <p:spPr>
-          <a:xfrm>
-            <a:off x="838080" y="2765388"/>
-            <a:ext cx="2230098" cy="461665"/>
-          </a:xfrm>
-          <a:prstGeom prst="rect">
-            <a:avLst/>
-          </a:prstGeom>
-        </p:spPr>
-        <p:txBody>
-          <a:bodyPr wrap="none">
-            <a:spAutoFit/>
-          </a:bodyPr>
-          <a:lstStyle/>
+              <a:rPr lang="pt-BR" sz="2600" b="1" i="0" dirty="0" err="1">
+                <a:solidFill>
+                  <a:srgbClr val="008000"/>
+                </a:solidFill>
+                <a:effectLst/>
+                <a:latin typeface="Lucida Console" panose="020B0609040504020204" pitchFamily="49" charset="0"/>
+              </a:rPr>
+              <a:t>from</a:t>
+            </a:r>
+            <a:r>
+              <a:rPr lang="pt-BR" sz="2600" b="1" i="0" dirty="0">
+                <a:solidFill>
+                  <a:srgbClr val="008000"/>
+                </a:solidFill>
+                <a:effectLst/>
+                <a:latin typeface="Lucida Console" panose="020B0609040504020204" pitchFamily="49" charset="0"/>
+              </a:rPr>
+              <a:t> </a:t>
+            </a:r>
+            <a:r>
+              <a:rPr lang="pt-BR" sz="2600" b="1" i="0" dirty="0" err="1">
+                <a:solidFill>
+                  <a:srgbClr val="0000FF"/>
+                </a:solidFill>
+                <a:effectLst/>
+                <a:latin typeface="Lucida Console" panose="020B0609040504020204" pitchFamily="49" charset="0"/>
+              </a:rPr>
+              <a:t>scipy</a:t>
+            </a:r>
+            <a:r>
+              <a:rPr lang="pt-BR" sz="2600" b="1" i="0" dirty="0">
+                <a:solidFill>
+                  <a:srgbClr val="0000FF"/>
+                </a:solidFill>
+                <a:effectLst/>
+                <a:latin typeface="Lucida Console" panose="020B0609040504020204" pitchFamily="49" charset="0"/>
+              </a:rPr>
+              <a:t> </a:t>
+            </a:r>
+            <a:r>
+              <a:rPr lang="pt-BR" sz="2600" b="1" dirty="0">
+                <a:solidFill>
+                  <a:srgbClr val="008000"/>
+                </a:solidFill>
+                <a:latin typeface="Lucida Console" panose="020B0609040504020204" pitchFamily="49" charset="0"/>
+              </a:rPr>
+              <a:t>import</a:t>
+            </a:r>
+            <a:r>
+              <a:rPr lang="pt-BR" sz="2600" b="0" i="0" dirty="0">
+                <a:solidFill>
+                  <a:srgbClr val="333333"/>
+                </a:solidFill>
+                <a:effectLst/>
+                <a:latin typeface="Lucida Console" panose="020B0609040504020204" pitchFamily="49" charset="0"/>
+              </a:rPr>
+              <a:t> </a:t>
+            </a:r>
+            <a:r>
+              <a:rPr lang="pt-BR" sz="2600" b="1" i="0" dirty="0" err="1">
+                <a:solidFill>
+                  <a:srgbClr val="0000FF"/>
+                </a:solidFill>
+                <a:effectLst/>
+                <a:latin typeface="Lucida Console" panose="020B0609040504020204" pitchFamily="49" charset="0"/>
+              </a:rPr>
+              <a:t>stats</a:t>
+            </a:r>
+            <a:endParaRPr lang="pt-BR" sz="2600" b="1" i="0" dirty="0">
+              <a:solidFill>
+                <a:srgbClr val="0000FF"/>
+              </a:solidFill>
+              <a:effectLst/>
+              <a:latin typeface="Lucida Console" panose="020B0609040504020204" pitchFamily="49" charset="0"/>
+            </a:endParaRPr>
+          </a:p>
           <a:p>
             <a:pPr>
               <a:lnSpc>
@@ -10246,72 +10354,50 @@
               </a:lnSpc>
             </a:pPr>
             <a:r>
-              <a:rPr lang="en-US" sz="2400" dirty="0">
+              <a:rPr lang="pt-BR" sz="2600" dirty="0" err="1">
                 <a:latin typeface="Lucida Console"/>
               </a:rPr>
-              <a:t>array([20])</a:t>
-            </a:r>
-            <a:endParaRPr lang="en-US" sz="2400" dirty="0"/>
-          </a:p>
-        </p:txBody>
-      </p:sp>
-      <p:sp>
-        <p:nvSpPr>
-          <p:cNvPr id="6" name="Retângulo 5"/>
-          <p:cNvSpPr/>
-          <p:nvPr/>
-        </p:nvSpPr>
-        <p:spPr>
-          <a:xfrm>
-            <a:off x="835735" y="3538125"/>
-            <a:ext cx="9979975" cy="492443"/>
-          </a:xfrm>
-          <a:prstGeom prst="rect">
-            <a:avLst/>
-          </a:prstGeom>
-          <a:solidFill>
-            <a:schemeClr val="bg2"/>
-          </a:solidFill>
-          <a:ln cap="rnd">
-            <a:solidFill>
-              <a:schemeClr val="bg1">
-                <a:lumMod val="75000"/>
-              </a:schemeClr>
-            </a:solidFill>
-            <a:round/>
-          </a:ln>
-        </p:spPr>
-        <p:txBody>
-          <a:bodyPr wrap="square">
-            <a:spAutoFit/>
-          </a:bodyPr>
-          <a:lstStyle/>
-          <a:p>
-            <a:r>
-              <a:rPr lang="en-US" sz="2600" dirty="0" err="1">
+              <a:t>numeros</a:t>
+            </a:r>
+            <a:r>
+              <a:rPr lang="pt-BR" sz="2600" dirty="0">
                 <a:latin typeface="Lucida Console"/>
               </a:rPr>
+              <a:t> = [20, 20, 1000, 50, 20, 1000]</a:t>
+            </a:r>
+            <a:endParaRPr lang="pt-BR" sz="2600" dirty="0"/>
+          </a:p>
+          <a:p>
+            <a:pPr>
+              <a:lnSpc>
+                <a:spcPct val="100000"/>
+              </a:lnSpc>
+            </a:pPr>
+            <a:r>
+              <a:rPr lang="pt-BR" sz="2600" dirty="0" err="1">
+                <a:latin typeface="Lucida Console"/>
+              </a:rPr>
               <a:t>stats.mode</a:t>
             </a:r>
             <a:r>
-              <a:rPr lang="en-US" sz="2600" dirty="0">
+              <a:rPr lang="pt-BR" sz="2600" dirty="0">
                 <a:latin typeface="Lucida Console"/>
               </a:rPr>
               <a:t>(</a:t>
             </a:r>
             <a:r>
-              <a:rPr lang="en-US" sz="2600" dirty="0" err="1">
+              <a:rPr lang="pt-BR" sz="2600" dirty="0" err="1">
                 <a:latin typeface="Lucida Console"/>
               </a:rPr>
               <a:t>numeros</a:t>
             </a:r>
             <a:r>
-              <a:rPr lang="en-US" sz="2600" dirty="0">
+              <a:rPr lang="pt-BR" sz="2600" dirty="0">
                 <a:latin typeface="Lucida Console"/>
               </a:rPr>
-              <a:t>)[0][0]</a:t>
-            </a:r>
-            <a:endParaRPr lang="en-US" sz="2600" dirty="0"/>
+              <a:t>)</a:t>
+            </a:r>
+            <a:endParaRPr lang="pt-BR" sz="2600" dirty="0"/>
           </a:p>
         </p:txBody>
       </p:sp>
@@ -10369,7 +10455,7 @@
       </p:grpSpPr>
       <p:sp>
         <p:nvSpPr>
-          <p:cNvPr id="112" name="CustomShape 1"/>
+          <p:cNvPr id="110" name="CustomShape 1"/>
           <p:cNvSpPr/>
           <p:nvPr/>
         </p:nvSpPr>
@@ -10410,14 +10496,14 @@
       </p:sp>
       <p:sp>
         <p:nvSpPr>
-          <p:cNvPr id="113" name="CustomShape 2"/>
+          <p:cNvPr id="111" name="CustomShape 2"/>
           <p:cNvSpPr/>
           <p:nvPr/>
         </p:nvSpPr>
         <p:spPr>
           <a:xfrm>
-            <a:off x="838080" y="1825560"/>
-            <a:ext cx="10513440" cy="4349160"/>
+            <a:off x="835735" y="4307057"/>
+            <a:ext cx="10513440" cy="467473"/>
           </a:xfrm>
           <a:prstGeom prst="rect">
             <a:avLst/>
@@ -10436,8 +10522,99 @@
                 <a:spcPct val="100000"/>
               </a:lnSpc>
             </a:pPr>
-            <a:endParaRPr/>
-          </a:p>
+            <a:r>
+              <a:rPr lang="en-US" sz="2800" dirty="0">
+                <a:latin typeface="Lucida Console"/>
+              </a:rPr>
+              <a:t>20</a:t>
+            </a:r>
+            <a:endParaRPr dirty="0"/>
+          </a:p>
+        </p:txBody>
+      </p:sp>
+      <p:sp>
+        <p:nvSpPr>
+          <p:cNvPr id="4" name="Retângulo 3"/>
+          <p:cNvSpPr/>
+          <p:nvPr/>
+        </p:nvSpPr>
+        <p:spPr>
+          <a:xfrm>
+            <a:off x="838080" y="2035227"/>
+            <a:ext cx="9979975" cy="492443"/>
+          </a:xfrm>
+          <a:prstGeom prst="rect">
+            <a:avLst/>
+          </a:prstGeom>
+          <a:solidFill>
+            <a:schemeClr val="bg2"/>
+          </a:solidFill>
+          <a:ln cap="rnd">
+            <a:solidFill>
+              <a:schemeClr val="bg1">
+                <a:lumMod val="75000"/>
+              </a:schemeClr>
+            </a:solidFill>
+            <a:round/>
+          </a:ln>
+        </p:spPr>
+        <p:txBody>
+          <a:bodyPr wrap="square">
+            <a:spAutoFit/>
+          </a:bodyPr>
+          <a:lstStyle/>
+          <a:p>
+            <a:r>
+              <a:rPr lang="en-US" sz="2600" dirty="0" err="1">
+                <a:latin typeface="Lucida Console"/>
+              </a:rPr>
+              <a:t>stats.mode</a:t>
+            </a:r>
+            <a:r>
+              <a:rPr lang="en-US" sz="2600" dirty="0">
+                <a:latin typeface="Lucida Console"/>
+              </a:rPr>
+              <a:t>(</a:t>
+            </a:r>
+            <a:r>
+              <a:rPr lang="en-US" sz="2600" dirty="0" err="1">
+                <a:latin typeface="Lucida Console"/>
+              </a:rPr>
+              <a:t>numeros</a:t>
+            </a:r>
+            <a:r>
+              <a:rPr lang="en-US" sz="2600" dirty="0">
+                <a:solidFill>
+                  <a:srgbClr val="385623"/>
+                </a:solidFill>
+                <a:latin typeface="Lucida Console"/>
+              </a:rPr>
+              <a:t>)[0]</a:t>
+            </a:r>
+            <a:endParaRPr lang="en-US" sz="2600" dirty="0"/>
+          </a:p>
+        </p:txBody>
+      </p:sp>
+      <p:sp>
+        <p:nvSpPr>
+          <p:cNvPr id="2" name="Retângulo 1"/>
+          <p:cNvSpPr/>
+          <p:nvPr/>
+        </p:nvSpPr>
+        <p:spPr>
+          <a:xfrm>
+            <a:off x="838080" y="2765388"/>
+            <a:ext cx="2230098" cy="461665"/>
+          </a:xfrm>
+          <a:prstGeom prst="rect">
+            <a:avLst/>
+          </a:prstGeom>
+        </p:spPr>
+        <p:txBody>
+          <a:bodyPr wrap="none">
+            <a:spAutoFit/>
+          </a:bodyPr>
+          <a:lstStyle/>
           <a:p>
             <a:pPr>
               <a:lnSpc>
@@ -10445,15 +10622,72 @@
               </a:lnSpc>
             </a:pPr>
             <a:r>
-              <a:rPr lang="en-US" sz="2800">
-                <a:solidFill>
-                  <a:srgbClr val="385623"/>
-                </a:solidFill>
-                <a:latin typeface="Calibri light"/>
-              </a:rPr>
-              <a:t>Qual pokémon da nossa lista corresponde à moda? Isto é, qual o pokémon mais comum do nosso conjunto de dados?</a:t>
-            </a:r>
-            <a:endParaRPr/>
+              <a:rPr lang="en-US" sz="2400" dirty="0">
+                <a:latin typeface="Lucida Console"/>
+              </a:rPr>
+              <a:t>array([20])</a:t>
+            </a:r>
+            <a:endParaRPr lang="en-US" sz="2400" dirty="0"/>
+          </a:p>
+        </p:txBody>
+      </p:sp>
+      <p:sp>
+        <p:nvSpPr>
+          <p:cNvPr id="6" name="Retângulo 5"/>
+          <p:cNvSpPr/>
+          <p:nvPr/>
+        </p:nvSpPr>
+        <p:spPr>
+          <a:xfrm>
+            <a:off x="835735" y="3538125"/>
+            <a:ext cx="9979975" cy="492443"/>
+          </a:xfrm>
+          <a:prstGeom prst="rect">
+            <a:avLst/>
+          </a:prstGeom>
+          <a:solidFill>
+            <a:schemeClr val="bg2"/>
+          </a:solidFill>
+          <a:ln cap="rnd">
+            <a:solidFill>
+              <a:schemeClr val="bg1">
+                <a:lumMod val="75000"/>
+              </a:schemeClr>
+            </a:solidFill>
+            <a:round/>
+          </a:ln>
+        </p:spPr>
+        <p:txBody>
+          <a:bodyPr wrap="square">
+            <a:spAutoFit/>
+          </a:bodyPr>
+          <a:lstStyle/>
+          <a:p>
+            <a:r>
+              <a:rPr lang="en-US" sz="2600" dirty="0" err="1">
+                <a:latin typeface="Lucida Console"/>
+              </a:rPr>
+              <a:t>stats.mode</a:t>
+            </a:r>
+            <a:r>
+              <a:rPr lang="en-US" sz="2600" dirty="0">
+                <a:latin typeface="Lucida Console"/>
+              </a:rPr>
+              <a:t>(</a:t>
+            </a:r>
+            <a:r>
+              <a:rPr lang="en-US" sz="2600" dirty="0" err="1">
+                <a:latin typeface="Lucida Console"/>
+              </a:rPr>
+              <a:t>numeros</a:t>
+            </a:r>
+            <a:r>
+              <a:rPr lang="en-US" sz="2600" dirty="0">
+                <a:latin typeface="Lucida Console"/>
+              </a:rPr>
+              <a:t>)[0][0]</a:t>
+            </a:r>
+            <a:endParaRPr lang="en-US" sz="2600" dirty="0"/>
           </a:p>
         </p:txBody>
       </p:sp>
@@ -10511,7 +10745,7 @@
       </p:grpSpPr>
       <p:sp>
         <p:nvSpPr>
-          <p:cNvPr id="114" name="CustomShape 1"/>
+          <p:cNvPr id="112" name="CustomShape 1"/>
           <p:cNvSpPr/>
           <p:nvPr/>
         </p:nvSpPr>
@@ -10544,7 +10778,7 @@
                 </a:solidFill>
                 <a:latin typeface="Calibri Light"/>
               </a:rPr>
-              <a:t>Distribuição de Frequências</a:t>
+              <a:t>Moda</a:t>
             </a:r>
             <a:endParaRPr/>
           </a:p>
@@ -10552,7 +10786,7 @@
       </p:sp>
       <p:sp>
         <p:nvSpPr>
-          <p:cNvPr id="115" name="CustomShape 2"/>
+          <p:cNvPr id="113" name="CustomShape 2"/>
           <p:cNvSpPr/>
           <p:nvPr/>
         </p:nvSpPr>
@@ -10583,399 +10817,165 @@
           <a:p>
             <a:pPr>
               <a:lnSpc>
-                <a:spcPct val="90000"/>
-              </a:lnSpc>
-            </a:pPr>
-            <a:r>
-              <a:rPr lang="en-US" sz="2800" dirty="0" err="1">
-                <a:solidFill>
-                  <a:srgbClr val="000000"/>
-                </a:solidFill>
-                <a:latin typeface="Calibri Light" panose="020F0302020204030204" pitchFamily="34" charset="0"/>
-                <a:cs typeface="Calibri Light" panose="020F0302020204030204" pitchFamily="34" charset="0"/>
-              </a:rPr>
-              <a:t>Frequência</a:t>
-            </a:r>
-            <a:r>
-              <a:rPr lang="en-US" sz="2800" dirty="0">
-                <a:solidFill>
-                  <a:srgbClr val="000000"/>
-                </a:solidFill>
-                <a:latin typeface="Calibri Light" panose="020F0302020204030204" pitchFamily="34" charset="0"/>
-                <a:cs typeface="Calibri Light" panose="020F0302020204030204" pitchFamily="34" charset="0"/>
-              </a:rPr>
-              <a:t> </a:t>
-            </a:r>
-            <a:r>
-              <a:rPr lang="en-US" sz="2800" dirty="0" err="1">
-                <a:solidFill>
-                  <a:srgbClr val="000000"/>
-                </a:solidFill>
-                <a:latin typeface="Calibri Light" panose="020F0302020204030204" pitchFamily="34" charset="0"/>
-                <a:cs typeface="Calibri Light" panose="020F0302020204030204" pitchFamily="34" charset="0"/>
-              </a:rPr>
-              <a:t>absoluta</a:t>
-            </a:r>
-            <a:r>
-              <a:rPr lang="en-US" sz="2800" dirty="0">
-                <a:solidFill>
-                  <a:srgbClr val="000000"/>
-                </a:solidFill>
-                <a:latin typeface="Calibri Light" panose="020F0302020204030204" pitchFamily="34" charset="0"/>
-                <a:cs typeface="Calibri Light" panose="020F0302020204030204" pitchFamily="34" charset="0"/>
-              </a:rPr>
-              <a:t>: </a:t>
-            </a:r>
-            <a:r>
-              <a:rPr lang="en-US" sz="2800" dirty="0" err="1">
-                <a:solidFill>
-                  <a:srgbClr val="000000"/>
-                </a:solidFill>
-                <a:latin typeface="Calibri Light" panose="020F0302020204030204" pitchFamily="34" charset="0"/>
-                <a:cs typeface="Calibri Light" panose="020F0302020204030204" pitchFamily="34" charset="0"/>
-              </a:rPr>
-              <a:t>número</a:t>
-            </a:r>
-            <a:r>
-              <a:rPr lang="en-US" sz="2800" dirty="0">
-                <a:solidFill>
-                  <a:srgbClr val="000000"/>
-                </a:solidFill>
-                <a:latin typeface="Calibri Light" panose="020F0302020204030204" pitchFamily="34" charset="0"/>
-                <a:cs typeface="Calibri Light" panose="020F0302020204030204" pitchFamily="34" charset="0"/>
-              </a:rPr>
-              <a:t> de </a:t>
-            </a:r>
-            <a:r>
-              <a:rPr lang="en-US" sz="2800" dirty="0" err="1">
-                <a:solidFill>
-                  <a:srgbClr val="000000"/>
-                </a:solidFill>
-                <a:latin typeface="Calibri Light" panose="020F0302020204030204" pitchFamily="34" charset="0"/>
-                <a:cs typeface="Calibri Light" panose="020F0302020204030204" pitchFamily="34" charset="0"/>
-              </a:rPr>
-              <a:t>vezes</a:t>
-            </a:r>
-            <a:r>
-              <a:rPr lang="en-US" sz="2800" dirty="0">
-                <a:solidFill>
-                  <a:srgbClr val="000000"/>
-                </a:solidFill>
-                <a:latin typeface="Calibri Light" panose="020F0302020204030204" pitchFamily="34" charset="0"/>
-                <a:cs typeface="Calibri Light" panose="020F0302020204030204" pitchFamily="34" charset="0"/>
-              </a:rPr>
-              <a:t> que um </a:t>
-            </a:r>
-            <a:r>
-              <a:rPr lang="en-US" sz="2800" dirty="0" err="1">
-                <a:solidFill>
-                  <a:srgbClr val="000000"/>
-                </a:solidFill>
-                <a:latin typeface="Calibri Light" panose="020F0302020204030204" pitchFamily="34" charset="0"/>
-                <a:cs typeface="Calibri Light" panose="020F0302020204030204" pitchFamily="34" charset="0"/>
-              </a:rPr>
-              <a:t>determinado</a:t>
-            </a:r>
-            <a:r>
-              <a:rPr lang="en-US" sz="2800" dirty="0">
-                <a:solidFill>
-                  <a:srgbClr val="000000"/>
-                </a:solidFill>
-                <a:latin typeface="Calibri Light" panose="020F0302020204030204" pitchFamily="34" charset="0"/>
-                <a:cs typeface="Calibri Light" panose="020F0302020204030204" pitchFamily="34" charset="0"/>
-              </a:rPr>
-              <a:t> </a:t>
-            </a:r>
-            <a:r>
-              <a:rPr lang="en-US" sz="2800" dirty="0" err="1">
-                <a:solidFill>
-                  <a:srgbClr val="000000"/>
-                </a:solidFill>
-                <a:latin typeface="Calibri Light" panose="020F0302020204030204" pitchFamily="34" charset="0"/>
-                <a:cs typeface="Calibri Light" panose="020F0302020204030204" pitchFamily="34" charset="0"/>
-              </a:rPr>
-              <a:t>evento</a:t>
-            </a:r>
-            <a:r>
-              <a:rPr lang="en-US" sz="2800" dirty="0">
-                <a:solidFill>
-                  <a:srgbClr val="000000"/>
-                </a:solidFill>
-                <a:latin typeface="Calibri Light" panose="020F0302020204030204" pitchFamily="34" charset="0"/>
-                <a:cs typeface="Calibri Light" panose="020F0302020204030204" pitchFamily="34" charset="0"/>
-              </a:rPr>
-              <a:t> </a:t>
-            </a:r>
-            <a:r>
-              <a:rPr lang="en-US" sz="2800" dirty="0" err="1">
-                <a:solidFill>
-                  <a:srgbClr val="000000"/>
-                </a:solidFill>
-                <a:latin typeface="Calibri Light" panose="020F0302020204030204" pitchFamily="34" charset="0"/>
-                <a:cs typeface="Calibri Light" panose="020F0302020204030204" pitchFamily="34" charset="0"/>
-              </a:rPr>
-              <a:t>ocorreu</a:t>
-            </a:r>
-            <a:r>
-              <a:rPr lang="en-US" sz="2800" dirty="0">
-                <a:solidFill>
-                  <a:srgbClr val="000000"/>
-                </a:solidFill>
-                <a:latin typeface="Calibri Light" panose="020F0302020204030204" pitchFamily="34" charset="0"/>
-                <a:cs typeface="Calibri Light" panose="020F0302020204030204" pitchFamily="34" charset="0"/>
-              </a:rPr>
-              <a:t> </a:t>
-            </a:r>
-            <a:r>
-              <a:rPr lang="en-US" sz="2800" dirty="0" err="1">
-                <a:solidFill>
-                  <a:srgbClr val="000000"/>
-                </a:solidFill>
-                <a:latin typeface="Calibri Light" panose="020F0302020204030204" pitchFamily="34" charset="0"/>
-                <a:cs typeface="Calibri Light" panose="020F0302020204030204" pitchFamily="34" charset="0"/>
-              </a:rPr>
-              <a:t>em</a:t>
-            </a:r>
-            <a:r>
-              <a:rPr lang="en-US" sz="2800" dirty="0">
-                <a:solidFill>
-                  <a:srgbClr val="000000"/>
-                </a:solidFill>
-                <a:latin typeface="Calibri Light" panose="020F0302020204030204" pitchFamily="34" charset="0"/>
-                <a:cs typeface="Calibri Light" panose="020F0302020204030204" pitchFamily="34" charset="0"/>
-              </a:rPr>
-              <a:t> um </a:t>
-            </a:r>
-            <a:r>
-              <a:rPr lang="en-US" sz="2800" dirty="0" err="1">
-                <a:solidFill>
-                  <a:srgbClr val="000000"/>
-                </a:solidFill>
-                <a:latin typeface="Calibri Light" panose="020F0302020204030204" pitchFamily="34" charset="0"/>
-                <a:cs typeface="Calibri Light" panose="020F0302020204030204" pitchFamily="34" charset="0"/>
-              </a:rPr>
-              <a:t>experimento</a:t>
-            </a:r>
-            <a:endParaRPr dirty="0">
-              <a:latin typeface="Calibri Light" panose="020F0302020204030204" pitchFamily="34" charset="0"/>
-              <a:cs typeface="Calibri Light" panose="020F0302020204030204" pitchFamily="34" charset="0"/>
-            </a:endParaRPr>
-          </a:p>
-          <a:p>
-            <a:pPr>
-              <a:lnSpc>
                 <a:spcPct val="100000"/>
               </a:lnSpc>
             </a:pPr>
-            <a:endParaRPr dirty="0"/>
-          </a:p>
-          <a:p>
-            <a:pPr>
-              <a:lnSpc>
-                <a:spcPct val="100000"/>
-              </a:lnSpc>
-            </a:pPr>
-            <a:r>
-              <a:rPr lang="en-US" sz="2800" dirty="0">
-                <a:solidFill>
-                  <a:srgbClr val="385623"/>
-                </a:solidFill>
-                <a:latin typeface="Calibri Light" panose="020F0302020204030204" pitchFamily="34" charset="0"/>
-                <a:cs typeface="Calibri Light" panose="020F0302020204030204" pitchFamily="34" charset="0"/>
-              </a:rPr>
-              <a:t>Para </a:t>
-            </a:r>
-            <a:r>
-              <a:rPr lang="en-US" sz="2800" dirty="0" err="1">
-                <a:solidFill>
-                  <a:srgbClr val="385623"/>
-                </a:solidFill>
-                <a:latin typeface="Calibri Light" panose="020F0302020204030204" pitchFamily="34" charset="0"/>
-                <a:cs typeface="Calibri Light" panose="020F0302020204030204" pitchFamily="34" charset="0"/>
-              </a:rPr>
-              <a:t>esta</a:t>
-            </a:r>
-            <a:r>
-              <a:rPr lang="en-US" sz="2800" dirty="0">
-                <a:solidFill>
-                  <a:srgbClr val="385623"/>
-                </a:solidFill>
-                <a:latin typeface="Calibri Light" panose="020F0302020204030204" pitchFamily="34" charset="0"/>
-                <a:cs typeface="Calibri Light" panose="020F0302020204030204" pitchFamily="34" charset="0"/>
+            <a:r>
+              <a:rPr lang="en-US" sz="2800" dirty="0" err="1">
+                <a:latin typeface="Calibri light"/>
+              </a:rPr>
+              <a:t>Qual</a:t>
+            </a:r>
+            <a:r>
+              <a:rPr lang="en-US" sz="2800" dirty="0">
+                <a:latin typeface="Calibri light"/>
               </a:rPr>
               <a:t> </a:t>
             </a:r>
             <a:r>
               <a:rPr lang="en-US" sz="2800" dirty="0" err="1">
-                <a:solidFill>
-                  <a:srgbClr val="385623"/>
-                </a:solidFill>
-                <a:latin typeface="Calibri Light" panose="020F0302020204030204" pitchFamily="34" charset="0"/>
-                <a:cs typeface="Calibri Light" panose="020F0302020204030204" pitchFamily="34" charset="0"/>
-              </a:rPr>
-              <a:t>finalidade</a:t>
-            </a:r>
-            <a:r>
-              <a:rPr lang="en-US" sz="2800" dirty="0">
-                <a:solidFill>
-                  <a:srgbClr val="385623"/>
-                </a:solidFill>
-                <a:latin typeface="Calibri Light" panose="020F0302020204030204" pitchFamily="34" charset="0"/>
-                <a:cs typeface="Calibri Light" panose="020F0302020204030204" pitchFamily="34" charset="0"/>
-              </a:rPr>
-              <a:t>, o </a:t>
-            </a:r>
-            <a:r>
-              <a:rPr lang="en-US" sz="2800" dirty="0" err="1">
-                <a:solidFill>
-                  <a:srgbClr val="385623"/>
-                </a:solidFill>
-                <a:latin typeface="Calibri Light" panose="020F0302020204030204" pitchFamily="34" charset="0"/>
-                <a:cs typeface="Calibri Light" panose="020F0302020204030204" pitchFamily="34" charset="0"/>
-              </a:rPr>
-              <a:t>módulo</a:t>
-            </a:r>
-            <a:r>
-              <a:rPr lang="en-US" sz="2800" dirty="0">
-                <a:solidFill>
-                  <a:srgbClr val="385623"/>
-                </a:solidFill>
-                <a:latin typeface="Calibri Light" panose="020F0302020204030204" pitchFamily="34" charset="0"/>
-                <a:cs typeface="Calibri Light" panose="020F0302020204030204" pitchFamily="34" charset="0"/>
-              </a:rPr>
-              <a:t> stats do </a:t>
-            </a:r>
-            <a:r>
-              <a:rPr lang="en-US" sz="2800" dirty="0" err="1">
-                <a:solidFill>
-                  <a:srgbClr val="385623"/>
-                </a:solidFill>
-                <a:latin typeface="Calibri Light" panose="020F0302020204030204" pitchFamily="34" charset="0"/>
-                <a:cs typeface="Calibri Light" panose="020F0302020204030204" pitchFamily="34" charset="0"/>
-              </a:rPr>
-              <a:t>pacote</a:t>
-            </a:r>
-            <a:r>
-              <a:rPr lang="en-US" sz="2800" dirty="0">
-                <a:solidFill>
-                  <a:srgbClr val="385623"/>
-                </a:solidFill>
-                <a:latin typeface="Calibri Light" panose="020F0302020204030204" pitchFamily="34" charset="0"/>
-                <a:cs typeface="Calibri Light" panose="020F0302020204030204" pitchFamily="34" charset="0"/>
+                <a:latin typeface="Calibri light"/>
+              </a:rPr>
+              <a:t>pokémon</a:t>
+            </a:r>
+            <a:r>
+              <a:rPr lang="en-US" sz="2800" dirty="0">
+                <a:latin typeface="Calibri light"/>
+              </a:rPr>
+              <a:t> da </a:t>
+            </a:r>
+            <a:r>
+              <a:rPr lang="en-US" sz="2800" dirty="0" err="1">
+                <a:latin typeface="Calibri light"/>
+              </a:rPr>
+              <a:t>nossa</a:t>
+            </a:r>
+            <a:r>
+              <a:rPr lang="en-US" sz="2800" dirty="0">
+                <a:latin typeface="Calibri light"/>
               </a:rPr>
               <a:t> </a:t>
             </a:r>
             <a:r>
               <a:rPr lang="en-US" sz="2800" dirty="0" err="1">
-                <a:solidFill>
-                  <a:srgbClr val="385623"/>
-                </a:solidFill>
-                <a:latin typeface="Calibri Light" panose="020F0302020204030204" pitchFamily="34" charset="0"/>
-                <a:cs typeface="Calibri Light" panose="020F0302020204030204" pitchFamily="34" charset="0"/>
-              </a:rPr>
-              <a:t>SciPy</a:t>
-            </a:r>
-            <a:r>
-              <a:rPr lang="en-US" sz="2800" dirty="0">
-                <a:solidFill>
-                  <a:srgbClr val="385623"/>
-                </a:solidFill>
-                <a:latin typeface="Calibri Light" panose="020F0302020204030204" pitchFamily="34" charset="0"/>
-                <a:cs typeface="Calibri Light" panose="020F0302020204030204" pitchFamily="34" charset="0"/>
+                <a:latin typeface="Calibri light"/>
+              </a:rPr>
+              <a:t>lista</a:t>
+            </a:r>
+            <a:r>
+              <a:rPr lang="en-US" sz="2800" dirty="0">
+                <a:latin typeface="Calibri light"/>
               </a:rPr>
               <a:t> </a:t>
             </a:r>
             <a:r>
               <a:rPr lang="en-US" sz="2800" dirty="0" err="1">
-                <a:solidFill>
-                  <a:srgbClr val="385623"/>
-                </a:solidFill>
-                <a:latin typeface="Calibri Light" panose="020F0302020204030204" pitchFamily="34" charset="0"/>
-                <a:cs typeface="Calibri Light" panose="020F0302020204030204" pitchFamily="34" charset="0"/>
-              </a:rPr>
-              <a:t>nos</a:t>
-            </a:r>
-            <a:r>
-              <a:rPr lang="en-US" sz="2800" dirty="0">
-                <a:solidFill>
-                  <a:srgbClr val="385623"/>
-                </a:solidFill>
-                <a:latin typeface="Calibri Light" panose="020F0302020204030204" pitchFamily="34" charset="0"/>
-                <a:cs typeface="Calibri Light" panose="020F0302020204030204" pitchFamily="34" charset="0"/>
+                <a:latin typeface="Calibri light"/>
+              </a:rPr>
+              <a:t>corresponde</a:t>
+            </a:r>
+            <a:r>
+              <a:rPr lang="en-US" sz="2800" dirty="0">
+                <a:latin typeface="Calibri light"/>
+              </a:rPr>
+              <a:t> à </a:t>
+            </a:r>
+            <a:r>
+              <a:rPr lang="en-US" sz="2800" dirty="0" err="1">
+                <a:latin typeface="Calibri light"/>
+              </a:rPr>
+              <a:t>moda</a:t>
+            </a:r>
+            <a:r>
+              <a:rPr lang="en-US" sz="2800" dirty="0">
+                <a:latin typeface="Calibri light"/>
+              </a:rPr>
+              <a:t>? </a:t>
+            </a:r>
+            <a:r>
+              <a:rPr lang="en-US" sz="2800" dirty="0" err="1">
+                <a:latin typeface="Calibri light"/>
+              </a:rPr>
+              <a:t>Isto</a:t>
+            </a:r>
+            <a:r>
+              <a:rPr lang="en-US" sz="2800" dirty="0">
+                <a:latin typeface="Calibri light"/>
+              </a:rPr>
+              <a:t> é, </a:t>
+            </a:r>
+            <a:r>
+              <a:rPr lang="en-US" sz="2800" dirty="0" err="1">
+                <a:latin typeface="Calibri light"/>
+              </a:rPr>
+              <a:t>qual</a:t>
+            </a:r>
+            <a:r>
+              <a:rPr lang="en-US" sz="2800" dirty="0">
+                <a:latin typeface="Calibri light"/>
+              </a:rPr>
+              <a:t> o </a:t>
+            </a:r>
+            <a:r>
+              <a:rPr lang="en-US" sz="2800" dirty="0" err="1">
+                <a:latin typeface="Calibri light"/>
+              </a:rPr>
+              <a:t>pokémon</a:t>
+            </a:r>
+            <a:r>
+              <a:rPr lang="en-US" sz="2800" dirty="0">
+                <a:latin typeface="Calibri light"/>
               </a:rPr>
               <a:t> </a:t>
             </a:r>
             <a:r>
               <a:rPr lang="en-US" sz="2800" dirty="0" err="1">
-                <a:solidFill>
-                  <a:srgbClr val="385623"/>
-                </a:solidFill>
-                <a:latin typeface="Calibri Light" panose="020F0302020204030204" pitchFamily="34" charset="0"/>
-                <a:cs typeface="Calibri Light" panose="020F0302020204030204" pitchFamily="34" charset="0"/>
-              </a:rPr>
-              <a:t>fornece</a:t>
-            </a:r>
-            <a:r>
-              <a:rPr lang="en-US" sz="2800" dirty="0">
-                <a:solidFill>
-                  <a:srgbClr val="385623"/>
-                </a:solidFill>
-                <a:latin typeface="Calibri Light" panose="020F0302020204030204" pitchFamily="34" charset="0"/>
-                <a:cs typeface="Calibri Light" panose="020F0302020204030204" pitchFamily="34" charset="0"/>
-              </a:rPr>
-              <a:t> o </a:t>
-            </a:r>
-            <a:r>
-              <a:rPr lang="en-US" sz="2800" dirty="0" err="1">
-                <a:solidFill>
-                  <a:srgbClr val="385623"/>
-                </a:solidFill>
-                <a:latin typeface="Calibri Light" panose="020F0302020204030204" pitchFamily="34" charset="0"/>
-                <a:cs typeface="Calibri Light" panose="020F0302020204030204" pitchFamily="34" charset="0"/>
-              </a:rPr>
-              <a:t>método</a:t>
-            </a:r>
-            <a:r>
-              <a:rPr lang="en-US" sz="2800" dirty="0">
-                <a:solidFill>
-                  <a:srgbClr val="385623"/>
-                </a:solidFill>
-                <a:latin typeface="Calibri Light" panose="020F0302020204030204" pitchFamily="34" charset="0"/>
-                <a:cs typeface="Calibri Light" panose="020F0302020204030204" pitchFamily="34" charset="0"/>
+                <a:latin typeface="Calibri light"/>
+              </a:rPr>
+              <a:t>mais</a:t>
+            </a:r>
+            <a:r>
+              <a:rPr lang="en-US" sz="2800" dirty="0">
+                <a:latin typeface="Calibri light"/>
               </a:rPr>
               <a:t> </a:t>
             </a:r>
             <a:r>
-              <a:rPr lang="en-US" sz="2400" dirty="0" err="1">
-                <a:solidFill>
-                  <a:srgbClr val="385623"/>
-                </a:solidFill>
-                <a:latin typeface="Lucida Console" panose="020B0609040504020204" pitchFamily="49" charset="0"/>
-                <a:cs typeface="Calibri Light" panose="020F0302020204030204" pitchFamily="34" charset="0"/>
-              </a:rPr>
-              <a:t>itemfreq</a:t>
-            </a:r>
-            <a:r>
-              <a:rPr lang="en-US" sz="2400" dirty="0">
-                <a:solidFill>
-                  <a:srgbClr val="385623"/>
-                </a:solidFill>
-                <a:latin typeface="Lucida Console" panose="020B0609040504020204" pitchFamily="49" charset="0"/>
-                <a:cs typeface="Calibri Light" panose="020F0302020204030204" pitchFamily="34" charset="0"/>
-              </a:rPr>
-              <a:t>()</a:t>
-            </a:r>
-            <a:endParaRPr dirty="0">
-              <a:latin typeface="Lucida Console" panose="020B0609040504020204" pitchFamily="49" charset="0"/>
-              <a:cs typeface="Calibri Light" panose="020F0302020204030204" pitchFamily="34" charset="0"/>
-            </a:endParaRPr>
-          </a:p>
-          <a:p>
-            <a:pPr>
-              <a:lnSpc>
-                <a:spcPct val="100000"/>
-              </a:lnSpc>
-            </a:pPr>
+              <a:rPr lang="en-US" sz="2800" dirty="0" err="1">
+                <a:latin typeface="Calibri light"/>
+              </a:rPr>
+              <a:t>comum</a:t>
+            </a:r>
+            <a:r>
+              <a:rPr lang="en-US" sz="2800" dirty="0">
+                <a:latin typeface="Calibri light"/>
+              </a:rPr>
+              <a:t> do </a:t>
+            </a:r>
+            <a:r>
+              <a:rPr lang="en-US" sz="2800" dirty="0" err="1">
+                <a:latin typeface="Calibri light"/>
+              </a:rPr>
+              <a:t>nosso</a:t>
+            </a:r>
+            <a:r>
+              <a:rPr lang="en-US" sz="2800" dirty="0">
+                <a:latin typeface="Calibri light"/>
+              </a:rPr>
+              <a:t> </a:t>
+            </a:r>
+            <a:r>
+              <a:rPr lang="en-US" sz="2800" dirty="0" err="1">
+                <a:latin typeface="Calibri light"/>
+              </a:rPr>
+              <a:t>conjunto</a:t>
+            </a:r>
+            <a:r>
+              <a:rPr lang="en-US" sz="2800" dirty="0">
+                <a:latin typeface="Calibri light"/>
+              </a:rPr>
+              <a:t> de dados?</a:t>
+            </a:r>
             <a:endParaRPr dirty="0"/>
           </a:p>
         </p:txBody>
@@ -11034,7 +11034,7 @@
       </p:grpSpPr>
       <p:sp>
         <p:nvSpPr>
-          <p:cNvPr id="116" name="CustomShape 1"/>
+          <p:cNvPr id="114" name="CustomShape 1"/>
           <p:cNvSpPr/>
           <p:nvPr/>
         </p:nvSpPr>
@@ -11075,14 +11075,14 @@
       </p:sp>
       <p:sp>
         <p:nvSpPr>
-          <p:cNvPr id="117" name="CustomShape 2"/>
+          <p:cNvPr id="115" name="CustomShape 2"/>
           <p:cNvSpPr/>
           <p:nvPr/>
         </p:nvSpPr>
         <p:spPr>
           <a:xfrm>
-            <a:off x="838080" y="3582383"/>
-            <a:ext cx="10513440" cy="1645919"/>
+            <a:off x="838080" y="1825560"/>
+            <a:ext cx="10513440" cy="4349160"/>
           </a:xfrm>
           <a:prstGeom prst="rect">
             <a:avLst/>
@@ -11101,13 +11101,188 @@
                 <a:spcPct val="100000"/>
               </a:lnSpc>
             </a:pPr>
-            <a:r>
-              <a:rPr lang="en-US" sz="2800" dirty="0">
-                <a:latin typeface="Lucida Console"/>
-              </a:rPr>
-              <a:t>array([[10,  2],</a:t>
-            </a:r>
             <a:endParaRPr dirty="0"/>
+          </a:p>
+          <a:p>
+            <a:pPr>
+              <a:lnSpc>
+                <a:spcPct val="90000"/>
+              </a:lnSpc>
+            </a:pPr>
+            <a:r>
+              <a:rPr lang="en-US" sz="2800" dirty="0" err="1">
+                <a:solidFill>
+                  <a:srgbClr val="000000"/>
+                </a:solidFill>
+                <a:latin typeface="Calibri Light" panose="020F0302020204030204" pitchFamily="34" charset="0"/>
+                <a:cs typeface="Calibri Light" panose="020F0302020204030204" pitchFamily="34" charset="0"/>
+              </a:rPr>
+              <a:t>Frequência</a:t>
+            </a:r>
+            <a:r>
+              <a:rPr lang="en-US" sz="2800" dirty="0">
+                <a:solidFill>
+                  <a:srgbClr val="000000"/>
+                </a:solidFill>
+                <a:latin typeface="Calibri Light" panose="020F0302020204030204" pitchFamily="34" charset="0"/>
+                <a:cs typeface="Calibri Light" panose="020F0302020204030204" pitchFamily="34" charset="0"/>
+              </a:rPr>
+              <a:t> </a:t>
+            </a:r>
+            <a:r>
+              <a:rPr lang="en-US" sz="2800" dirty="0" err="1">
+                <a:solidFill>
+                  <a:srgbClr val="000000"/>
+                </a:solidFill>
+                <a:latin typeface="Calibri Light" panose="020F0302020204030204" pitchFamily="34" charset="0"/>
+                <a:cs typeface="Calibri Light" panose="020F0302020204030204" pitchFamily="34" charset="0"/>
+              </a:rPr>
+              <a:t>absoluta</a:t>
+            </a:r>
+            <a:r>
+              <a:rPr lang="en-US" sz="2800" dirty="0">
+                <a:solidFill>
+                  <a:srgbClr val="000000"/>
+                </a:solidFill>
+                <a:latin typeface="Calibri Light" panose="020F0302020204030204" pitchFamily="34" charset="0"/>
+                <a:cs typeface="Calibri Light" panose="020F0302020204030204" pitchFamily="34" charset="0"/>
+              </a:rPr>
+              <a:t>: </a:t>
+            </a:r>
+            <a:r>
+              <a:rPr lang="en-US" sz="2800" dirty="0" err="1">
+                <a:solidFill>
+                  <a:srgbClr val="000000"/>
+                </a:solidFill>
+                <a:latin typeface="Calibri Light" panose="020F0302020204030204" pitchFamily="34" charset="0"/>
+                <a:cs typeface="Calibri Light" panose="020F0302020204030204" pitchFamily="34" charset="0"/>
+              </a:rPr>
+              <a:t>número</a:t>
+            </a:r>
+            <a:r>
+              <a:rPr lang="en-US" sz="2800" dirty="0">
+                <a:solidFill>
+                  <a:srgbClr val="000000"/>
+                </a:solidFill>
+                <a:latin typeface="Calibri Light" panose="020F0302020204030204" pitchFamily="34" charset="0"/>
+                <a:cs typeface="Calibri Light" panose="020F0302020204030204" pitchFamily="34" charset="0"/>
+              </a:rPr>
+              <a:t> de </a:t>
+            </a:r>
+            <a:r>
+              <a:rPr lang="en-US" sz="2800" dirty="0" err="1">
+                <a:solidFill>
+                  <a:srgbClr val="000000"/>
+                </a:solidFill>
+                <a:latin typeface="Calibri Light" panose="020F0302020204030204" pitchFamily="34" charset="0"/>
+                <a:cs typeface="Calibri Light" panose="020F0302020204030204" pitchFamily="34" charset="0"/>
+              </a:rPr>
+              <a:t>vezes</a:t>
+            </a:r>
+            <a:r>
+              <a:rPr lang="en-US" sz="2800" dirty="0">
+                <a:solidFill>
+                  <a:srgbClr val="000000"/>
+                </a:solidFill>
+                <a:latin typeface="Calibri Light" panose="020F0302020204030204" pitchFamily="34" charset="0"/>
+                <a:cs typeface="Calibri Light" panose="020F0302020204030204" pitchFamily="34" charset="0"/>
+              </a:rPr>
+              <a:t> que um </a:t>
+            </a:r>
+            <a:r>
+              <a:rPr lang="en-US" sz="2800" dirty="0" err="1">
+                <a:solidFill>
+                  <a:srgbClr val="000000"/>
+                </a:solidFill>
+                <a:latin typeface="Calibri Light" panose="020F0302020204030204" pitchFamily="34" charset="0"/>
+                <a:cs typeface="Calibri Light" panose="020F0302020204030204" pitchFamily="34" charset="0"/>
+              </a:rPr>
+              <a:t>determinado</a:t>
+            </a:r>
+            <a:r>
+              <a:rPr lang="en-US" sz="2800" dirty="0">
+                <a:solidFill>
+                  <a:srgbClr val="000000"/>
+                </a:solidFill>
+                <a:latin typeface="Calibri Light" panose="020F0302020204030204" pitchFamily="34" charset="0"/>
+                <a:cs typeface="Calibri Light" panose="020F0302020204030204" pitchFamily="34" charset="0"/>
+              </a:rPr>
+              <a:t> </a:t>
+            </a:r>
+            <a:r>
+              <a:rPr lang="en-US" sz="2800" dirty="0" err="1">
+                <a:solidFill>
+                  <a:srgbClr val="000000"/>
+                </a:solidFill>
+                <a:latin typeface="Calibri Light" panose="020F0302020204030204" pitchFamily="34" charset="0"/>
+                <a:cs typeface="Calibri Light" panose="020F0302020204030204" pitchFamily="34" charset="0"/>
+              </a:rPr>
+              <a:t>evento</a:t>
+            </a:r>
+            <a:r>
+              <a:rPr lang="en-US" sz="2800" dirty="0">
+                <a:solidFill>
+                  <a:srgbClr val="000000"/>
+                </a:solidFill>
+                <a:latin typeface="Calibri Light" panose="020F0302020204030204" pitchFamily="34" charset="0"/>
+                <a:cs typeface="Calibri Light" panose="020F0302020204030204" pitchFamily="34" charset="0"/>
+              </a:rPr>
+              <a:t> </a:t>
+            </a:r>
+            <a:r>
+              <a:rPr lang="en-US" sz="2800" dirty="0" err="1">
+                <a:solidFill>
+                  <a:srgbClr val="000000"/>
+                </a:solidFill>
+                <a:latin typeface="Calibri Light" panose="020F0302020204030204" pitchFamily="34" charset="0"/>
+                <a:cs typeface="Calibri Light" panose="020F0302020204030204" pitchFamily="34" charset="0"/>
+              </a:rPr>
+              <a:t>ocorreu</a:t>
+            </a:r>
+            <a:r>
+              <a:rPr lang="en-US" sz="2800" dirty="0">
+                <a:solidFill>
+                  <a:srgbClr val="000000"/>
+                </a:solidFill>
+                <a:latin typeface="Calibri Light" panose="020F0302020204030204" pitchFamily="34" charset="0"/>
+                <a:cs typeface="Calibri Light" panose="020F0302020204030204" pitchFamily="34" charset="0"/>
+              </a:rPr>
+              <a:t> </a:t>
+            </a:r>
+            <a:r>
+              <a:rPr lang="en-US" sz="2800" dirty="0" err="1">
+                <a:solidFill>
+                  <a:srgbClr val="000000"/>
+                </a:solidFill>
+                <a:latin typeface="Calibri Light" panose="020F0302020204030204" pitchFamily="34" charset="0"/>
+                <a:cs typeface="Calibri Light" panose="020F0302020204030204" pitchFamily="34" charset="0"/>
+              </a:rPr>
+              <a:t>em</a:t>
+            </a:r>
+            <a:r>
+              <a:rPr lang="en-US" sz="2800" dirty="0">
+                <a:solidFill>
+                  <a:srgbClr val="000000"/>
+                </a:solidFill>
+                <a:latin typeface="Calibri Light" panose="020F0302020204030204" pitchFamily="34" charset="0"/>
+                <a:cs typeface="Calibri Light" panose="020F0302020204030204" pitchFamily="34" charset="0"/>
+              </a:rPr>
+              <a:t> um </a:t>
+            </a:r>
+            <a:r>
+              <a:rPr lang="en-US" sz="2800" dirty="0" err="1">
+                <a:solidFill>
+                  <a:srgbClr val="000000"/>
+                </a:solidFill>
+                <a:latin typeface="Calibri Light" panose="020F0302020204030204" pitchFamily="34" charset="0"/>
+                <a:cs typeface="Calibri Light" panose="020F0302020204030204" pitchFamily="34" charset="0"/>
+              </a:rPr>
+              <a:t>experimento</a:t>
+            </a:r>
+            <a:endParaRPr dirty="0">
+              <a:latin typeface="Calibri Light" panose="020F0302020204030204" pitchFamily="34" charset="0"/>
+              <a:cs typeface="Calibri Light" panose="020F0302020204030204" pitchFamily="34" charset="0"/>
+            </a:endParaRPr>
           </a:p>
           <a:p>
             <a:pPr>
@@ -11115,13 +11290,10 @@
                 <a:spcPct val="100000"/>
               </a:lnSpc>
             </a:pPr>
-            <a:r>
-              <a:rPr lang="en-US" sz="2800" dirty="0">
-                <a:latin typeface="Lucida Console"/>
-              </a:rPr>
-              <a:t>       [20,  2],</a:t>
-            </a:r>
-            <a:endParaRPr dirty="0"/>
+            <a:endParaRPr dirty="0">
+              <a:latin typeface="Calibri Light" panose="020F0302020204030204" pitchFamily="34" charset="0"/>
+              <a:cs typeface="Calibri Light" panose="020F0302020204030204" pitchFamily="34" charset="0"/>
+            </a:endParaRPr>
           </a:p>
           <a:p>
             <a:pPr>
@@ -11131,121 +11303,140 @@
             </a:pPr>
             <a:r>
               <a:rPr lang="en-US" sz="2800" dirty="0">
-                <a:latin typeface="Lucida Console"/>
-              </a:rPr>
-              <a:t>       [50,  1]])</a:t>
-            </a:r>
-            <a:endParaRPr dirty="0"/>
-          </a:p>
-        </p:txBody>
-      </p:sp>
-      <p:sp>
-        <p:nvSpPr>
-          <p:cNvPr id="4" name="Retângulo 3"/>
-          <p:cNvSpPr/>
-          <p:nvPr/>
-        </p:nvSpPr>
-        <p:spPr>
-          <a:xfrm>
-            <a:off x="838080" y="2035227"/>
-            <a:ext cx="9979975" cy="1261884"/>
-          </a:xfrm>
-          <a:prstGeom prst="rect">
-            <a:avLst/>
-          </a:prstGeom>
-          <a:solidFill>
-            <a:schemeClr val="bg2"/>
-          </a:solidFill>
-          <a:ln cap="rnd">
-            <a:solidFill>
-              <a:schemeClr val="bg1">
-                <a:lumMod val="75000"/>
-              </a:schemeClr>
-            </a:solidFill>
-            <a:round/>
-          </a:ln>
-        </p:spPr>
-        <p:txBody>
-          <a:bodyPr wrap="square">
-            <a:spAutoFit/>
-          </a:bodyPr>
-          <a:lstStyle/>
-          <a:p>
-            <a:r>
-              <a:rPr lang="pt-BR" sz="2400" b="1" i="0" dirty="0" err="1">
-                <a:solidFill>
-                  <a:srgbClr val="008000"/>
-                </a:solidFill>
-                <a:effectLst/>
-                <a:latin typeface="Lucida Console" panose="020B0609040504020204" pitchFamily="49" charset="0"/>
-              </a:rPr>
-              <a:t>from</a:t>
-            </a:r>
-            <a:r>
-              <a:rPr lang="pt-BR" sz="2400" b="1" i="0" dirty="0">
-                <a:solidFill>
-                  <a:srgbClr val="008000"/>
-                </a:solidFill>
-                <a:effectLst/>
-                <a:latin typeface="Lucida Console" panose="020B0609040504020204" pitchFamily="49" charset="0"/>
+                <a:latin typeface="Calibri Light" panose="020F0302020204030204" pitchFamily="34" charset="0"/>
+                <a:cs typeface="Calibri Light" panose="020F0302020204030204" pitchFamily="34" charset="0"/>
+              </a:rPr>
+              <a:t>Para </a:t>
+            </a:r>
+            <a:r>
+              <a:rPr lang="en-US" sz="2800" dirty="0" err="1">
+                <a:latin typeface="Calibri Light" panose="020F0302020204030204" pitchFamily="34" charset="0"/>
+                <a:cs typeface="Calibri Light" panose="020F0302020204030204" pitchFamily="34" charset="0"/>
+              </a:rPr>
+              <a:t>esta</a:t>
+            </a:r>
+            <a:r>
+              <a:rPr lang="en-US" sz="2800" dirty="0">
+                <a:latin typeface="Calibri Light" panose="020F0302020204030204" pitchFamily="34" charset="0"/>
+                <a:cs typeface="Calibri Light" panose="020F0302020204030204" pitchFamily="34" charset="0"/>
               </a:rPr>
               <a:t> </a:t>
             </a:r>
             <a:r>
-              <a:rPr lang="pt-BR" sz="2400" b="1" i="0" dirty="0" err="1">
-                <a:solidFill>
-                  <a:srgbClr val="0000FF"/>
-                </a:solidFill>
-                <a:effectLst/>
-                <a:latin typeface="Lucida Console" panose="020B0609040504020204" pitchFamily="49" charset="0"/>
-              </a:rPr>
-              <a:t>scipy</a:t>
-            </a:r>
-            <a:r>
-              <a:rPr lang="pt-BR" sz="2400" b="1" i="0" dirty="0">
-                <a:solidFill>
-                  <a:srgbClr val="0000FF"/>
-                </a:solidFill>
-                <a:effectLst/>
-                <a:latin typeface="Lucida Console" panose="020B0609040504020204" pitchFamily="49" charset="0"/>
+              <a:rPr lang="en-US" sz="2800" dirty="0" err="1">
+                <a:latin typeface="Calibri Light" panose="020F0302020204030204" pitchFamily="34" charset="0"/>
+                <a:cs typeface="Calibri Light" panose="020F0302020204030204" pitchFamily="34" charset="0"/>
+              </a:rPr>
+              <a:t>finalidade</a:t>
+            </a:r>
+            <a:r>
+              <a:rPr lang="en-US" sz="2800" dirty="0">
+                <a:latin typeface="Calibri Light" panose="020F0302020204030204" pitchFamily="34" charset="0"/>
+                <a:cs typeface="Calibri Light" panose="020F0302020204030204" pitchFamily="34" charset="0"/>
+              </a:rPr>
+              <a:t>, o </a:t>
+            </a:r>
+            <a:r>
+              <a:rPr lang="en-US" sz="2800" dirty="0" err="1">
+                <a:latin typeface="Calibri Light" panose="020F0302020204030204" pitchFamily="34" charset="0"/>
+                <a:cs typeface="Calibri Light" panose="020F0302020204030204" pitchFamily="34" charset="0"/>
+              </a:rPr>
+              <a:t>módulo</a:t>
+            </a:r>
+            <a:r>
+              <a:rPr lang="en-US" sz="2800" dirty="0">
+                <a:latin typeface="Calibri Light" panose="020F0302020204030204" pitchFamily="34" charset="0"/>
+                <a:cs typeface="Calibri Light" panose="020F0302020204030204" pitchFamily="34" charset="0"/>
+              </a:rPr>
+              <a:t> stats do </a:t>
+            </a:r>
+            <a:r>
+              <a:rPr lang="en-US" sz="2800" dirty="0" err="1">
+                <a:latin typeface="Calibri Light" panose="020F0302020204030204" pitchFamily="34" charset="0"/>
+                <a:cs typeface="Calibri Light" panose="020F0302020204030204" pitchFamily="34" charset="0"/>
+              </a:rPr>
+              <a:t>pacote</a:t>
+            </a:r>
+            <a:r>
+              <a:rPr lang="en-US" sz="2800" dirty="0">
+                <a:latin typeface="Calibri Light" panose="020F0302020204030204" pitchFamily="34" charset="0"/>
+                <a:cs typeface="Calibri Light" panose="020F0302020204030204" pitchFamily="34" charset="0"/>
               </a:rPr>
               <a:t> </a:t>
             </a:r>
             <a:r>
-              <a:rPr lang="pt-BR" sz="2600" b="1" dirty="0">
-                <a:solidFill>
-                  <a:srgbClr val="008000"/>
-                </a:solidFill>
-                <a:latin typeface="Lucida Console" panose="020B0609040504020204" pitchFamily="49" charset="0"/>
-              </a:rPr>
-              <a:t>import</a:t>
-            </a:r>
-            <a:r>
-              <a:rPr lang="pt-BR" sz="2400" b="0" i="0" dirty="0">
-                <a:solidFill>
-                  <a:srgbClr val="333333"/>
-                </a:solidFill>
-                <a:effectLst/>
-                <a:latin typeface="Lucida Console" panose="020B0609040504020204" pitchFamily="49" charset="0"/>
+              <a:rPr lang="en-US" sz="2800" dirty="0" err="1">
+                <a:latin typeface="Calibri Light" panose="020F0302020204030204" pitchFamily="34" charset="0"/>
+                <a:cs typeface="Calibri Light" panose="020F0302020204030204" pitchFamily="34" charset="0"/>
+              </a:rPr>
+              <a:t>SciPy</a:t>
+            </a:r>
+            <a:r>
+              <a:rPr lang="en-US" sz="2800" dirty="0">
+                <a:latin typeface="Calibri Light" panose="020F0302020204030204" pitchFamily="34" charset="0"/>
+                <a:cs typeface="Calibri Light" panose="020F0302020204030204" pitchFamily="34" charset="0"/>
               </a:rPr>
               <a:t> </a:t>
             </a:r>
             <a:r>
-              <a:rPr lang="pt-BR" sz="2400" b="1" i="0" dirty="0" err="1">
-                <a:solidFill>
-                  <a:srgbClr val="0000FF"/>
-                </a:solidFill>
-                <a:effectLst/>
-                <a:latin typeface="Lucida Console" panose="020B0609040504020204" pitchFamily="49" charset="0"/>
-              </a:rPr>
-              <a:t>stats</a:t>
-            </a:r>
-            <a:endParaRPr lang="pt-BR" sz="2400" b="1" i="0" dirty="0">
-              <a:solidFill>
-                <a:srgbClr val="0000FF"/>
-              </a:solidFill>
-              <a:effectLst/>
+              <a:rPr lang="en-US" sz="2800" dirty="0" err="1">
+                <a:latin typeface="Calibri Light" panose="020F0302020204030204" pitchFamily="34" charset="0"/>
+                <a:cs typeface="Calibri Light" panose="020F0302020204030204" pitchFamily="34" charset="0"/>
+              </a:rPr>
+              <a:t>nos</a:t>
+            </a:r>
+            <a:r>
+              <a:rPr lang="en-US" sz="2800" dirty="0">
+                <a:latin typeface="Calibri Light" panose="020F0302020204030204" pitchFamily="34" charset="0"/>
+                <a:cs typeface="Calibri Light" panose="020F0302020204030204" pitchFamily="34" charset="0"/>
+              </a:rPr>
+              <a:t> </a:t>
+            </a:r>
+            <a:r>
+              <a:rPr lang="en-US" sz="2800" dirty="0" err="1">
+                <a:latin typeface="Calibri Light" panose="020F0302020204030204" pitchFamily="34" charset="0"/>
+                <a:cs typeface="Calibri Light" panose="020F0302020204030204" pitchFamily="34" charset="0"/>
+              </a:rPr>
+              <a:t>fornece</a:t>
+            </a:r>
+            <a:r>
+              <a:rPr lang="en-US" sz="2800" dirty="0">
+                <a:latin typeface="Calibri Light" panose="020F0302020204030204" pitchFamily="34" charset="0"/>
+                <a:cs typeface="Calibri Light" panose="020F0302020204030204" pitchFamily="34" charset="0"/>
+              </a:rPr>
+              <a:t> o </a:t>
+            </a:r>
+            <a:r>
+              <a:rPr lang="en-US" sz="2800" dirty="0" err="1">
+                <a:latin typeface="Calibri Light" panose="020F0302020204030204" pitchFamily="34" charset="0"/>
+                <a:cs typeface="Calibri Light" panose="020F0302020204030204" pitchFamily="34" charset="0"/>
+              </a:rPr>
+              <a:t>método</a:t>
+            </a:r>
+            <a:r>
+              <a:rPr lang="en-US" sz="2800" dirty="0">
+                <a:latin typeface="Calibri Light" panose="020F0302020204030204" pitchFamily="34" charset="0"/>
+                <a:cs typeface="Calibri Light" panose="020F0302020204030204" pitchFamily="34" charset="0"/>
+              </a:rPr>
+              <a:t> </a:t>
+            </a:r>
+            <a:r>
+              <a:rPr lang="en-US" sz="2400" dirty="0" err="1">
+                <a:latin typeface="Lucida Console" panose="020B0609040504020204" pitchFamily="49" charset="0"/>
+                <a:cs typeface="Calibri Light" panose="020F0302020204030204" pitchFamily="34" charset="0"/>
+              </a:rPr>
+              <a:t>itemfreq</a:t>
+            </a:r>
+            <a:r>
+              <a:rPr lang="en-US" sz="2400" dirty="0">
+                <a:latin typeface="Lucida Console" panose="020B0609040504020204" pitchFamily="49" charset="0"/>
+                <a:cs typeface="Calibri Light" panose="020F0302020204030204" pitchFamily="34" charset="0"/>
+              </a:rPr>
+              <a:t>()</a:t>
+            </a:r>
+            <a:endParaRPr dirty="0">
               <a:latin typeface="Lucida Console" panose="020B0609040504020204" pitchFamily="49" charset="0"/>
+              <a:cs typeface="Calibri Light" panose="020F0302020204030204" pitchFamily="34" charset="0"/>
             </a:endParaRPr>
           </a:p>
           <a:p>
@@ -11254,60 +11445,7 @@
                 <a:spcPct val="100000"/>
               </a:lnSpc>
             </a:pPr>
-            <a:r>
-              <a:rPr lang="pt-BR" sz="2400" dirty="0" err="1">
-                <a:latin typeface="Lucida console"/>
-              </a:rPr>
-              <a:t>numeros</a:t>
-            </a:r>
-            <a:r>
-              <a:rPr lang="pt-BR" sz="2400" dirty="0">
-                <a:latin typeface="Lucida console"/>
-              </a:rPr>
-              <a:t> = [10, 50, 20, 20, 10]</a:t>
-            </a:r>
-            <a:endParaRPr lang="pt-BR" sz="2400" dirty="0"/>
-          </a:p>
-          <a:p>
-            <a:pPr>
-              <a:lnSpc>
-                <a:spcPct val="100000"/>
-              </a:lnSpc>
-            </a:pPr>
-            <a:r>
-              <a:rPr lang="pt-BR" sz="2400" dirty="0" err="1">
-                <a:latin typeface="Lucida console"/>
-              </a:rPr>
-              <a:t>stats.itemfreq</a:t>
-            </a:r>
-            <a:r>
-              <a:rPr lang="pt-BR" sz="2400" dirty="0">
-                <a:latin typeface="Lucida console"/>
-              </a:rPr>
-              <a:t>(</a:t>
-            </a:r>
-            <a:r>
-              <a:rPr lang="pt-BR" sz="2400" dirty="0" err="1">
-                <a:latin typeface="Lucida console"/>
-              </a:rPr>
-              <a:t>numeros</a:t>
-            </a:r>
-            <a:r>
-              <a:rPr lang="pt-BR" sz="2400" dirty="0">
-                <a:latin typeface="Lucida console"/>
-              </a:rPr>
-              <a:t>)</a:t>
-            </a:r>
-            <a:endParaRPr kumimoji="0" lang="pt-BR" altLang="pt-BR" sz="2400" b="0" i="0" u="none" strike="noStrike" cap="none" normalizeH="0" baseline="0" dirty="0">
-              <a:ln>
-                <a:noFill/>
-              </a:ln>
-              <a:solidFill>
-                <a:schemeClr val="tx1"/>
-              </a:solidFill>
-              <a:effectLst/>
-              <a:latin typeface="Lucida Console" panose="020B0609040504020204" pitchFamily="49" charset="0"/>
-            </a:endParaRPr>
+            <a:endParaRPr dirty="0"/>
           </a:p>
         </p:txBody>
       </p:sp>
@@ -11365,7 +11503,7 @@
       </p:grpSpPr>
       <p:sp>
         <p:nvSpPr>
-          <p:cNvPr id="118" name="CustomShape 1"/>
+          <p:cNvPr id="116" name="CustomShape 1"/>
           <p:cNvSpPr/>
           <p:nvPr/>
         </p:nvSpPr>
@@ -11406,14 +11544,14 @@
       </p:sp>
       <p:sp>
         <p:nvSpPr>
-          <p:cNvPr id="119" name="CustomShape 2"/>
+          <p:cNvPr id="117" name="CustomShape 2"/>
           <p:cNvSpPr/>
           <p:nvPr/>
         </p:nvSpPr>
         <p:spPr>
           <a:xfrm>
-            <a:off x="838080" y="1825560"/>
-            <a:ext cx="10513440" cy="4349160"/>
+            <a:off x="838080" y="3582383"/>
+            <a:ext cx="10513440" cy="1645919"/>
           </a:xfrm>
           <a:prstGeom prst="rect">
             <a:avLst/>
@@ -11432,185 +11570,212 @@
                 <a:spcPct val="100000"/>
               </a:lnSpc>
             </a:pPr>
+            <a:r>
+              <a:rPr lang="en-US" sz="2800" dirty="0">
+                <a:latin typeface="Lucida Console"/>
+              </a:rPr>
+              <a:t>array([[10,  2],</a:t>
+            </a:r>
             <a:endParaRPr dirty="0"/>
           </a:p>
           <a:p>
             <a:pPr>
               <a:lnSpc>
-                <a:spcPct val="90000"/>
+                <a:spcPct val="100000"/>
               </a:lnSpc>
             </a:pPr>
             <a:r>
-              <a:rPr lang="en-US" sz="2800" dirty="0" err="1">
-                <a:latin typeface="Calibri Light" panose="020F0302020204030204" pitchFamily="34" charset="0"/>
-                <a:cs typeface="Calibri Light" panose="020F0302020204030204" pitchFamily="34" charset="0"/>
-              </a:rPr>
-              <a:t>Calcule</a:t>
-            </a:r>
-            <a:r>
-              <a:rPr lang="en-US" sz="2800" dirty="0">
-                <a:latin typeface="Calibri Light" panose="020F0302020204030204" pitchFamily="34" charset="0"/>
-                <a:cs typeface="Calibri Light" panose="020F0302020204030204" pitchFamily="34" charset="0"/>
-              </a:rPr>
-              <a:t> as </a:t>
-            </a:r>
-            <a:r>
-              <a:rPr lang="en-US" sz="2800" dirty="0" err="1">
-                <a:latin typeface="Calibri Light" panose="020F0302020204030204" pitchFamily="34" charset="0"/>
-                <a:cs typeface="Calibri Light" panose="020F0302020204030204" pitchFamily="34" charset="0"/>
-              </a:rPr>
-              <a:t>frequências</a:t>
-            </a:r>
-            <a:r>
-              <a:rPr lang="en-US" sz="2800" dirty="0">
-                <a:latin typeface="Calibri Light" panose="020F0302020204030204" pitchFamily="34" charset="0"/>
-                <a:cs typeface="Calibri Light" panose="020F0302020204030204" pitchFamily="34" charset="0"/>
-              </a:rPr>
-              <a:t> da </a:t>
-            </a:r>
-            <a:r>
-              <a:rPr lang="en-US" sz="2800" dirty="0" err="1">
-                <a:latin typeface="Calibri Light" panose="020F0302020204030204" pitchFamily="34" charset="0"/>
-                <a:cs typeface="Calibri Light" panose="020F0302020204030204" pitchFamily="34" charset="0"/>
-              </a:rPr>
-              <a:t>nossa</a:t>
-            </a:r>
-            <a:r>
-              <a:rPr lang="en-US" sz="2800" dirty="0">
-                <a:latin typeface="Calibri Light" panose="020F0302020204030204" pitchFamily="34" charset="0"/>
-                <a:cs typeface="Calibri Light" panose="020F0302020204030204" pitchFamily="34" charset="0"/>
+              <a:rPr lang="en-US" sz="2800" dirty="0">
+                <a:latin typeface="Lucida Console"/>
+              </a:rPr>
+              <a:t>       [20,  2],</a:t>
+            </a:r>
+            <a:endParaRPr dirty="0"/>
+          </a:p>
+          <a:p>
+            <a:pPr>
+              <a:lnSpc>
+                <a:spcPct val="100000"/>
+              </a:lnSpc>
+            </a:pPr>
+            <a:r>
+              <a:rPr lang="en-US" sz="2800" dirty="0">
+                <a:latin typeface="Lucida Console"/>
+              </a:rPr>
+              <a:t>       [50,  1]])</a:t>
+            </a:r>
+            <a:endParaRPr dirty="0"/>
+          </a:p>
+        </p:txBody>
+      </p:sp>
+      <p:sp>
+        <p:nvSpPr>
+          <p:cNvPr id="4" name="Retângulo 3"/>
+          <p:cNvSpPr/>
+          <p:nvPr/>
+        </p:nvSpPr>
+        <p:spPr>
+          <a:xfrm>
+            <a:off x="838080" y="2035227"/>
+            <a:ext cx="9979975" cy="1261884"/>
+          </a:xfrm>
+          <a:prstGeom prst="rect">
+            <a:avLst/>
+          </a:prstGeom>
+          <a:solidFill>
+            <a:schemeClr val="bg2"/>
+          </a:solidFill>
+          <a:ln cap="rnd">
+            <a:solidFill>
+              <a:schemeClr val="bg1">
+                <a:lumMod val="75000"/>
+              </a:schemeClr>
+            </a:solidFill>
+            <a:round/>
+          </a:ln>
+        </p:spPr>
+        <p:txBody>
+          <a:bodyPr wrap="square">
+            <a:spAutoFit/>
+          </a:bodyPr>
+          <a:lstStyle/>
+          <a:p>
+            <a:r>
+              <a:rPr lang="pt-BR" sz="2400" b="1" i="0" dirty="0" err="1">
+                <a:solidFill>
+                  <a:srgbClr val="008000"/>
+                </a:solidFill>
+                <a:effectLst/>
+                <a:latin typeface="Lucida Console" panose="020B0609040504020204" pitchFamily="49" charset="0"/>
+              </a:rPr>
+              <a:t>from</a:t>
+            </a:r>
+            <a:r>
+              <a:rPr lang="pt-BR" sz="2400" b="1" i="0" dirty="0">
+                <a:solidFill>
+                  <a:srgbClr val="008000"/>
+                </a:solidFill>
+                <a:effectLst/>
+                <a:latin typeface="Lucida Console" panose="020B0609040504020204" pitchFamily="49" charset="0"/>
               </a:rPr>
               <a:t> </a:t>
             </a:r>
             <a:r>
-              <a:rPr lang="en-US" sz="2800" dirty="0" err="1">
-                <a:latin typeface="Calibri Light" panose="020F0302020204030204" pitchFamily="34" charset="0"/>
-                <a:cs typeface="Calibri Light" panose="020F0302020204030204" pitchFamily="34" charset="0"/>
-              </a:rPr>
-              <a:t>lista</a:t>
-            </a:r>
-            <a:r>
-              <a:rPr lang="en-US" sz="2800" dirty="0">
-                <a:latin typeface="Calibri Light" panose="020F0302020204030204" pitchFamily="34" charset="0"/>
-                <a:cs typeface="Calibri Light" panose="020F0302020204030204" pitchFamily="34" charset="0"/>
-              </a:rPr>
-              <a:t> de </a:t>
-            </a:r>
-            <a:r>
-              <a:rPr lang="en-US" sz="2800" dirty="0" err="1">
-                <a:latin typeface="Calibri Light" panose="020F0302020204030204" pitchFamily="34" charset="0"/>
-                <a:cs typeface="Calibri Light" panose="020F0302020204030204" pitchFamily="34" charset="0"/>
-              </a:rPr>
-              <a:t>pokémons</a:t>
-            </a:r>
-            <a:r>
-              <a:rPr lang="en-US" sz="2800" dirty="0">
-                <a:latin typeface="Calibri Light" panose="020F0302020204030204" pitchFamily="34" charset="0"/>
-                <a:cs typeface="Calibri Light" panose="020F0302020204030204" pitchFamily="34" charset="0"/>
-              </a:rPr>
-              <a:t>. </a:t>
-            </a:r>
-            <a:r>
-              <a:rPr lang="en-US" sz="2800" dirty="0" err="1">
-                <a:latin typeface="Calibri Light" panose="020F0302020204030204" pitchFamily="34" charset="0"/>
-                <a:cs typeface="Calibri Light" panose="020F0302020204030204" pitchFamily="34" charset="0"/>
-              </a:rPr>
-              <a:t>Armazene</a:t>
-            </a:r>
-            <a:r>
-              <a:rPr lang="en-US" sz="2800" dirty="0">
-                <a:latin typeface="Calibri Light" panose="020F0302020204030204" pitchFamily="34" charset="0"/>
-                <a:cs typeface="Calibri Light" panose="020F0302020204030204" pitchFamily="34" charset="0"/>
-              </a:rPr>
-              <a:t> o </a:t>
-            </a:r>
-            <a:r>
-              <a:rPr lang="en-US" sz="2800" dirty="0" err="1">
-                <a:latin typeface="Calibri Light" panose="020F0302020204030204" pitchFamily="34" charset="0"/>
-                <a:cs typeface="Calibri Light" panose="020F0302020204030204" pitchFamily="34" charset="0"/>
-              </a:rPr>
-              <a:t>resultado</a:t>
-            </a:r>
-            <a:r>
-              <a:rPr lang="en-US" sz="2800" dirty="0">
-                <a:latin typeface="Calibri Light" panose="020F0302020204030204" pitchFamily="34" charset="0"/>
-                <a:cs typeface="Calibri Light" panose="020F0302020204030204" pitchFamily="34" charset="0"/>
+              <a:rPr lang="pt-BR" sz="2400" b="1" i="0" dirty="0" err="1">
+                <a:solidFill>
+                  <a:srgbClr val="0000FF"/>
+                </a:solidFill>
+                <a:effectLst/>
+                <a:latin typeface="Lucida Console" panose="020B0609040504020204" pitchFamily="49" charset="0"/>
+              </a:rPr>
+              <a:t>scipy</a:t>
+            </a:r>
+            <a:r>
+              <a:rPr lang="pt-BR" sz="2400" b="1" i="0" dirty="0">
+                <a:solidFill>
+                  <a:srgbClr val="0000FF"/>
+                </a:solidFill>
+                <a:effectLst/>
+                <a:latin typeface="Lucida Console" panose="020B0609040504020204" pitchFamily="49" charset="0"/>
               </a:rPr>
               <a:t> </a:t>
             </a:r>
             <a:r>
-              <a:rPr lang="en-US" sz="2800" dirty="0" err="1">
-                <a:latin typeface="Calibri Light" panose="020F0302020204030204" pitchFamily="34" charset="0"/>
-                <a:cs typeface="Calibri Light" panose="020F0302020204030204" pitchFamily="34" charset="0"/>
-              </a:rPr>
-              <a:t>em</a:t>
-            </a:r>
-            <a:r>
-              <a:rPr lang="en-US" sz="2800" dirty="0">
-                <a:latin typeface="Calibri Light" panose="020F0302020204030204" pitchFamily="34" charset="0"/>
-                <a:cs typeface="Calibri Light" panose="020F0302020204030204" pitchFamily="34" charset="0"/>
+              <a:rPr lang="pt-BR" sz="2600" b="1" dirty="0">
+                <a:solidFill>
+                  <a:srgbClr val="008000"/>
+                </a:solidFill>
+                <a:latin typeface="Lucida Console" panose="020B0609040504020204" pitchFamily="49" charset="0"/>
+              </a:rPr>
+              <a:t>import</a:t>
+            </a:r>
+            <a:r>
+              <a:rPr lang="pt-BR" sz="2400" b="0" i="0" dirty="0">
+                <a:solidFill>
+                  <a:srgbClr val="333333"/>
+                </a:solidFill>
+                <a:effectLst/>
+                <a:latin typeface="Lucida Console" panose="020B0609040504020204" pitchFamily="49" charset="0"/>
               </a:rPr>
               <a:t> </a:t>
             </a:r>
             <a:r>
-              <a:rPr lang="en-US" sz="2800" dirty="0" err="1">
-                <a:latin typeface="Calibri Light" panose="020F0302020204030204" pitchFamily="34" charset="0"/>
-                <a:cs typeface="Calibri Light" panose="020F0302020204030204" pitchFamily="34" charset="0"/>
-              </a:rPr>
-              <a:t>uma</a:t>
-            </a:r>
-            <a:r>
-              <a:rPr lang="en-US" sz="2800" dirty="0">
-                <a:latin typeface="Calibri Light" panose="020F0302020204030204" pitchFamily="34" charset="0"/>
-                <a:cs typeface="Calibri Light" panose="020F0302020204030204" pitchFamily="34" charset="0"/>
-              </a:rPr>
-              <a:t> </a:t>
-            </a:r>
-            <a:r>
-              <a:rPr lang="en-US" sz="2800" dirty="0" err="1">
-                <a:latin typeface="Calibri Light" panose="020F0302020204030204" pitchFamily="34" charset="0"/>
-                <a:cs typeface="Calibri Light" panose="020F0302020204030204" pitchFamily="34" charset="0"/>
-              </a:rPr>
-              <a:t>variável</a:t>
-            </a:r>
-            <a:r>
-              <a:rPr lang="en-US" sz="2800" dirty="0">
-                <a:latin typeface="Calibri Light" panose="020F0302020204030204" pitchFamily="34" charset="0"/>
-                <a:cs typeface="Calibri Light" panose="020F0302020204030204" pitchFamily="34" charset="0"/>
-              </a:rPr>
-              <a:t> </a:t>
-            </a:r>
-            <a:r>
-              <a:rPr lang="en-US" sz="2800" dirty="0" err="1">
-                <a:latin typeface="Calibri Light" panose="020F0302020204030204" pitchFamily="34" charset="0"/>
-                <a:cs typeface="Calibri Light" panose="020F0302020204030204" pitchFamily="34" charset="0"/>
-              </a:rPr>
-              <a:t>chamada</a:t>
-            </a:r>
-            <a:r>
-              <a:rPr lang="en-US" sz="2800" dirty="0">
-                <a:latin typeface="Calibri Light" panose="020F0302020204030204" pitchFamily="34" charset="0"/>
-                <a:cs typeface="Calibri Light" panose="020F0302020204030204" pitchFamily="34" charset="0"/>
-              </a:rPr>
-              <a:t> </a:t>
-            </a:r>
-            <a:r>
-              <a:rPr lang="en-US" sz="2400" dirty="0" err="1">
-                <a:latin typeface="Lucida Console" panose="020B0609040504020204" pitchFamily="49" charset="0"/>
-                <a:cs typeface="Calibri Light" panose="020F0302020204030204" pitchFamily="34" charset="0"/>
-              </a:rPr>
-              <a:t>frequencias</a:t>
-            </a:r>
-            <a:r>
-              <a:rPr lang="en-US" sz="2800" dirty="0">
-                <a:latin typeface="Calibri Light" panose="020F0302020204030204" pitchFamily="34" charset="0"/>
-                <a:cs typeface="Calibri Light" panose="020F0302020204030204" pitchFamily="34" charset="0"/>
-              </a:rPr>
-              <a:t>.</a:t>
-            </a:r>
-            <a:endParaRPr dirty="0">
-              <a:latin typeface="Calibri Light" panose="020F0302020204030204" pitchFamily="34" charset="0"/>
-              <a:cs typeface="Calibri Light" panose="020F0302020204030204" pitchFamily="34" charset="0"/>
+              <a:rPr lang="pt-BR" sz="2400" b="1" i="0" dirty="0" err="1">
+                <a:solidFill>
+                  <a:srgbClr val="0000FF"/>
+                </a:solidFill>
+                <a:effectLst/>
+                <a:latin typeface="Lucida Console" panose="020B0609040504020204" pitchFamily="49" charset="0"/>
+              </a:rPr>
+              <a:t>stats</a:t>
+            </a:r>
+            <a:endParaRPr lang="pt-BR" sz="2400" b="1" i="0" dirty="0">
+              <a:solidFill>
+                <a:srgbClr val="0000FF"/>
+              </a:solidFill>
+              <a:effectLst/>
+              <a:latin typeface="Lucida Console" panose="020B0609040504020204" pitchFamily="49" charset="0"/>
+            </a:endParaRPr>
+          </a:p>
+          <a:p>
+            <a:pPr>
+              <a:lnSpc>
+                <a:spcPct val="100000"/>
+              </a:lnSpc>
+            </a:pPr>
+            <a:r>
+              <a:rPr lang="pt-BR" sz="2400" dirty="0" err="1">
+                <a:latin typeface="Lucida console"/>
+              </a:rPr>
+              <a:t>numeros</a:t>
+            </a:r>
+            <a:r>
+              <a:rPr lang="pt-BR" sz="2400" dirty="0">
+                <a:latin typeface="Lucida console"/>
+              </a:rPr>
+              <a:t> = [10, 50, 20, 20, 10]</a:t>
+            </a:r>
+            <a:endParaRPr lang="pt-BR" sz="2400" dirty="0"/>
+          </a:p>
+          <a:p>
+            <a:pPr>
+              <a:lnSpc>
+                <a:spcPct val="100000"/>
+              </a:lnSpc>
+            </a:pPr>
+            <a:r>
+              <a:rPr lang="pt-BR" sz="2400" dirty="0" err="1">
+                <a:latin typeface="Lucida console"/>
+              </a:rPr>
+              <a:t>stats.itemfreq</a:t>
+            </a:r>
+            <a:r>
+              <a:rPr lang="pt-BR" sz="2400" dirty="0">
+                <a:latin typeface="Lucida console"/>
+              </a:rPr>
+              <a:t>(</a:t>
+            </a:r>
+            <a:r>
+              <a:rPr lang="pt-BR" sz="2400" dirty="0" err="1">
+                <a:latin typeface="Lucida console"/>
+              </a:rPr>
+              <a:t>numeros</a:t>
+            </a:r>
+            <a:r>
+              <a:rPr lang="pt-BR" sz="2400" dirty="0">
+                <a:latin typeface="Lucida console"/>
+              </a:rPr>
+              <a:t>)</a:t>
+            </a:r>
+            <a:endParaRPr kumimoji="0" lang="pt-BR" altLang="pt-BR" sz="2400" b="0" i="0" u="none" strike="noStrike" cap="none" normalizeH="0" baseline="0" dirty="0">
+              <a:ln>
+                <a:noFill/>
+              </a:ln>
+              <a:solidFill>
+                <a:schemeClr val="tx1"/>
+              </a:solidFill>
+              <a:effectLst/>
+              <a:latin typeface="Lucida Console" panose="020B0609040504020204" pitchFamily="49" charset="0"/>
             </a:endParaRPr>
           </a:p>
         </p:txBody>
@@ -11669,7 +11834,7 @@
       </p:grpSpPr>
       <p:sp>
         <p:nvSpPr>
-          <p:cNvPr id="120" name="CustomShape 1"/>
+          <p:cNvPr id="118" name="CustomShape 1"/>
           <p:cNvSpPr/>
           <p:nvPr/>
         </p:nvSpPr>
@@ -11696,46 +11861,28 @@
               </a:lnSpc>
             </a:pPr>
             <a:r>
-              <a:rPr lang="en-US" sz="4400" dirty="0" err="1">
+              <a:rPr lang="en-US" sz="4400">
                 <a:solidFill>
                   <a:srgbClr val="000000"/>
                 </a:solidFill>
                 <a:latin typeface="Calibri Light"/>
               </a:rPr>
-              <a:t>Distribuição</a:t>
-            </a:r>
-            <a:r>
-              <a:rPr lang="en-US" sz="4400" dirty="0">
-                <a:solidFill>
-                  <a:srgbClr val="000000"/>
-                </a:solidFill>
-                <a:latin typeface="Calibri Light"/>
-              </a:rPr>
-              <a:t> de </a:t>
-            </a:r>
-            <a:r>
-              <a:rPr lang="en-US" sz="4400" dirty="0" err="1">
-                <a:solidFill>
-                  <a:srgbClr val="000000"/>
-                </a:solidFill>
-                <a:latin typeface="Calibri Light"/>
-              </a:rPr>
-              <a:t>Frequências</a:t>
-            </a:r>
-            <a:endParaRPr dirty="0"/>
+              <a:t>Distribuição de Frequências</a:t>
+            </a:r>
+            <a:endParaRPr/>
           </a:p>
         </p:txBody>
       </p:sp>
       <p:sp>
         <p:nvSpPr>
-          <p:cNvPr id="121" name="CustomShape 2"/>
+          <p:cNvPr id="119" name="CustomShape 2"/>
           <p:cNvSpPr/>
           <p:nvPr/>
         </p:nvSpPr>
         <p:spPr>
           <a:xfrm>
-            <a:off x="838080" y="2986198"/>
-            <a:ext cx="10513440" cy="2120375"/>
+            <a:off x="838080" y="1825560"/>
+            <a:ext cx="10513440" cy="4349160"/>
           </a:xfrm>
           <a:prstGeom prst="rect">
             <a:avLst/>
@@ -11751,30 +11898,10 @@
           <a:p>
             <a:pPr>
               <a:lnSpc>
-                <a:spcPct val="90000"/>
+                <a:spcPct val="100000"/>
               </a:lnSpc>
             </a:pPr>
-            <a:r>
-              <a:rPr lang="en-US" sz="2400" dirty="0">
-                <a:latin typeface="Lucida Console" panose="020B0609040504020204" pitchFamily="49" charset="0"/>
-              </a:rPr>
-              <a:t>[['</a:t>
-            </a:r>
-            <a:r>
-              <a:rPr lang="en-US" sz="2400" dirty="0" err="1">
-                <a:latin typeface="Lucida Console" panose="020B0609040504020204" pitchFamily="49" charset="0"/>
-              </a:rPr>
-              <a:t>Pidgeotto</a:t>
-            </a:r>
-            <a:r>
-              <a:rPr lang="en-US" sz="2400" dirty="0">
-                <a:latin typeface="Lucida Console" panose="020B0609040504020204" pitchFamily="49" charset="0"/>
-              </a:rPr>
-              <a:t>' '1']</a:t>
-            </a:r>
-            <a:endParaRPr sz="2400" dirty="0">
-              <a:latin typeface="Lucida Console" panose="020B0609040504020204" pitchFamily="49" charset="0"/>
-            </a:endParaRPr>
+            <a:endParaRPr dirty="0"/>
           </a:p>
           <a:p>
             <a:pPr>
@@ -11783,299 +11910,177 @@
               </a:lnSpc>
             </a:pPr>
             <a:r>
-              <a:rPr lang="en-US" sz="2400" dirty="0">
-                <a:solidFill>
-                  <a:srgbClr val="000000"/>
-                </a:solidFill>
-                <a:latin typeface="Lucida Console" panose="020B0609040504020204" pitchFamily="49" charset="0"/>
-              </a:rPr>
-              <a:t> ['</a:t>
+              <a:rPr lang="en-US" sz="2800" dirty="0" err="1">
+                <a:latin typeface="Calibri Light" panose="020F0302020204030204" pitchFamily="34" charset="0"/>
+                <a:cs typeface="Calibri Light" panose="020F0302020204030204" pitchFamily="34" charset="0"/>
+              </a:rPr>
+              <a:t>Calcule</a:t>
+            </a:r>
+            <a:r>
+              <a:rPr lang="en-US" sz="2800" dirty="0">
+                <a:latin typeface="Calibri Light" panose="020F0302020204030204" pitchFamily="34" charset="0"/>
+                <a:cs typeface="Calibri Light" panose="020F0302020204030204" pitchFamily="34" charset="0"/>
+              </a:rPr>
+              <a:t> as </a:t>
+            </a:r>
+            <a:r>
+              <a:rPr lang="en-US" sz="2800" dirty="0" err="1">
+                <a:latin typeface="Calibri Light" panose="020F0302020204030204" pitchFamily="34" charset="0"/>
+                <a:cs typeface="Calibri Light" panose="020F0302020204030204" pitchFamily="34" charset="0"/>
+              </a:rPr>
+              <a:t>frequências</a:t>
+            </a:r>
+            <a:r>
+              <a:rPr lang="en-US" sz="2800" dirty="0">
+                <a:latin typeface="Calibri Light" panose="020F0302020204030204" pitchFamily="34" charset="0"/>
+                <a:cs typeface="Calibri Light" panose="020F0302020204030204" pitchFamily="34" charset="0"/>
+              </a:rPr>
+              <a:t> da </a:t>
+            </a:r>
+            <a:r>
+              <a:rPr lang="en-US" sz="2800" dirty="0" err="1">
+                <a:latin typeface="Calibri Light" panose="020F0302020204030204" pitchFamily="34" charset="0"/>
+                <a:cs typeface="Calibri Light" panose="020F0302020204030204" pitchFamily="34" charset="0"/>
+              </a:rPr>
+              <a:t>nossa</a:t>
+            </a:r>
+            <a:r>
+              <a:rPr lang="en-US" sz="2800" dirty="0">
+                <a:latin typeface="Calibri Light" panose="020F0302020204030204" pitchFamily="34" charset="0"/>
+                <a:cs typeface="Calibri Light" panose="020F0302020204030204" pitchFamily="34" charset="0"/>
+              </a:rPr>
+              <a:t> </a:t>
+            </a:r>
+            <a:r>
+              <a:rPr lang="en-US" sz="2800" dirty="0" err="1">
+                <a:latin typeface="Calibri Light" panose="020F0302020204030204" pitchFamily="34" charset="0"/>
+                <a:cs typeface="Calibri Light" panose="020F0302020204030204" pitchFamily="34" charset="0"/>
+              </a:rPr>
+              <a:t>lista</a:t>
+            </a:r>
+            <a:r>
+              <a:rPr lang="en-US" sz="2800" dirty="0">
+                <a:latin typeface="Calibri Light" panose="020F0302020204030204" pitchFamily="34" charset="0"/>
+                <a:cs typeface="Calibri Light" panose="020F0302020204030204" pitchFamily="34" charset="0"/>
+              </a:rPr>
+              <a:t> de </a:t>
+            </a:r>
+            <a:r>
+              <a:rPr lang="en-US" sz="2800" dirty="0" err="1">
+                <a:latin typeface="Calibri Light" panose="020F0302020204030204" pitchFamily="34" charset="0"/>
+                <a:cs typeface="Calibri Light" panose="020F0302020204030204" pitchFamily="34" charset="0"/>
+              </a:rPr>
+              <a:t>pokémons</a:t>
+            </a:r>
+            <a:r>
+              <a:rPr lang="en-US" sz="2800" dirty="0">
+                <a:latin typeface="Calibri Light" panose="020F0302020204030204" pitchFamily="34" charset="0"/>
+                <a:cs typeface="Calibri Light" panose="020F0302020204030204" pitchFamily="34" charset="0"/>
+              </a:rPr>
+              <a:t>. </a:t>
+            </a:r>
+            <a:r>
+              <a:rPr lang="en-US" sz="2800" dirty="0" err="1">
+                <a:latin typeface="Calibri Light" panose="020F0302020204030204" pitchFamily="34" charset="0"/>
+                <a:cs typeface="Calibri Light" panose="020F0302020204030204" pitchFamily="34" charset="0"/>
+              </a:rPr>
+              <a:t>Armazene</a:t>
+            </a:r>
+            <a:r>
+              <a:rPr lang="en-US" sz="2800" dirty="0">
+                <a:latin typeface="Calibri Light" panose="020F0302020204030204" pitchFamily="34" charset="0"/>
+                <a:cs typeface="Calibri Light" panose="020F0302020204030204" pitchFamily="34" charset="0"/>
+              </a:rPr>
+              <a:t> o </a:t>
+            </a:r>
+            <a:r>
+              <a:rPr lang="en-US" sz="2800" dirty="0" err="1">
+                <a:latin typeface="Calibri Light" panose="020F0302020204030204" pitchFamily="34" charset="0"/>
+                <a:cs typeface="Calibri Light" panose="020F0302020204030204" pitchFamily="34" charset="0"/>
+              </a:rPr>
+              <a:t>resultado</a:t>
+            </a:r>
+            <a:r>
+              <a:rPr lang="en-US" sz="2800" dirty="0">
+                <a:latin typeface="Calibri Light" panose="020F0302020204030204" pitchFamily="34" charset="0"/>
+                <a:cs typeface="Calibri Light" panose="020F0302020204030204" pitchFamily="34" charset="0"/>
+              </a:rPr>
+              <a:t> </a:t>
+            </a:r>
+            <a:r>
+              <a:rPr lang="en-US" sz="2800" dirty="0" err="1">
+                <a:latin typeface="Calibri Light" panose="020F0302020204030204" pitchFamily="34" charset="0"/>
+                <a:cs typeface="Calibri Light" panose="020F0302020204030204" pitchFamily="34" charset="0"/>
+              </a:rPr>
+              <a:t>em</a:t>
+            </a:r>
+            <a:r>
+              <a:rPr lang="en-US" sz="2800" dirty="0">
+                <a:latin typeface="Calibri Light" panose="020F0302020204030204" pitchFamily="34" charset="0"/>
+                <a:cs typeface="Calibri Light" panose="020F0302020204030204" pitchFamily="34" charset="0"/>
+              </a:rPr>
+              <a:t> </a:t>
+            </a:r>
+            <a:r>
+              <a:rPr lang="en-US" sz="2800" dirty="0" err="1">
+                <a:latin typeface="Calibri Light" panose="020F0302020204030204" pitchFamily="34" charset="0"/>
+                <a:cs typeface="Calibri Light" panose="020F0302020204030204" pitchFamily="34" charset="0"/>
+              </a:rPr>
+              <a:t>uma</a:t>
+            </a:r>
+            <a:r>
+              <a:rPr lang="en-US" sz="2800" dirty="0">
+                <a:latin typeface="Calibri Light" panose="020F0302020204030204" pitchFamily="34" charset="0"/>
+                <a:cs typeface="Calibri Light" panose="020F0302020204030204" pitchFamily="34" charset="0"/>
+              </a:rPr>
+              <a:t> </a:t>
+            </a:r>
+            <a:r>
+              <a:rPr lang="en-US" sz="2800" dirty="0" err="1">
+                <a:latin typeface="Calibri Light" panose="020F0302020204030204" pitchFamily="34" charset="0"/>
+                <a:cs typeface="Calibri Light" panose="020F0302020204030204" pitchFamily="34" charset="0"/>
+              </a:rPr>
+              <a:t>variável</a:t>
+            </a:r>
+            <a:r>
+              <a:rPr lang="en-US" sz="2800" dirty="0">
+                <a:latin typeface="Calibri Light" panose="020F0302020204030204" pitchFamily="34" charset="0"/>
+                <a:cs typeface="Calibri Light" panose="020F0302020204030204" pitchFamily="34" charset="0"/>
+              </a:rPr>
+              <a:t> </a:t>
+            </a:r>
+            <a:r>
+              <a:rPr lang="en-US" sz="2800" dirty="0" err="1">
+                <a:latin typeface="Calibri Light" panose="020F0302020204030204" pitchFamily="34" charset="0"/>
+                <a:cs typeface="Calibri Light" panose="020F0302020204030204" pitchFamily="34" charset="0"/>
+              </a:rPr>
+              <a:t>chamada</a:t>
+            </a:r>
+            <a:r>
+              <a:rPr lang="en-US" sz="2800" dirty="0">
+                <a:latin typeface="Calibri Light" panose="020F0302020204030204" pitchFamily="34" charset="0"/>
+                <a:cs typeface="Calibri Light" panose="020F0302020204030204" pitchFamily="34" charset="0"/>
+              </a:rPr>
+              <a:t> </a:t>
             </a:r>
             <a:r>
               <a:rPr lang="en-US" sz="2400" dirty="0" err="1">
-                <a:solidFill>
-                  <a:srgbClr val="000000"/>
-                </a:solidFill>
-                <a:latin typeface="Lucida Console" panose="020B0609040504020204" pitchFamily="49" charset="0"/>
-              </a:rPr>
-              <a:t>Pidgey</a:t>
-            </a:r>
-            <a:r>
-              <a:rPr lang="en-US" sz="2400" dirty="0">
-                <a:solidFill>
-                  <a:srgbClr val="000000"/>
-                </a:solidFill>
-                <a:latin typeface="Lucida Console" panose="020B0609040504020204" pitchFamily="49" charset="0"/>
-              </a:rPr>
-              <a:t>' '5']</a:t>
-            </a:r>
-            <a:endParaRPr sz="2400" dirty="0">
-              <a:latin typeface="Lucida Console" panose="020B0609040504020204" pitchFamily="49" charset="0"/>
+                <a:latin typeface="Lucida Console" panose="020B0609040504020204" pitchFamily="49" charset="0"/>
+                <a:cs typeface="Calibri Light" panose="020F0302020204030204" pitchFamily="34" charset="0"/>
+              </a:rPr>
+              <a:t>frequencias</a:t>
+            </a:r>
+            <a:r>
+              <a:rPr lang="en-US" sz="2800" dirty="0">
+                <a:latin typeface="Calibri Light" panose="020F0302020204030204" pitchFamily="34" charset="0"/>
+                <a:cs typeface="Calibri Light" panose="020F0302020204030204" pitchFamily="34" charset="0"/>
+              </a:rPr>
+              <a:t>.</a:t>
+            </a:r>
+            <a:endParaRPr dirty="0">
+              <a:latin typeface="Calibri Light" panose="020F0302020204030204" pitchFamily="34" charset="0"/>
+              <a:cs typeface="Calibri Light" panose="020F0302020204030204" pitchFamily="34" charset="0"/>
             </a:endParaRPr>
-          </a:p>
-          <a:p>
-            <a:pPr>
-              <a:lnSpc>
-                <a:spcPct val="90000"/>
-              </a:lnSpc>
-            </a:pPr>
-            <a:r>
-              <a:rPr lang="en-US" sz="2400" dirty="0">
-                <a:solidFill>
-                  <a:srgbClr val="000000"/>
-                </a:solidFill>
-                <a:latin typeface="Lucida Console" panose="020B0609040504020204" pitchFamily="49" charset="0"/>
-              </a:rPr>
-              <a:t> ['</a:t>
-            </a:r>
-            <a:r>
-              <a:rPr lang="en-US" sz="2400" dirty="0" err="1">
-                <a:solidFill>
-                  <a:srgbClr val="000000"/>
-                </a:solidFill>
-                <a:latin typeface="Lucida Console" panose="020B0609040504020204" pitchFamily="49" charset="0"/>
-              </a:rPr>
-              <a:t>Poliwag</a:t>
-            </a:r>
-            <a:r>
-              <a:rPr lang="en-US" sz="2400" dirty="0">
-                <a:solidFill>
-                  <a:srgbClr val="000000"/>
-                </a:solidFill>
-                <a:latin typeface="Lucida Console" panose="020B0609040504020204" pitchFamily="49" charset="0"/>
-              </a:rPr>
-              <a:t>' '1']</a:t>
-            </a:r>
-            <a:endParaRPr sz="2400" dirty="0">
-              <a:latin typeface="Lucida Console" panose="020B0609040504020204" pitchFamily="49" charset="0"/>
-            </a:endParaRPr>
-          </a:p>
-          <a:p>
-            <a:pPr>
-              <a:lnSpc>
-                <a:spcPct val="90000"/>
-              </a:lnSpc>
-            </a:pPr>
-            <a:r>
-              <a:rPr lang="en-US" sz="2400" dirty="0">
-                <a:solidFill>
-                  <a:srgbClr val="000000"/>
-                </a:solidFill>
-                <a:latin typeface="Lucida Console" panose="020B0609040504020204" pitchFamily="49" charset="0"/>
-              </a:rPr>
-              <a:t> ['</a:t>
-            </a:r>
-            <a:r>
-              <a:rPr lang="en-US" sz="2400" dirty="0" err="1">
-                <a:solidFill>
-                  <a:srgbClr val="000000"/>
-                </a:solidFill>
-                <a:latin typeface="Lucida Console" panose="020B0609040504020204" pitchFamily="49" charset="0"/>
-              </a:rPr>
-              <a:t>Rapidash</a:t>
-            </a:r>
-            <a:r>
-              <a:rPr lang="en-US" sz="2400" dirty="0">
-                <a:solidFill>
-                  <a:srgbClr val="000000"/>
-                </a:solidFill>
-                <a:latin typeface="Lucida Console" panose="020B0609040504020204" pitchFamily="49" charset="0"/>
-              </a:rPr>
-              <a:t>' '1']</a:t>
-            </a:r>
-            <a:endParaRPr sz="2400" dirty="0">
-              <a:latin typeface="Lucida Console" panose="020B0609040504020204" pitchFamily="49" charset="0"/>
-            </a:endParaRPr>
-          </a:p>
-          <a:p>
-            <a:pPr>
-              <a:lnSpc>
-                <a:spcPct val="90000"/>
-              </a:lnSpc>
-            </a:pPr>
-            <a:r>
-              <a:rPr lang="en-US" sz="2400" dirty="0">
-                <a:solidFill>
-                  <a:srgbClr val="000000"/>
-                </a:solidFill>
-                <a:latin typeface="Lucida Console" panose="020B0609040504020204" pitchFamily="49" charset="0"/>
-              </a:rPr>
-              <a:t> ['</a:t>
-            </a:r>
-            <a:r>
-              <a:rPr lang="en-US" sz="2400" dirty="0" err="1">
-                <a:solidFill>
-                  <a:srgbClr val="000000"/>
-                </a:solidFill>
-                <a:latin typeface="Lucida Console" panose="020B0609040504020204" pitchFamily="49" charset="0"/>
-              </a:rPr>
-              <a:t>Rattata</a:t>
-            </a:r>
-            <a:r>
-              <a:rPr lang="en-US" sz="2400" dirty="0">
-                <a:solidFill>
-                  <a:srgbClr val="000000"/>
-                </a:solidFill>
-                <a:latin typeface="Lucida Console" panose="020B0609040504020204" pitchFamily="49" charset="0"/>
-              </a:rPr>
-              <a:t>' '2']</a:t>
-            </a:r>
-            <a:endParaRPr sz="2400" dirty="0">
-              <a:latin typeface="Lucida Console" panose="020B0609040504020204" pitchFamily="49" charset="0"/>
-            </a:endParaRPr>
-          </a:p>
-          <a:p>
-            <a:pPr>
-              <a:lnSpc>
-                <a:spcPct val="90000"/>
-              </a:lnSpc>
-            </a:pPr>
-            <a:r>
-              <a:rPr lang="en-US" sz="2400" dirty="0">
-                <a:solidFill>
-                  <a:srgbClr val="000000"/>
-                </a:solidFill>
-                <a:latin typeface="Lucida Console" panose="020B0609040504020204" pitchFamily="49" charset="0"/>
-              </a:rPr>
-              <a:t> ['</a:t>
-            </a:r>
-            <a:r>
-              <a:rPr lang="en-US" sz="2400" dirty="0" err="1">
-                <a:solidFill>
-                  <a:srgbClr val="000000"/>
-                </a:solidFill>
-                <a:latin typeface="Lucida Console" panose="020B0609040504020204" pitchFamily="49" charset="0"/>
-              </a:rPr>
-              <a:t>Sandshrew</a:t>
-            </a:r>
-            <a:r>
-              <a:rPr lang="en-US" sz="2400" dirty="0">
-                <a:solidFill>
-                  <a:srgbClr val="000000"/>
-                </a:solidFill>
-                <a:latin typeface="Lucida Console" panose="020B0609040504020204" pitchFamily="49" charset="0"/>
-              </a:rPr>
-              <a:t>' '2']]</a:t>
-            </a:r>
-            <a:endParaRPr sz="2400" dirty="0">
-              <a:latin typeface="Lucida Console" panose="020B0609040504020204" pitchFamily="49" charset="0"/>
-            </a:endParaRPr>
-          </a:p>
-          <a:p>
-            <a:pPr>
-              <a:lnSpc>
-                <a:spcPct val="90000"/>
-              </a:lnSpc>
-            </a:pPr>
-            <a:endParaRPr sz="2400" dirty="0">
-              <a:latin typeface="Lucida Console" panose="020B0609040504020204" pitchFamily="49" charset="0"/>
-            </a:endParaRPr>
-          </a:p>
-        </p:txBody>
-      </p:sp>
-      <p:sp>
-        <p:nvSpPr>
-          <p:cNvPr id="7" name="Retângulo 6"/>
-          <p:cNvSpPr/>
-          <p:nvPr/>
-        </p:nvSpPr>
-        <p:spPr>
-          <a:xfrm>
-            <a:off x="838080" y="2194835"/>
-            <a:ext cx="9979975" cy="492443"/>
-          </a:xfrm>
-          <a:prstGeom prst="rect">
-            <a:avLst/>
-          </a:prstGeom>
-          <a:solidFill>
-            <a:schemeClr val="bg2"/>
-          </a:solidFill>
-          <a:ln cap="rnd">
-            <a:solidFill>
-              <a:schemeClr val="bg1">
-                <a:lumMod val="75000"/>
-              </a:schemeClr>
-            </a:solidFill>
-            <a:round/>
-          </a:ln>
-        </p:spPr>
-        <p:txBody>
-          <a:bodyPr wrap="square">
-            <a:spAutoFit/>
-          </a:bodyPr>
-          <a:lstStyle/>
-          <a:p>
-            <a:pPr lvl="0" eaLnBrk="0" fontAlgn="base" hangingPunct="0">
-              <a:spcBef>
-                <a:spcPct val="0"/>
-              </a:spcBef>
-              <a:spcAft>
-                <a:spcPct val="0"/>
-              </a:spcAft>
-            </a:pPr>
-            <a:r>
-              <a:rPr lang="pt-BR" altLang="pt-BR" sz="2600">
-                <a:solidFill>
-                  <a:srgbClr val="008000"/>
-                </a:solidFill>
-                <a:latin typeface="Lucida Console" panose="020B0609040504020204" pitchFamily="49" charset="0"/>
-              </a:rPr>
-              <a:t>print</a:t>
-            </a:r>
-            <a:r>
-              <a:rPr kumimoji="0" lang="pt-BR" altLang="pt-BR" sz="2600" b="0" i="0" u="none" strike="noStrike" cap="none" normalizeH="0" baseline="0" dirty="0">
-                <a:ln>
-                  <a:noFill/>
-                </a:ln>
-                <a:solidFill>
-                  <a:srgbClr val="333333"/>
-                </a:solidFill>
-                <a:effectLst/>
-                <a:latin typeface="Lucida Console" panose="020B0609040504020204" pitchFamily="49" charset="0"/>
-                <a:cs typeface="Courier New" panose="02070309020205020404" pitchFamily="49" charset="0"/>
-              </a:rPr>
-              <a:t>(</a:t>
-            </a:r>
-            <a:r>
-              <a:rPr kumimoji="0" lang="pt-BR" altLang="pt-BR" sz="2600" b="0" i="0" u="none" strike="noStrike" cap="none" normalizeH="0" baseline="0" dirty="0" err="1">
-                <a:ln>
-                  <a:noFill/>
-                </a:ln>
-                <a:solidFill>
-                  <a:schemeClr val="tx1"/>
-                </a:solidFill>
-                <a:effectLst/>
-                <a:latin typeface="Lucida Console" panose="020B0609040504020204" pitchFamily="49" charset="0"/>
-              </a:rPr>
-              <a:t>frequencies</a:t>
-            </a:r>
-            <a:r>
-              <a:rPr kumimoji="0" lang="pt-BR" altLang="pt-BR" sz="2600" b="0" i="0" u="none" strike="noStrike" cap="none" normalizeH="0" baseline="0" dirty="0">
-                <a:ln>
-                  <a:noFill/>
-                </a:ln>
-                <a:solidFill>
-                  <a:srgbClr val="333333"/>
-                </a:solidFill>
-                <a:effectLst/>
-                <a:latin typeface="Lucida Console" panose="020B0609040504020204" pitchFamily="49" charset="0"/>
-                <a:cs typeface="Courier New" panose="02070309020205020404" pitchFamily="49" charset="0"/>
-              </a:rPr>
-              <a:t>)</a:t>
-            </a:r>
-            <a:r>
-              <a:rPr kumimoji="0" lang="pt-BR" altLang="pt-BR" sz="2600" b="0" i="0" u="none" strike="noStrike" cap="none" normalizeH="0" baseline="0" dirty="0">
-                <a:ln>
-                  <a:noFill/>
-                </a:ln>
-                <a:solidFill>
-                  <a:schemeClr val="tx1"/>
-                </a:solidFill>
-                <a:effectLst/>
-                <a:latin typeface="Lucida Console" panose="020B0609040504020204" pitchFamily="49" charset="0"/>
-              </a:rPr>
-              <a:t> </a:t>
-            </a:r>
           </a:p>
         </p:txBody>
       </p:sp>
@@ -12133,7 +12138,7 @@
       </p:grpSpPr>
       <p:sp>
         <p:nvSpPr>
-          <p:cNvPr id="122" name="CustomShape 1"/>
+          <p:cNvPr id="120" name="CustomShape 1"/>
           <p:cNvSpPr/>
           <p:nvPr/>
         </p:nvSpPr>
@@ -12160,28 +12165,46 @@
               </a:lnSpc>
             </a:pPr>
             <a:r>
-              <a:rPr lang="en-US" sz="4400">
+              <a:rPr lang="en-US" sz="4400" dirty="0" err="1">
                 <a:solidFill>
                   <a:srgbClr val="000000"/>
                 </a:solidFill>
                 <a:latin typeface="Calibri Light"/>
               </a:rPr>
-              <a:t>Distribuição de Frequências</a:t>
-            </a:r>
-            <a:endParaRPr/>
+              <a:t>Distribuição</a:t>
+            </a:r>
+            <a:r>
+              <a:rPr lang="en-US" sz="4400" dirty="0">
+                <a:solidFill>
+                  <a:srgbClr val="000000"/>
+                </a:solidFill>
+                <a:latin typeface="Calibri Light"/>
+              </a:rPr>
+              <a:t> de </a:t>
+            </a:r>
+            <a:r>
+              <a:rPr lang="en-US" sz="4400" dirty="0" err="1">
+                <a:solidFill>
+                  <a:srgbClr val="000000"/>
+                </a:solidFill>
+                <a:latin typeface="Calibri Light"/>
+              </a:rPr>
+              <a:t>Frequências</a:t>
+            </a:r>
+            <a:endParaRPr dirty="0"/>
           </a:p>
         </p:txBody>
       </p:sp>
       <p:sp>
         <p:nvSpPr>
-          <p:cNvPr id="123" name="CustomShape 2"/>
+          <p:cNvPr id="121" name="CustomShape 2"/>
           <p:cNvSpPr/>
           <p:nvPr/>
         </p:nvSpPr>
         <p:spPr>
           <a:xfrm>
-            <a:off x="992825" y="5705493"/>
-            <a:ext cx="10513440" cy="498359"/>
+            <a:off x="838080" y="2986198"/>
+            <a:ext cx="10513440" cy="2120375"/>
           </a:xfrm>
           <a:prstGeom prst="rect">
             <a:avLst/>
@@ -12201,77 +12224,234 @@
               </a:lnSpc>
             </a:pPr>
             <a:r>
-              <a:rPr lang="en-US" sz="2800" dirty="0">
-                <a:solidFill>
-                  <a:srgbClr val="FF0000"/>
-                </a:solidFill>
-                <a:latin typeface="Lucida console"/>
-              </a:rPr>
-              <a:t># TODO </a:t>
-            </a:r>
-            <a:r>
-              <a:rPr lang="en-US" sz="2800" dirty="0" err="1">
-                <a:solidFill>
-                  <a:srgbClr val="FF0000"/>
-                </a:solidFill>
-                <a:latin typeface="Lucida console"/>
-              </a:rPr>
-              <a:t>explicação</a:t>
-            </a:r>
-            <a:r>
-              <a:rPr lang="en-US" sz="2800" dirty="0">
-                <a:solidFill>
-                  <a:srgbClr val="FF0000"/>
-                </a:solidFill>
-                <a:latin typeface="Lucida console"/>
-              </a:rPr>
-              <a:t> </a:t>
-            </a:r>
-            <a:r>
-              <a:rPr lang="en-US" sz="2800" dirty="0" err="1">
-                <a:solidFill>
-                  <a:srgbClr val="FF0000"/>
-                </a:solidFill>
-                <a:latin typeface="Lucida console"/>
-              </a:rPr>
-              <a:t>sobre</a:t>
-            </a:r>
-            <a:r>
-              <a:rPr lang="en-US" sz="2800" dirty="0">
-                <a:solidFill>
-                  <a:srgbClr val="FF0000"/>
-                </a:solidFill>
-                <a:latin typeface="Lucida console"/>
-              </a:rPr>
-              <a:t> </a:t>
-            </a:r>
-            <a:r>
-              <a:rPr lang="en-US" sz="2800" dirty="0" err="1">
-                <a:solidFill>
-                  <a:srgbClr val="FF0000"/>
-                </a:solidFill>
-                <a:latin typeface="Lucida console"/>
-              </a:rPr>
-              <a:t>fatiamento</a:t>
-            </a:r>
-            <a:endParaRPr dirty="0">
-              <a:solidFill>
-                <a:srgbClr val="FF0000"/>
-              </a:solidFill>
+              <a:rPr lang="en-US" sz="2400" dirty="0">
+                <a:latin typeface="Lucida Console" panose="020B0609040504020204" pitchFamily="49" charset="0"/>
+              </a:rPr>
+              <a:t>[['</a:t>
+            </a:r>
+            <a:r>
+              <a:rPr lang="en-US" sz="2400" dirty="0" err="1">
+                <a:latin typeface="Lucida Console" panose="020B0609040504020204" pitchFamily="49" charset="0"/>
+              </a:rPr>
+              <a:t>Pidgeotto</a:t>
+            </a:r>
+            <a:r>
+              <a:rPr lang="en-US" sz="2400" dirty="0">
+                <a:latin typeface="Lucida Console" panose="020B0609040504020204" pitchFamily="49" charset="0"/>
+              </a:rPr>
+              <a:t>' '1']</a:t>
+            </a:r>
+            <a:endParaRPr sz="2400" dirty="0">
+              <a:latin typeface="Lucida Console" panose="020B0609040504020204" pitchFamily="49" charset="0"/>
+            </a:endParaRPr>
+          </a:p>
+          <a:p>
+            <a:pPr>
+              <a:lnSpc>
+                <a:spcPct val="90000"/>
+              </a:lnSpc>
+            </a:pPr>
+            <a:r>
+              <a:rPr lang="en-US" sz="2400" dirty="0">
+                <a:solidFill>
+                  <a:srgbClr val="000000"/>
+                </a:solidFill>
+                <a:latin typeface="Lucida Console" panose="020B0609040504020204" pitchFamily="49" charset="0"/>
+              </a:rPr>
+              <a:t> ['</a:t>
+            </a:r>
+            <a:r>
+              <a:rPr lang="en-US" sz="2400" dirty="0" err="1">
+                <a:solidFill>
+                  <a:srgbClr val="000000"/>
+                </a:solidFill>
+                <a:latin typeface="Lucida Console" panose="020B0609040504020204" pitchFamily="49" charset="0"/>
+              </a:rPr>
+              <a:t>Pidgey</a:t>
+            </a:r>
+            <a:r>
+              <a:rPr lang="en-US" sz="2400" dirty="0">
+                <a:solidFill>
+                  <a:srgbClr val="000000"/>
+                </a:solidFill>
+                <a:latin typeface="Lucida Console" panose="020B0609040504020204" pitchFamily="49" charset="0"/>
+              </a:rPr>
+              <a:t>' '5']</a:t>
+            </a:r>
+            <a:endParaRPr sz="2400" dirty="0">
+              <a:latin typeface="Lucida Console" panose="020B0609040504020204" pitchFamily="49" charset="0"/>
+            </a:endParaRPr>
+          </a:p>
+          <a:p>
+            <a:pPr>
+              <a:lnSpc>
+                <a:spcPct val="90000"/>
+              </a:lnSpc>
+            </a:pPr>
+            <a:r>
+              <a:rPr lang="en-US" sz="2400" dirty="0">
+                <a:solidFill>
+                  <a:srgbClr val="000000"/>
+                </a:solidFill>
+                <a:latin typeface="Lucida Console" panose="020B0609040504020204" pitchFamily="49" charset="0"/>
+              </a:rPr>
+              <a:t> ['</a:t>
+            </a:r>
+            <a:r>
+              <a:rPr lang="en-US" sz="2400" dirty="0" err="1">
+                <a:solidFill>
+                  <a:srgbClr val="000000"/>
+                </a:solidFill>
+                <a:latin typeface="Lucida Console" panose="020B0609040504020204" pitchFamily="49" charset="0"/>
+              </a:rPr>
+              <a:t>Poliwag</a:t>
+            </a:r>
+            <a:r>
+              <a:rPr lang="en-US" sz="2400" dirty="0">
+                <a:solidFill>
+                  <a:srgbClr val="000000"/>
+                </a:solidFill>
+                <a:latin typeface="Lucida Console" panose="020B0609040504020204" pitchFamily="49" charset="0"/>
+              </a:rPr>
+              <a:t>' '1']</a:t>
+            </a:r>
+            <a:endParaRPr sz="2400" dirty="0">
+              <a:latin typeface="Lucida Console" panose="020B0609040504020204" pitchFamily="49" charset="0"/>
+            </a:endParaRPr>
+          </a:p>
+          <a:p>
+            <a:pPr>
+              <a:lnSpc>
+                <a:spcPct val="90000"/>
+              </a:lnSpc>
+            </a:pPr>
+            <a:r>
+              <a:rPr lang="en-US" sz="2400" dirty="0">
+                <a:solidFill>
+                  <a:srgbClr val="000000"/>
+                </a:solidFill>
+                <a:latin typeface="Lucida Console" panose="020B0609040504020204" pitchFamily="49" charset="0"/>
+              </a:rPr>
+              <a:t> ['</a:t>
+            </a:r>
+            <a:r>
+              <a:rPr lang="en-US" sz="2400" dirty="0" err="1">
+                <a:solidFill>
+                  <a:srgbClr val="000000"/>
+                </a:solidFill>
+                <a:latin typeface="Lucida Console" panose="020B0609040504020204" pitchFamily="49" charset="0"/>
+              </a:rPr>
+              <a:t>Rapidash</a:t>
+            </a:r>
+            <a:r>
+              <a:rPr lang="en-US" sz="2400" dirty="0">
+                <a:solidFill>
+                  <a:srgbClr val="000000"/>
+                </a:solidFill>
+                <a:latin typeface="Lucida Console" panose="020B0609040504020204" pitchFamily="49" charset="0"/>
+              </a:rPr>
+              <a:t>' '1']</a:t>
+            </a:r>
+            <a:endParaRPr sz="2400" dirty="0">
+              <a:latin typeface="Lucida Console" panose="020B0609040504020204" pitchFamily="49" charset="0"/>
+            </a:endParaRPr>
+          </a:p>
+          <a:p>
+            <a:pPr>
+              <a:lnSpc>
+                <a:spcPct val="90000"/>
+              </a:lnSpc>
+            </a:pPr>
+            <a:r>
+              <a:rPr lang="en-US" sz="2400" dirty="0">
+                <a:solidFill>
+                  <a:srgbClr val="000000"/>
+                </a:solidFill>
+                <a:latin typeface="Lucida Console" panose="020B0609040504020204" pitchFamily="49" charset="0"/>
+              </a:rPr>
+              <a:t> ['</a:t>
+            </a:r>
+            <a:r>
+              <a:rPr lang="en-US" sz="2400" dirty="0" err="1">
+                <a:solidFill>
+                  <a:srgbClr val="000000"/>
+                </a:solidFill>
+                <a:latin typeface="Lucida Console" panose="020B0609040504020204" pitchFamily="49" charset="0"/>
+              </a:rPr>
+              <a:t>Rattata</a:t>
+            </a:r>
+            <a:r>
+              <a:rPr lang="en-US" sz="2400" dirty="0">
+                <a:solidFill>
+                  <a:srgbClr val="000000"/>
+                </a:solidFill>
+                <a:latin typeface="Lucida Console" panose="020B0609040504020204" pitchFamily="49" charset="0"/>
+              </a:rPr>
+              <a:t>' '2']</a:t>
+            </a:r>
+            <a:endParaRPr sz="2400" dirty="0">
+              <a:latin typeface="Lucida Console" panose="020B0609040504020204" pitchFamily="49" charset="0"/>
+            </a:endParaRPr>
+          </a:p>
+          <a:p>
+            <a:pPr>
+              <a:lnSpc>
+                <a:spcPct val="90000"/>
+              </a:lnSpc>
+            </a:pPr>
+            <a:r>
+              <a:rPr lang="en-US" sz="2400" dirty="0">
+                <a:solidFill>
+                  <a:srgbClr val="000000"/>
+                </a:solidFill>
+                <a:latin typeface="Lucida Console" panose="020B0609040504020204" pitchFamily="49" charset="0"/>
+              </a:rPr>
+              <a:t> ['</a:t>
+            </a:r>
+            <a:r>
+              <a:rPr lang="en-US" sz="2400" dirty="0" err="1">
+                <a:solidFill>
+                  <a:srgbClr val="000000"/>
+                </a:solidFill>
+                <a:latin typeface="Lucida Console" panose="020B0609040504020204" pitchFamily="49" charset="0"/>
+              </a:rPr>
+              <a:t>Sandshrew</a:t>
+            </a:r>
+            <a:r>
+              <a:rPr lang="en-US" sz="2400" dirty="0">
+                <a:solidFill>
+                  <a:srgbClr val="000000"/>
+                </a:solidFill>
+                <a:latin typeface="Lucida Console" panose="020B0609040504020204" pitchFamily="49" charset="0"/>
+              </a:rPr>
+              <a:t>' '2']]</a:t>
+            </a:r>
+            <a:endParaRPr sz="2400" dirty="0">
+              <a:latin typeface="Lucida Console" panose="020B0609040504020204" pitchFamily="49" charset="0"/>
+            </a:endParaRPr>
+          </a:p>
+          <a:p>
+            <a:pPr>
+              <a:lnSpc>
+                <a:spcPct val="90000"/>
+              </a:lnSpc>
+            </a:pPr>
+            <a:endParaRPr sz="2400" dirty="0">
+              <a:latin typeface="Lucida Console" panose="020B0609040504020204" pitchFamily="49" charset="0"/>
             </a:endParaRPr>
           </a:p>
         </p:txBody>
       </p:sp>
       <p:sp>
         <p:nvSpPr>
-          <p:cNvPr id="4" name="Retângulo 3"/>
+          <p:cNvPr id="7" name="Retângulo 6"/>
           <p:cNvSpPr/>
           <p:nvPr/>
         </p:nvSpPr>
         <p:spPr>
           <a:xfrm>
-            <a:off x="1104812" y="1844953"/>
-            <a:ext cx="9979975" cy="812530"/>
+            <a:off x="838080" y="2194835"/>
+            <a:ext cx="9979975" cy="492443"/>
           </a:xfrm>
           <a:prstGeom prst="rect">
             <a:avLst/>
@@ -12294,345 +12474,77 @@
           </a:bodyPr>
           <a:lstStyle/>
           <a:p>
-            <a:pPr>
-              <a:lnSpc>
-                <a:spcPct val="90000"/>
-              </a:lnSpc>
-            </a:pPr>
-            <a:r>
-              <a:rPr lang="en-US" sz="2600" dirty="0">
-                <a:solidFill>
-                  <a:srgbClr val="000000"/>
-                </a:solidFill>
-                <a:latin typeface="Lucida console"/>
-              </a:rPr>
-              <a:t>xi = </a:t>
-            </a:r>
-            <a:r>
-              <a:rPr lang="en-US" sz="2600" dirty="0" err="1">
-                <a:solidFill>
-                  <a:srgbClr val="000000"/>
-                </a:solidFill>
-                <a:latin typeface="Lucida console"/>
-              </a:rPr>
-              <a:t>frequencias</a:t>
-            </a:r>
-            <a:r>
-              <a:rPr lang="en-US" sz="2600" dirty="0">
-                <a:solidFill>
-                  <a:srgbClr val="000000"/>
-                </a:solidFill>
-                <a:latin typeface="Lucida console"/>
-              </a:rPr>
-              <a:t>[:, 0]</a:t>
-            </a:r>
-            <a:endParaRPr lang="en-US" sz="2600" dirty="0"/>
-          </a:p>
-          <a:p>
-            <a:pPr>
-              <a:lnSpc>
-                <a:spcPct val="90000"/>
-              </a:lnSpc>
-            </a:pPr>
-            <a:r>
-              <a:rPr lang="en-US" sz="2600" dirty="0">
-                <a:solidFill>
-                  <a:srgbClr val="548235"/>
-                </a:solidFill>
-                <a:latin typeface="Lucida console"/>
+            <a:pPr lvl="0" eaLnBrk="0" fontAlgn="base" hangingPunct="0">
+              <a:spcBef>
+                <a:spcPct val="0"/>
+              </a:spcBef>
+              <a:spcAft>
+                <a:spcPct val="0"/>
+              </a:spcAft>
+            </a:pPr>
+            <a:r>
+              <a:rPr lang="pt-BR" altLang="pt-BR" sz="2600">
+                <a:solidFill>
+                  <a:srgbClr val="008000"/>
+                </a:solidFill>
+                <a:latin typeface="Lucida Console" panose="020B0609040504020204" pitchFamily="49" charset="0"/>
               </a:rPr>
               <a:t>print</a:t>
             </a:r>
             <a:r>
-              <a:rPr lang="en-US" sz="2600" dirty="0">
-                <a:solidFill>
-                  <a:srgbClr val="000000"/>
-                </a:solidFill>
-                <a:latin typeface="Lucida console"/>
-              </a:rPr>
-              <a:t>(xi)</a:t>
-            </a:r>
-            <a:endParaRPr lang="en-US" sz="2600" dirty="0"/>
-          </a:p>
-        </p:txBody>
-      </p:sp>
-      <p:sp>
-        <p:nvSpPr>
-          <p:cNvPr id="2" name="Retângulo 1"/>
-          <p:cNvSpPr/>
-          <p:nvPr/>
-        </p:nvSpPr>
-        <p:spPr>
-          <a:xfrm>
-            <a:off x="1104811" y="2899192"/>
-            <a:ext cx="9979975" cy="757130"/>
-          </a:xfrm>
-          <a:prstGeom prst="rect">
-            <a:avLst/>
-          </a:prstGeom>
-        </p:spPr>
-        <p:txBody>
-          <a:bodyPr wrap="square">
-            <a:spAutoFit/>
-          </a:bodyPr>
-          <a:lstStyle/>
-          <a:p>
-            <a:pPr>
-              <a:lnSpc>
-                <a:spcPct val="90000"/>
-              </a:lnSpc>
-            </a:pPr>
-            <a:r>
-              <a:rPr lang="en-US" sz="2400" dirty="0">
-                <a:solidFill>
-                  <a:srgbClr val="000000"/>
-                </a:solidFill>
-                <a:latin typeface="Lucida console"/>
-              </a:rPr>
-              <a:t>['</a:t>
-            </a:r>
-            <a:r>
-              <a:rPr lang="en-US" sz="2400" dirty="0" err="1">
-                <a:solidFill>
-                  <a:srgbClr val="000000"/>
-                </a:solidFill>
-                <a:latin typeface="Lucida console"/>
-              </a:rPr>
-              <a:t>Pidgeotto</a:t>
-            </a:r>
-            <a:r>
-              <a:rPr lang="en-US" sz="2400" dirty="0">
-                <a:solidFill>
-                  <a:srgbClr val="000000"/>
-                </a:solidFill>
-                <a:latin typeface="Lucida console"/>
-              </a:rPr>
-              <a:t>' '</a:t>
-            </a:r>
-            <a:r>
-              <a:rPr lang="en-US" sz="2400" dirty="0" err="1">
-                <a:solidFill>
-                  <a:srgbClr val="000000"/>
-                </a:solidFill>
-                <a:latin typeface="Lucida console"/>
-              </a:rPr>
-              <a:t>Pidgey</a:t>
-            </a:r>
-            <a:r>
-              <a:rPr lang="en-US" sz="2400" dirty="0">
-                <a:solidFill>
-                  <a:srgbClr val="000000"/>
-                </a:solidFill>
-                <a:latin typeface="Lucida console"/>
-              </a:rPr>
-              <a:t>' '</a:t>
-            </a:r>
-            <a:r>
-              <a:rPr lang="en-US" sz="2400" dirty="0" err="1">
-                <a:solidFill>
-                  <a:srgbClr val="000000"/>
-                </a:solidFill>
-                <a:latin typeface="Lucida console"/>
-              </a:rPr>
-              <a:t>Poliwag</a:t>
-            </a:r>
-            <a:r>
-              <a:rPr lang="en-US" sz="2400" dirty="0">
-                <a:solidFill>
-                  <a:srgbClr val="000000"/>
-                </a:solidFill>
-                <a:latin typeface="Lucida console"/>
-              </a:rPr>
-              <a:t>' '</a:t>
-            </a:r>
-            <a:r>
-              <a:rPr lang="en-US" sz="2400" dirty="0" err="1">
-                <a:solidFill>
-                  <a:srgbClr val="000000"/>
-                </a:solidFill>
-                <a:latin typeface="Lucida console"/>
-              </a:rPr>
-              <a:t>Rapidash</a:t>
-            </a:r>
-            <a:r>
-              <a:rPr lang="en-US" sz="2400" dirty="0">
-                <a:solidFill>
-                  <a:srgbClr val="000000"/>
-                </a:solidFill>
-                <a:latin typeface="Lucida console"/>
-              </a:rPr>
-              <a:t>' '</a:t>
-            </a:r>
-            <a:r>
-              <a:rPr lang="en-US" sz="2400" dirty="0" err="1">
-                <a:solidFill>
-                  <a:srgbClr val="000000"/>
-                </a:solidFill>
-                <a:latin typeface="Lucida console"/>
-              </a:rPr>
-              <a:t>Rattata</a:t>
-            </a:r>
-            <a:r>
-              <a:rPr lang="en-US" sz="2400" dirty="0">
-                <a:solidFill>
-                  <a:srgbClr val="000000"/>
-                </a:solidFill>
-                <a:latin typeface="Lucida console"/>
-              </a:rPr>
-              <a:t>' '</a:t>
-            </a:r>
-            <a:r>
-              <a:rPr lang="en-US" sz="2400" dirty="0" err="1">
-                <a:solidFill>
-                  <a:srgbClr val="000000"/>
-                </a:solidFill>
-                <a:latin typeface="Lucida console"/>
-              </a:rPr>
-              <a:t>Sandshrew</a:t>
-            </a:r>
-            <a:r>
-              <a:rPr lang="en-US" sz="2400" dirty="0">
-                <a:solidFill>
-                  <a:srgbClr val="000000"/>
-                </a:solidFill>
-                <a:latin typeface="Lucida console"/>
-              </a:rPr>
-              <a:t>']</a:t>
-            </a:r>
-            <a:endParaRPr lang="en-US" sz="2400" dirty="0"/>
-          </a:p>
-        </p:txBody>
-      </p:sp>
-      <p:sp>
-        <p:nvSpPr>
-          <p:cNvPr id="6" name="Retângulo 5"/>
-          <p:cNvSpPr/>
-          <p:nvPr/>
-        </p:nvSpPr>
-        <p:spPr>
-          <a:xfrm>
-            <a:off x="1104811" y="3914856"/>
-            <a:ext cx="9979975" cy="812530"/>
-          </a:xfrm>
-          <a:prstGeom prst="rect">
-            <a:avLst/>
-          </a:prstGeom>
-          <a:solidFill>
-            <a:schemeClr val="bg2"/>
-          </a:solidFill>
-          <a:ln cap="rnd">
-            <a:solidFill>
-              <a:schemeClr val="bg1">
-                <a:lumMod val="75000"/>
-              </a:schemeClr>
-            </a:solidFill>
-            <a:round/>
-          </a:ln>
-        </p:spPr>
-        <p:txBody>
-          <a:bodyPr wrap="square">
-            <a:spAutoFit/>
-          </a:bodyPr>
-          <a:lstStyle/>
-          <a:p>
-            <a:pPr>
-              <a:lnSpc>
-                <a:spcPct val="90000"/>
-              </a:lnSpc>
-            </a:pPr>
-            <a:r>
-              <a:rPr lang="en-US" sz="2600" dirty="0">
-                <a:solidFill>
-                  <a:srgbClr val="000000"/>
-                </a:solidFill>
-                <a:latin typeface="Lucida console"/>
-              </a:rPr>
-              <a:t>fi = </a:t>
-            </a:r>
-            <a:r>
-              <a:rPr lang="en-US" sz="2600" dirty="0" err="1">
-                <a:solidFill>
-                  <a:srgbClr val="000000"/>
-                </a:solidFill>
-                <a:latin typeface="Lucida console"/>
-              </a:rPr>
-              <a:t>frequencias</a:t>
-            </a:r>
-            <a:r>
-              <a:rPr lang="en-US" sz="2600" dirty="0">
-                <a:solidFill>
-                  <a:srgbClr val="000000"/>
-                </a:solidFill>
-                <a:latin typeface="Lucida console"/>
-              </a:rPr>
-              <a:t>[:, 1]</a:t>
-            </a:r>
-            <a:endParaRPr lang="en-US" sz="2600" dirty="0"/>
-          </a:p>
-          <a:p>
-            <a:pPr>
-              <a:lnSpc>
-                <a:spcPct val="90000"/>
-              </a:lnSpc>
-            </a:pPr>
-            <a:r>
-              <a:rPr lang="en-US" sz="2600" dirty="0">
-                <a:solidFill>
-                  <a:srgbClr val="548235"/>
-                </a:solidFill>
-                <a:latin typeface="Lucida console"/>
-              </a:rPr>
-              <a:t>print</a:t>
-            </a:r>
-            <a:r>
-              <a:rPr lang="en-US" sz="2600" dirty="0">
-                <a:solidFill>
-                  <a:srgbClr val="000000"/>
-                </a:solidFill>
-                <a:latin typeface="Lucida console"/>
-              </a:rPr>
-              <a:t>(fi)</a:t>
-            </a:r>
-            <a:endParaRPr lang="en-US" sz="2600" dirty="0"/>
-          </a:p>
-        </p:txBody>
-      </p:sp>
-      <p:sp>
-        <p:nvSpPr>
-          <p:cNvPr id="3" name="Retângulo 2"/>
-          <p:cNvSpPr/>
-          <p:nvPr/>
-        </p:nvSpPr>
-        <p:spPr>
-          <a:xfrm>
-            <a:off x="1104811" y="4913695"/>
-            <a:ext cx="2601994" cy="424732"/>
-          </a:xfrm>
-          <a:prstGeom prst="rect">
-            <a:avLst/>
-          </a:prstGeom>
-        </p:spPr>
-        <p:txBody>
-          <a:bodyPr wrap="none">
-            <a:spAutoFit/>
-          </a:bodyPr>
-          <a:lstStyle/>
-          <a:p>
-            <a:pPr>
-              <a:lnSpc>
-                <a:spcPct val="90000"/>
-              </a:lnSpc>
-            </a:pPr>
-            <a:r>
-              <a:rPr lang="en-US" sz="2400" dirty="0">
-                <a:solidFill>
-                  <a:srgbClr val="000000"/>
-                </a:solidFill>
-                <a:latin typeface="Lucida console"/>
-              </a:rPr>
-              <a:t>[1 5 1 1 2 2]</a:t>
-            </a:r>
-            <a:endParaRPr lang="en-US" sz="2400" dirty="0"/>
+              <a:rPr kumimoji="0" lang="pt-BR" altLang="pt-BR" sz="2600" b="0" i="0" u="none" strike="noStrike" cap="none" normalizeH="0" baseline="0" dirty="0">
+                <a:ln>
+                  <a:noFill/>
+                </a:ln>
+                <a:solidFill>
+                  <a:srgbClr val="333333"/>
+                </a:solidFill>
+                <a:effectLst/>
+                <a:latin typeface="Lucida Console" panose="020B0609040504020204" pitchFamily="49" charset="0"/>
+                <a:cs typeface="Courier New" panose="02070309020205020404" pitchFamily="49" charset="0"/>
+              </a:rPr>
+              <a:t>(</a:t>
+            </a:r>
+            <a:r>
+              <a:rPr kumimoji="0" lang="pt-BR" altLang="pt-BR" sz="2600" b="0" i="0" u="none" strike="noStrike" cap="none" normalizeH="0" baseline="0" dirty="0" err="1">
+                <a:ln>
+                  <a:noFill/>
+                </a:ln>
+                <a:solidFill>
+                  <a:schemeClr val="tx1"/>
+                </a:solidFill>
+                <a:effectLst/>
+                <a:latin typeface="Lucida Console" panose="020B0609040504020204" pitchFamily="49" charset="0"/>
+              </a:rPr>
+              <a:t>frequencies</a:t>
+            </a:r>
+            <a:r>
+              <a:rPr kumimoji="0" lang="pt-BR" altLang="pt-BR" sz="2600" b="0" i="0" u="none" strike="noStrike" cap="none" normalizeH="0" baseline="0" dirty="0">
+                <a:ln>
+                  <a:noFill/>
+                </a:ln>
+                <a:solidFill>
+                  <a:srgbClr val="333333"/>
+                </a:solidFill>
+                <a:effectLst/>
+                <a:latin typeface="Lucida Console" panose="020B0609040504020204" pitchFamily="49" charset="0"/>
+                <a:cs typeface="Courier New" panose="02070309020205020404" pitchFamily="49" charset="0"/>
+              </a:rPr>
+              <a:t>)</a:t>
+            </a:r>
+            <a:r>
+              <a:rPr kumimoji="0" lang="pt-BR" altLang="pt-BR" sz="2600" b="0" i="0" u="none" strike="noStrike" cap="none" normalizeH="0" baseline="0" dirty="0">
+                <a:ln>
+                  <a:noFill/>
+                </a:ln>
+                <a:solidFill>
+                  <a:schemeClr val="tx1"/>
+                </a:solidFill>
+                <a:effectLst/>
+                <a:latin typeface="Lucida Console" panose="020B0609040504020204" pitchFamily="49" charset="0"/>
+              </a:rPr>
+              <a:t> </a:t>
+            </a:r>
           </a:p>
         </p:txBody>
       </p:sp>
@@ -12690,7 +12602,7 @@
       </p:grpSpPr>
       <p:sp>
         <p:nvSpPr>
-          <p:cNvPr id="124" name="CustomShape 1"/>
+          <p:cNvPr id="122" name="CustomShape 1"/>
           <p:cNvSpPr/>
           <p:nvPr/>
         </p:nvSpPr>
@@ -12717,37 +12629,118 @@
               </a:lnSpc>
             </a:pPr>
             <a:r>
-              <a:rPr lang="en-US" sz="4400" dirty="0" err="1">
+              <a:rPr lang="en-US" sz="4400">
                 <a:solidFill>
                   <a:srgbClr val="000000"/>
                 </a:solidFill>
                 <a:latin typeface="Calibri Light"/>
               </a:rPr>
-              <a:t>Visualização</a:t>
-            </a:r>
-            <a:r>
-              <a:rPr lang="en-US" sz="4400" dirty="0">
-                <a:solidFill>
-                  <a:srgbClr val="000000"/>
-                </a:solidFill>
-                <a:latin typeface="Calibri Light"/>
-              </a:rPr>
-              <a:t> de dados</a:t>
-            </a:r>
-            <a:endParaRPr dirty="0"/>
+              <a:t>Distribuição de Frequências</a:t>
+            </a:r>
+            <a:endParaRPr/>
           </a:p>
         </p:txBody>
       </p:sp>
       <p:sp>
         <p:nvSpPr>
-          <p:cNvPr id="3" name="Retângulo 2"/>
+          <p:cNvPr id="123" name="CustomShape 2"/>
           <p:cNvSpPr/>
           <p:nvPr/>
         </p:nvSpPr>
         <p:spPr>
           <a:xfrm>
-            <a:off x="838080" y="1688399"/>
-            <a:ext cx="9979975" cy="2492990"/>
+            <a:off x="992825" y="5705493"/>
+            <a:ext cx="10513440" cy="498359"/>
+          </a:xfrm>
+          <a:prstGeom prst="rect">
+            <a:avLst/>
+          </a:prstGeom>
+          <a:noFill/>
+          <a:ln>
+            <a:noFill/>
+          </a:ln>
+        </p:spPr>
+        <p:txBody>
+          <a:bodyPr lIns="90000" tIns="45000" rIns="90000" bIns="45000"/>
+          <a:lstStyle/>
+          <a:p>
+            <a:pPr>
+              <a:lnSpc>
+                <a:spcPct val="90000"/>
+              </a:lnSpc>
+            </a:pPr>
+            <a:r>
+              <a:rPr lang="en-US" sz="2800" dirty="0">
+                <a:solidFill>
+                  <a:srgbClr val="FF0000"/>
+                </a:solidFill>
+                <a:latin typeface="Lucida console"/>
+              </a:rPr>
+              <a:t># TODO </a:t>
+            </a:r>
+            <a:r>
+              <a:rPr lang="en-US" sz="2800" dirty="0" err="1">
+                <a:solidFill>
+                  <a:srgbClr val="FF0000"/>
+                </a:solidFill>
+                <a:latin typeface="Lucida console"/>
+              </a:rPr>
+              <a:t>explicação</a:t>
+            </a:r>
+            <a:r>
+              <a:rPr lang="en-US" sz="2800" dirty="0">
+                <a:solidFill>
+                  <a:srgbClr val="FF0000"/>
+                </a:solidFill>
+                <a:latin typeface="Lucida console"/>
+              </a:rPr>
+              <a:t> </a:t>
+            </a:r>
+            <a:r>
+              <a:rPr lang="en-US" sz="2800" dirty="0" err="1">
+                <a:solidFill>
+                  <a:srgbClr val="FF0000"/>
+                </a:solidFill>
+                <a:latin typeface="Lucida console"/>
+              </a:rPr>
+              <a:t>sobre</a:t>
+            </a:r>
+            <a:r>
+              <a:rPr lang="en-US" sz="2800" dirty="0">
+                <a:solidFill>
+                  <a:srgbClr val="FF0000"/>
+                </a:solidFill>
+                <a:latin typeface="Lucida console"/>
+              </a:rPr>
+              <a:t> </a:t>
+            </a:r>
+            <a:r>
+              <a:rPr lang="en-US" sz="2800" dirty="0" err="1">
+                <a:solidFill>
+                  <a:srgbClr val="FF0000"/>
+                </a:solidFill>
+                <a:latin typeface="Lucida console"/>
+              </a:rPr>
+              <a:t>fatiamento</a:t>
+            </a:r>
+            <a:endParaRPr dirty="0">
+              <a:solidFill>
+                <a:srgbClr val="FF0000"/>
+              </a:solidFill>
+            </a:endParaRPr>
+          </a:p>
+        </p:txBody>
+      </p:sp>
+      <p:sp>
+        <p:nvSpPr>
+          <p:cNvPr id="4" name="Retângulo 3"/>
+          <p:cNvSpPr/>
+          <p:nvPr/>
+        </p:nvSpPr>
+        <p:spPr>
+          <a:xfrm>
+            <a:off x="1104812" y="1844953"/>
+            <a:ext cx="9979975" cy="812530"/>
           </a:xfrm>
           <a:prstGeom prst="rect">
             <a:avLst/>
@@ -12770,364 +12763,345 @@
           </a:bodyPr>
           <a:lstStyle/>
           <a:p>
-            <a:r>
-              <a:rPr lang="pt-BR" sz="2600" b="0" i="0" dirty="0">
-                <a:solidFill>
-                  <a:srgbClr val="666666"/>
-                </a:solidFill>
-                <a:effectLst/>
-                <a:latin typeface="Lucida Console" panose="020B0609040504020204" pitchFamily="49" charset="0"/>
-              </a:rPr>
-              <a:t>%</a:t>
-            </a:r>
-            <a:r>
-              <a:rPr lang="pt-BR" sz="2600" b="1" i="0" dirty="0">
-                <a:solidFill>
-                  <a:srgbClr val="008000"/>
-                </a:solidFill>
-                <a:effectLst/>
-                <a:latin typeface="Lucida Console" panose="020B0609040504020204" pitchFamily="49" charset="0"/>
-              </a:rPr>
-              <a:t>matplotlib</a:t>
-            </a:r>
-            <a:r>
-              <a:rPr lang="pt-BR" sz="2600" b="0" i="0" dirty="0">
-                <a:solidFill>
-                  <a:srgbClr val="333333"/>
-                </a:solidFill>
-                <a:effectLst/>
-                <a:latin typeface="Lucida Console" panose="020B0609040504020204" pitchFamily="49" charset="0"/>
-              </a:rPr>
-              <a:t> notebook</a:t>
-            </a:r>
-          </a:p>
-          <a:p>
-            <a:r>
-              <a:rPr lang="pt-BR" sz="2600" b="1" i="0" dirty="0">
-                <a:solidFill>
-                  <a:srgbClr val="008000"/>
-                </a:solidFill>
-                <a:effectLst/>
-                <a:latin typeface="Lucida Console" panose="020B0609040504020204" pitchFamily="49" charset="0"/>
-              </a:rPr>
-              <a:t>import</a:t>
-            </a:r>
-            <a:r>
-              <a:rPr lang="pt-BR" sz="2600" b="0" i="0" dirty="0">
-                <a:solidFill>
-                  <a:srgbClr val="333333"/>
-                </a:solidFill>
-                <a:effectLst/>
-                <a:latin typeface="Lucida Console" panose="020B0609040504020204" pitchFamily="49" charset="0"/>
-              </a:rPr>
-              <a:t> </a:t>
-            </a:r>
-            <a:r>
-              <a:rPr lang="pt-BR" sz="2600" b="1" i="0" dirty="0">
-                <a:solidFill>
-                  <a:srgbClr val="0000FF"/>
-                </a:solidFill>
-                <a:effectLst/>
-                <a:latin typeface="Lucida Console" panose="020B0609040504020204" pitchFamily="49" charset="0"/>
-              </a:rPr>
-              <a:t>matplotlib.pyplot</a:t>
-            </a:r>
-            <a:r>
-              <a:rPr lang="pt-BR" sz="2600" b="0" i="0" dirty="0">
-                <a:solidFill>
-                  <a:srgbClr val="333333"/>
-                </a:solidFill>
-                <a:effectLst/>
-                <a:latin typeface="Lucida Console" panose="020B0609040504020204" pitchFamily="49" charset="0"/>
-              </a:rPr>
-              <a:t> </a:t>
-            </a:r>
-            <a:r>
-              <a:rPr lang="pt-BR" sz="2600" b="1" i="0" dirty="0">
-                <a:solidFill>
-                  <a:srgbClr val="008000"/>
-                </a:solidFill>
-                <a:effectLst/>
-                <a:latin typeface="Lucida Console" panose="020B0609040504020204" pitchFamily="49" charset="0"/>
-              </a:rPr>
-              <a:t>as</a:t>
-            </a:r>
-            <a:r>
-              <a:rPr lang="pt-BR" sz="2600" b="0" i="0" dirty="0">
-                <a:solidFill>
-                  <a:srgbClr val="333333"/>
-                </a:solidFill>
-                <a:effectLst/>
-                <a:latin typeface="Lucida Console" panose="020B0609040504020204" pitchFamily="49" charset="0"/>
-              </a:rPr>
-              <a:t> </a:t>
-            </a:r>
-            <a:r>
-              <a:rPr lang="pt-BR" sz="2600" b="1" i="0" dirty="0" err="1">
-                <a:solidFill>
-                  <a:srgbClr val="0000FF"/>
-                </a:solidFill>
-                <a:effectLst/>
-                <a:latin typeface="Lucida Console" panose="020B0609040504020204" pitchFamily="49" charset="0"/>
-              </a:rPr>
-              <a:t>plt</a:t>
-            </a:r>
-            <a:endParaRPr lang="pt-BR" sz="2600" b="1" i="0" dirty="0">
-              <a:solidFill>
-                <a:srgbClr val="0000FF"/>
-              </a:solidFill>
-              <a:effectLst/>
-              <a:latin typeface="Lucida Console" panose="020B0609040504020204" pitchFamily="49" charset="0"/>
-            </a:endParaRPr>
-          </a:p>
-          <a:p>
-            <a:endParaRPr lang="pt-BR" sz="2600" dirty="0">
-              <a:solidFill>
-                <a:srgbClr val="333333"/>
-              </a:solidFill>
-              <a:latin typeface="Lucida Console" panose="020B0609040504020204" pitchFamily="49" charset="0"/>
-            </a:endParaRPr>
-          </a:p>
-          <a:p>
-            <a:r>
-              <a:rPr lang="pt-BR" sz="2600" b="0" i="0" dirty="0">
-                <a:solidFill>
-                  <a:srgbClr val="333333"/>
-                </a:solidFill>
-                <a:effectLst/>
-                <a:latin typeface="Lucida Console" panose="020B0609040504020204" pitchFamily="49" charset="0"/>
-              </a:rPr>
-              <a:t>tamanho = </a:t>
-            </a:r>
-            <a:r>
-              <a:rPr lang="pt-BR" sz="2600" dirty="0" err="1">
-                <a:solidFill>
-                  <a:srgbClr val="008000"/>
-                </a:solidFill>
-                <a:latin typeface="Lucida Console" panose="020B0609040504020204" pitchFamily="49" charset="0"/>
-              </a:rPr>
-              <a:t>len</a:t>
-            </a:r>
-            <a:r>
-              <a:rPr lang="pt-BR" sz="2600" dirty="0">
-                <a:solidFill>
-                  <a:srgbClr val="333333"/>
-                </a:solidFill>
-                <a:latin typeface="Lucida Console" panose="020B0609040504020204" pitchFamily="49" charset="0"/>
+            <a:pPr>
+              <a:lnSpc>
+                <a:spcPct val="90000"/>
+              </a:lnSpc>
+            </a:pPr>
+            <a:r>
+              <a:rPr lang="en-US" sz="2600" dirty="0">
+                <a:solidFill>
+                  <a:srgbClr val="000000"/>
+                </a:solidFill>
+                <a:latin typeface="Lucida console"/>
+              </a:rPr>
+              <a:t>xi = </a:t>
+            </a:r>
+            <a:r>
+              <a:rPr lang="en-US" sz="2600" dirty="0" err="1">
+                <a:solidFill>
+                  <a:srgbClr val="000000"/>
+                </a:solidFill>
+                <a:latin typeface="Lucida console"/>
+              </a:rPr>
+              <a:t>frequencias</a:t>
+            </a:r>
+            <a:r>
+              <a:rPr lang="en-US" sz="2600" dirty="0">
+                <a:solidFill>
+                  <a:srgbClr val="000000"/>
+                </a:solidFill>
+                <a:latin typeface="Lucida console"/>
+              </a:rPr>
+              <a:t>[:, 0]</a:t>
+            </a:r>
+            <a:endParaRPr lang="en-US" sz="2600" dirty="0"/>
+          </a:p>
+          <a:p>
+            <a:pPr>
+              <a:lnSpc>
+                <a:spcPct val="90000"/>
+              </a:lnSpc>
+            </a:pPr>
+            <a:r>
+              <a:rPr lang="en-US" sz="2600" dirty="0">
+                <a:solidFill>
+                  <a:srgbClr val="548235"/>
+                </a:solidFill>
+                <a:latin typeface="Lucida console"/>
+              </a:rPr>
+              <a:t>print</a:t>
+            </a:r>
+            <a:r>
+              <a:rPr lang="en-US" sz="2600" dirty="0">
+                <a:solidFill>
+                  <a:srgbClr val="000000"/>
+                </a:solidFill>
+                <a:latin typeface="Lucida console"/>
               </a:rPr>
               <a:t>(xi)</a:t>
             </a:r>
-            <a:endParaRPr lang="pt-BR" sz="2600" b="0" i="0" dirty="0">
-              <a:solidFill>
-                <a:srgbClr val="333333"/>
-              </a:solidFill>
-              <a:effectLst/>
-              <a:latin typeface="Lucida Console" panose="020B0609040504020204" pitchFamily="49" charset="0"/>
-            </a:endParaRPr>
-          </a:p>
-          <a:p>
-            <a:r>
-              <a:rPr lang="pt-BR" sz="2600" b="0" i="0" dirty="0" err="1">
-                <a:solidFill>
-                  <a:srgbClr val="333333"/>
-                </a:solidFill>
-                <a:effectLst/>
-                <a:latin typeface="Lucida Console" panose="020B0609040504020204" pitchFamily="49" charset="0"/>
-              </a:rPr>
-              <a:t>x_pos</a:t>
-            </a:r>
-            <a:r>
-              <a:rPr lang="pt-BR" sz="2600" b="0" i="0" dirty="0">
-                <a:solidFill>
-                  <a:srgbClr val="333333"/>
-                </a:solidFill>
-                <a:effectLst/>
-                <a:latin typeface="Lucida Console" panose="020B0609040504020204" pitchFamily="49" charset="0"/>
-              </a:rPr>
-              <a:t> </a:t>
-            </a:r>
-            <a:r>
-              <a:rPr lang="pt-BR" sz="2600" b="0" i="0" dirty="0">
-                <a:solidFill>
-                  <a:srgbClr val="666666"/>
-                </a:solidFill>
-                <a:effectLst/>
-                <a:latin typeface="Lucida Console" panose="020B0609040504020204" pitchFamily="49" charset="0"/>
-              </a:rPr>
-              <a:t>=</a:t>
-            </a:r>
-            <a:r>
-              <a:rPr lang="pt-BR" sz="2600" b="0" i="0" dirty="0">
-                <a:solidFill>
-                  <a:srgbClr val="333333"/>
-                </a:solidFill>
-                <a:effectLst/>
-                <a:latin typeface="Lucida Console" panose="020B0609040504020204" pitchFamily="49" charset="0"/>
-              </a:rPr>
-              <a:t> </a:t>
-            </a:r>
-            <a:r>
-              <a:rPr lang="pt-BR" sz="2600" b="0" i="0" dirty="0" err="1">
-                <a:solidFill>
-                  <a:srgbClr val="333333"/>
-                </a:solidFill>
-                <a:effectLst/>
-                <a:latin typeface="Lucida Console" panose="020B0609040504020204" pitchFamily="49" charset="0"/>
-              </a:rPr>
-              <a:t>np</a:t>
-            </a:r>
-            <a:r>
-              <a:rPr lang="pt-BR" sz="2600" b="0" i="0" dirty="0" err="1">
-                <a:solidFill>
-                  <a:srgbClr val="666666"/>
-                </a:solidFill>
-                <a:effectLst/>
-                <a:latin typeface="Lucida Console" panose="020B0609040504020204" pitchFamily="49" charset="0"/>
-              </a:rPr>
-              <a:t>.</a:t>
-            </a:r>
-            <a:r>
-              <a:rPr lang="pt-BR" sz="2600" b="0" i="0" dirty="0" err="1">
-                <a:solidFill>
-                  <a:srgbClr val="333333"/>
-                </a:solidFill>
-                <a:effectLst/>
-                <a:latin typeface="Lucida Console" panose="020B0609040504020204" pitchFamily="49" charset="0"/>
-              </a:rPr>
-              <a:t>arange</a:t>
-            </a:r>
-            <a:r>
-              <a:rPr lang="pt-BR" sz="2600" b="0" i="0" dirty="0">
-                <a:solidFill>
-                  <a:srgbClr val="333333"/>
-                </a:solidFill>
-                <a:effectLst/>
-                <a:latin typeface="Lucida Console" panose="020B0609040504020204" pitchFamily="49" charset="0"/>
-              </a:rPr>
-              <a:t>(tamanho)</a:t>
-            </a:r>
-          </a:p>
-          <a:p>
-            <a:r>
-              <a:rPr lang="pt-BR" sz="2600" b="0" i="0" dirty="0" err="1">
-                <a:solidFill>
-                  <a:srgbClr val="333333"/>
-                </a:solidFill>
-                <a:effectLst/>
-                <a:latin typeface="Lucida Console" panose="020B0609040504020204" pitchFamily="49" charset="0"/>
-              </a:rPr>
-              <a:t>plt</a:t>
-            </a:r>
-            <a:r>
-              <a:rPr lang="pt-BR" sz="2600" b="0" i="0" dirty="0" err="1">
-                <a:solidFill>
-                  <a:srgbClr val="666666"/>
-                </a:solidFill>
-                <a:effectLst/>
-                <a:latin typeface="Lucida Console" panose="020B0609040504020204" pitchFamily="49" charset="0"/>
-              </a:rPr>
-              <a:t>.</a:t>
-            </a:r>
-            <a:r>
-              <a:rPr lang="pt-BR" sz="2600" b="0" i="0" dirty="0" err="1">
-                <a:solidFill>
-                  <a:srgbClr val="333333"/>
-                </a:solidFill>
-                <a:effectLst/>
-                <a:latin typeface="Lucida Console" panose="020B0609040504020204" pitchFamily="49" charset="0"/>
-              </a:rPr>
-              <a:t>bar</a:t>
-            </a:r>
-            <a:r>
-              <a:rPr lang="pt-BR" sz="2600" b="0" i="0" dirty="0">
-                <a:solidFill>
-                  <a:srgbClr val="333333"/>
-                </a:solidFill>
-                <a:effectLst/>
-                <a:latin typeface="Lucida Console" panose="020B0609040504020204" pitchFamily="49" charset="0"/>
-              </a:rPr>
-              <a:t>(</a:t>
-            </a:r>
-            <a:r>
-              <a:rPr lang="pt-BR" sz="2600" b="0" i="0" dirty="0" err="1">
-                <a:solidFill>
-                  <a:srgbClr val="333333"/>
-                </a:solidFill>
-                <a:effectLst/>
-                <a:latin typeface="Lucida Console" panose="020B0609040504020204" pitchFamily="49" charset="0"/>
-              </a:rPr>
-              <a:t>x_pos</a:t>
-            </a:r>
-            <a:r>
-              <a:rPr lang="pt-BR" sz="2600" b="0" i="0" dirty="0">
-                <a:solidFill>
-                  <a:srgbClr val="333333"/>
-                </a:solidFill>
-                <a:effectLst/>
-                <a:latin typeface="Lucida Console" panose="020B0609040504020204" pitchFamily="49" charset="0"/>
-              </a:rPr>
-              <a:t>, </a:t>
-            </a:r>
-            <a:r>
-              <a:rPr lang="pt-BR" sz="2600" b="0" i="0" dirty="0" err="1">
-                <a:solidFill>
-                  <a:srgbClr val="333333"/>
-                </a:solidFill>
-                <a:effectLst/>
-                <a:latin typeface="Lucida Console" panose="020B0609040504020204" pitchFamily="49" charset="0"/>
-              </a:rPr>
-              <a:t>fi</a:t>
-            </a:r>
-            <a:r>
-              <a:rPr lang="pt-BR" sz="2600" b="0" i="0" dirty="0">
-                <a:solidFill>
-                  <a:srgbClr val="333333"/>
-                </a:solidFill>
-                <a:effectLst/>
-                <a:latin typeface="Lucida Console" panose="020B0609040504020204" pitchFamily="49" charset="0"/>
-              </a:rPr>
-              <a:t>, </a:t>
-            </a:r>
-            <a:r>
-              <a:rPr lang="pt-BR" sz="2600" b="0" i="0" dirty="0" err="1">
-                <a:solidFill>
-                  <a:srgbClr val="333333"/>
-                </a:solidFill>
-                <a:effectLst/>
-                <a:latin typeface="Lucida Console" panose="020B0609040504020204" pitchFamily="49" charset="0"/>
-              </a:rPr>
-              <a:t>align</a:t>
-            </a:r>
-            <a:r>
-              <a:rPr lang="pt-BR" sz="2600" b="0" i="0" dirty="0">
-                <a:solidFill>
-                  <a:srgbClr val="666666"/>
-                </a:solidFill>
-                <a:effectLst/>
-                <a:latin typeface="Lucida Console" panose="020B0609040504020204" pitchFamily="49" charset="0"/>
-              </a:rPr>
-              <a:t>=</a:t>
-            </a:r>
-            <a:r>
-              <a:rPr lang="pt-BR" sz="2600" b="0" i="0" dirty="0">
-                <a:solidFill>
-                  <a:srgbClr val="BA2121"/>
-                </a:solidFill>
-                <a:effectLst/>
-                <a:latin typeface="Lucida Console" panose="020B0609040504020204" pitchFamily="49" charset="0"/>
-              </a:rPr>
-              <a:t>'center'</a:t>
-            </a:r>
-            <a:r>
-              <a:rPr lang="pt-BR" sz="2600" b="0" i="0" dirty="0">
-                <a:solidFill>
-                  <a:srgbClr val="333333"/>
-                </a:solidFill>
-                <a:effectLst/>
-                <a:latin typeface="Lucida Console" panose="020B0609040504020204" pitchFamily="49" charset="0"/>
-              </a:rPr>
-              <a:t>)</a:t>
-            </a:r>
+            <a:endParaRPr lang="en-US" sz="2600" dirty="0"/>
+          </a:p>
+        </p:txBody>
+      </p:sp>
+      <p:sp>
+        <p:nvSpPr>
+          <p:cNvPr id="2" name="Retângulo 1"/>
+          <p:cNvSpPr/>
+          <p:nvPr/>
+        </p:nvSpPr>
+        <p:spPr>
+          <a:xfrm>
+            <a:off x="1104811" y="2899192"/>
+            <a:ext cx="9979975" cy="757130"/>
+          </a:xfrm>
+          <a:prstGeom prst="rect">
+            <a:avLst/>
+          </a:prstGeom>
+        </p:spPr>
+        <p:txBody>
+          <a:bodyPr wrap="square">
+            <a:spAutoFit/>
+          </a:bodyPr>
+          <a:lstStyle/>
+          <a:p>
+            <a:pPr>
+              <a:lnSpc>
+                <a:spcPct val="90000"/>
+              </a:lnSpc>
+            </a:pPr>
+            <a:r>
+              <a:rPr lang="en-US" sz="2400" dirty="0">
+                <a:solidFill>
+                  <a:srgbClr val="000000"/>
+                </a:solidFill>
+                <a:latin typeface="Lucida console"/>
+              </a:rPr>
+              <a:t>['</a:t>
+            </a:r>
+            <a:r>
+              <a:rPr lang="en-US" sz="2400" dirty="0" err="1">
+                <a:solidFill>
+                  <a:srgbClr val="000000"/>
+                </a:solidFill>
+                <a:latin typeface="Lucida console"/>
+              </a:rPr>
+              <a:t>Pidgeotto</a:t>
+            </a:r>
+            <a:r>
+              <a:rPr lang="en-US" sz="2400" dirty="0">
+                <a:solidFill>
+                  <a:srgbClr val="000000"/>
+                </a:solidFill>
+                <a:latin typeface="Lucida console"/>
+              </a:rPr>
+              <a:t>' '</a:t>
+            </a:r>
+            <a:r>
+              <a:rPr lang="en-US" sz="2400" dirty="0" err="1">
+                <a:solidFill>
+                  <a:srgbClr val="000000"/>
+                </a:solidFill>
+                <a:latin typeface="Lucida console"/>
+              </a:rPr>
+              <a:t>Pidgey</a:t>
+            </a:r>
+            <a:r>
+              <a:rPr lang="en-US" sz="2400" dirty="0">
+                <a:solidFill>
+                  <a:srgbClr val="000000"/>
+                </a:solidFill>
+                <a:latin typeface="Lucida console"/>
+              </a:rPr>
+              <a:t>' '</a:t>
+            </a:r>
+            <a:r>
+              <a:rPr lang="en-US" sz="2400" dirty="0" err="1">
+                <a:solidFill>
+                  <a:srgbClr val="000000"/>
+                </a:solidFill>
+                <a:latin typeface="Lucida console"/>
+              </a:rPr>
+              <a:t>Poliwag</a:t>
+            </a:r>
+            <a:r>
+              <a:rPr lang="en-US" sz="2400" dirty="0">
+                <a:solidFill>
+                  <a:srgbClr val="000000"/>
+                </a:solidFill>
+                <a:latin typeface="Lucida console"/>
+              </a:rPr>
+              <a:t>' '</a:t>
+            </a:r>
+            <a:r>
+              <a:rPr lang="en-US" sz="2400" dirty="0" err="1">
+                <a:solidFill>
+                  <a:srgbClr val="000000"/>
+                </a:solidFill>
+                <a:latin typeface="Lucida console"/>
+              </a:rPr>
+              <a:t>Rapidash</a:t>
+            </a:r>
+            <a:r>
+              <a:rPr lang="en-US" sz="2400" dirty="0">
+                <a:solidFill>
+                  <a:srgbClr val="000000"/>
+                </a:solidFill>
+                <a:latin typeface="Lucida console"/>
+              </a:rPr>
+              <a:t>' '</a:t>
+            </a:r>
+            <a:r>
+              <a:rPr lang="en-US" sz="2400" dirty="0" err="1">
+                <a:solidFill>
+                  <a:srgbClr val="000000"/>
+                </a:solidFill>
+                <a:latin typeface="Lucida console"/>
+              </a:rPr>
+              <a:t>Rattata</a:t>
+            </a:r>
+            <a:r>
+              <a:rPr lang="en-US" sz="2400" dirty="0">
+                <a:solidFill>
+                  <a:srgbClr val="000000"/>
+                </a:solidFill>
+                <a:latin typeface="Lucida console"/>
+              </a:rPr>
+              <a:t>' '</a:t>
+            </a:r>
+            <a:r>
+              <a:rPr lang="en-US" sz="2400" dirty="0" err="1">
+                <a:solidFill>
+                  <a:srgbClr val="000000"/>
+                </a:solidFill>
+                <a:latin typeface="Lucida console"/>
+              </a:rPr>
+              <a:t>Sandshrew</a:t>
+            </a:r>
+            <a:r>
+              <a:rPr lang="en-US" sz="2400" dirty="0">
+                <a:solidFill>
+                  <a:srgbClr val="000000"/>
+                </a:solidFill>
+                <a:latin typeface="Lucida console"/>
+              </a:rPr>
+              <a:t>']</a:t>
+            </a:r>
+            <a:endParaRPr lang="en-US" sz="2400" dirty="0"/>
+          </a:p>
+        </p:txBody>
+      </p:sp>
+      <p:sp>
+        <p:nvSpPr>
+          <p:cNvPr id="6" name="Retângulo 5"/>
+          <p:cNvSpPr/>
+          <p:nvPr/>
+        </p:nvSpPr>
+        <p:spPr>
+          <a:xfrm>
+            <a:off x="1104811" y="3914856"/>
+            <a:ext cx="9979975" cy="812530"/>
+          </a:xfrm>
+          <a:prstGeom prst="rect">
+            <a:avLst/>
+          </a:prstGeom>
+          <a:solidFill>
+            <a:schemeClr val="bg2"/>
+          </a:solidFill>
+          <a:ln cap="rnd">
+            <a:solidFill>
+              <a:schemeClr val="bg1">
+                <a:lumMod val="75000"/>
+              </a:schemeClr>
+            </a:solidFill>
+            <a:round/>
+          </a:ln>
+        </p:spPr>
+        <p:txBody>
+          <a:bodyPr wrap="square">
+            <a:spAutoFit/>
+          </a:bodyPr>
+          <a:lstStyle/>
+          <a:p>
+            <a:pPr>
+              <a:lnSpc>
+                <a:spcPct val="90000"/>
+              </a:lnSpc>
+            </a:pPr>
+            <a:r>
+              <a:rPr lang="en-US" sz="2600" dirty="0">
+                <a:solidFill>
+                  <a:srgbClr val="000000"/>
+                </a:solidFill>
+                <a:latin typeface="Lucida console"/>
+              </a:rPr>
+              <a:t>fi = </a:t>
+            </a:r>
+            <a:r>
+              <a:rPr lang="en-US" sz="2600" dirty="0" err="1">
+                <a:solidFill>
+                  <a:srgbClr val="000000"/>
+                </a:solidFill>
+                <a:latin typeface="Lucida console"/>
+              </a:rPr>
+              <a:t>frequencias</a:t>
+            </a:r>
+            <a:r>
+              <a:rPr lang="en-US" sz="2600" dirty="0">
+                <a:solidFill>
+                  <a:srgbClr val="000000"/>
+                </a:solidFill>
+                <a:latin typeface="Lucida console"/>
+              </a:rPr>
+              <a:t>[:, 1]</a:t>
+            </a:r>
+            <a:endParaRPr lang="en-US" sz="2600" dirty="0"/>
+          </a:p>
+          <a:p>
+            <a:pPr>
+              <a:lnSpc>
+                <a:spcPct val="90000"/>
+              </a:lnSpc>
+            </a:pPr>
+            <a:r>
+              <a:rPr lang="en-US" sz="2600" dirty="0">
+                <a:solidFill>
+                  <a:srgbClr val="548235"/>
+                </a:solidFill>
+                <a:latin typeface="Lucida console"/>
+              </a:rPr>
+              <a:t>print</a:t>
+            </a:r>
+            <a:r>
+              <a:rPr lang="en-US" sz="2600" dirty="0">
+                <a:solidFill>
+                  <a:srgbClr val="000000"/>
+                </a:solidFill>
+                <a:latin typeface="Lucida console"/>
+              </a:rPr>
+              <a:t>(fi)</a:t>
+            </a:r>
+            <a:endParaRPr lang="en-US" sz="2600" dirty="0"/>
+          </a:p>
+        </p:txBody>
+      </p:sp>
+      <p:sp>
+        <p:nvSpPr>
+          <p:cNvPr id="3" name="Retângulo 2"/>
+          <p:cNvSpPr/>
+          <p:nvPr/>
+        </p:nvSpPr>
+        <p:spPr>
+          <a:xfrm>
+            <a:off x="1104811" y="4913695"/>
+            <a:ext cx="2601994" cy="424732"/>
+          </a:xfrm>
+          <a:prstGeom prst="rect">
+            <a:avLst/>
+          </a:prstGeom>
+        </p:spPr>
+        <p:txBody>
+          <a:bodyPr wrap="none">
+            <a:spAutoFit/>
+          </a:bodyPr>
+          <a:lstStyle/>
+          <a:p>
+            <a:pPr>
+              <a:lnSpc>
+                <a:spcPct val="90000"/>
+              </a:lnSpc>
+            </a:pPr>
+            <a:r>
+              <a:rPr lang="en-US" sz="2400" dirty="0">
+                <a:solidFill>
+                  <a:srgbClr val="000000"/>
+                </a:solidFill>
+                <a:latin typeface="Lucida console"/>
+              </a:rPr>
+              <a:t>[1 5 1 1 2 2]</a:t>
+            </a:r>
+            <a:endParaRPr lang="en-US" sz="2400" dirty="0"/>
           </a:p>
         </p:txBody>
       </p:sp>
@@ -13233,42 +13207,400 @@
           </a:p>
         </p:txBody>
       </p:sp>
-      <p:pic>
-        <p:nvPicPr>
-          <p:cNvPr id="2" name="Imagem 1"/>
-          <p:cNvPicPr>
-            <a:picLocks noChangeAspect="1"/>
-          </p:cNvPicPr>
+      <p:sp>
+        <p:nvSpPr>
+          <p:cNvPr id="3" name="Retângulo 2"/>
+          <p:cNvSpPr/>
           <p:nvPr/>
-        </p:nvPicPr>
-        <p:blipFill>
-          <a:blip r:embed="rId2">
-            <a:extLst>
-              <a:ext uri="{28A0092B-C50C-407E-A947-70E740481C1C}">
-                <a14:useLocalDpi xmlns:a14="http://schemas.microsoft.com/office/drawing/2010/main" val="0"/>
-              </a:ext>
-            </a:extLst>
-          </a:blip>
-          <a:stretch>
-            <a:fillRect/>
-          </a:stretch>
-        </p:blipFill>
+        </p:nvSpPr>
         <p:spPr>
           <a:xfrm>
-            <a:off x="2329542" y="1365068"/>
-            <a:ext cx="7023463" cy="5267597"/>
+            <a:off x="838080" y="1688399"/>
+            <a:ext cx="9979975" cy="2492990"/>
           </a:xfrm>
           <a:prstGeom prst="rect">
             <a:avLst/>
           </a:prstGeom>
+          <a:solidFill>
+            <a:schemeClr val="bg2"/>
+          </a:solidFill>
+          <a:ln cap="rnd">
+            <a:solidFill>
+              <a:schemeClr val="bg1">
+                <a:lumMod val="75000"/>
+              </a:schemeClr>
+            </a:solidFill>
+            <a:round/>
+          </a:ln>
         </p:spPr>
-      </p:pic>
+        <p:txBody>
+          <a:bodyPr wrap="square">
+            <a:spAutoFit/>
+          </a:bodyPr>
+          <a:lstStyle/>
+          <a:p>
+            <a:r>
+              <a:rPr lang="pt-BR" sz="2600" b="0" i="0" dirty="0">
+                <a:solidFill>
+                  <a:srgbClr val="666666"/>
+                </a:solidFill>
+                <a:effectLst/>
+                <a:latin typeface="Lucida Console" panose="020B0609040504020204" pitchFamily="49" charset="0"/>
+              </a:rPr>
+              <a:t>%</a:t>
+            </a:r>
+            <a:r>
+              <a:rPr lang="pt-BR" sz="2600" b="1" i="0" dirty="0">
+                <a:solidFill>
+                  <a:srgbClr val="008000"/>
+                </a:solidFill>
+                <a:effectLst/>
+                <a:latin typeface="Lucida Console" panose="020B0609040504020204" pitchFamily="49" charset="0"/>
+              </a:rPr>
+              <a:t>matplotlib</a:t>
+            </a:r>
+            <a:r>
+              <a:rPr lang="pt-BR" sz="2600" b="0" i="0" dirty="0">
+                <a:solidFill>
+                  <a:srgbClr val="333333"/>
+                </a:solidFill>
+                <a:effectLst/>
+                <a:latin typeface="Lucida Console" panose="020B0609040504020204" pitchFamily="49" charset="0"/>
+              </a:rPr>
+              <a:t> notebook</a:t>
+            </a:r>
+          </a:p>
+          <a:p>
+            <a:r>
+              <a:rPr lang="pt-BR" sz="2600" b="1" i="0" dirty="0">
+                <a:solidFill>
+                  <a:srgbClr val="008000"/>
+                </a:solidFill>
+                <a:effectLst/>
+                <a:latin typeface="Lucida Console" panose="020B0609040504020204" pitchFamily="49" charset="0"/>
+              </a:rPr>
+              <a:t>import</a:t>
+            </a:r>
+            <a:r>
+              <a:rPr lang="pt-BR" sz="2600" b="0" i="0" dirty="0">
+                <a:solidFill>
+                  <a:srgbClr val="333333"/>
+                </a:solidFill>
+                <a:effectLst/>
+                <a:latin typeface="Lucida Console" panose="020B0609040504020204" pitchFamily="49" charset="0"/>
+              </a:rPr>
+              <a:t> </a:t>
+            </a:r>
+            <a:r>
+              <a:rPr lang="pt-BR" sz="2600" b="1" i="0" dirty="0">
+                <a:solidFill>
+                  <a:srgbClr val="0000FF"/>
+                </a:solidFill>
+                <a:effectLst/>
+                <a:latin typeface="Lucida Console" panose="020B0609040504020204" pitchFamily="49" charset="0"/>
+              </a:rPr>
+              <a:t>matplotlib.pyplot</a:t>
+            </a:r>
+            <a:r>
+              <a:rPr lang="pt-BR" sz="2600" b="0" i="0" dirty="0">
+                <a:solidFill>
+                  <a:srgbClr val="333333"/>
+                </a:solidFill>
+                <a:effectLst/>
+                <a:latin typeface="Lucida Console" panose="020B0609040504020204" pitchFamily="49" charset="0"/>
+              </a:rPr>
+              <a:t> </a:t>
+            </a:r>
+            <a:r>
+              <a:rPr lang="pt-BR" sz="2600" b="1" i="0" dirty="0">
+                <a:solidFill>
+                  <a:srgbClr val="008000"/>
+                </a:solidFill>
+                <a:effectLst/>
+                <a:latin typeface="Lucida Console" panose="020B0609040504020204" pitchFamily="49" charset="0"/>
+              </a:rPr>
+              <a:t>as</a:t>
+            </a:r>
+            <a:r>
+              <a:rPr lang="pt-BR" sz="2600" b="0" i="0" dirty="0">
+                <a:solidFill>
+                  <a:srgbClr val="333333"/>
+                </a:solidFill>
+                <a:effectLst/>
+                <a:latin typeface="Lucida Console" panose="020B0609040504020204" pitchFamily="49" charset="0"/>
+              </a:rPr>
+              <a:t> </a:t>
+            </a:r>
+            <a:r>
+              <a:rPr lang="pt-BR" sz="2600" b="1" i="0" dirty="0" err="1">
+                <a:solidFill>
+                  <a:srgbClr val="0000FF"/>
+                </a:solidFill>
+                <a:effectLst/>
+                <a:latin typeface="Lucida Console" panose="020B0609040504020204" pitchFamily="49" charset="0"/>
+              </a:rPr>
+              <a:t>plt</a:t>
+            </a:r>
+            <a:endParaRPr lang="pt-BR" sz="2600" b="1" i="0" dirty="0">
+              <a:solidFill>
+                <a:srgbClr val="0000FF"/>
+              </a:solidFill>
+              <a:effectLst/>
+              <a:latin typeface="Lucida Console" panose="020B0609040504020204" pitchFamily="49" charset="0"/>
+            </a:endParaRPr>
+          </a:p>
+          <a:p>
+            <a:endParaRPr lang="pt-BR" sz="2600" dirty="0">
+              <a:solidFill>
+                <a:srgbClr val="333333"/>
+              </a:solidFill>
+              <a:latin typeface="Lucida Console" panose="020B0609040504020204" pitchFamily="49" charset="0"/>
+            </a:endParaRPr>
+          </a:p>
+          <a:p>
+            <a:r>
+              <a:rPr lang="pt-BR" sz="2600" b="0" i="0" dirty="0">
+                <a:solidFill>
+                  <a:srgbClr val="333333"/>
+                </a:solidFill>
+                <a:effectLst/>
+                <a:latin typeface="Lucida Console" panose="020B0609040504020204" pitchFamily="49" charset="0"/>
+              </a:rPr>
+              <a:t>tamanho = </a:t>
+            </a:r>
+            <a:r>
+              <a:rPr lang="pt-BR" sz="2600" dirty="0" err="1">
+                <a:solidFill>
+                  <a:srgbClr val="008000"/>
+                </a:solidFill>
+                <a:latin typeface="Lucida Console" panose="020B0609040504020204" pitchFamily="49" charset="0"/>
+              </a:rPr>
+              <a:t>len</a:t>
+            </a:r>
+            <a:r>
+              <a:rPr lang="pt-BR" sz="2600" dirty="0">
+                <a:solidFill>
+                  <a:srgbClr val="333333"/>
+                </a:solidFill>
+                <a:latin typeface="Lucida Console" panose="020B0609040504020204" pitchFamily="49" charset="0"/>
+              </a:rPr>
+              <a:t>(xi)</a:t>
+            </a:r>
+            <a:endParaRPr lang="pt-BR" sz="2600" b="0" i="0" dirty="0">
+              <a:solidFill>
+                <a:srgbClr val="333333"/>
+              </a:solidFill>
+              <a:effectLst/>
+              <a:latin typeface="Lucida Console" panose="020B0609040504020204" pitchFamily="49" charset="0"/>
+            </a:endParaRPr>
+          </a:p>
+          <a:p>
+            <a:r>
+              <a:rPr lang="pt-BR" sz="2600" b="0" i="0" dirty="0" err="1">
+                <a:solidFill>
+                  <a:srgbClr val="333333"/>
+                </a:solidFill>
+                <a:effectLst/>
+                <a:latin typeface="Lucida Console" panose="020B0609040504020204" pitchFamily="49" charset="0"/>
+              </a:rPr>
+              <a:t>x_pos</a:t>
+            </a:r>
+            <a:r>
+              <a:rPr lang="pt-BR" sz="2600" b="0" i="0" dirty="0">
+                <a:solidFill>
+                  <a:srgbClr val="333333"/>
+                </a:solidFill>
+                <a:effectLst/>
+                <a:latin typeface="Lucida Console" panose="020B0609040504020204" pitchFamily="49" charset="0"/>
+              </a:rPr>
+              <a:t> </a:t>
+            </a:r>
+            <a:r>
+              <a:rPr lang="pt-BR" sz="2600" b="0" i="0" dirty="0">
+                <a:solidFill>
+                  <a:srgbClr val="666666"/>
+                </a:solidFill>
+                <a:effectLst/>
+                <a:latin typeface="Lucida Console" panose="020B0609040504020204" pitchFamily="49" charset="0"/>
+              </a:rPr>
+              <a:t>=</a:t>
+            </a:r>
+            <a:r>
+              <a:rPr lang="pt-BR" sz="2600" b="0" i="0" dirty="0">
+                <a:solidFill>
+                  <a:srgbClr val="333333"/>
+                </a:solidFill>
+                <a:effectLst/>
+                <a:latin typeface="Lucida Console" panose="020B0609040504020204" pitchFamily="49" charset="0"/>
+              </a:rPr>
+              <a:t> </a:t>
+            </a:r>
+            <a:r>
+              <a:rPr lang="pt-BR" sz="2600" b="0" i="0" dirty="0" err="1">
+                <a:solidFill>
+                  <a:srgbClr val="333333"/>
+                </a:solidFill>
+                <a:effectLst/>
+                <a:latin typeface="Lucida Console" panose="020B0609040504020204" pitchFamily="49" charset="0"/>
+              </a:rPr>
+              <a:t>np</a:t>
+            </a:r>
+            <a:r>
+              <a:rPr lang="pt-BR" sz="2600" b="0" i="0" dirty="0" err="1">
+                <a:solidFill>
+                  <a:srgbClr val="666666"/>
+                </a:solidFill>
+                <a:effectLst/>
+                <a:latin typeface="Lucida Console" panose="020B0609040504020204" pitchFamily="49" charset="0"/>
+              </a:rPr>
+              <a:t>.</a:t>
+            </a:r>
+            <a:r>
+              <a:rPr lang="pt-BR" sz="2600" b="0" i="0" dirty="0" err="1">
+                <a:solidFill>
+                  <a:srgbClr val="333333"/>
+                </a:solidFill>
+                <a:effectLst/>
+                <a:latin typeface="Lucida Console" panose="020B0609040504020204" pitchFamily="49" charset="0"/>
+              </a:rPr>
+              <a:t>arange</a:t>
+            </a:r>
+            <a:r>
+              <a:rPr lang="pt-BR" sz="2600" b="0" i="0" dirty="0">
+                <a:solidFill>
+                  <a:srgbClr val="333333"/>
+                </a:solidFill>
+                <a:effectLst/>
+                <a:latin typeface="Lucida Console" panose="020B0609040504020204" pitchFamily="49" charset="0"/>
+              </a:rPr>
+              <a:t>(tamanho)</a:t>
+            </a:r>
+          </a:p>
+          <a:p>
+            <a:r>
+              <a:rPr lang="pt-BR" sz="2600" b="0" i="0" dirty="0" err="1">
+                <a:solidFill>
+                  <a:srgbClr val="333333"/>
+                </a:solidFill>
+                <a:effectLst/>
+                <a:latin typeface="Lucida Console" panose="020B0609040504020204" pitchFamily="49" charset="0"/>
+              </a:rPr>
+              <a:t>plt</a:t>
+            </a:r>
+            <a:r>
+              <a:rPr lang="pt-BR" sz="2600" b="0" i="0" dirty="0" err="1">
+                <a:solidFill>
+                  <a:srgbClr val="666666"/>
+                </a:solidFill>
+                <a:effectLst/>
+                <a:latin typeface="Lucida Console" panose="020B0609040504020204" pitchFamily="49" charset="0"/>
+              </a:rPr>
+              <a:t>.</a:t>
+            </a:r>
+            <a:r>
+              <a:rPr lang="pt-BR" sz="2600" b="0" i="0" dirty="0" err="1">
+                <a:solidFill>
+                  <a:srgbClr val="333333"/>
+                </a:solidFill>
+                <a:effectLst/>
+                <a:latin typeface="Lucida Console" panose="020B0609040504020204" pitchFamily="49" charset="0"/>
+              </a:rPr>
+              <a:t>bar</a:t>
+            </a:r>
+            <a:r>
+              <a:rPr lang="pt-BR" sz="2600" b="0" i="0" dirty="0">
+                <a:solidFill>
+                  <a:srgbClr val="333333"/>
+                </a:solidFill>
+                <a:effectLst/>
+                <a:latin typeface="Lucida Console" panose="020B0609040504020204" pitchFamily="49" charset="0"/>
+              </a:rPr>
+              <a:t>(</a:t>
+            </a:r>
+            <a:r>
+              <a:rPr lang="pt-BR" sz="2600" b="0" i="0" dirty="0" err="1">
+                <a:solidFill>
+                  <a:srgbClr val="333333"/>
+                </a:solidFill>
+                <a:effectLst/>
+                <a:latin typeface="Lucida Console" panose="020B0609040504020204" pitchFamily="49" charset="0"/>
+              </a:rPr>
+              <a:t>x_pos</a:t>
+            </a:r>
+            <a:r>
+              <a:rPr lang="pt-BR" sz="2600" b="0" i="0" dirty="0">
+                <a:solidFill>
+                  <a:srgbClr val="333333"/>
+                </a:solidFill>
+                <a:effectLst/>
+                <a:latin typeface="Lucida Console" panose="020B0609040504020204" pitchFamily="49" charset="0"/>
+              </a:rPr>
+              <a:t>, </a:t>
+            </a:r>
+            <a:r>
+              <a:rPr lang="pt-BR" sz="2600" b="0" i="0" dirty="0" err="1">
+                <a:solidFill>
+                  <a:srgbClr val="333333"/>
+                </a:solidFill>
+                <a:effectLst/>
+                <a:latin typeface="Lucida Console" panose="020B0609040504020204" pitchFamily="49" charset="0"/>
+              </a:rPr>
+              <a:t>fi</a:t>
+            </a:r>
+            <a:r>
+              <a:rPr lang="pt-BR" sz="2600" b="0" i="0" dirty="0">
+                <a:solidFill>
+                  <a:srgbClr val="333333"/>
+                </a:solidFill>
+                <a:effectLst/>
+                <a:latin typeface="Lucida Console" panose="020B0609040504020204" pitchFamily="49" charset="0"/>
+              </a:rPr>
+              <a:t>, </a:t>
+            </a:r>
+            <a:r>
+              <a:rPr lang="pt-BR" sz="2600" b="0" i="0" dirty="0" err="1">
+                <a:solidFill>
+                  <a:srgbClr val="333333"/>
+                </a:solidFill>
+                <a:effectLst/>
+                <a:latin typeface="Lucida Console" panose="020B0609040504020204" pitchFamily="49" charset="0"/>
+              </a:rPr>
+              <a:t>align</a:t>
+            </a:r>
+            <a:r>
+              <a:rPr lang="pt-BR" sz="2600" b="0" i="0" dirty="0">
+                <a:solidFill>
+                  <a:srgbClr val="666666"/>
+                </a:solidFill>
+                <a:effectLst/>
+                <a:latin typeface="Lucida Console" panose="020B0609040504020204" pitchFamily="49" charset="0"/>
+              </a:rPr>
+              <a:t>=</a:t>
+            </a:r>
+            <a:r>
+              <a:rPr lang="pt-BR" sz="2600" b="0" i="0" dirty="0">
+                <a:solidFill>
+                  <a:srgbClr val="BA2121"/>
+                </a:solidFill>
+                <a:effectLst/>
+                <a:latin typeface="Lucida Console" panose="020B0609040504020204" pitchFamily="49" charset="0"/>
+              </a:rPr>
+              <a:t>'center'</a:t>
+            </a:r>
+            <a:r>
+              <a:rPr lang="pt-BR" sz="2600" b="0" i="0" dirty="0">
+                <a:solidFill>
+                  <a:srgbClr val="333333"/>
+                </a:solidFill>
+                <a:effectLst/>
+                <a:latin typeface="Lucida Console" panose="020B0609040504020204" pitchFamily="49" charset="0"/>
+              </a:rPr>
+              <a:t>)</a:t>
+            </a:r>
+          </a:p>
+        </p:txBody>
+      </p:sp>
     </p:spTree>
-    <p:extLst>
-      <p:ext uri="{BB962C8B-B14F-4D97-AF65-F5344CB8AC3E}">
-        <p14:creationId xmlns:p14="http://schemas.microsoft.com/office/powerpoint/2010/main" val="2743101261"/>
-      </p:ext>
-    </p:extLst>
   </p:cSld>
   <p:clrMapOvr>
     <a:masterClrMapping/>
@@ -13370,120 +13702,6 @@
           </a:p>
         </p:txBody>
       </p:sp>
-      <p:sp>
-        <p:nvSpPr>
-          <p:cNvPr id="3" name="Retângulo 2"/>
-          <p:cNvSpPr/>
-          <p:nvPr/>
-        </p:nvSpPr>
-        <p:spPr>
-          <a:xfrm>
-            <a:off x="838080" y="1688399"/>
-            <a:ext cx="9979975" cy="492443"/>
-          </a:xfrm>
-          <a:prstGeom prst="rect">
-            <a:avLst/>
-          </a:prstGeom>
-          <a:solidFill>
-            <a:schemeClr val="bg2"/>
-          </a:solidFill>
-          <a:ln cap="rnd">
-            <a:solidFill>
-              <a:schemeClr val="bg1">
-                <a:lumMod val="75000"/>
-              </a:schemeClr>
-            </a:solidFill>
-            <a:round/>
-          </a:ln>
-        </p:spPr>
-        <p:txBody>
-          <a:bodyPr wrap="square">
-            <a:spAutoFit/>
-          </a:bodyPr>
-          <a:lstStyle/>
-          <a:p>
-            <a:r>
-              <a:rPr lang="pt-BR" sz="2600" b="0" i="0" dirty="0" err="1">
-                <a:solidFill>
-                  <a:srgbClr val="333333"/>
-                </a:solidFill>
-                <a:effectLst/>
-                <a:latin typeface="Lucida Console" panose="020B0609040504020204" pitchFamily="49" charset="0"/>
-              </a:rPr>
-              <a:t>plt</a:t>
-            </a:r>
-            <a:r>
-              <a:rPr lang="pt-BR" sz="2600" b="0" i="0" dirty="0" err="1">
-                <a:solidFill>
-                  <a:srgbClr val="666666"/>
-                </a:solidFill>
-                <a:effectLst/>
-                <a:latin typeface="Lucida Console" panose="020B0609040504020204" pitchFamily="49" charset="0"/>
-              </a:rPr>
-              <a:t>.</a:t>
-            </a:r>
-            <a:r>
-              <a:rPr lang="pt-BR" sz="2600" dirty="0" err="1">
-                <a:solidFill>
-                  <a:srgbClr val="333333"/>
-                </a:solidFill>
-                <a:latin typeface="Lucida Console" panose="020B0609040504020204" pitchFamily="49" charset="0"/>
-              </a:rPr>
-              <a:t>xticks</a:t>
-            </a:r>
-            <a:r>
-              <a:rPr lang="pt-BR" sz="2600" b="0" i="0" dirty="0">
-                <a:solidFill>
-                  <a:srgbClr val="333333"/>
-                </a:solidFill>
-                <a:effectLst/>
-                <a:latin typeface="Lucida Console" panose="020B0609040504020204" pitchFamily="49" charset="0"/>
-              </a:rPr>
-              <a:t>(</a:t>
-            </a:r>
-            <a:r>
-              <a:rPr lang="pt-BR" sz="2600" b="0" i="0" dirty="0" err="1">
-                <a:solidFill>
-                  <a:srgbClr val="333333"/>
-                </a:solidFill>
-                <a:effectLst/>
-                <a:latin typeface="Lucida Console" panose="020B0609040504020204" pitchFamily="49" charset="0"/>
-              </a:rPr>
-              <a:t>np.arange</a:t>
-            </a:r>
-            <a:r>
-              <a:rPr lang="pt-BR" sz="2600" b="0" i="0" dirty="0">
-                <a:solidFill>
-                  <a:srgbClr val="333333"/>
-                </a:solidFill>
-                <a:effectLst/>
-                <a:latin typeface="Lucida Console" panose="020B0609040504020204" pitchFamily="49" charset="0"/>
-              </a:rPr>
-              <a:t>(</a:t>
-            </a:r>
-            <a:r>
-              <a:rPr lang="pt-BR" sz="2600" b="0" i="0" dirty="0" err="1">
-                <a:solidFill>
-                  <a:srgbClr val="333333"/>
-                </a:solidFill>
-                <a:effectLst/>
-                <a:latin typeface="Lucida Console" panose="020B0609040504020204" pitchFamily="49" charset="0"/>
-              </a:rPr>
-              <a:t>size</a:t>
-            </a:r>
-            <a:r>
-              <a:rPr lang="pt-BR" sz="2600" b="0" i="0" dirty="0">
-                <a:solidFill>
-                  <a:srgbClr val="333333"/>
-                </a:solidFill>
-                <a:effectLst/>
-                <a:latin typeface="Lucida Console" panose="020B0609040504020204" pitchFamily="49" charset="0"/>
-              </a:rPr>
-              <a:t>), xi)</a:t>
-            </a:r>
-          </a:p>
-        </p:txBody>
-      </p:sp>
       <p:pic>
         <p:nvPicPr>
           <p:cNvPr id="2" name="Imagem 1"/>
@@ -13506,8 +13724,8 @@
         </p:blipFill>
         <p:spPr>
           <a:xfrm>
-            <a:off x="2238103" y="1962694"/>
-            <a:ext cx="6527074" cy="4895306"/>
+            <a:off x="2329542" y="1365068"/>
+            <a:ext cx="7023463" cy="5267597"/>
           </a:xfrm>
           <a:prstGeom prst="rect">
             <a:avLst/>
@@ -13517,7 +13735,7 @@
     </p:spTree>
     <p:extLst>
       <p:ext uri="{BB962C8B-B14F-4D97-AF65-F5344CB8AC3E}">
-        <p14:creationId xmlns:p14="http://schemas.microsoft.com/office/powerpoint/2010/main" val="2771502643"/>
+        <p14:creationId xmlns:p14="http://schemas.microsoft.com/office/powerpoint/2010/main" val="2743101261"/>
       </p:ext>
     </p:extLst>
   </p:cSld>
@@ -13643,16 +13861,25 @@
               <a:buChar char="•"/>
             </a:pPr>
             <a:r>
-              <a:rPr lang="en-US" sz="2800" dirty="0" err="1">
+              <a:rPr lang="en-US" sz="3200" dirty="0">
                 <a:solidFill>
                   <a:srgbClr val="000000"/>
                 </a:solidFill>
                 <a:latin typeface="Calibri"/>
               </a:rPr>
+              <a:t> </a:t>
+            </a:r>
+            <a:r>
+              <a:rPr lang="en-US" sz="3200" dirty="0" err="1">
+                <a:solidFill>
+                  <a:srgbClr val="000000"/>
+                </a:solidFill>
+                <a:latin typeface="Calibri"/>
+              </a:rPr>
               <a:t>Diversas</a:t>
             </a:r>
             <a:r>
-              <a:rPr lang="en-US" sz="2800" dirty="0">
+              <a:rPr lang="en-US" sz="3200" dirty="0">
                 <a:solidFill>
                   <a:srgbClr val="000000"/>
                 </a:solidFill>
@@ -13661,7 +13888,7 @@
               <a:t> (e </a:t>
             </a:r>
             <a:r>
-              <a:rPr lang="en-US" sz="2800" dirty="0" err="1">
+              <a:rPr lang="en-US" sz="3200" dirty="0" err="1">
                 <a:solidFill>
                   <a:srgbClr val="000000"/>
                 </a:solidFill>
@@ -13670,7 +13897,7 @@
               <a:t>poderosas</a:t>
             </a:r>
             <a:r>
-              <a:rPr lang="en-US" sz="2800" dirty="0">
+              <a:rPr lang="en-US" sz="3200" dirty="0">
                 <a:solidFill>
                   <a:srgbClr val="000000"/>
                 </a:solidFill>
@@ -13679,7 +13906,7 @@
               <a:t>!) </a:t>
             </a:r>
             <a:r>
-              <a:rPr lang="en-US" sz="2800" dirty="0" err="1">
+              <a:rPr lang="en-US" sz="3200" dirty="0" err="1">
                 <a:solidFill>
                   <a:srgbClr val="000000"/>
                 </a:solidFill>
@@ -13688,7 +13915,7 @@
               <a:t>bibliotecas</a:t>
             </a:r>
             <a:r>
-              <a:rPr lang="en-US" sz="2800" dirty="0">
+              <a:rPr lang="en-US" sz="3200" dirty="0">
                 <a:solidFill>
                   <a:srgbClr val="000000"/>
                 </a:solidFill>
@@ -13697,7 +13924,7 @@
               <a:t> </a:t>
             </a:r>
             <a:r>
-              <a:rPr lang="en-US" sz="2800" dirty="0" err="1">
+              <a:rPr lang="en-US" sz="3200" dirty="0" err="1">
                 <a:solidFill>
                   <a:srgbClr val="000000"/>
                 </a:solidFill>
@@ -13706,7 +13933,7 @@
               <a:t>voltadas</a:t>
             </a:r>
             <a:r>
-              <a:rPr lang="en-US" sz="2800" dirty="0">
+              <a:rPr lang="en-US" sz="3200" dirty="0">
                 <a:solidFill>
                   <a:srgbClr val="000000"/>
                 </a:solidFill>
@@ -13715,7 +13942,7 @@
               <a:t> para </a:t>
             </a:r>
             <a:r>
-              <a:rPr lang="en-US" sz="2800" dirty="0" err="1">
+              <a:rPr lang="en-US" sz="3200" dirty="0" err="1">
                 <a:solidFill>
                   <a:srgbClr val="000000"/>
                 </a:solidFill>
@@ -13724,7 +13951,7 @@
               <a:t>uso</a:t>
             </a:r>
             <a:r>
-              <a:rPr lang="en-US" sz="2800" dirty="0">
+              <a:rPr lang="en-US" sz="3200" dirty="0">
                 <a:solidFill>
                   <a:srgbClr val="000000"/>
                 </a:solidFill>
@@ -13733,7 +13960,7 @@
               <a:t> </a:t>
             </a:r>
             <a:r>
-              <a:rPr lang="en-US" sz="2800" dirty="0" err="1">
+              <a:rPr lang="en-US" sz="3200" dirty="0" err="1">
                 <a:solidFill>
                   <a:srgbClr val="000000"/>
                 </a:solidFill>
@@ -13741,7 +13968,7 @@
               </a:rPr>
               <a:t>científico</a:t>
             </a:r>
-            <a:endParaRPr lang="en-US" sz="2800" dirty="0">
+            <a:endParaRPr lang="en-US" sz="3200" dirty="0">
               <a:solidFill>
                 <a:srgbClr val="000000"/>
               </a:solidFill>
@@ -13756,7 +13983,7 @@
               <a:buFont typeface="Arial"/>
               <a:buChar char="•"/>
             </a:pPr>
-            <a:endParaRPr dirty="0"/>
+            <a:endParaRPr sz="2000" dirty="0"/>
           </a:p>
           <a:p>
             <a:pPr>
@@ -13764,7 +13991,7 @@
                 <a:spcPct val="90000"/>
               </a:lnSpc>
             </a:pPr>
-            <a:endParaRPr dirty="0"/>
+            <a:endParaRPr sz="2000" dirty="0"/>
           </a:p>
           <a:p>
             <a:pPr>
@@ -13775,13 +14002,13 @@
               <a:buChar char="•"/>
             </a:pPr>
             <a:r>
-              <a:rPr lang="en-US" sz="2800" dirty="0">
+              <a:rPr lang="en-US" sz="3200" dirty="0">
                 <a:solidFill>
                   <a:srgbClr val="000000"/>
                 </a:solidFill>
                 <a:latin typeface="Calibri"/>
               </a:rPr>
-              <a:t>Open source</a:t>
+              <a:t> Open source</a:t>
             </a:r>
           </a:p>
           <a:p>
@@ -13792,7 +14019,7 @@
               <a:buFont typeface="Arial"/>
               <a:buChar char="•"/>
             </a:pPr>
-            <a:endParaRPr dirty="0"/>
+            <a:endParaRPr sz="2000" dirty="0"/>
           </a:p>
           <a:p>
             <a:pPr>
@@ -13800,7 +14027,7 @@
                 <a:spcPct val="90000"/>
               </a:lnSpc>
             </a:pPr>
-            <a:endParaRPr dirty="0"/>
+            <a:endParaRPr sz="2000" dirty="0"/>
           </a:p>
           <a:p>
             <a:pPr>
@@ -13811,16 +14038,25 @@
               <a:buChar char="•"/>
             </a:pPr>
             <a:r>
-              <a:rPr lang="en-US" sz="2800" dirty="0" err="1">
+              <a:rPr lang="en-US" sz="3200" dirty="0">
                 <a:solidFill>
                   <a:srgbClr val="000000"/>
                 </a:solidFill>
                 <a:latin typeface="Calibri"/>
               </a:rPr>
+              <a:t> </a:t>
+            </a:r>
+            <a:r>
+              <a:rPr lang="en-US" sz="3200" dirty="0" err="1">
+                <a:solidFill>
+                  <a:srgbClr val="000000"/>
+                </a:solidFill>
+                <a:latin typeface="Calibri"/>
+              </a:rPr>
               <a:t>Comunidade</a:t>
             </a:r>
             <a:r>
-              <a:rPr lang="en-US" sz="2800" dirty="0">
+              <a:rPr lang="en-US" sz="3200" dirty="0">
                 <a:solidFill>
                   <a:srgbClr val="000000"/>
                 </a:solidFill>
@@ -13829,7 +14065,7 @@
               <a:t> </a:t>
             </a:r>
             <a:r>
-              <a:rPr lang="en-US" sz="2800" dirty="0" err="1">
+              <a:rPr lang="en-US" sz="3200" dirty="0" err="1">
                 <a:solidFill>
                   <a:srgbClr val="000000"/>
                 </a:solidFill>
@@ -13838,7 +14074,7 @@
               <a:t>extremamente</a:t>
             </a:r>
             <a:r>
-              <a:rPr lang="en-US" sz="2800" dirty="0">
+              <a:rPr lang="en-US" sz="3200" dirty="0">
                 <a:solidFill>
                   <a:srgbClr val="000000"/>
                 </a:solidFill>
@@ -13847,7 +14083,7 @@
               <a:t> </a:t>
             </a:r>
             <a:r>
-              <a:rPr lang="en-US" sz="2800" dirty="0" err="1">
+              <a:rPr lang="en-US" sz="3200" dirty="0" err="1">
                 <a:solidFill>
                   <a:srgbClr val="000000"/>
                 </a:solidFill>
@@ -13855,7 +14091,7 @@
               </a:rPr>
               <a:t>ativa</a:t>
             </a:r>
-            <a:endParaRPr lang="en-US" sz="2800" dirty="0">
+            <a:endParaRPr lang="en-US" sz="3200" dirty="0">
               <a:solidFill>
                 <a:srgbClr val="000000"/>
               </a:solidFill>
@@ -13870,7 +14106,7 @@
               <a:buFont typeface="Arial"/>
               <a:buChar char="•"/>
             </a:pPr>
-            <a:endParaRPr dirty="0"/>
+            <a:endParaRPr sz="2000" dirty="0"/>
           </a:p>
           <a:p>
             <a:pPr>
@@ -13878,7 +14114,7 @@
                 <a:spcPct val="90000"/>
               </a:lnSpc>
             </a:pPr>
-            <a:endParaRPr dirty="0"/>
+            <a:endParaRPr sz="2000" dirty="0"/>
           </a:p>
           <a:p>
             <a:pPr>
@@ -13889,16 +14125,25 @@
               <a:buChar char="•"/>
             </a:pPr>
             <a:r>
-              <a:rPr lang="en-US" sz="2800" dirty="0" err="1">
+              <a:rPr lang="en-US" sz="3200" dirty="0">
                 <a:solidFill>
                   <a:srgbClr val="000000"/>
                 </a:solidFill>
                 <a:latin typeface="Calibri"/>
               </a:rPr>
+              <a:t> </a:t>
+            </a:r>
+            <a:r>
+              <a:rPr lang="en-US" sz="3200" dirty="0" err="1">
+                <a:solidFill>
+                  <a:srgbClr val="000000"/>
+                </a:solidFill>
+                <a:latin typeface="Calibri"/>
+              </a:rPr>
               <a:t>Legibilidade</a:t>
             </a:r>
             <a:r>
-              <a:rPr lang="en-US" sz="2800" dirty="0">
+              <a:rPr lang="en-US" sz="3200" dirty="0">
                 <a:solidFill>
                   <a:srgbClr val="000000"/>
                 </a:solidFill>
@@ -13906,7 +14151,7 @@
               </a:rPr>
               <a:t> FTW!</a:t>
             </a:r>
-            <a:endParaRPr dirty="0"/>
+            <a:endParaRPr sz="2000" dirty="0"/>
           </a:p>
         </p:txBody>
       </p:sp>
@@ -13946,6 +14191,257 @@
 </file>
 
 <file path=ppt/slides/slide30.xml><?xml version="1.0" encoding="utf-8"?>
+<p:sld xmlns:a="http://schemas.openxmlformats.org/drawingml/2006/main" xmlns:r="http://schemas.openxmlformats.org/officeDocument/2006/relationships" xmlns:p="http://schemas.openxmlformats.org/presentationml/2006/main">
+  <p:cSld>
+    <p:spTree>
+      <p:nvGrpSpPr>
+        <p:cNvPr id="1" name=""/>
+        <p:cNvGrpSpPr/>
+        <p:nvPr/>
+      </p:nvGrpSpPr>
+      <p:grpSpPr>
+        <a:xfrm>
+          <a:off x="0" y="0"/>
+          <a:ext cx="0" cy="0"/>
+          <a:chOff x="0" y="0"/>
+          <a:chExt cx="0" cy="0"/>
+        </a:xfrm>
+      </p:grpSpPr>
+      <p:sp>
+        <p:nvSpPr>
+          <p:cNvPr id="124" name="CustomShape 1"/>
+          <p:cNvSpPr/>
+          <p:nvPr/>
+        </p:nvSpPr>
+        <p:spPr>
+          <a:xfrm>
+            <a:off x="838080" y="365040"/>
+            <a:ext cx="10513440" cy="1323360"/>
+          </a:xfrm>
+          <a:prstGeom prst="rect">
+            <a:avLst/>
+          </a:prstGeom>
+          <a:noFill/>
+          <a:ln>
+            <a:noFill/>
+          </a:ln>
+        </p:spPr>
+        <p:txBody>
+          <a:bodyPr lIns="90000" tIns="45000" rIns="90000" bIns="45000" anchor="ctr"/>
+          <a:lstStyle/>
+          <a:p>
+            <a:pPr>
+              <a:lnSpc>
+                <a:spcPct val="90000"/>
+              </a:lnSpc>
+            </a:pPr>
+            <a:r>
+              <a:rPr lang="en-US" sz="4400" dirty="0" err="1">
+                <a:solidFill>
+                  <a:srgbClr val="000000"/>
+                </a:solidFill>
+                <a:latin typeface="Calibri Light"/>
+              </a:rPr>
+              <a:t>Visualização</a:t>
+            </a:r>
+            <a:r>
+              <a:rPr lang="en-US" sz="4400" dirty="0">
+                <a:solidFill>
+                  <a:srgbClr val="000000"/>
+                </a:solidFill>
+                <a:latin typeface="Calibri Light"/>
+              </a:rPr>
+              <a:t> de dados</a:t>
+            </a:r>
+            <a:endParaRPr dirty="0"/>
+          </a:p>
+        </p:txBody>
+      </p:sp>
+      <p:sp>
+        <p:nvSpPr>
+          <p:cNvPr id="3" name="Retângulo 2"/>
+          <p:cNvSpPr/>
+          <p:nvPr/>
+        </p:nvSpPr>
+        <p:spPr>
+          <a:xfrm>
+            <a:off x="838080" y="1688399"/>
+            <a:ext cx="9979975" cy="492443"/>
+          </a:xfrm>
+          <a:prstGeom prst="rect">
+            <a:avLst/>
+          </a:prstGeom>
+          <a:solidFill>
+            <a:schemeClr val="bg2"/>
+          </a:solidFill>
+          <a:ln cap="rnd">
+            <a:solidFill>
+              <a:schemeClr val="bg1">
+                <a:lumMod val="75000"/>
+              </a:schemeClr>
+            </a:solidFill>
+            <a:round/>
+          </a:ln>
+        </p:spPr>
+        <p:txBody>
+          <a:bodyPr wrap="square">
+            <a:spAutoFit/>
+          </a:bodyPr>
+          <a:lstStyle/>
+          <a:p>
+            <a:r>
+              <a:rPr lang="pt-BR" sz="2600" b="0" i="0" dirty="0" err="1">
+                <a:solidFill>
+                  <a:srgbClr val="333333"/>
+                </a:solidFill>
+                <a:effectLst/>
+                <a:latin typeface="Lucida Console" panose="020B0609040504020204" pitchFamily="49" charset="0"/>
+              </a:rPr>
+              <a:t>plt</a:t>
+            </a:r>
+            <a:r>
+              <a:rPr lang="pt-BR" sz="2600" b="0" i="0" dirty="0" err="1">
+                <a:solidFill>
+                  <a:srgbClr val="666666"/>
+                </a:solidFill>
+                <a:effectLst/>
+                <a:latin typeface="Lucida Console" panose="020B0609040504020204" pitchFamily="49" charset="0"/>
+              </a:rPr>
+              <a:t>.</a:t>
+            </a:r>
+            <a:r>
+              <a:rPr lang="pt-BR" sz="2600" dirty="0" err="1">
+                <a:solidFill>
+                  <a:srgbClr val="333333"/>
+                </a:solidFill>
+                <a:latin typeface="Lucida Console" panose="020B0609040504020204" pitchFamily="49" charset="0"/>
+              </a:rPr>
+              <a:t>xticks</a:t>
+            </a:r>
+            <a:r>
+              <a:rPr lang="pt-BR" sz="2600" b="0" i="0" dirty="0">
+                <a:solidFill>
+                  <a:srgbClr val="333333"/>
+                </a:solidFill>
+                <a:effectLst/>
+                <a:latin typeface="Lucida Console" panose="020B0609040504020204" pitchFamily="49" charset="0"/>
+              </a:rPr>
+              <a:t>(</a:t>
+            </a:r>
+            <a:r>
+              <a:rPr lang="pt-BR" sz="2600" b="0" i="0" dirty="0" err="1">
+                <a:solidFill>
+                  <a:srgbClr val="333333"/>
+                </a:solidFill>
+                <a:effectLst/>
+                <a:latin typeface="Lucida Console" panose="020B0609040504020204" pitchFamily="49" charset="0"/>
+              </a:rPr>
+              <a:t>np.arange</a:t>
+            </a:r>
+            <a:r>
+              <a:rPr lang="pt-BR" sz="2600" b="0" i="0" dirty="0">
+                <a:solidFill>
+                  <a:srgbClr val="333333"/>
+                </a:solidFill>
+                <a:effectLst/>
+                <a:latin typeface="Lucida Console" panose="020B0609040504020204" pitchFamily="49" charset="0"/>
+              </a:rPr>
+              <a:t>(</a:t>
+            </a:r>
+            <a:r>
+              <a:rPr lang="pt-BR" sz="2600" b="0" i="0" dirty="0" err="1">
+                <a:solidFill>
+                  <a:srgbClr val="333333"/>
+                </a:solidFill>
+                <a:effectLst/>
+                <a:latin typeface="Lucida Console" panose="020B0609040504020204" pitchFamily="49" charset="0"/>
+              </a:rPr>
+              <a:t>size</a:t>
+            </a:r>
+            <a:r>
+              <a:rPr lang="pt-BR" sz="2600" b="0" i="0" dirty="0">
+                <a:solidFill>
+                  <a:srgbClr val="333333"/>
+                </a:solidFill>
+                <a:effectLst/>
+                <a:latin typeface="Lucida Console" panose="020B0609040504020204" pitchFamily="49" charset="0"/>
+              </a:rPr>
+              <a:t>), xi)</a:t>
+            </a:r>
+          </a:p>
+        </p:txBody>
+      </p:sp>
+      <p:pic>
+        <p:nvPicPr>
+          <p:cNvPr id="2" name="Imagem 1"/>
+          <p:cNvPicPr>
+            <a:picLocks noChangeAspect="1"/>
+          </p:cNvPicPr>
+          <p:nvPr/>
+        </p:nvPicPr>
+        <p:blipFill>
+          <a:blip r:embed="rId2">
+            <a:extLst>
+              <a:ext uri="{28A0092B-C50C-407E-A947-70E740481C1C}">
+                <a14:useLocalDpi xmlns:a14="http://schemas.microsoft.com/office/drawing/2010/main" val="0"/>
+              </a:ext>
+            </a:extLst>
+          </a:blip>
+          <a:stretch>
+            <a:fillRect/>
+          </a:stretch>
+        </p:blipFill>
+        <p:spPr>
+          <a:xfrm>
+            <a:off x="2238103" y="1962694"/>
+            <a:ext cx="6527074" cy="4895306"/>
+          </a:xfrm>
+          <a:prstGeom prst="rect">
+            <a:avLst/>
+          </a:prstGeom>
+        </p:spPr>
+      </p:pic>
+    </p:spTree>
+    <p:extLst>
+      <p:ext uri="{BB962C8B-B14F-4D97-AF65-F5344CB8AC3E}">
+        <p14:creationId xmlns:p14="http://schemas.microsoft.com/office/powerpoint/2010/main" val="2771502643"/>
+      </p:ext>
+    </p:extLst>
+  </p:cSld>
+  <p:clrMapOvr>
+    <a:masterClrMapping/>
+  </p:clrMapOvr>
+  <p:timing>
+    <p:tnLst>
+      <p:par>
+        <p:cTn id="1" dur="indefinite" restart="never" nodeType="tmRoot">
+          <p:childTnLst>
+            <p:seq>
+              <p:cTn id="2" nodeType="mainSeq"/>
+              <p:prevCondLst>
+                <p:cond evt="onPrev" delay="0">
+                  <p:tgtEl>
+                    <p:sldTgt/>
+                  </p:tgtEl>
+                </p:cond>
+              </p:prevCondLst>
+              <p:nextCondLst>
+                <p:cond evt="onNext" delay="0">
+                  <p:tgtEl>
+                    <p:sldTgt/>
+                  </p:tgtEl>
+                </p:cond>
+              </p:nextCondLst>
+            </p:seq>
+          </p:childTnLst>
+        </p:cTn>
+      </p:par>
+    </p:tnLst>
+  </p:timing>
+</p:sld>
+</file>
+
+<file path=ppt/slides/slide31.xml><?xml version="1.0" encoding="utf-8"?>
 <p:sld xmlns:a="http://schemas.openxmlformats.org/drawingml/2006/main" xmlns:r="http://schemas.openxmlformats.org/officeDocument/2006/relationships" xmlns:p="http://schemas.openxmlformats.org/presentationml/2006/main">
   <p:cSld>
     <p:spTree>
@@ -14244,15 +14740,42 @@
               </a:lnSpc>
             </a:pPr>
             <a:r>
-              <a:rPr lang="en-US" sz="4400">
+              <a:rPr lang="en-US" sz="4400" dirty="0" err="1">
                 <a:solidFill>
                   <a:srgbClr val="000000"/>
                 </a:solidFill>
                 <a:latin typeface="Calibri Light"/>
               </a:rPr>
-              <a:t>Estudo das frequências </a:t>
-            </a:r>
-            <a:endParaRPr/>
+              <a:t>Estudo</a:t>
+            </a:r>
+            <a:r>
+              <a:rPr lang="en-US" sz="4400" dirty="0">
+                <a:solidFill>
+                  <a:srgbClr val="000000"/>
+                </a:solidFill>
+                <a:latin typeface="Calibri Light"/>
+              </a:rPr>
+              <a:t> das </a:t>
+            </a:r>
+            <a:r>
+              <a:rPr lang="en-US" sz="4400" dirty="0" err="1">
+                <a:solidFill>
+                  <a:srgbClr val="000000"/>
+                </a:solidFill>
+                <a:latin typeface="Calibri Light"/>
+              </a:rPr>
+              <a:t>frequências</a:t>
+            </a:r>
+            <a:r>
+              <a:rPr lang="en-US" sz="4400" dirty="0">
+                <a:solidFill>
+                  <a:srgbClr val="000000"/>
+                </a:solidFill>
+                <a:latin typeface="Calibri Light"/>
+              </a:rPr>
+              <a:t> </a:t>
+            </a:r>
+            <a:endParaRPr dirty="0"/>
           </a:p>
         </p:txBody>
       </p:sp>
@@ -14287,7 +14810,7 @@
               <a:buChar char="•"/>
             </a:pPr>
             <a:r>
-              <a:rPr lang="en-US" sz="2800" dirty="0">
+              <a:rPr lang="en-US" sz="3000" dirty="0">
                 <a:solidFill>
                   <a:srgbClr val="000000"/>
                 </a:solidFill>
@@ -14296,7 +14819,7 @@
               <a:t> </a:t>
             </a:r>
             <a:r>
-              <a:rPr lang="en-US" sz="2800" dirty="0" err="1">
+              <a:rPr lang="en-US" sz="3000" dirty="0" err="1">
                 <a:solidFill>
                   <a:srgbClr val="000000"/>
                 </a:solidFill>
@@ -14305,7 +14828,7 @@
               <a:t>Frequência</a:t>
             </a:r>
             <a:r>
-              <a:rPr lang="en-US" sz="2800" dirty="0">
+              <a:rPr lang="en-US" sz="3000" dirty="0">
                 <a:solidFill>
                   <a:srgbClr val="000000"/>
                 </a:solidFill>
@@ -14314,7 +14837,7 @@
               <a:t> </a:t>
             </a:r>
             <a:r>
-              <a:rPr lang="en-US" sz="2800" dirty="0" err="1">
+              <a:rPr lang="en-US" sz="3000" dirty="0" err="1">
                 <a:solidFill>
                   <a:srgbClr val="000000"/>
                 </a:solidFill>
@@ -14323,7 +14846,7 @@
               <a:t>absoluta</a:t>
             </a:r>
             <a:r>
-              <a:rPr lang="en-US" sz="2800" dirty="0">
+              <a:rPr lang="en-US" sz="3000" dirty="0">
                 <a:solidFill>
                   <a:srgbClr val="000000"/>
                 </a:solidFill>
@@ -14332,7 +14855,7 @@
               <a:t>: </a:t>
             </a:r>
             <a:r>
-              <a:rPr lang="en-US" sz="2800" dirty="0" err="1">
+              <a:rPr lang="en-US" sz="3000" dirty="0" err="1">
                 <a:solidFill>
                   <a:srgbClr val="000000"/>
                 </a:solidFill>
@@ -14341,7 +14864,7 @@
               <a:t>número</a:t>
             </a:r>
             <a:r>
-              <a:rPr lang="en-US" sz="2800" dirty="0">
+              <a:rPr lang="en-US" sz="3000" dirty="0">
                 <a:solidFill>
                   <a:srgbClr val="000000"/>
                 </a:solidFill>
@@ -14350,7 +14873,7 @@
               <a:t> de </a:t>
             </a:r>
             <a:r>
-              <a:rPr lang="en-US" sz="2800" dirty="0" err="1">
+              <a:rPr lang="en-US" sz="3000" dirty="0" err="1">
                 <a:solidFill>
                   <a:srgbClr val="000000"/>
                 </a:solidFill>
@@ -14359,7 +14882,7 @@
               <a:t>vezes</a:t>
             </a:r>
             <a:r>
-              <a:rPr lang="en-US" sz="2800" dirty="0">
+              <a:rPr lang="en-US" sz="3000" dirty="0">
                 <a:solidFill>
                   <a:srgbClr val="000000"/>
                 </a:solidFill>
@@ -14368,7 +14891,7 @@
               <a:t> que um </a:t>
             </a:r>
             <a:r>
-              <a:rPr lang="en-US" sz="2800" dirty="0" err="1">
+              <a:rPr lang="en-US" sz="3000" dirty="0" err="1">
                 <a:solidFill>
                   <a:srgbClr val="000000"/>
                 </a:solidFill>
@@ -14377,7 +14900,7 @@
               <a:t>determinado</a:t>
             </a:r>
             <a:r>
-              <a:rPr lang="en-US" sz="2800" dirty="0">
+              <a:rPr lang="en-US" sz="3000" dirty="0">
                 <a:solidFill>
                   <a:srgbClr val="000000"/>
                 </a:solidFill>
@@ -14386,7 +14909,7 @@
               <a:t> </a:t>
             </a:r>
             <a:r>
-              <a:rPr lang="en-US" sz="2800" dirty="0" err="1">
+              <a:rPr lang="en-US" sz="3000" dirty="0" err="1">
                 <a:solidFill>
                   <a:srgbClr val="000000"/>
                 </a:solidFill>
@@ -14395,7 +14918,7 @@
               <a:t>evento</a:t>
             </a:r>
             <a:r>
-              <a:rPr lang="en-US" sz="2800" dirty="0">
+              <a:rPr lang="en-US" sz="3000" dirty="0">
                 <a:solidFill>
                   <a:srgbClr val="000000"/>
                 </a:solidFill>
@@ -14404,7 +14927,7 @@
               <a:t> </a:t>
             </a:r>
             <a:r>
-              <a:rPr lang="en-US" sz="2800" dirty="0" err="1">
+              <a:rPr lang="en-US" sz="3000" dirty="0" err="1">
                 <a:solidFill>
                   <a:srgbClr val="000000"/>
                 </a:solidFill>
@@ -14413,7 +14936,7 @@
               <a:t>ocorreu</a:t>
             </a:r>
             <a:r>
-              <a:rPr lang="en-US" sz="2800" dirty="0">
+              <a:rPr lang="en-US" sz="3000" dirty="0">
                 <a:solidFill>
                   <a:srgbClr val="000000"/>
                 </a:solidFill>
@@ -14422,7 +14945,7 @@
               <a:t> </a:t>
             </a:r>
             <a:r>
-              <a:rPr lang="en-US" sz="2800" dirty="0" err="1">
+              <a:rPr lang="en-US" sz="3000" dirty="0" err="1">
                 <a:solidFill>
                   <a:srgbClr val="000000"/>
                 </a:solidFill>
@@ -14431,7 +14954,7 @@
               <a:t>em</a:t>
             </a:r>
             <a:r>
-              <a:rPr lang="en-US" sz="2800" dirty="0">
+              <a:rPr lang="en-US" sz="3000" dirty="0">
                 <a:solidFill>
                   <a:srgbClr val="000000"/>
                 </a:solidFill>
@@ -14440,7 +14963,7 @@
               <a:t> um </a:t>
             </a:r>
             <a:r>
-              <a:rPr lang="en-US" sz="2800" dirty="0" err="1">
+              <a:rPr lang="en-US" sz="3000" dirty="0" err="1">
                 <a:solidFill>
                   <a:srgbClr val="000000"/>
                 </a:solidFill>
@@ -14448,7 +14971,7 @@
               </a:rPr>
               <a:t>experimento</a:t>
             </a:r>
-            <a:endParaRPr lang="en-US" sz="2800" dirty="0">
+            <a:endParaRPr lang="en-US" sz="3000" dirty="0">
               <a:solidFill>
                 <a:srgbClr val="000000"/>
               </a:solidFill>
@@ -14463,7 +14986,12 @@
               <a:buFont typeface="Arial"/>
               <a:buChar char="•"/>
             </a:pPr>
-            <a:endParaRPr dirty="0"/>
+            <a:endParaRPr lang="en-US" sz="3000" dirty="0">
+              <a:solidFill>
+                <a:srgbClr val="000000"/>
+              </a:solidFill>
+              <a:latin typeface="Calibri"/>
+            </a:endParaRPr>
           </a:p>
           <a:p>
             <a:pPr>
@@ -14471,7 +14999,7 @@
                 <a:spcPct val="90000"/>
               </a:lnSpc>
             </a:pPr>
-            <a:endParaRPr dirty="0"/>
+            <a:endParaRPr sz="3000" dirty="0"/>
           </a:p>
           <a:p>
             <a:pPr>
@@ -14482,7 +15010,7 @@
               <a:buChar char="•"/>
             </a:pPr>
             <a:r>
-              <a:rPr lang="en-US" sz="2800" dirty="0">
+              <a:rPr lang="en-US" sz="3000" dirty="0">
                 <a:solidFill>
                   <a:srgbClr val="000000"/>
                 </a:solidFill>
@@ -14491,7 +15019,7 @@
               <a:t> </a:t>
             </a:r>
             <a:r>
-              <a:rPr lang="en-US" sz="2800" dirty="0" err="1">
+              <a:rPr lang="en-US" sz="3000" dirty="0" err="1">
                 <a:solidFill>
                   <a:srgbClr val="000000"/>
                 </a:solidFill>
@@ -14500,7 +15028,7 @@
               <a:t>Espaço</a:t>
             </a:r>
             <a:r>
-              <a:rPr lang="en-US" sz="2800" dirty="0">
+              <a:rPr lang="en-US" sz="3000" dirty="0">
                 <a:solidFill>
                   <a:srgbClr val="000000"/>
                 </a:solidFill>
@@ -14509,7 +15037,7 @@
               <a:t> </a:t>
             </a:r>
             <a:r>
-              <a:rPr lang="en-US" sz="2800" dirty="0" err="1">
+              <a:rPr lang="en-US" sz="3000" dirty="0" err="1">
                 <a:solidFill>
                   <a:srgbClr val="000000"/>
                 </a:solidFill>
@@ -14518,7 +15046,7 @@
               <a:t>amostral</a:t>
             </a:r>
             <a:r>
-              <a:rPr lang="en-US" sz="2800" dirty="0">
+              <a:rPr lang="en-US" sz="3000" dirty="0">
                 <a:solidFill>
                   <a:srgbClr val="000000"/>
                 </a:solidFill>
@@ -14527,7 +15055,7 @@
               <a:t> (</a:t>
             </a:r>
             <a:r>
-              <a:rPr lang="en-US" sz="2800" dirty="0" err="1">
+              <a:rPr lang="en-US" sz="3000" dirty="0" err="1">
                 <a:solidFill>
                   <a:srgbClr val="000000"/>
                 </a:solidFill>
@@ -14536,7 +15064,7 @@
               <a:t>ou</a:t>
             </a:r>
             <a:r>
-              <a:rPr lang="en-US" sz="2800" dirty="0">
+              <a:rPr lang="en-US" sz="3000" dirty="0">
                 <a:solidFill>
                   <a:srgbClr val="000000"/>
                 </a:solidFill>
@@ -14545,7 +15073,7 @@
               <a:t> </a:t>
             </a:r>
             <a:r>
-              <a:rPr lang="en-US" sz="2800" dirty="0" err="1">
+              <a:rPr lang="en-US" sz="3000" dirty="0" err="1">
                 <a:solidFill>
                   <a:srgbClr val="000000"/>
                 </a:solidFill>
@@ -14554,7 +15082,7 @@
               <a:t>universo</a:t>
             </a:r>
             <a:r>
-              <a:rPr lang="en-US" sz="2800" dirty="0">
+              <a:rPr lang="en-US" sz="3000" dirty="0">
                 <a:solidFill>
                   <a:srgbClr val="000000"/>
                 </a:solidFill>
@@ -14563,7 +15091,7 @@
               <a:t> de </a:t>
             </a:r>
             <a:r>
-              <a:rPr lang="en-US" sz="2800" dirty="0" err="1">
+              <a:rPr lang="en-US" sz="3000" dirty="0" err="1">
                 <a:solidFill>
                   <a:srgbClr val="000000"/>
                 </a:solidFill>
@@ -14572,7 +15100,7 @@
               <a:t>estudo</a:t>
             </a:r>
             <a:r>
-              <a:rPr lang="en-US" sz="2800" dirty="0">
+              <a:rPr lang="en-US" sz="3000" dirty="0">
                 <a:solidFill>
                   <a:srgbClr val="000000"/>
                 </a:solidFill>
@@ -14581,7 +15109,7 @@
               <a:t>): </a:t>
             </a:r>
             <a:r>
-              <a:rPr lang="en-US" sz="2800" dirty="0" err="1">
+              <a:rPr lang="en-US" sz="3000" dirty="0" err="1">
                 <a:solidFill>
                   <a:srgbClr val="000000"/>
                 </a:solidFill>
@@ -14590,7 +15118,7 @@
               <a:t>conjunto</a:t>
             </a:r>
             <a:r>
-              <a:rPr lang="en-US" sz="2800" dirty="0">
+              <a:rPr lang="en-US" sz="3000" dirty="0">
                 <a:solidFill>
                   <a:srgbClr val="000000"/>
                 </a:solidFill>
@@ -14599,7 +15127,7 @@
               <a:t> de </a:t>
             </a:r>
             <a:r>
-              <a:rPr lang="en-US" sz="2800" dirty="0" err="1">
+              <a:rPr lang="en-US" sz="3000" dirty="0" err="1">
                 <a:solidFill>
                   <a:srgbClr val="000000"/>
                 </a:solidFill>
@@ -14608,7 +15136,7 @@
               <a:t>todos</a:t>
             </a:r>
             <a:r>
-              <a:rPr lang="en-US" sz="2800" dirty="0">
+              <a:rPr lang="en-US" sz="3000" dirty="0">
                 <a:solidFill>
                   <a:srgbClr val="000000"/>
                 </a:solidFill>
@@ -14617,7 +15145,7 @@
               <a:t> </a:t>
             </a:r>
             <a:r>
-              <a:rPr lang="en-US" sz="2800" dirty="0" err="1">
+              <a:rPr lang="en-US" sz="3000" dirty="0" err="1">
                 <a:solidFill>
                   <a:srgbClr val="000000"/>
                 </a:solidFill>
@@ -14626,7 +15154,7 @@
               <a:t>os</a:t>
             </a:r>
             <a:r>
-              <a:rPr lang="en-US" sz="2800" dirty="0">
+              <a:rPr lang="en-US" sz="3000" dirty="0">
                 <a:solidFill>
                   <a:srgbClr val="000000"/>
                 </a:solidFill>
@@ -14635,7 +15163,7 @@
               <a:t> </a:t>
             </a:r>
             <a:r>
-              <a:rPr lang="en-US" sz="2800" dirty="0" err="1">
+              <a:rPr lang="en-US" sz="3000" dirty="0" err="1">
                 <a:solidFill>
                   <a:srgbClr val="000000"/>
                 </a:solidFill>
@@ -14644,7 +15172,7 @@
               <a:t>resultados</a:t>
             </a:r>
             <a:r>
-              <a:rPr lang="en-US" sz="2800" dirty="0">
+              <a:rPr lang="en-US" sz="3000" dirty="0">
                 <a:solidFill>
                   <a:srgbClr val="000000"/>
                 </a:solidFill>
@@ -14653,7 +15181,7 @@
               <a:t> </a:t>
             </a:r>
             <a:r>
-              <a:rPr lang="en-US" sz="2800" dirty="0" err="1">
+              <a:rPr lang="en-US" sz="3000" dirty="0" err="1">
                 <a:solidFill>
                   <a:srgbClr val="000000"/>
                 </a:solidFill>
@@ -14662,24 +15190,14 @@
               <a:t>possíveis</a:t>
             </a:r>
             <a:r>
-              <a:rPr lang="en-US" sz="2800" dirty="0">
+              <a:rPr lang="en-US" sz="3000" dirty="0">
                 <a:solidFill>
                   <a:srgbClr val="000000"/>
                 </a:solidFill>
                 <a:latin typeface="Calibri"/>
               </a:rPr>
-              <a:t> do </a:t>
-            </a:r>
-            <a:r>
-              <a:rPr lang="en-US" sz="2800" dirty="0" err="1">
-                <a:solidFill>
-                  <a:srgbClr val="000000"/>
-                </a:solidFill>
-                <a:latin typeface="Calibri"/>
-              </a:rPr>
-              <a:t>experimento</a:t>
-            </a:r>
-            <a:endParaRPr dirty="0"/>
+              <a:t> do experiment</a:t>
+            </a:r>
           </a:p>
           <a:p>
             <a:pPr>
@@ -14687,7 +15205,7 @@
                 <a:spcPct val="90000"/>
               </a:lnSpc>
             </a:pPr>
-            <a:endParaRPr lang="pt-BR" dirty="0"/>
+            <a:endParaRPr lang="pt-BR" sz="3000" dirty="0"/>
           </a:p>
           <a:p>
             <a:pPr>
@@ -14695,7 +15213,7 @@
                 <a:spcPct val="90000"/>
               </a:lnSpc>
             </a:pPr>
-            <a:endParaRPr dirty="0"/>
+            <a:endParaRPr sz="3000" dirty="0"/>
           </a:p>
           <a:p>
             <a:pPr>
@@ -14706,7 +15224,7 @@
               <a:buChar char="•"/>
             </a:pPr>
             <a:r>
-              <a:rPr lang="en-US" sz="2800" dirty="0">
+              <a:rPr lang="en-US" sz="3000" dirty="0">
                 <a:solidFill>
                   <a:srgbClr val="000000"/>
                 </a:solidFill>
@@ -14715,7 +15233,7 @@
               <a:t> </a:t>
             </a:r>
             <a:r>
-              <a:rPr lang="en-US" sz="2800" dirty="0" err="1">
+              <a:rPr lang="en-US" sz="3000" dirty="0" err="1">
                 <a:solidFill>
                   <a:srgbClr val="000000"/>
                 </a:solidFill>
@@ -14724,7 +15242,7 @@
               <a:t>Moda</a:t>
             </a:r>
             <a:r>
-              <a:rPr lang="en-US" sz="2800" dirty="0">
+              <a:rPr lang="en-US" sz="3000" dirty="0">
                 <a:solidFill>
                   <a:srgbClr val="000000"/>
                 </a:solidFill>
@@ -14733,7 +15251,7 @@
               <a:t>: o valor que </a:t>
             </a:r>
             <a:r>
-              <a:rPr lang="en-US" sz="2800" dirty="0" err="1">
+              <a:rPr lang="en-US" sz="3000" dirty="0" err="1">
                 <a:solidFill>
                   <a:srgbClr val="000000"/>
                 </a:solidFill>
@@ -14742,7 +15260,7 @@
               <a:t>ocorre</a:t>
             </a:r>
             <a:r>
-              <a:rPr lang="en-US" sz="2800" dirty="0">
+              <a:rPr lang="en-US" sz="3000" dirty="0">
                 <a:solidFill>
                   <a:srgbClr val="000000"/>
                 </a:solidFill>
@@ -14751,7 +15269,7 @@
               <a:t> com </a:t>
             </a:r>
             <a:r>
-              <a:rPr lang="en-US" sz="2800" dirty="0" err="1">
+              <a:rPr lang="en-US" sz="3000" dirty="0" err="1">
                 <a:solidFill>
                   <a:srgbClr val="000000"/>
                 </a:solidFill>
@@ -14760,7 +15278,7 @@
               <a:t>maior</a:t>
             </a:r>
             <a:r>
-              <a:rPr lang="en-US" sz="2800" dirty="0">
+              <a:rPr lang="en-US" sz="3000" dirty="0">
                 <a:solidFill>
                   <a:srgbClr val="000000"/>
                 </a:solidFill>
@@ -14769,7 +15287,7 @@
               <a:t> </a:t>
             </a:r>
             <a:r>
-              <a:rPr lang="en-US" sz="2800" dirty="0" err="1">
+              <a:rPr lang="en-US" sz="3000" dirty="0" err="1">
                 <a:solidFill>
                   <a:srgbClr val="000000"/>
                 </a:solidFill>
@@ -14778,7 +15296,7 @@
               <a:t>frequência</a:t>
             </a:r>
             <a:r>
-              <a:rPr lang="en-US" sz="2800" dirty="0">
+              <a:rPr lang="en-US" sz="3000" dirty="0">
                 <a:solidFill>
                   <a:srgbClr val="000000"/>
                 </a:solidFill>
@@ -14787,7 +15305,7 @@
               <a:t> no </a:t>
             </a:r>
             <a:r>
-              <a:rPr lang="en-US" sz="2800" dirty="0" err="1">
+              <a:rPr lang="en-US" sz="3000" dirty="0" err="1">
                 <a:solidFill>
                   <a:srgbClr val="000000"/>
                 </a:solidFill>
@@ -14796,7 +15314,7 @@
               <a:t>conjunto</a:t>
             </a:r>
             <a:r>
-              <a:rPr lang="en-US" sz="2800" dirty="0">
+              <a:rPr lang="en-US" sz="3000" dirty="0">
                 <a:solidFill>
                   <a:srgbClr val="000000"/>
                 </a:solidFill>
@@ -14804,7 +15322,7 @@
               </a:rPr>
               <a:t>.</a:t>
             </a:r>
-            <a:endParaRPr dirty="0"/>
+            <a:endParaRPr sz="3000" dirty="0"/>
           </a:p>
         </p:txBody>
       </p:sp>
@@ -15081,7 +15599,25 @@
                 </a:solidFill>
                 <a:latin typeface="Calibri light"/>
               </a:rPr>
-              <a:t> open() para </a:t>
+              <a:t> </a:t>
+            </a:r>
+            <a:r>
+              <a:rPr lang="en-US" sz="2400" dirty="0">
+                <a:solidFill>
+                  <a:srgbClr val="000000"/>
+                </a:solidFill>
+                <a:latin typeface="Lucida Console" panose="020B0609040504020204" pitchFamily="49" charset="0"/>
+              </a:rPr>
+              <a:t>open()</a:t>
+            </a:r>
+            <a:r>
+              <a:rPr lang="en-US" sz="2800" dirty="0">
+                <a:solidFill>
+                  <a:srgbClr val="000000"/>
+                </a:solidFill>
+                <a:latin typeface="Calibri light"/>
+              </a:rPr>
+              <a:t> para </a:t>
             </a:r>
             <a:r>
               <a:rPr lang="en-US" sz="2800" dirty="0" err="1">
